--- a/Presentation1.pptx
+++ b/Presentation1.pptx
@@ -105,6 +105,11 @@
       </a:defRPr>
     </a:lvl9pPr>
   </p:defaultTextStyle>
+  <p:extLst>
+    <p:ext uri="{EFAFB233-063F-42B5-8137-9DF3F51BA10A}">
+      <p15:sldGuideLst xmlns:p15="http://schemas.microsoft.com/office/powerpoint/2012/main"/>
+    </p:ext>
+  </p:extLst>
 </p:presentation>
 </file>
 
@@ -255,7 +260,7 @@
           <a:p>
             <a:fld id="{A3BD12BA-AA1F-4F86-A3C7-6A440B6A9EEF}" type="datetimeFigureOut">
               <a:rPr lang="en-GB" smtClean="0"/>
-              <a:t>22/10/2024</a:t>
+              <a:t>08/11/2024</a:t>
             </a:fld>
             <a:endParaRPr lang="en-GB"/>
           </a:p>
@@ -453,7 +458,7 @@
           <a:p>
             <a:fld id="{A3BD12BA-AA1F-4F86-A3C7-6A440B6A9EEF}" type="datetimeFigureOut">
               <a:rPr lang="en-GB" smtClean="0"/>
-              <a:t>22/10/2024</a:t>
+              <a:t>08/11/2024</a:t>
             </a:fld>
             <a:endParaRPr lang="en-GB"/>
           </a:p>
@@ -661,7 +666,7 @@
           <a:p>
             <a:fld id="{A3BD12BA-AA1F-4F86-A3C7-6A440B6A9EEF}" type="datetimeFigureOut">
               <a:rPr lang="en-GB" smtClean="0"/>
-              <a:t>22/10/2024</a:t>
+              <a:t>08/11/2024</a:t>
             </a:fld>
             <a:endParaRPr lang="en-GB"/>
           </a:p>
@@ -859,7 +864,7 @@
           <a:p>
             <a:fld id="{A3BD12BA-AA1F-4F86-A3C7-6A440B6A9EEF}" type="datetimeFigureOut">
               <a:rPr lang="en-GB" smtClean="0"/>
-              <a:t>22/10/2024</a:t>
+              <a:t>08/11/2024</a:t>
             </a:fld>
             <a:endParaRPr lang="en-GB"/>
           </a:p>
@@ -1134,7 +1139,7 @@
           <a:p>
             <a:fld id="{A3BD12BA-AA1F-4F86-A3C7-6A440B6A9EEF}" type="datetimeFigureOut">
               <a:rPr lang="en-GB" smtClean="0"/>
-              <a:t>22/10/2024</a:t>
+              <a:t>08/11/2024</a:t>
             </a:fld>
             <a:endParaRPr lang="en-GB"/>
           </a:p>
@@ -1399,7 +1404,7 @@
           <a:p>
             <a:fld id="{A3BD12BA-AA1F-4F86-A3C7-6A440B6A9EEF}" type="datetimeFigureOut">
               <a:rPr lang="en-GB" smtClean="0"/>
-              <a:t>22/10/2024</a:t>
+              <a:t>08/11/2024</a:t>
             </a:fld>
             <a:endParaRPr lang="en-GB"/>
           </a:p>
@@ -1811,7 +1816,7 @@
           <a:p>
             <a:fld id="{A3BD12BA-AA1F-4F86-A3C7-6A440B6A9EEF}" type="datetimeFigureOut">
               <a:rPr lang="en-GB" smtClean="0"/>
-              <a:t>22/10/2024</a:t>
+              <a:t>08/11/2024</a:t>
             </a:fld>
             <a:endParaRPr lang="en-GB"/>
           </a:p>
@@ -1952,7 +1957,7 @@
           <a:p>
             <a:fld id="{A3BD12BA-AA1F-4F86-A3C7-6A440B6A9EEF}" type="datetimeFigureOut">
               <a:rPr lang="en-GB" smtClean="0"/>
-              <a:t>22/10/2024</a:t>
+              <a:t>08/11/2024</a:t>
             </a:fld>
             <a:endParaRPr lang="en-GB"/>
           </a:p>
@@ -2065,7 +2070,7 @@
           <a:p>
             <a:fld id="{A3BD12BA-AA1F-4F86-A3C7-6A440B6A9EEF}" type="datetimeFigureOut">
               <a:rPr lang="en-GB" smtClean="0"/>
-              <a:t>22/10/2024</a:t>
+              <a:t>08/11/2024</a:t>
             </a:fld>
             <a:endParaRPr lang="en-GB"/>
           </a:p>
@@ -2376,7 +2381,7 @@
           <a:p>
             <a:fld id="{A3BD12BA-AA1F-4F86-A3C7-6A440B6A9EEF}" type="datetimeFigureOut">
               <a:rPr lang="en-GB" smtClean="0"/>
-              <a:t>22/10/2024</a:t>
+              <a:t>08/11/2024</a:t>
             </a:fld>
             <a:endParaRPr lang="en-GB"/>
           </a:p>
@@ -2664,7 +2669,7 @@
           <a:p>
             <a:fld id="{A3BD12BA-AA1F-4F86-A3C7-6A440B6A9EEF}" type="datetimeFigureOut">
               <a:rPr lang="en-GB" smtClean="0"/>
-              <a:t>22/10/2024</a:t>
+              <a:t>08/11/2024</a:t>
             </a:fld>
             <a:endParaRPr lang="en-GB"/>
           </a:p>
@@ -2905,7 +2910,7 @@
           <a:p>
             <a:fld id="{A3BD12BA-AA1F-4F86-A3C7-6A440B6A9EEF}" type="datetimeFigureOut">
               <a:rPr lang="en-GB" smtClean="0"/>
-              <a:t>22/10/2024</a:t>
+              <a:t>08/11/2024</a:t>
             </a:fld>
             <a:endParaRPr lang="en-GB"/>
           </a:p>
@@ -4566,65 +4571,6 @@
           </a:fontRef>
         </p:style>
       </p:cxnSp>
-      <p:sp>
-        <p:nvSpPr>
-          <p:cNvPr id="2" name="Rectangle 1">
-            <a:extLst>
-              <a:ext uri="{FF2B5EF4-FFF2-40B4-BE49-F238E27FC236}">
-                <a16:creationId xmlns:a16="http://schemas.microsoft.com/office/drawing/2014/main" id="{2A17F769-9465-4CE9-1C69-B26D95BF9D20}"/>
-              </a:ext>
-            </a:extLst>
-          </p:cNvPr>
-          <p:cNvSpPr/>
-          <p:nvPr/>
-        </p:nvSpPr>
-        <p:spPr>
-          <a:xfrm>
-            <a:off x="2834640" y="1721601"/>
-            <a:ext cx="2953511" cy="804672"/>
-          </a:xfrm>
-          <a:prstGeom prst="rect">
-            <a:avLst/>
-          </a:prstGeom>
-          <a:solidFill>
-            <a:schemeClr val="tx2">
-              <a:lumMod val="25000"/>
-              <a:lumOff val="75000"/>
-            </a:schemeClr>
-          </a:solidFill>
-          <a:ln>
-            <a:noFill/>
-          </a:ln>
-        </p:spPr>
-        <p:style>
-          <a:lnRef idx="2">
-            <a:schemeClr val="accent1">
-              <a:shade val="15000"/>
-            </a:schemeClr>
-          </a:lnRef>
-          <a:fillRef idx="1">
-            <a:schemeClr val="accent1"/>
-          </a:fillRef>
-          <a:effectRef idx="0">
-            <a:schemeClr val="accent1"/>
-          </a:effectRef>
-          <a:fontRef idx="minor">
-            <a:schemeClr val="lt1"/>
-          </a:fontRef>
-        </p:style>
-        <p:txBody>
-          <a:bodyPr rtlCol="0" anchor="ctr"/>
-          <a:lstStyle/>
-          <a:p>
-            <a:pPr algn="ctr"/>
-            <a:r>
-              <a:rPr lang="en-GB" dirty="0" err="1"/>
-              <a:t>GameRule_Guy_Respawn</a:t>
-            </a:r>
-            <a:endParaRPr lang="en-GB" dirty="0"/>
-          </a:p>
-        </p:txBody>
-      </p:sp>
       <p:cxnSp>
         <p:nvCxnSpPr>
           <p:cNvPr id="3" name="Straight Arrow Connector 2">
@@ -4636,15 +4582,15 @@
           </p:cNvPr>
           <p:cNvCxnSpPr>
             <a:cxnSpLocks/>
-            <a:stCxn id="6" idx="1"/>
-            <a:endCxn id="2" idx="2"/>
+            <a:stCxn id="6" idx="0"/>
+            <a:endCxn id="5" idx="2"/>
           </p:cNvCxnSpPr>
           <p:nvPr/>
         </p:nvCxnSpPr>
         <p:spPr>
-          <a:xfrm flipH="1" flipV="1">
-            <a:off x="4311396" y="2526273"/>
-            <a:ext cx="2031492" cy="1161807"/>
+          <a:xfrm flipV="1">
+            <a:off x="7193280" y="2529840"/>
+            <a:ext cx="0" cy="755904"/>
           </a:xfrm>
           <a:prstGeom prst="straightConnector1">
             <a:avLst/>
@@ -4681,9 +4627,9 @@
           <p:nvPr/>
         </p:nvSpPr>
         <p:spPr>
-          <a:xfrm rot="1714759">
-            <a:off x="4771612" y="2879292"/>
-            <a:ext cx="1400556" cy="646331"/>
+          <a:xfrm>
+            <a:off x="5612979" y="2723126"/>
+            <a:ext cx="1545257" cy="369332"/>
           </a:xfrm>
           <a:prstGeom prst="rect">
             <a:avLst/>
@@ -4699,99 +4645,9 @@
             <a:pPr algn="ctr"/>
             <a:r>
               <a:rPr lang="en-GB" dirty="0" err="1"/>
-              <a:t>AlertDeath</a:t>
-            </a:r>
-            <a:r>
-              <a:rPr lang="en-GB" dirty="0"/>
-              <a:t>()</a:t>
-            </a:r>
-          </a:p>
-          <a:p>
-            <a:pPr algn="ctr"/>
-            <a:r>
-              <a:rPr lang="en-GB" dirty="0"/>
-              <a:t>&lt;Interface&gt;</a:t>
-            </a:r>
-          </a:p>
-        </p:txBody>
-      </p:sp>
-      <p:cxnSp>
-        <p:nvCxnSpPr>
-          <p:cNvPr id="14" name="Straight Arrow Connector 13">
-            <a:extLst>
-              <a:ext uri="{FF2B5EF4-FFF2-40B4-BE49-F238E27FC236}">
-                <a16:creationId xmlns:a16="http://schemas.microsoft.com/office/drawing/2014/main" id="{6220C0B8-CACC-D4FA-CAAE-6411C7CF4EDF}"/>
-              </a:ext>
-            </a:extLst>
-          </p:cNvPr>
-          <p:cNvCxnSpPr>
-            <a:cxnSpLocks/>
-            <a:stCxn id="2" idx="0"/>
-            <a:endCxn id="4" idx="1"/>
-          </p:cNvCxnSpPr>
-          <p:nvPr/>
-        </p:nvCxnSpPr>
-        <p:spPr>
-          <a:xfrm flipV="1">
-            <a:off x="4311396" y="566928"/>
-            <a:ext cx="2031492" cy="1154673"/>
-          </a:xfrm>
-          <a:prstGeom prst="straightConnector1">
-            <a:avLst/>
-          </a:prstGeom>
-          <a:ln>
-            <a:tailEnd type="triangle"/>
-          </a:ln>
-        </p:spPr>
-        <p:style>
-          <a:lnRef idx="2">
-            <a:schemeClr val="accent1"/>
-          </a:lnRef>
-          <a:fillRef idx="0">
-            <a:schemeClr val="accent1"/>
-          </a:fillRef>
-          <a:effectRef idx="1">
-            <a:schemeClr val="accent1"/>
-          </a:effectRef>
-          <a:fontRef idx="minor">
-            <a:schemeClr val="tx1"/>
-          </a:fontRef>
-        </p:style>
-      </p:cxnSp>
-      <p:sp>
-        <p:nvSpPr>
-          <p:cNvPr id="20" name="TextBox 19">
-            <a:extLst>
-              <a:ext uri="{FF2B5EF4-FFF2-40B4-BE49-F238E27FC236}">
-                <a16:creationId xmlns:a16="http://schemas.microsoft.com/office/drawing/2014/main" id="{94D0917C-9714-1EDD-69DE-F0A8C3D710C5}"/>
-              </a:ext>
-            </a:extLst>
-          </p:cNvPr>
-          <p:cNvSpPr txBox="1"/>
-          <p:nvPr/>
-        </p:nvSpPr>
-        <p:spPr>
-          <a:xfrm rot="19812161">
-            <a:off x="3691434" y="963280"/>
-            <a:ext cx="2786654" cy="307777"/>
-          </a:xfrm>
-          <a:prstGeom prst="rect">
-            <a:avLst/>
-          </a:prstGeom>
-          <a:noFill/>
-        </p:spPr>
-        <p:txBody>
-          <a:bodyPr wrap="square" rtlCol="0">
-            <a:spAutoFit/>
-          </a:bodyPr>
-          <a:lstStyle/>
-          <a:p>
-            <a:pPr algn="ctr"/>
-            <a:r>
-              <a:rPr lang="en-GB" sz="1400" dirty="0" err="1"/>
-              <a:t>OnPuzzleGameRuleComplete</a:t>
-            </a:r>
-            <a:endParaRPr lang="en-GB" sz="1400" dirty="0"/>
+              <a:t>OnGuyDeath</a:t>
+            </a:r>
+            <a:endParaRPr lang="en-GB" dirty="0"/>
           </a:p>
         </p:txBody>
       </p:sp>
@@ -4965,7 +4821,6 @@
           <p:cNvCxnSpPr>
             <a:cxnSpLocks/>
             <a:stCxn id="21" idx="3"/>
-            <a:endCxn id="20" idx="3"/>
           </p:cNvCxnSpPr>
           <p:nvPr/>
         </p:nvCxnSpPr>
@@ -5293,6 +5148,84 @@
           </a:p>
         </p:txBody>
       </p:sp>
+      <p:sp>
+        <p:nvSpPr>
+          <p:cNvPr id="15" name="TextBox 14">
+            <a:extLst>
+              <a:ext uri="{FF2B5EF4-FFF2-40B4-BE49-F238E27FC236}">
+                <a16:creationId xmlns:a16="http://schemas.microsoft.com/office/drawing/2014/main" id="{3E0D3DEE-7471-886C-1F01-53939B42904A}"/>
+              </a:ext>
+            </a:extLst>
+          </p:cNvPr>
+          <p:cNvSpPr txBox="1"/>
+          <p:nvPr/>
+        </p:nvSpPr>
+        <p:spPr>
+          <a:xfrm>
+            <a:off x="5258077" y="1163319"/>
+            <a:ext cx="1900159" cy="369332"/>
+          </a:xfrm>
+          <a:prstGeom prst="rect">
+            <a:avLst/>
+          </a:prstGeom>
+          <a:noFill/>
+        </p:spPr>
+        <p:txBody>
+          <a:bodyPr wrap="square" rtlCol="0">
+            <a:spAutoFit/>
+          </a:bodyPr>
+          <a:lstStyle/>
+          <a:p>
+            <a:pPr algn="ctr"/>
+            <a:r>
+              <a:rPr lang="en-GB" dirty="0" err="1"/>
+              <a:t>OnRespawnAlert</a:t>
+            </a:r>
+            <a:endParaRPr lang="en-GB" dirty="0"/>
+          </a:p>
+        </p:txBody>
+      </p:sp>
+      <p:cxnSp>
+        <p:nvCxnSpPr>
+          <p:cNvPr id="18" name="Straight Arrow Connector 17">
+            <a:extLst>
+              <a:ext uri="{FF2B5EF4-FFF2-40B4-BE49-F238E27FC236}">
+                <a16:creationId xmlns:a16="http://schemas.microsoft.com/office/drawing/2014/main" id="{C120323D-18DD-7EAB-4CD0-2CC0241C8EFE}"/>
+              </a:ext>
+            </a:extLst>
+          </p:cNvPr>
+          <p:cNvCxnSpPr>
+            <a:cxnSpLocks/>
+          </p:cNvCxnSpPr>
+          <p:nvPr/>
+        </p:nvCxnSpPr>
+        <p:spPr>
+          <a:xfrm flipV="1">
+            <a:off x="7158236" y="969264"/>
+            <a:ext cx="0" cy="755904"/>
+          </a:xfrm>
+          <a:prstGeom prst="straightConnector1">
+            <a:avLst/>
+          </a:prstGeom>
+          <a:ln>
+            <a:tailEnd type="triangle"/>
+          </a:ln>
+        </p:spPr>
+        <p:style>
+          <a:lnRef idx="2">
+            <a:schemeClr val="accent1"/>
+          </a:lnRef>
+          <a:fillRef idx="0">
+            <a:schemeClr val="accent1"/>
+          </a:fillRef>
+          <a:effectRef idx="1">
+            <a:schemeClr val="accent1"/>
+          </a:effectRef>
+          <a:fontRef idx="minor">
+            <a:schemeClr val="tx1"/>
+          </a:fontRef>
+        </p:style>
+      </p:cxnSp>
     </p:spTree>
     <p:extLst>
       <p:ext uri="{BB962C8B-B14F-4D97-AF65-F5344CB8AC3E}">

--- a/Presentation1.pptx
+++ b/Presentation1.pptx
@@ -7,6 +7,8 @@
   <p:sldIdLst>
     <p:sldId id="257" r:id="rId2"/>
     <p:sldId id="258" r:id="rId3"/>
+    <p:sldId id="259" r:id="rId4"/>
+    <p:sldId id="260" r:id="rId5"/>
   </p:sldIdLst>
   <p:sldSz cx="12192000" cy="6858000"/>
   <p:notesSz cx="6858000" cy="9144000"/>
@@ -260,7 +262,7 @@
           <a:p>
             <a:fld id="{A3BD12BA-AA1F-4F86-A3C7-6A440B6A9EEF}" type="datetimeFigureOut">
               <a:rPr lang="en-GB" smtClean="0"/>
-              <a:t>08/11/2024</a:t>
+              <a:t>13/11/2024</a:t>
             </a:fld>
             <a:endParaRPr lang="en-GB"/>
           </a:p>
@@ -458,7 +460,7 @@
           <a:p>
             <a:fld id="{A3BD12BA-AA1F-4F86-A3C7-6A440B6A9EEF}" type="datetimeFigureOut">
               <a:rPr lang="en-GB" smtClean="0"/>
-              <a:t>08/11/2024</a:t>
+              <a:t>13/11/2024</a:t>
             </a:fld>
             <a:endParaRPr lang="en-GB"/>
           </a:p>
@@ -666,7 +668,7 @@
           <a:p>
             <a:fld id="{A3BD12BA-AA1F-4F86-A3C7-6A440B6A9EEF}" type="datetimeFigureOut">
               <a:rPr lang="en-GB" smtClean="0"/>
-              <a:t>08/11/2024</a:t>
+              <a:t>13/11/2024</a:t>
             </a:fld>
             <a:endParaRPr lang="en-GB"/>
           </a:p>
@@ -864,7 +866,7 @@
           <a:p>
             <a:fld id="{A3BD12BA-AA1F-4F86-A3C7-6A440B6A9EEF}" type="datetimeFigureOut">
               <a:rPr lang="en-GB" smtClean="0"/>
-              <a:t>08/11/2024</a:t>
+              <a:t>13/11/2024</a:t>
             </a:fld>
             <a:endParaRPr lang="en-GB"/>
           </a:p>
@@ -1139,7 +1141,7 @@
           <a:p>
             <a:fld id="{A3BD12BA-AA1F-4F86-A3C7-6A440B6A9EEF}" type="datetimeFigureOut">
               <a:rPr lang="en-GB" smtClean="0"/>
-              <a:t>08/11/2024</a:t>
+              <a:t>13/11/2024</a:t>
             </a:fld>
             <a:endParaRPr lang="en-GB"/>
           </a:p>
@@ -1404,7 +1406,7 @@
           <a:p>
             <a:fld id="{A3BD12BA-AA1F-4F86-A3C7-6A440B6A9EEF}" type="datetimeFigureOut">
               <a:rPr lang="en-GB" smtClean="0"/>
-              <a:t>08/11/2024</a:t>
+              <a:t>13/11/2024</a:t>
             </a:fld>
             <a:endParaRPr lang="en-GB"/>
           </a:p>
@@ -1816,7 +1818,7 @@
           <a:p>
             <a:fld id="{A3BD12BA-AA1F-4F86-A3C7-6A440B6A9EEF}" type="datetimeFigureOut">
               <a:rPr lang="en-GB" smtClean="0"/>
-              <a:t>08/11/2024</a:t>
+              <a:t>13/11/2024</a:t>
             </a:fld>
             <a:endParaRPr lang="en-GB"/>
           </a:p>
@@ -1957,7 +1959,7 @@
           <a:p>
             <a:fld id="{A3BD12BA-AA1F-4F86-A3C7-6A440B6A9EEF}" type="datetimeFigureOut">
               <a:rPr lang="en-GB" smtClean="0"/>
-              <a:t>08/11/2024</a:t>
+              <a:t>13/11/2024</a:t>
             </a:fld>
             <a:endParaRPr lang="en-GB"/>
           </a:p>
@@ -2070,7 +2072,7 @@
           <a:p>
             <a:fld id="{A3BD12BA-AA1F-4F86-A3C7-6A440B6A9EEF}" type="datetimeFigureOut">
               <a:rPr lang="en-GB" smtClean="0"/>
-              <a:t>08/11/2024</a:t>
+              <a:t>13/11/2024</a:t>
             </a:fld>
             <a:endParaRPr lang="en-GB"/>
           </a:p>
@@ -2381,7 +2383,7 @@
           <a:p>
             <a:fld id="{A3BD12BA-AA1F-4F86-A3C7-6A440B6A9EEF}" type="datetimeFigureOut">
               <a:rPr lang="en-GB" smtClean="0"/>
-              <a:t>08/11/2024</a:t>
+              <a:t>13/11/2024</a:t>
             </a:fld>
             <a:endParaRPr lang="en-GB"/>
           </a:p>
@@ -2669,7 +2671,7 @@
           <a:p>
             <a:fld id="{A3BD12BA-AA1F-4F86-A3C7-6A440B6A9EEF}" type="datetimeFigureOut">
               <a:rPr lang="en-GB" smtClean="0"/>
-              <a:t>08/11/2024</a:t>
+              <a:t>13/11/2024</a:t>
             </a:fld>
             <a:endParaRPr lang="en-GB"/>
           </a:p>
@@ -2910,7 +2912,7 @@
           <a:p>
             <a:fld id="{A3BD12BA-AA1F-4F86-A3C7-6A440B6A9EEF}" type="datetimeFigureOut">
               <a:rPr lang="en-GB" smtClean="0"/>
-              <a:t>08/11/2024</a:t>
+              <a:t>13/11/2024</a:t>
             </a:fld>
             <a:endParaRPr lang="en-GB"/>
           </a:p>
@@ -5230,6 +5232,1158 @@
     <p:extLst>
       <p:ext uri="{BB962C8B-B14F-4D97-AF65-F5344CB8AC3E}">
         <p14:creationId xmlns:p14="http://schemas.microsoft.com/office/powerpoint/2010/main" val="3877319224"/>
+      </p:ext>
+    </p:extLst>
+  </p:cSld>
+  <p:clrMapOvr>
+    <a:masterClrMapping/>
+  </p:clrMapOvr>
+</p:sld>
+</file>
+
+<file path=ppt/slides/slide3.xml><?xml version="1.0" encoding="utf-8"?>
+<p:sld xmlns:a="http://schemas.openxmlformats.org/drawingml/2006/main" xmlns:r="http://schemas.openxmlformats.org/officeDocument/2006/relationships" xmlns:p="http://schemas.openxmlformats.org/presentationml/2006/main">
+  <p:cSld>
+    <p:spTree>
+      <p:nvGrpSpPr>
+        <p:cNvPr id="1" name=""/>
+        <p:cNvGrpSpPr/>
+        <p:nvPr/>
+      </p:nvGrpSpPr>
+      <p:grpSpPr>
+        <a:xfrm>
+          <a:off x="0" y="0"/>
+          <a:ext cx="0" cy="0"/>
+          <a:chOff x="0" y="0"/>
+          <a:chExt cx="0" cy="0"/>
+        </a:xfrm>
+      </p:grpSpPr>
+      <p:sp>
+        <p:nvSpPr>
+          <p:cNvPr id="4" name="Rectangle 3">
+            <a:extLst>
+              <a:ext uri="{FF2B5EF4-FFF2-40B4-BE49-F238E27FC236}">
+                <a16:creationId xmlns:a16="http://schemas.microsoft.com/office/drawing/2014/main" id="{9AADFF85-11AE-4836-060F-25660E2333EA}"/>
+              </a:ext>
+            </a:extLst>
+          </p:cNvPr>
+          <p:cNvSpPr/>
+          <p:nvPr/>
+        </p:nvSpPr>
+        <p:spPr>
+          <a:xfrm>
+            <a:off x="1469136" y="1112520"/>
+            <a:ext cx="1700784" cy="804672"/>
+          </a:xfrm>
+          <a:prstGeom prst="rect">
+            <a:avLst/>
+          </a:prstGeom>
+        </p:spPr>
+        <p:style>
+          <a:lnRef idx="2">
+            <a:schemeClr val="accent1">
+              <a:shade val="15000"/>
+            </a:schemeClr>
+          </a:lnRef>
+          <a:fillRef idx="1">
+            <a:schemeClr val="accent1"/>
+          </a:fillRef>
+          <a:effectRef idx="0">
+            <a:schemeClr val="accent1"/>
+          </a:effectRef>
+          <a:fontRef idx="minor">
+            <a:schemeClr val="lt1"/>
+          </a:fontRef>
+        </p:style>
+        <p:txBody>
+          <a:bodyPr rtlCol="0" anchor="ctr"/>
+          <a:lstStyle/>
+          <a:p>
+            <a:pPr algn="ctr"/>
+            <a:r>
+              <a:rPr lang="en-GB" dirty="0" err="1"/>
+              <a:t>GameMode</a:t>
+            </a:r>
+            <a:endParaRPr lang="en-GB" dirty="0"/>
+          </a:p>
+        </p:txBody>
+      </p:sp>
+      <p:sp>
+        <p:nvSpPr>
+          <p:cNvPr id="5" name="Rectangle 4">
+            <a:extLst>
+              <a:ext uri="{FF2B5EF4-FFF2-40B4-BE49-F238E27FC236}">
+                <a16:creationId xmlns:a16="http://schemas.microsoft.com/office/drawing/2014/main" id="{F9D0E39D-8FFA-24F5-5E65-F3F87C45B3A5}"/>
+              </a:ext>
+            </a:extLst>
+          </p:cNvPr>
+          <p:cNvSpPr/>
+          <p:nvPr/>
+        </p:nvSpPr>
+        <p:spPr>
+          <a:xfrm>
+            <a:off x="1469136" y="2270760"/>
+            <a:ext cx="1700784" cy="804672"/>
+          </a:xfrm>
+          <a:prstGeom prst="rect">
+            <a:avLst/>
+          </a:prstGeom>
+        </p:spPr>
+        <p:style>
+          <a:lnRef idx="2">
+            <a:schemeClr val="accent1">
+              <a:shade val="15000"/>
+            </a:schemeClr>
+          </a:lnRef>
+          <a:fillRef idx="1">
+            <a:schemeClr val="accent1"/>
+          </a:fillRef>
+          <a:effectRef idx="0">
+            <a:schemeClr val="accent1"/>
+          </a:effectRef>
+          <a:fontRef idx="minor">
+            <a:schemeClr val="lt1"/>
+          </a:fontRef>
+        </p:style>
+        <p:txBody>
+          <a:bodyPr rtlCol="0" anchor="ctr"/>
+          <a:lstStyle/>
+          <a:p>
+            <a:pPr algn="ctr"/>
+            <a:r>
+              <a:rPr lang="en-GB" dirty="0"/>
+              <a:t>Player Controller</a:t>
+            </a:r>
+          </a:p>
+        </p:txBody>
+      </p:sp>
+      <p:sp>
+        <p:nvSpPr>
+          <p:cNvPr id="6" name="Rectangle 5">
+            <a:extLst>
+              <a:ext uri="{FF2B5EF4-FFF2-40B4-BE49-F238E27FC236}">
+                <a16:creationId xmlns:a16="http://schemas.microsoft.com/office/drawing/2014/main" id="{205C0B66-20B8-D08C-BA2C-4FCCE815131B}"/>
+              </a:ext>
+            </a:extLst>
+          </p:cNvPr>
+          <p:cNvSpPr/>
+          <p:nvPr/>
+        </p:nvSpPr>
+        <p:spPr>
+          <a:xfrm>
+            <a:off x="1469136" y="3429000"/>
+            <a:ext cx="1700784" cy="804672"/>
+          </a:xfrm>
+          <a:prstGeom prst="rect">
+            <a:avLst/>
+          </a:prstGeom>
+        </p:spPr>
+        <p:style>
+          <a:lnRef idx="2">
+            <a:schemeClr val="accent1">
+              <a:shade val="15000"/>
+            </a:schemeClr>
+          </a:lnRef>
+          <a:fillRef idx="1">
+            <a:schemeClr val="accent1"/>
+          </a:fillRef>
+          <a:effectRef idx="0">
+            <a:schemeClr val="accent1"/>
+          </a:effectRef>
+          <a:fontRef idx="minor">
+            <a:schemeClr val="lt1"/>
+          </a:fontRef>
+        </p:style>
+        <p:txBody>
+          <a:bodyPr rtlCol="0" anchor="ctr"/>
+          <a:lstStyle/>
+          <a:p>
+            <a:pPr algn="ctr"/>
+            <a:r>
+              <a:rPr lang="en-GB" dirty="0"/>
+              <a:t>Guy(s)</a:t>
+            </a:r>
+          </a:p>
+        </p:txBody>
+      </p:sp>
+      <p:sp>
+        <p:nvSpPr>
+          <p:cNvPr id="9" name="Rectangle 8">
+            <a:extLst>
+              <a:ext uri="{FF2B5EF4-FFF2-40B4-BE49-F238E27FC236}">
+                <a16:creationId xmlns:a16="http://schemas.microsoft.com/office/drawing/2014/main" id="{58A572C2-70AE-88CC-7FDD-9884BFC55C38}"/>
+              </a:ext>
+            </a:extLst>
+          </p:cNvPr>
+          <p:cNvSpPr/>
+          <p:nvPr/>
+        </p:nvSpPr>
+        <p:spPr>
+          <a:xfrm>
+            <a:off x="4946906" y="4224528"/>
+            <a:ext cx="1700784" cy="804672"/>
+          </a:xfrm>
+          <a:prstGeom prst="rect">
+            <a:avLst/>
+          </a:prstGeom>
+        </p:spPr>
+        <p:style>
+          <a:lnRef idx="2">
+            <a:schemeClr val="accent1">
+              <a:shade val="15000"/>
+            </a:schemeClr>
+          </a:lnRef>
+          <a:fillRef idx="1">
+            <a:schemeClr val="accent1"/>
+          </a:fillRef>
+          <a:effectRef idx="0">
+            <a:schemeClr val="accent1"/>
+          </a:effectRef>
+          <a:fontRef idx="minor">
+            <a:schemeClr val="lt1"/>
+          </a:fontRef>
+        </p:style>
+        <p:txBody>
+          <a:bodyPr rtlCol="0" anchor="ctr"/>
+          <a:lstStyle/>
+          <a:p>
+            <a:pPr algn="ctr"/>
+            <a:r>
+              <a:rPr lang="en-GB" dirty="0"/>
+              <a:t>Button</a:t>
+            </a:r>
+          </a:p>
+        </p:txBody>
+      </p:sp>
+      <p:cxnSp>
+        <p:nvCxnSpPr>
+          <p:cNvPr id="11" name="Straight Arrow Connector 10">
+            <a:extLst>
+              <a:ext uri="{FF2B5EF4-FFF2-40B4-BE49-F238E27FC236}">
+                <a16:creationId xmlns:a16="http://schemas.microsoft.com/office/drawing/2014/main" id="{CF9903E0-C174-D773-BC6A-CFC073E36906}"/>
+              </a:ext>
+            </a:extLst>
+          </p:cNvPr>
+          <p:cNvCxnSpPr>
+            <a:stCxn id="6" idx="3"/>
+            <a:endCxn id="9" idx="1"/>
+          </p:cNvCxnSpPr>
+          <p:nvPr/>
+        </p:nvCxnSpPr>
+        <p:spPr>
+          <a:xfrm>
+            <a:off x="3169920" y="3831336"/>
+            <a:ext cx="1776986" cy="795528"/>
+          </a:xfrm>
+          <a:prstGeom prst="straightConnector1">
+            <a:avLst/>
+          </a:prstGeom>
+          <a:ln>
+            <a:tailEnd type="triangle"/>
+          </a:ln>
+        </p:spPr>
+        <p:style>
+          <a:lnRef idx="2">
+            <a:schemeClr val="accent1"/>
+          </a:lnRef>
+          <a:fillRef idx="0">
+            <a:schemeClr val="accent1"/>
+          </a:fillRef>
+          <a:effectRef idx="1">
+            <a:schemeClr val="accent1"/>
+          </a:effectRef>
+          <a:fontRef idx="minor">
+            <a:schemeClr val="tx1"/>
+          </a:fontRef>
+        </p:style>
+      </p:cxnSp>
+      <p:sp>
+        <p:nvSpPr>
+          <p:cNvPr id="13" name="Rectangle 12">
+            <a:extLst>
+              <a:ext uri="{FF2B5EF4-FFF2-40B4-BE49-F238E27FC236}">
+                <a16:creationId xmlns:a16="http://schemas.microsoft.com/office/drawing/2014/main" id="{38C400B5-7BEF-41B8-C427-8BCCCA33BD74}"/>
+              </a:ext>
+            </a:extLst>
+          </p:cNvPr>
+          <p:cNvSpPr/>
+          <p:nvPr/>
+        </p:nvSpPr>
+        <p:spPr>
+          <a:xfrm>
+            <a:off x="7766306" y="3685032"/>
+            <a:ext cx="1700784" cy="804672"/>
+          </a:xfrm>
+          <a:prstGeom prst="rect">
+            <a:avLst/>
+          </a:prstGeom>
+        </p:spPr>
+        <p:style>
+          <a:lnRef idx="2">
+            <a:schemeClr val="accent1">
+              <a:shade val="15000"/>
+            </a:schemeClr>
+          </a:lnRef>
+          <a:fillRef idx="1">
+            <a:schemeClr val="accent1"/>
+          </a:fillRef>
+          <a:effectRef idx="0">
+            <a:schemeClr val="accent1"/>
+          </a:effectRef>
+          <a:fontRef idx="minor">
+            <a:schemeClr val="lt1"/>
+          </a:fontRef>
+        </p:style>
+        <p:txBody>
+          <a:bodyPr rtlCol="0" anchor="ctr"/>
+          <a:lstStyle/>
+          <a:p>
+            <a:pPr algn="ctr"/>
+            <a:r>
+              <a:rPr lang="en-GB" dirty="0"/>
+              <a:t>Door</a:t>
+            </a:r>
+          </a:p>
+        </p:txBody>
+      </p:sp>
+      <p:sp>
+        <p:nvSpPr>
+          <p:cNvPr id="14" name="Rectangle 13">
+            <a:extLst>
+              <a:ext uri="{FF2B5EF4-FFF2-40B4-BE49-F238E27FC236}">
+                <a16:creationId xmlns:a16="http://schemas.microsoft.com/office/drawing/2014/main" id="{74186196-01F4-24BD-4B2F-8822CB41B38E}"/>
+              </a:ext>
+            </a:extLst>
+          </p:cNvPr>
+          <p:cNvSpPr/>
+          <p:nvPr/>
+        </p:nvSpPr>
+        <p:spPr>
+          <a:xfrm>
+            <a:off x="7766306" y="4861560"/>
+            <a:ext cx="1700784" cy="804672"/>
+          </a:xfrm>
+          <a:prstGeom prst="rect">
+            <a:avLst/>
+          </a:prstGeom>
+        </p:spPr>
+        <p:style>
+          <a:lnRef idx="2">
+            <a:schemeClr val="accent1">
+              <a:shade val="15000"/>
+            </a:schemeClr>
+          </a:lnRef>
+          <a:fillRef idx="1">
+            <a:schemeClr val="accent1"/>
+          </a:fillRef>
+          <a:effectRef idx="0">
+            <a:schemeClr val="accent1"/>
+          </a:effectRef>
+          <a:fontRef idx="minor">
+            <a:schemeClr val="lt1"/>
+          </a:fontRef>
+        </p:style>
+        <p:txBody>
+          <a:bodyPr rtlCol="0" anchor="ctr"/>
+          <a:lstStyle/>
+          <a:p>
+            <a:pPr algn="ctr"/>
+            <a:r>
+              <a:rPr lang="en-GB" dirty="0"/>
+              <a:t>Platform</a:t>
+            </a:r>
+          </a:p>
+        </p:txBody>
+      </p:sp>
+      <p:cxnSp>
+        <p:nvCxnSpPr>
+          <p:cNvPr id="15" name="Straight Arrow Connector 14">
+            <a:extLst>
+              <a:ext uri="{FF2B5EF4-FFF2-40B4-BE49-F238E27FC236}">
+                <a16:creationId xmlns:a16="http://schemas.microsoft.com/office/drawing/2014/main" id="{767A33DB-779B-8F4D-CEB1-1CF0C7C57AFB}"/>
+              </a:ext>
+            </a:extLst>
+          </p:cNvPr>
+          <p:cNvCxnSpPr>
+            <a:cxnSpLocks/>
+            <a:stCxn id="9" idx="3"/>
+            <a:endCxn id="13" idx="1"/>
+          </p:cNvCxnSpPr>
+          <p:nvPr/>
+        </p:nvCxnSpPr>
+        <p:spPr>
+          <a:xfrm flipV="1">
+            <a:off x="6647690" y="4087368"/>
+            <a:ext cx="1118616" cy="539496"/>
+          </a:xfrm>
+          <a:prstGeom prst="straightConnector1">
+            <a:avLst/>
+          </a:prstGeom>
+          <a:ln>
+            <a:tailEnd type="triangle"/>
+          </a:ln>
+        </p:spPr>
+        <p:style>
+          <a:lnRef idx="2">
+            <a:schemeClr val="accent1"/>
+          </a:lnRef>
+          <a:fillRef idx="0">
+            <a:schemeClr val="accent1"/>
+          </a:fillRef>
+          <a:effectRef idx="1">
+            <a:schemeClr val="accent1"/>
+          </a:effectRef>
+          <a:fontRef idx="minor">
+            <a:schemeClr val="tx1"/>
+          </a:fontRef>
+        </p:style>
+      </p:cxnSp>
+      <p:cxnSp>
+        <p:nvCxnSpPr>
+          <p:cNvPr id="18" name="Straight Arrow Connector 17">
+            <a:extLst>
+              <a:ext uri="{FF2B5EF4-FFF2-40B4-BE49-F238E27FC236}">
+                <a16:creationId xmlns:a16="http://schemas.microsoft.com/office/drawing/2014/main" id="{C29AA521-E05B-D1B5-6D23-F6DB66B63A85}"/>
+              </a:ext>
+            </a:extLst>
+          </p:cNvPr>
+          <p:cNvCxnSpPr>
+            <a:cxnSpLocks/>
+            <a:stCxn id="9" idx="3"/>
+            <a:endCxn id="14" idx="1"/>
+          </p:cNvCxnSpPr>
+          <p:nvPr/>
+        </p:nvCxnSpPr>
+        <p:spPr>
+          <a:xfrm>
+            <a:off x="6647690" y="4626864"/>
+            <a:ext cx="1118616" cy="637032"/>
+          </a:xfrm>
+          <a:prstGeom prst="straightConnector1">
+            <a:avLst/>
+          </a:prstGeom>
+          <a:ln>
+            <a:tailEnd type="triangle"/>
+          </a:ln>
+        </p:spPr>
+        <p:style>
+          <a:lnRef idx="2">
+            <a:schemeClr val="accent1"/>
+          </a:lnRef>
+          <a:fillRef idx="0">
+            <a:schemeClr val="accent1"/>
+          </a:fillRef>
+          <a:effectRef idx="1">
+            <a:schemeClr val="accent1"/>
+          </a:effectRef>
+          <a:fontRef idx="minor">
+            <a:schemeClr val="tx1"/>
+          </a:fontRef>
+        </p:style>
+      </p:cxnSp>
+      <p:sp>
+        <p:nvSpPr>
+          <p:cNvPr id="35" name="Rectangle 34">
+            <a:extLst>
+              <a:ext uri="{FF2B5EF4-FFF2-40B4-BE49-F238E27FC236}">
+                <a16:creationId xmlns:a16="http://schemas.microsoft.com/office/drawing/2014/main" id="{4044C2B4-B059-E206-CAF0-4766026F378B}"/>
+              </a:ext>
+            </a:extLst>
+          </p:cNvPr>
+          <p:cNvSpPr/>
+          <p:nvPr/>
+        </p:nvSpPr>
+        <p:spPr>
+          <a:xfrm>
+            <a:off x="4946906" y="2624328"/>
+            <a:ext cx="1700784" cy="804672"/>
+          </a:xfrm>
+          <a:prstGeom prst="rect">
+            <a:avLst/>
+          </a:prstGeom>
+        </p:spPr>
+        <p:style>
+          <a:lnRef idx="2">
+            <a:schemeClr val="accent1">
+              <a:shade val="15000"/>
+            </a:schemeClr>
+          </a:lnRef>
+          <a:fillRef idx="1">
+            <a:schemeClr val="accent1"/>
+          </a:fillRef>
+          <a:effectRef idx="0">
+            <a:schemeClr val="accent1"/>
+          </a:effectRef>
+          <a:fontRef idx="minor">
+            <a:schemeClr val="lt1"/>
+          </a:fontRef>
+        </p:style>
+        <p:txBody>
+          <a:bodyPr rtlCol="0" anchor="ctr"/>
+          <a:lstStyle/>
+          <a:p>
+            <a:pPr algn="ctr"/>
+            <a:r>
+              <a:rPr lang="en-GB" dirty="0"/>
+              <a:t>Pressure Button</a:t>
+            </a:r>
+          </a:p>
+        </p:txBody>
+      </p:sp>
+      <p:cxnSp>
+        <p:nvCxnSpPr>
+          <p:cNvPr id="36" name="Straight Arrow Connector 35">
+            <a:extLst>
+              <a:ext uri="{FF2B5EF4-FFF2-40B4-BE49-F238E27FC236}">
+                <a16:creationId xmlns:a16="http://schemas.microsoft.com/office/drawing/2014/main" id="{A10D033F-A46B-6C1D-75D1-CF76869E289A}"/>
+              </a:ext>
+            </a:extLst>
+          </p:cNvPr>
+          <p:cNvCxnSpPr>
+            <a:cxnSpLocks/>
+            <a:stCxn id="6" idx="3"/>
+            <a:endCxn id="35" idx="1"/>
+          </p:cNvCxnSpPr>
+          <p:nvPr/>
+        </p:nvCxnSpPr>
+        <p:spPr>
+          <a:xfrm flipV="1">
+            <a:off x="3169920" y="3026664"/>
+            <a:ext cx="1776986" cy="804672"/>
+          </a:xfrm>
+          <a:prstGeom prst="straightConnector1">
+            <a:avLst/>
+          </a:prstGeom>
+          <a:ln>
+            <a:tailEnd type="triangle"/>
+          </a:ln>
+        </p:spPr>
+        <p:style>
+          <a:lnRef idx="2">
+            <a:schemeClr val="accent1"/>
+          </a:lnRef>
+          <a:fillRef idx="0">
+            <a:schemeClr val="accent1"/>
+          </a:fillRef>
+          <a:effectRef idx="1">
+            <a:schemeClr val="accent1"/>
+          </a:effectRef>
+          <a:fontRef idx="minor">
+            <a:schemeClr val="tx1"/>
+          </a:fontRef>
+        </p:style>
+      </p:cxnSp>
+      <p:sp>
+        <p:nvSpPr>
+          <p:cNvPr id="42" name="Rectangle 41">
+            <a:extLst>
+              <a:ext uri="{FF2B5EF4-FFF2-40B4-BE49-F238E27FC236}">
+                <a16:creationId xmlns:a16="http://schemas.microsoft.com/office/drawing/2014/main" id="{E0EBBEC6-68F9-7F22-2F1C-890B13034717}"/>
+              </a:ext>
+            </a:extLst>
+          </p:cNvPr>
+          <p:cNvSpPr/>
+          <p:nvPr/>
+        </p:nvSpPr>
+        <p:spPr>
+          <a:xfrm>
+            <a:off x="6842762" y="1210056"/>
+            <a:ext cx="1700784" cy="804672"/>
+          </a:xfrm>
+          <a:prstGeom prst="rect">
+            <a:avLst/>
+          </a:prstGeom>
+        </p:spPr>
+        <p:style>
+          <a:lnRef idx="2">
+            <a:schemeClr val="accent1">
+              <a:shade val="15000"/>
+            </a:schemeClr>
+          </a:lnRef>
+          <a:fillRef idx="1">
+            <a:schemeClr val="accent1"/>
+          </a:fillRef>
+          <a:effectRef idx="0">
+            <a:schemeClr val="accent1"/>
+          </a:effectRef>
+          <a:fontRef idx="minor">
+            <a:schemeClr val="lt1"/>
+          </a:fontRef>
+        </p:style>
+        <p:txBody>
+          <a:bodyPr rtlCol="0" anchor="ctr"/>
+          <a:lstStyle/>
+          <a:p>
+            <a:pPr algn="ctr"/>
+            <a:r>
+              <a:rPr lang="en-GB" dirty="0"/>
+              <a:t>Door</a:t>
+            </a:r>
+          </a:p>
+        </p:txBody>
+      </p:sp>
+      <p:sp>
+        <p:nvSpPr>
+          <p:cNvPr id="43" name="Rectangle 42">
+            <a:extLst>
+              <a:ext uri="{FF2B5EF4-FFF2-40B4-BE49-F238E27FC236}">
+                <a16:creationId xmlns:a16="http://schemas.microsoft.com/office/drawing/2014/main" id="{80C36D9E-CC24-57B5-143E-6358D18CB960}"/>
+              </a:ext>
+            </a:extLst>
+          </p:cNvPr>
+          <p:cNvSpPr/>
+          <p:nvPr/>
+        </p:nvSpPr>
+        <p:spPr>
+          <a:xfrm>
+            <a:off x="8543546" y="2218944"/>
+            <a:ext cx="1700784" cy="804672"/>
+          </a:xfrm>
+          <a:prstGeom prst="rect">
+            <a:avLst/>
+          </a:prstGeom>
+        </p:spPr>
+        <p:style>
+          <a:lnRef idx="2">
+            <a:schemeClr val="accent1">
+              <a:shade val="15000"/>
+            </a:schemeClr>
+          </a:lnRef>
+          <a:fillRef idx="1">
+            <a:schemeClr val="accent1"/>
+          </a:fillRef>
+          <a:effectRef idx="0">
+            <a:schemeClr val="accent1"/>
+          </a:effectRef>
+          <a:fontRef idx="minor">
+            <a:schemeClr val="lt1"/>
+          </a:fontRef>
+        </p:style>
+        <p:txBody>
+          <a:bodyPr rtlCol="0" anchor="ctr"/>
+          <a:lstStyle/>
+          <a:p>
+            <a:pPr algn="ctr"/>
+            <a:r>
+              <a:rPr lang="en-GB" dirty="0"/>
+              <a:t>Platform</a:t>
+            </a:r>
+          </a:p>
+        </p:txBody>
+      </p:sp>
+      <p:cxnSp>
+        <p:nvCxnSpPr>
+          <p:cNvPr id="44" name="Straight Arrow Connector 43">
+            <a:extLst>
+              <a:ext uri="{FF2B5EF4-FFF2-40B4-BE49-F238E27FC236}">
+                <a16:creationId xmlns:a16="http://schemas.microsoft.com/office/drawing/2014/main" id="{E4996DB1-BC50-2293-807B-918EAE6FDB8F}"/>
+              </a:ext>
+            </a:extLst>
+          </p:cNvPr>
+          <p:cNvCxnSpPr>
+            <a:cxnSpLocks/>
+            <a:stCxn id="35" idx="3"/>
+            <a:endCxn id="42" idx="2"/>
+          </p:cNvCxnSpPr>
+          <p:nvPr/>
+        </p:nvCxnSpPr>
+        <p:spPr>
+          <a:xfrm flipV="1">
+            <a:off x="6647690" y="2014728"/>
+            <a:ext cx="1045464" cy="1011936"/>
+          </a:xfrm>
+          <a:prstGeom prst="straightConnector1">
+            <a:avLst/>
+          </a:prstGeom>
+          <a:ln>
+            <a:tailEnd type="triangle"/>
+          </a:ln>
+        </p:spPr>
+        <p:style>
+          <a:lnRef idx="2">
+            <a:schemeClr val="accent1"/>
+          </a:lnRef>
+          <a:fillRef idx="0">
+            <a:schemeClr val="accent1"/>
+          </a:fillRef>
+          <a:effectRef idx="1">
+            <a:schemeClr val="accent1"/>
+          </a:effectRef>
+          <a:fontRef idx="minor">
+            <a:schemeClr val="tx1"/>
+          </a:fontRef>
+        </p:style>
+      </p:cxnSp>
+      <p:cxnSp>
+        <p:nvCxnSpPr>
+          <p:cNvPr id="47" name="Straight Arrow Connector 46">
+            <a:extLst>
+              <a:ext uri="{FF2B5EF4-FFF2-40B4-BE49-F238E27FC236}">
+                <a16:creationId xmlns:a16="http://schemas.microsoft.com/office/drawing/2014/main" id="{9D36B7B1-AFEB-ECA3-66C4-87501A8780AE}"/>
+              </a:ext>
+            </a:extLst>
+          </p:cNvPr>
+          <p:cNvCxnSpPr>
+            <a:cxnSpLocks/>
+            <a:stCxn id="35" idx="3"/>
+            <a:endCxn id="43" idx="1"/>
+          </p:cNvCxnSpPr>
+          <p:nvPr/>
+        </p:nvCxnSpPr>
+        <p:spPr>
+          <a:xfrm flipV="1">
+            <a:off x="6647690" y="2621280"/>
+            <a:ext cx="1895856" cy="405384"/>
+          </a:xfrm>
+          <a:prstGeom prst="straightConnector1">
+            <a:avLst/>
+          </a:prstGeom>
+          <a:ln>
+            <a:tailEnd type="triangle"/>
+          </a:ln>
+        </p:spPr>
+        <p:style>
+          <a:lnRef idx="2">
+            <a:schemeClr val="accent1"/>
+          </a:lnRef>
+          <a:fillRef idx="0">
+            <a:schemeClr val="accent1"/>
+          </a:fillRef>
+          <a:effectRef idx="1">
+            <a:schemeClr val="accent1"/>
+          </a:effectRef>
+          <a:fontRef idx="minor">
+            <a:schemeClr val="tx1"/>
+          </a:fontRef>
+        </p:style>
+      </p:cxnSp>
+      <p:sp>
+        <p:nvSpPr>
+          <p:cNvPr id="58" name="Rectangle 57">
+            <a:extLst>
+              <a:ext uri="{FF2B5EF4-FFF2-40B4-BE49-F238E27FC236}">
+                <a16:creationId xmlns:a16="http://schemas.microsoft.com/office/drawing/2014/main" id="{D1546CF1-D0F4-F8D1-2693-4BBB64777ACB}"/>
+              </a:ext>
+            </a:extLst>
+          </p:cNvPr>
+          <p:cNvSpPr/>
+          <p:nvPr/>
+        </p:nvSpPr>
+        <p:spPr>
+          <a:xfrm>
+            <a:off x="341379" y="5576316"/>
+            <a:ext cx="1700784" cy="804672"/>
+          </a:xfrm>
+          <a:prstGeom prst="rect">
+            <a:avLst/>
+          </a:prstGeom>
+        </p:spPr>
+        <p:style>
+          <a:lnRef idx="2">
+            <a:schemeClr val="accent1">
+              <a:shade val="15000"/>
+            </a:schemeClr>
+          </a:lnRef>
+          <a:fillRef idx="1">
+            <a:schemeClr val="accent1"/>
+          </a:fillRef>
+          <a:effectRef idx="0">
+            <a:schemeClr val="accent1"/>
+          </a:effectRef>
+          <a:fontRef idx="minor">
+            <a:schemeClr val="lt1"/>
+          </a:fontRef>
+        </p:style>
+        <p:txBody>
+          <a:bodyPr rtlCol="0" anchor="ctr"/>
+          <a:lstStyle/>
+          <a:p>
+            <a:pPr algn="ctr"/>
+            <a:r>
+              <a:rPr lang="en-GB" dirty="0"/>
+              <a:t>Button Component</a:t>
+            </a:r>
+          </a:p>
+        </p:txBody>
+      </p:sp>
+      <p:sp>
+        <p:nvSpPr>
+          <p:cNvPr id="59" name="TextBox 58">
+            <a:extLst>
+              <a:ext uri="{FF2B5EF4-FFF2-40B4-BE49-F238E27FC236}">
+                <a16:creationId xmlns:a16="http://schemas.microsoft.com/office/drawing/2014/main" id="{703D4760-899B-7840-7544-A612D81F112A}"/>
+              </a:ext>
+            </a:extLst>
+          </p:cNvPr>
+          <p:cNvSpPr txBox="1"/>
+          <p:nvPr/>
+        </p:nvSpPr>
+        <p:spPr>
+          <a:xfrm>
+            <a:off x="2029968" y="5568696"/>
+            <a:ext cx="4160520" cy="646331"/>
+          </a:xfrm>
+          <a:prstGeom prst="rect">
+            <a:avLst/>
+          </a:prstGeom>
+          <a:noFill/>
+        </p:spPr>
+        <p:txBody>
+          <a:bodyPr wrap="square" rtlCol="0">
+            <a:spAutoFit/>
+          </a:bodyPr>
+          <a:lstStyle/>
+          <a:p>
+            <a:pPr marL="285750" indent="-285750">
+              <a:buFontTx/>
+              <a:buChar char="-"/>
+            </a:pPr>
+            <a:r>
+              <a:rPr lang="en-GB" dirty="0"/>
+              <a:t>Holds Refs to actors (</a:t>
+            </a:r>
+            <a:r>
+              <a:rPr lang="en-GB" dirty="0" err="1"/>
+              <a:t>I_LevelPiece</a:t>
+            </a:r>
+            <a:r>
+              <a:rPr lang="en-GB" dirty="0"/>
+              <a:t>)</a:t>
+            </a:r>
+          </a:p>
+          <a:p>
+            <a:pPr marL="285750" indent="-285750">
+              <a:buFontTx/>
+              <a:buChar char="-"/>
+            </a:pPr>
+            <a:r>
+              <a:rPr lang="en-GB" dirty="0"/>
+              <a:t>Function to trigger all actors</a:t>
+            </a:r>
+          </a:p>
+        </p:txBody>
+      </p:sp>
+    </p:spTree>
+    <p:extLst>
+      <p:ext uri="{BB962C8B-B14F-4D97-AF65-F5344CB8AC3E}">
+        <p14:creationId xmlns:p14="http://schemas.microsoft.com/office/powerpoint/2010/main" val="940483033"/>
+      </p:ext>
+    </p:extLst>
+  </p:cSld>
+  <p:clrMapOvr>
+    <a:masterClrMapping/>
+  </p:clrMapOvr>
+</p:sld>
+</file>
+
+<file path=ppt/slides/slide4.xml><?xml version="1.0" encoding="utf-8"?>
+<p:sld xmlns:a="http://schemas.openxmlformats.org/drawingml/2006/main" xmlns:r="http://schemas.openxmlformats.org/officeDocument/2006/relationships" xmlns:p="http://schemas.openxmlformats.org/presentationml/2006/main">
+  <p:cSld>
+    <p:spTree>
+      <p:nvGrpSpPr>
+        <p:cNvPr id="1" name=""/>
+        <p:cNvGrpSpPr/>
+        <p:nvPr/>
+      </p:nvGrpSpPr>
+      <p:grpSpPr>
+        <a:xfrm>
+          <a:off x="0" y="0"/>
+          <a:ext cx="0" cy="0"/>
+          <a:chOff x="0" y="0"/>
+          <a:chExt cx="0" cy="0"/>
+        </a:xfrm>
+      </p:grpSpPr>
+      <p:sp>
+        <p:nvSpPr>
+          <p:cNvPr id="4" name="Rectangle 3">
+            <a:extLst>
+              <a:ext uri="{FF2B5EF4-FFF2-40B4-BE49-F238E27FC236}">
+                <a16:creationId xmlns:a16="http://schemas.microsoft.com/office/drawing/2014/main" id="{AF597654-CB17-A19B-73DB-BDD283E99389}"/>
+              </a:ext>
+            </a:extLst>
+          </p:cNvPr>
+          <p:cNvSpPr/>
+          <p:nvPr/>
+        </p:nvSpPr>
+        <p:spPr>
+          <a:xfrm>
+            <a:off x="76202" y="473964"/>
+            <a:ext cx="3608830" cy="804672"/>
+          </a:xfrm>
+          <a:prstGeom prst="rect">
+            <a:avLst/>
+          </a:prstGeom>
+        </p:spPr>
+        <p:style>
+          <a:lnRef idx="2">
+            <a:schemeClr val="accent1">
+              <a:shade val="15000"/>
+            </a:schemeClr>
+          </a:lnRef>
+          <a:fillRef idx="1">
+            <a:schemeClr val="accent1"/>
+          </a:fillRef>
+          <a:effectRef idx="0">
+            <a:schemeClr val="accent1"/>
+          </a:effectRef>
+          <a:fontRef idx="minor">
+            <a:schemeClr val="lt1"/>
+          </a:fontRef>
+        </p:style>
+        <p:txBody>
+          <a:bodyPr rtlCol="0" anchor="ctr"/>
+          <a:lstStyle/>
+          <a:p>
+            <a:pPr algn="ctr"/>
+            <a:r>
+              <a:rPr lang="en-GB" dirty="0"/>
+              <a:t>Button Component</a:t>
+            </a:r>
+          </a:p>
+        </p:txBody>
+      </p:sp>
+      <p:sp>
+        <p:nvSpPr>
+          <p:cNvPr id="5" name="TextBox 4">
+            <a:extLst>
+              <a:ext uri="{FF2B5EF4-FFF2-40B4-BE49-F238E27FC236}">
+                <a16:creationId xmlns:a16="http://schemas.microsoft.com/office/drawing/2014/main" id="{59E6FE30-89A8-229C-508B-5F0B77638583}"/>
+              </a:ext>
+            </a:extLst>
+          </p:cNvPr>
+          <p:cNvSpPr txBox="1"/>
+          <p:nvPr/>
+        </p:nvSpPr>
+        <p:spPr>
+          <a:xfrm>
+            <a:off x="76202" y="1435608"/>
+            <a:ext cx="3608830" cy="584775"/>
+          </a:xfrm>
+          <a:prstGeom prst="rect">
+            <a:avLst/>
+          </a:prstGeom>
+          <a:noFill/>
+        </p:spPr>
+        <p:txBody>
+          <a:bodyPr wrap="square" rtlCol="0">
+            <a:spAutoFit/>
+          </a:bodyPr>
+          <a:lstStyle/>
+          <a:p>
+            <a:pPr marL="285750" indent="-285750">
+              <a:buFontTx/>
+              <a:buChar char="-"/>
+            </a:pPr>
+            <a:r>
+              <a:rPr lang="en-GB" sz="1600" dirty="0"/>
+              <a:t>Holds Refs to actors (</a:t>
+            </a:r>
+            <a:r>
+              <a:rPr lang="en-GB" sz="1600" dirty="0" err="1"/>
+              <a:t>I_LevelPiece</a:t>
+            </a:r>
+            <a:r>
+              <a:rPr lang="en-GB" sz="1600" dirty="0"/>
+              <a:t>)</a:t>
+            </a:r>
+          </a:p>
+          <a:p>
+            <a:pPr marL="285750" indent="-285750">
+              <a:buFontTx/>
+              <a:buChar char="-"/>
+            </a:pPr>
+            <a:r>
+              <a:rPr lang="en-GB" sz="1600" dirty="0"/>
+              <a:t>Function to trigger all actors</a:t>
+            </a:r>
+          </a:p>
+        </p:txBody>
+      </p:sp>
+      <p:sp>
+        <p:nvSpPr>
+          <p:cNvPr id="8" name="Rectangle 7">
+            <a:extLst>
+              <a:ext uri="{FF2B5EF4-FFF2-40B4-BE49-F238E27FC236}">
+                <a16:creationId xmlns:a16="http://schemas.microsoft.com/office/drawing/2014/main" id="{AA0BD6F3-38A4-2BAA-BF5B-905920B0FD61}"/>
+              </a:ext>
+            </a:extLst>
+          </p:cNvPr>
+          <p:cNvSpPr/>
+          <p:nvPr/>
+        </p:nvSpPr>
+        <p:spPr>
+          <a:xfrm>
+            <a:off x="4072130" y="473964"/>
+            <a:ext cx="3608830" cy="804672"/>
+          </a:xfrm>
+          <a:prstGeom prst="rect">
+            <a:avLst/>
+          </a:prstGeom>
+        </p:spPr>
+        <p:style>
+          <a:lnRef idx="2">
+            <a:schemeClr val="accent1">
+              <a:shade val="15000"/>
+            </a:schemeClr>
+          </a:lnRef>
+          <a:fillRef idx="1">
+            <a:schemeClr val="accent1"/>
+          </a:fillRef>
+          <a:effectRef idx="0">
+            <a:schemeClr val="accent1"/>
+          </a:effectRef>
+          <a:fontRef idx="minor">
+            <a:schemeClr val="lt1"/>
+          </a:fontRef>
+        </p:style>
+        <p:txBody>
+          <a:bodyPr rtlCol="0" anchor="ctr"/>
+          <a:lstStyle/>
+          <a:p>
+            <a:pPr algn="ctr"/>
+            <a:r>
+              <a:rPr lang="en-GB" dirty="0"/>
+              <a:t>Floor Button</a:t>
+            </a:r>
+          </a:p>
+        </p:txBody>
+      </p:sp>
+      <p:sp>
+        <p:nvSpPr>
+          <p:cNvPr id="9" name="Rectangle 8">
+            <a:extLst>
+              <a:ext uri="{FF2B5EF4-FFF2-40B4-BE49-F238E27FC236}">
+                <a16:creationId xmlns:a16="http://schemas.microsoft.com/office/drawing/2014/main" id="{445E9559-52ED-D06D-2E1C-26295A278725}"/>
+              </a:ext>
+            </a:extLst>
+          </p:cNvPr>
+          <p:cNvSpPr/>
+          <p:nvPr/>
+        </p:nvSpPr>
+        <p:spPr>
+          <a:xfrm>
+            <a:off x="8068058" y="473964"/>
+            <a:ext cx="3608830" cy="804672"/>
+          </a:xfrm>
+          <a:prstGeom prst="rect">
+            <a:avLst/>
+          </a:prstGeom>
+        </p:spPr>
+        <p:style>
+          <a:lnRef idx="2">
+            <a:schemeClr val="accent1">
+              <a:shade val="15000"/>
+            </a:schemeClr>
+          </a:lnRef>
+          <a:fillRef idx="1">
+            <a:schemeClr val="accent1"/>
+          </a:fillRef>
+          <a:effectRef idx="0">
+            <a:schemeClr val="accent1"/>
+          </a:effectRef>
+          <a:fontRef idx="minor">
+            <a:schemeClr val="lt1"/>
+          </a:fontRef>
+        </p:style>
+        <p:txBody>
+          <a:bodyPr rtlCol="0" anchor="ctr"/>
+          <a:lstStyle/>
+          <a:p>
+            <a:pPr algn="ctr"/>
+            <a:r>
+              <a:rPr lang="en-GB" dirty="0"/>
+              <a:t>Manual Button</a:t>
+            </a:r>
+          </a:p>
+        </p:txBody>
+      </p:sp>
+      <p:sp>
+        <p:nvSpPr>
+          <p:cNvPr id="10" name="TextBox 9">
+            <a:extLst>
+              <a:ext uri="{FF2B5EF4-FFF2-40B4-BE49-F238E27FC236}">
+                <a16:creationId xmlns:a16="http://schemas.microsoft.com/office/drawing/2014/main" id="{AE6F24A4-D1FD-44B3-60BC-B0C15AEBF772}"/>
+              </a:ext>
+            </a:extLst>
+          </p:cNvPr>
+          <p:cNvSpPr txBox="1"/>
+          <p:nvPr/>
+        </p:nvSpPr>
+        <p:spPr>
+          <a:xfrm>
+            <a:off x="4072130" y="1435607"/>
+            <a:ext cx="3608830" cy="338554"/>
+          </a:xfrm>
+          <a:prstGeom prst="rect">
+            <a:avLst/>
+          </a:prstGeom>
+          <a:noFill/>
+        </p:spPr>
+        <p:txBody>
+          <a:bodyPr wrap="square" rtlCol="0">
+            <a:spAutoFit/>
+          </a:bodyPr>
+          <a:lstStyle/>
+          <a:p>
+            <a:pPr marL="285750" indent="-285750">
+              <a:buFontTx/>
+              <a:buChar char="-"/>
+            </a:pPr>
+            <a:r>
+              <a:rPr lang="en-GB" sz="1600" dirty="0"/>
+              <a:t>On overlap</a:t>
+            </a:r>
+          </a:p>
+        </p:txBody>
+      </p:sp>
+      <p:sp>
+        <p:nvSpPr>
+          <p:cNvPr id="11" name="TextBox 10">
+            <a:extLst>
+              <a:ext uri="{FF2B5EF4-FFF2-40B4-BE49-F238E27FC236}">
+                <a16:creationId xmlns:a16="http://schemas.microsoft.com/office/drawing/2014/main" id="{FBA7BFE9-3D8A-E614-6DED-5A1C5073ECC0}"/>
+              </a:ext>
+            </a:extLst>
+          </p:cNvPr>
+          <p:cNvSpPr txBox="1"/>
+          <p:nvPr/>
+        </p:nvSpPr>
+        <p:spPr>
+          <a:xfrm>
+            <a:off x="8068058" y="1435606"/>
+            <a:ext cx="3608830" cy="584775"/>
+          </a:xfrm>
+          <a:prstGeom prst="rect">
+            <a:avLst/>
+          </a:prstGeom>
+          <a:noFill/>
+        </p:spPr>
+        <p:txBody>
+          <a:bodyPr wrap="square" rtlCol="0">
+            <a:spAutoFit/>
+          </a:bodyPr>
+          <a:lstStyle/>
+          <a:p>
+            <a:pPr marL="285750" indent="-285750">
+              <a:buFontTx/>
+              <a:buChar char="-"/>
+            </a:pPr>
+            <a:r>
+              <a:rPr lang="en-GB" sz="1600" dirty="0"/>
+              <a:t>Player looking at + press e, trigger </a:t>
+            </a:r>
+            <a:r>
+              <a:rPr lang="en-GB" sz="1600" dirty="0" err="1"/>
+              <a:t>func</a:t>
+            </a:r>
+            <a:endParaRPr lang="en-GB" sz="1600" dirty="0"/>
+          </a:p>
+        </p:txBody>
+      </p:sp>
+    </p:spTree>
+    <p:extLst>
+      <p:ext uri="{BB962C8B-B14F-4D97-AF65-F5344CB8AC3E}">
+        <p14:creationId xmlns:p14="http://schemas.microsoft.com/office/powerpoint/2010/main" val="3526421754"/>
       </p:ext>
     </p:extLst>
   </p:cSld>

--- a/Presentation1.pptx
+++ b/Presentation1.pptx
@@ -262,7 +262,7 @@
           <a:p>
             <a:fld id="{A3BD12BA-AA1F-4F86-A3C7-6A440B6A9EEF}" type="datetimeFigureOut">
               <a:rPr lang="en-GB" smtClean="0"/>
-              <a:t>13/11/2024</a:t>
+              <a:t>15/11/2024</a:t>
             </a:fld>
             <a:endParaRPr lang="en-GB"/>
           </a:p>
@@ -460,7 +460,7 @@
           <a:p>
             <a:fld id="{A3BD12BA-AA1F-4F86-A3C7-6A440B6A9EEF}" type="datetimeFigureOut">
               <a:rPr lang="en-GB" smtClean="0"/>
-              <a:t>13/11/2024</a:t>
+              <a:t>15/11/2024</a:t>
             </a:fld>
             <a:endParaRPr lang="en-GB"/>
           </a:p>
@@ -668,7 +668,7 @@
           <a:p>
             <a:fld id="{A3BD12BA-AA1F-4F86-A3C7-6A440B6A9EEF}" type="datetimeFigureOut">
               <a:rPr lang="en-GB" smtClean="0"/>
-              <a:t>13/11/2024</a:t>
+              <a:t>15/11/2024</a:t>
             </a:fld>
             <a:endParaRPr lang="en-GB"/>
           </a:p>
@@ -866,7 +866,7 @@
           <a:p>
             <a:fld id="{A3BD12BA-AA1F-4F86-A3C7-6A440B6A9EEF}" type="datetimeFigureOut">
               <a:rPr lang="en-GB" smtClean="0"/>
-              <a:t>13/11/2024</a:t>
+              <a:t>15/11/2024</a:t>
             </a:fld>
             <a:endParaRPr lang="en-GB"/>
           </a:p>
@@ -1141,7 +1141,7 @@
           <a:p>
             <a:fld id="{A3BD12BA-AA1F-4F86-A3C7-6A440B6A9EEF}" type="datetimeFigureOut">
               <a:rPr lang="en-GB" smtClean="0"/>
-              <a:t>13/11/2024</a:t>
+              <a:t>15/11/2024</a:t>
             </a:fld>
             <a:endParaRPr lang="en-GB"/>
           </a:p>
@@ -1406,7 +1406,7 @@
           <a:p>
             <a:fld id="{A3BD12BA-AA1F-4F86-A3C7-6A440B6A9EEF}" type="datetimeFigureOut">
               <a:rPr lang="en-GB" smtClean="0"/>
-              <a:t>13/11/2024</a:t>
+              <a:t>15/11/2024</a:t>
             </a:fld>
             <a:endParaRPr lang="en-GB"/>
           </a:p>
@@ -1818,7 +1818,7 @@
           <a:p>
             <a:fld id="{A3BD12BA-AA1F-4F86-A3C7-6A440B6A9EEF}" type="datetimeFigureOut">
               <a:rPr lang="en-GB" smtClean="0"/>
-              <a:t>13/11/2024</a:t>
+              <a:t>15/11/2024</a:t>
             </a:fld>
             <a:endParaRPr lang="en-GB"/>
           </a:p>
@@ -1959,7 +1959,7 @@
           <a:p>
             <a:fld id="{A3BD12BA-AA1F-4F86-A3C7-6A440B6A9EEF}" type="datetimeFigureOut">
               <a:rPr lang="en-GB" smtClean="0"/>
-              <a:t>13/11/2024</a:t>
+              <a:t>15/11/2024</a:t>
             </a:fld>
             <a:endParaRPr lang="en-GB"/>
           </a:p>
@@ -2072,7 +2072,7 @@
           <a:p>
             <a:fld id="{A3BD12BA-AA1F-4F86-A3C7-6A440B6A9EEF}" type="datetimeFigureOut">
               <a:rPr lang="en-GB" smtClean="0"/>
-              <a:t>13/11/2024</a:t>
+              <a:t>15/11/2024</a:t>
             </a:fld>
             <a:endParaRPr lang="en-GB"/>
           </a:p>
@@ -2383,7 +2383,7 @@
           <a:p>
             <a:fld id="{A3BD12BA-AA1F-4F86-A3C7-6A440B6A9EEF}" type="datetimeFigureOut">
               <a:rPr lang="en-GB" smtClean="0"/>
-              <a:t>13/11/2024</a:t>
+              <a:t>15/11/2024</a:t>
             </a:fld>
             <a:endParaRPr lang="en-GB"/>
           </a:p>
@@ -2671,7 +2671,7 @@
           <a:p>
             <a:fld id="{A3BD12BA-AA1F-4F86-A3C7-6A440B6A9EEF}" type="datetimeFigureOut">
               <a:rPr lang="en-GB" smtClean="0"/>
-              <a:t>13/11/2024</a:t>
+              <a:t>15/11/2024</a:t>
             </a:fld>
             <a:endParaRPr lang="en-GB"/>
           </a:p>
@@ -2912,7 +2912,7 @@
           <a:p>
             <a:fld id="{A3BD12BA-AA1F-4F86-A3C7-6A440B6A9EEF}" type="datetimeFigureOut">
               <a:rPr lang="en-GB" smtClean="0"/>
-              <a:t>13/11/2024</a:t>
+              <a:t>15/11/2024</a:t>
             </a:fld>
             <a:endParaRPr lang="en-GB"/>
           </a:p>
@@ -4033,6 +4033,55 @@
               <a:t>OnHint</a:t>
             </a:r>
             <a:endParaRPr lang="en-GB" dirty="0"/>
+          </a:p>
+        </p:txBody>
+      </p:sp>
+      <p:sp>
+        <p:nvSpPr>
+          <p:cNvPr id="2" name="Rectangle 1">
+            <a:extLst>
+              <a:ext uri="{FF2B5EF4-FFF2-40B4-BE49-F238E27FC236}">
+                <a16:creationId xmlns:a16="http://schemas.microsoft.com/office/drawing/2014/main" id="{BC31A055-53AC-BA02-6975-DC7D26E58BEE}"/>
+              </a:ext>
+            </a:extLst>
+          </p:cNvPr>
+          <p:cNvSpPr/>
+          <p:nvPr/>
+        </p:nvSpPr>
+        <p:spPr>
+          <a:xfrm>
+            <a:off x="6202680" y="91440"/>
+            <a:ext cx="1700784" cy="804672"/>
+          </a:xfrm>
+          <a:prstGeom prst="rect">
+            <a:avLst/>
+          </a:prstGeom>
+        </p:spPr>
+        <p:style>
+          <a:lnRef idx="2">
+            <a:schemeClr val="accent1">
+              <a:shade val="15000"/>
+            </a:schemeClr>
+          </a:lnRef>
+          <a:fillRef idx="1">
+            <a:schemeClr val="accent1"/>
+          </a:fillRef>
+          <a:effectRef idx="0">
+            <a:schemeClr val="accent1"/>
+          </a:effectRef>
+          <a:fontRef idx="minor">
+            <a:schemeClr val="lt1"/>
+          </a:fontRef>
+        </p:style>
+        <p:txBody>
+          <a:bodyPr rtlCol="0" anchor="ctr"/>
+          <a:lstStyle/>
+          <a:p>
+            <a:pPr algn="ctr"/>
+            <a:r>
+              <a:rPr lang="en-GB" dirty="0"/>
+              <a:t>Game Instance</a:t>
+            </a:r>
           </a:p>
         </p:txBody>
       </p:sp>

--- a/Presentation1.pptx
+++ b/Presentation1.pptx
@@ -3343,7 +3343,7 @@
         </p:nvSpPr>
         <p:spPr>
           <a:xfrm>
-            <a:off x="3316224" y="91440"/>
+            <a:off x="5026141" y="335435"/>
             <a:ext cx="1700784" cy="804672"/>
           </a:xfrm>
           <a:prstGeom prst="rect">
@@ -3491,7 +3491,7 @@
         </p:nvSpPr>
         <p:spPr>
           <a:xfrm>
-            <a:off x="137160" y="3212592"/>
+            <a:off x="129521" y="3267378"/>
             <a:ext cx="1700784" cy="804672"/>
           </a:xfrm>
           <a:prstGeom prst="rect">
@@ -3593,8 +3593,8 @@
         </p:nvCxnSpPr>
         <p:spPr>
           <a:xfrm flipH="1">
-            <a:off x="987552" y="2054352"/>
-            <a:ext cx="2328672" cy="1158240"/>
+            <a:off x="979913" y="2054352"/>
+            <a:ext cx="2336311" cy="1213026"/>
           </a:xfrm>
           <a:prstGeom prst="straightConnector1">
             <a:avLst/>
@@ -4050,7 +4050,7 @@
         </p:nvSpPr>
         <p:spPr>
           <a:xfrm>
-            <a:off x="6202680" y="91440"/>
+            <a:off x="7702296" y="335435"/>
             <a:ext cx="1700784" cy="804672"/>
           </a:xfrm>
           <a:prstGeom prst="rect">
@@ -4085,6 +4085,190 @@
           </a:p>
         </p:txBody>
       </p:sp>
+      <p:sp>
+        <p:nvSpPr>
+          <p:cNvPr id="3" name="Rectangle 2">
+            <a:extLst>
+              <a:ext uri="{FF2B5EF4-FFF2-40B4-BE49-F238E27FC236}">
+                <a16:creationId xmlns:a16="http://schemas.microsoft.com/office/drawing/2014/main" id="{36D48390-E117-5146-9D07-870CB5571E2C}"/>
+              </a:ext>
+            </a:extLst>
+          </p:cNvPr>
+          <p:cNvSpPr/>
+          <p:nvPr/>
+        </p:nvSpPr>
+        <p:spPr>
+          <a:xfrm>
+            <a:off x="6726925" y="1652016"/>
+            <a:ext cx="1700784" cy="804672"/>
+          </a:xfrm>
+          <a:prstGeom prst="rect">
+            <a:avLst/>
+          </a:prstGeom>
+        </p:spPr>
+        <p:style>
+          <a:lnRef idx="2">
+            <a:schemeClr val="accent1">
+              <a:shade val="15000"/>
+            </a:schemeClr>
+          </a:lnRef>
+          <a:fillRef idx="1">
+            <a:schemeClr val="accent1"/>
+          </a:fillRef>
+          <a:effectRef idx="0">
+            <a:schemeClr val="accent1"/>
+          </a:effectRef>
+          <a:fontRef idx="minor">
+            <a:schemeClr val="lt1"/>
+          </a:fontRef>
+        </p:style>
+        <p:txBody>
+          <a:bodyPr rtlCol="0" anchor="ctr"/>
+          <a:lstStyle/>
+          <a:p>
+            <a:pPr algn="ctr"/>
+            <a:r>
+              <a:rPr lang="en-GB" dirty="0"/>
+              <a:t>End Level Manager</a:t>
+            </a:r>
+          </a:p>
+        </p:txBody>
+      </p:sp>
+      <p:sp>
+        <p:nvSpPr>
+          <p:cNvPr id="7" name="Rectangle 6">
+            <a:extLst>
+              <a:ext uri="{FF2B5EF4-FFF2-40B4-BE49-F238E27FC236}">
+                <a16:creationId xmlns:a16="http://schemas.microsoft.com/office/drawing/2014/main" id="{01F2F757-40D1-5B5A-65A5-145B8B7EE96D}"/>
+              </a:ext>
+            </a:extLst>
+          </p:cNvPr>
+          <p:cNvSpPr/>
+          <p:nvPr/>
+        </p:nvSpPr>
+        <p:spPr>
+          <a:xfrm>
+            <a:off x="6726925" y="3267378"/>
+            <a:ext cx="1700784" cy="804672"/>
+          </a:xfrm>
+          <a:prstGeom prst="rect">
+            <a:avLst/>
+          </a:prstGeom>
+        </p:spPr>
+        <p:style>
+          <a:lnRef idx="2">
+            <a:schemeClr val="accent1">
+              <a:shade val="15000"/>
+            </a:schemeClr>
+          </a:lnRef>
+          <a:fillRef idx="1">
+            <a:schemeClr val="accent1"/>
+          </a:fillRef>
+          <a:effectRef idx="0">
+            <a:schemeClr val="accent1"/>
+          </a:effectRef>
+          <a:fontRef idx="minor">
+            <a:schemeClr val="lt1"/>
+          </a:fontRef>
+        </p:style>
+        <p:txBody>
+          <a:bodyPr rtlCol="0" anchor="ctr"/>
+          <a:lstStyle/>
+          <a:p>
+            <a:pPr algn="ctr"/>
+            <a:r>
+              <a:rPr lang="en-GB" dirty="0"/>
+              <a:t>End Levels</a:t>
+            </a:r>
+          </a:p>
+        </p:txBody>
+      </p:sp>
+      <p:cxnSp>
+        <p:nvCxnSpPr>
+          <p:cNvPr id="8" name="Straight Arrow Connector 7">
+            <a:extLst>
+              <a:ext uri="{FF2B5EF4-FFF2-40B4-BE49-F238E27FC236}">
+                <a16:creationId xmlns:a16="http://schemas.microsoft.com/office/drawing/2014/main" id="{6101BDF7-0B3C-E76E-22BF-94CB96C5A0B0}"/>
+              </a:ext>
+            </a:extLst>
+          </p:cNvPr>
+          <p:cNvCxnSpPr>
+            <a:cxnSpLocks/>
+            <a:stCxn id="7" idx="0"/>
+            <a:endCxn id="3" idx="2"/>
+          </p:cNvCxnSpPr>
+          <p:nvPr/>
+        </p:nvCxnSpPr>
+        <p:spPr>
+          <a:xfrm flipV="1">
+            <a:off x="7577317" y="2456688"/>
+            <a:ext cx="0" cy="810690"/>
+          </a:xfrm>
+          <a:prstGeom prst="straightConnector1">
+            <a:avLst/>
+          </a:prstGeom>
+          <a:ln>
+            <a:tailEnd type="triangle"/>
+          </a:ln>
+        </p:spPr>
+        <p:style>
+          <a:lnRef idx="2">
+            <a:schemeClr val="accent1"/>
+          </a:lnRef>
+          <a:fillRef idx="0">
+            <a:schemeClr val="accent1"/>
+          </a:fillRef>
+          <a:effectRef idx="1">
+            <a:schemeClr val="accent1"/>
+          </a:effectRef>
+          <a:fontRef idx="minor">
+            <a:schemeClr val="tx1"/>
+          </a:fontRef>
+        </p:style>
+      </p:cxnSp>
+      <p:cxnSp>
+        <p:nvCxnSpPr>
+          <p:cNvPr id="11" name="Straight Arrow Connector 10">
+            <a:extLst>
+              <a:ext uri="{FF2B5EF4-FFF2-40B4-BE49-F238E27FC236}">
+                <a16:creationId xmlns:a16="http://schemas.microsoft.com/office/drawing/2014/main" id="{60024B8E-843F-A8E2-7B1E-68EF6217A234}"/>
+              </a:ext>
+            </a:extLst>
+          </p:cNvPr>
+          <p:cNvCxnSpPr>
+            <a:cxnSpLocks/>
+            <a:stCxn id="3" idx="0"/>
+            <a:endCxn id="4" idx="3"/>
+          </p:cNvCxnSpPr>
+          <p:nvPr/>
+        </p:nvCxnSpPr>
+        <p:spPr>
+          <a:xfrm flipH="1" flipV="1">
+            <a:off x="6726925" y="737771"/>
+            <a:ext cx="850392" cy="914245"/>
+          </a:xfrm>
+          <a:prstGeom prst="straightConnector1">
+            <a:avLst/>
+          </a:prstGeom>
+          <a:ln>
+            <a:tailEnd type="triangle"/>
+          </a:ln>
+        </p:spPr>
+        <p:style>
+          <a:lnRef idx="2">
+            <a:schemeClr val="accent1"/>
+          </a:lnRef>
+          <a:fillRef idx="0">
+            <a:schemeClr val="accent1"/>
+          </a:fillRef>
+          <a:effectRef idx="1">
+            <a:schemeClr val="accent1"/>
+          </a:effectRef>
+          <a:fontRef idx="minor">
+            <a:schemeClr val="tx1"/>
+          </a:fontRef>
+        </p:style>
+      </p:cxnSp>
     </p:spTree>
     <p:extLst>
       <p:ext uri="{BB962C8B-B14F-4D97-AF65-F5344CB8AC3E}">

--- a/Presentation1.pptx
+++ b/Presentation1.pptx
@@ -6,9 +6,10 @@
   </p:sldMasterIdLst>
   <p:sldIdLst>
     <p:sldId id="257" r:id="rId2"/>
-    <p:sldId id="258" r:id="rId3"/>
-    <p:sldId id="259" r:id="rId4"/>
-    <p:sldId id="260" r:id="rId5"/>
+    <p:sldId id="261" r:id="rId3"/>
+    <p:sldId id="258" r:id="rId4"/>
+    <p:sldId id="259" r:id="rId5"/>
+    <p:sldId id="260" r:id="rId6"/>
   </p:sldIdLst>
   <p:sldSz cx="12192000" cy="6858000"/>
   <p:notesSz cx="6858000" cy="9144000"/>
@@ -4050,7 +4051,7 @@
         </p:nvSpPr>
         <p:spPr>
           <a:xfrm>
-            <a:off x="7702296" y="335435"/>
+            <a:off x="7684008" y="335435"/>
             <a:ext cx="1700784" cy="804672"/>
           </a:xfrm>
           <a:prstGeom prst="rect">
@@ -4313,7 +4314,7 @@
         </p:nvSpPr>
         <p:spPr>
           <a:xfrm>
-            <a:off x="6342888" y="164592"/>
+            <a:off x="7467601" y="280649"/>
             <a:ext cx="1700784" cy="804672"/>
           </a:xfrm>
           <a:prstGeom prst="rect">
@@ -4363,7 +4364,7 @@
         </p:nvSpPr>
         <p:spPr>
           <a:xfrm>
-            <a:off x="6342888" y="1725168"/>
+            <a:off x="3316224" y="1652016"/>
             <a:ext cx="1700784" cy="804672"/>
           </a:xfrm>
           <a:prstGeom prst="rect">
@@ -4412,7 +4413,7 @@
         </p:nvSpPr>
         <p:spPr>
           <a:xfrm>
-            <a:off x="6342888" y="3285744"/>
+            <a:off x="3316224" y="3212592"/>
             <a:ext cx="1700784" cy="804672"/>
           </a:xfrm>
           <a:prstGeom prst="rect">
@@ -4449,10 +4450,10 @@
       </p:sp>
       <p:sp>
         <p:nvSpPr>
-          <p:cNvPr id="7" name="Rectangle 6">
-            <a:extLst>
-              <a:ext uri="{FF2B5EF4-FFF2-40B4-BE49-F238E27FC236}">
-                <a16:creationId xmlns:a16="http://schemas.microsoft.com/office/drawing/2014/main" id="{CAF67295-59EC-0F62-C39C-26E590DA10A0}"/>
+          <p:cNvPr id="9" name="Rectangle 8">
+            <a:extLst>
+              <a:ext uri="{FF2B5EF4-FFF2-40B4-BE49-F238E27FC236}">
+                <a16:creationId xmlns:a16="http://schemas.microsoft.com/office/drawing/2014/main" id="{028A9C63-FFE1-C976-8AE1-FA9731762D69}"/>
               </a:ext>
             </a:extLst>
           </p:cNvPr>
@@ -4461,21 +4462,12 @@
         </p:nvSpPr>
         <p:spPr>
           <a:xfrm>
-            <a:off x="9260382" y="3285744"/>
+            <a:off x="129521" y="3267378"/>
             <a:ext cx="1700784" cy="804672"/>
           </a:xfrm>
           <a:prstGeom prst="rect">
             <a:avLst/>
           </a:prstGeom>
-          <a:solidFill>
-            <a:schemeClr val="accent5">
-              <a:lumMod val="40000"/>
-              <a:lumOff val="60000"/>
-            </a:schemeClr>
-          </a:solidFill>
-          <a:ln>
-            <a:noFill/>
-          </a:ln>
         </p:spPr>
         <p:style>
           <a:lnRef idx="2">
@@ -4500,17 +4492,17 @@
             <a:pPr algn="ctr"/>
             <a:r>
               <a:rPr lang="en-GB" dirty="0"/>
-              <a:t>Candy</a:t>
-            </a:r>
-          </a:p>
-        </p:txBody>
-      </p:sp>
-      <p:sp>
-        <p:nvSpPr>
-          <p:cNvPr id="8" name="Rectangle 7">
-            <a:extLst>
-              <a:ext uri="{FF2B5EF4-FFF2-40B4-BE49-F238E27FC236}">
-                <a16:creationId xmlns:a16="http://schemas.microsoft.com/office/drawing/2014/main" id="{5E820504-C2EC-BA18-B846-9FC190BF5EA5}"/>
+              <a:t>HUD</a:t>
+            </a:r>
+          </a:p>
+        </p:txBody>
+      </p:sp>
+      <p:sp>
+        <p:nvSpPr>
+          <p:cNvPr id="10" name="Rectangle 9">
+            <a:extLst>
+              <a:ext uri="{FF2B5EF4-FFF2-40B4-BE49-F238E27FC236}">
+                <a16:creationId xmlns:a16="http://schemas.microsoft.com/office/drawing/2014/main" id="{A1757625-17BE-D57E-C037-02A3F332B2B5}"/>
               </a:ext>
             </a:extLst>
           </p:cNvPr>
@@ -4519,21 +4511,12 @@
         </p:nvSpPr>
         <p:spPr>
           <a:xfrm>
-            <a:off x="8468868" y="1728216"/>
-            <a:ext cx="2356104" cy="804672"/>
+            <a:off x="3316224" y="4773168"/>
+            <a:ext cx="1700784" cy="804672"/>
           </a:xfrm>
           <a:prstGeom prst="rect">
             <a:avLst/>
           </a:prstGeom>
-          <a:solidFill>
-            <a:schemeClr val="accent5">
-              <a:lumMod val="40000"/>
-              <a:lumOff val="60000"/>
-            </a:schemeClr>
-          </a:solidFill>
-          <a:ln>
-            <a:noFill/>
-          </a:ln>
         </p:spPr>
         <p:style>
           <a:lnRef idx="2">
@@ -4557,32 +4540,32 @@
           <a:p>
             <a:pPr algn="ctr"/>
             <a:r>
-              <a:rPr lang="en-GB" dirty="0" err="1"/>
-              <a:t>GameRule_Candy</a:t>
-            </a:r>
-            <a:endParaRPr lang="en-GB" dirty="0"/>
+              <a:rPr lang="en-GB" dirty="0"/>
+              <a:t>Health Component</a:t>
+            </a:r>
           </a:p>
         </p:txBody>
       </p:sp>
       <p:cxnSp>
         <p:nvCxnSpPr>
-          <p:cNvPr id="16" name="Straight Arrow Connector 15">
-            <a:extLst>
-              <a:ext uri="{FF2B5EF4-FFF2-40B4-BE49-F238E27FC236}">
-                <a16:creationId xmlns:a16="http://schemas.microsoft.com/office/drawing/2014/main" id="{7031BFE6-19BD-0B88-3E58-1DFE689C96B3}"/>
+          <p:cNvPr id="19" name="Straight Arrow Connector 18">
+            <a:extLst>
+              <a:ext uri="{FF2B5EF4-FFF2-40B4-BE49-F238E27FC236}">
+                <a16:creationId xmlns:a16="http://schemas.microsoft.com/office/drawing/2014/main" id="{F686F6DD-2715-4324-B6AA-F85AEE585899}"/>
               </a:ext>
             </a:extLst>
           </p:cNvPr>
           <p:cNvCxnSpPr>
-            <a:stCxn id="6" idx="3"/>
-            <a:endCxn id="7" idx="1"/>
+            <a:cxnSpLocks/>
+            <a:stCxn id="5" idx="1"/>
+            <a:endCxn id="9" idx="0"/>
           </p:cNvCxnSpPr>
           <p:nvPr/>
         </p:nvCxnSpPr>
         <p:spPr>
-          <a:xfrm>
-            <a:off x="8043672" y="3688080"/>
-            <a:ext cx="1216710" cy="0"/>
+          <a:xfrm flipH="1">
+            <a:off x="979913" y="2054352"/>
+            <a:ext cx="2336311" cy="1213026"/>
           </a:xfrm>
           <a:prstGeom prst="straightConnector1">
             <a:avLst/>
@@ -4608,10 +4591,10 @@
       </p:cxnSp>
       <p:sp>
         <p:nvSpPr>
-          <p:cNvPr id="17" name="TextBox 16">
-            <a:extLst>
-              <a:ext uri="{FF2B5EF4-FFF2-40B4-BE49-F238E27FC236}">
-                <a16:creationId xmlns:a16="http://schemas.microsoft.com/office/drawing/2014/main" id="{FA6EB0A9-DA92-B382-AABA-CCD98D615934}"/>
+          <p:cNvPr id="23" name="TextBox 22">
+            <a:extLst>
+              <a:ext uri="{FF2B5EF4-FFF2-40B4-BE49-F238E27FC236}">
+                <a16:creationId xmlns:a16="http://schemas.microsoft.com/office/drawing/2014/main" id="{41804DE1-42D2-79C5-050A-C4E80C1090BC}"/>
               </a:ext>
             </a:extLst>
           </p:cNvPr>
@@ -4619,9 +4602,9 @@
           <p:nvPr/>
         </p:nvSpPr>
         <p:spPr>
-          <a:xfrm>
-            <a:off x="7951749" y="3349752"/>
-            <a:ext cx="1400556" cy="646331"/>
+          <a:xfrm rot="19967641">
+            <a:off x="374777" y="947404"/>
+            <a:ext cx="2659300" cy="1754326"/>
           </a:xfrm>
           <a:prstGeom prst="rect">
             <a:avLst/>
@@ -4634,27 +4617,70 @@
           </a:bodyPr>
           <a:lstStyle/>
           <a:p>
-            <a:pPr algn="ctr"/>
+            <a:r>
+              <a:rPr lang="en-GB" dirty="0" err="1"/>
+              <a:t>UpdateHealth</a:t>
+            </a:r>
             <a:r>
               <a:rPr lang="en-GB" dirty="0"/>
-              <a:t>Eat()</a:t>
-            </a:r>
-          </a:p>
-          <a:p>
-            <a:pPr algn="ctr"/>
+              <a:t>()</a:t>
+            </a:r>
+          </a:p>
+          <a:p>
+            <a:r>
+              <a:rPr lang="en-GB" dirty="0" err="1"/>
+              <a:t>UpdateLevel</a:t>
+            </a:r>
             <a:r>
               <a:rPr lang="en-GB" dirty="0"/>
-              <a:t>&lt;Interface&gt;</a:t>
-            </a:r>
+              <a:t>()</a:t>
+            </a:r>
+          </a:p>
+          <a:p>
+            <a:r>
+              <a:rPr lang="en-GB" dirty="0" err="1"/>
+              <a:t>UpdateLevelFinish</a:t>
+            </a:r>
+            <a:r>
+              <a:rPr lang="en-GB" dirty="0"/>
+              <a:t>()</a:t>
+            </a:r>
+          </a:p>
+          <a:p>
+            <a:r>
+              <a:rPr lang="en-GB" dirty="0" err="1"/>
+              <a:t>UpdateCandyCount</a:t>
+            </a:r>
+            <a:r>
+              <a:rPr lang="en-GB" dirty="0"/>
+              <a:t>()</a:t>
+            </a:r>
+          </a:p>
+          <a:p>
+            <a:r>
+              <a:rPr lang="en-GB" dirty="0" err="1"/>
+              <a:t>UpdatePumpkinCount</a:t>
+            </a:r>
+            <a:r>
+              <a:rPr lang="en-GB" dirty="0"/>
+              <a:t>()</a:t>
+            </a:r>
+          </a:p>
+          <a:p>
+            <a:r>
+              <a:rPr lang="en-GB" dirty="0" err="1"/>
+              <a:t>UpdatePlayerLives</a:t>
+            </a:r>
+            <a:endParaRPr lang="en-GB" dirty="0"/>
           </a:p>
         </p:txBody>
       </p:sp>
       <p:cxnSp>
         <p:nvCxnSpPr>
-          <p:cNvPr id="45" name="Straight Arrow Connector 44">
-            <a:extLst>
-              <a:ext uri="{FF2B5EF4-FFF2-40B4-BE49-F238E27FC236}">
-                <a16:creationId xmlns:a16="http://schemas.microsoft.com/office/drawing/2014/main" id="{FCB6D5FB-65C5-2CF2-3164-F59D3C41B65A}"/>
+          <p:cNvPr id="25" name="Straight Arrow Connector 24">
+            <a:extLst>
+              <a:ext uri="{FF2B5EF4-FFF2-40B4-BE49-F238E27FC236}">
+                <a16:creationId xmlns:a16="http://schemas.microsoft.com/office/drawing/2014/main" id="{F095727A-2AF6-1CE7-4521-C9D23AA8FE48}"/>
               </a:ext>
             </a:extLst>
           </p:cNvPr>
@@ -4665,124 +4691,8 @@
         </p:nvCxnSpPr>
         <p:spPr>
           <a:xfrm flipV="1">
-            <a:off x="9401075" y="2584626"/>
-            <a:ext cx="0" cy="701118"/>
-          </a:xfrm>
-          <a:prstGeom prst="straightConnector1">
-            <a:avLst/>
-          </a:prstGeom>
-          <a:ln>
-            <a:tailEnd type="triangle"/>
-          </a:ln>
-        </p:spPr>
-        <p:style>
-          <a:lnRef idx="2">
-            <a:schemeClr val="accent1"/>
-          </a:lnRef>
-          <a:fillRef idx="0">
-            <a:schemeClr val="accent1"/>
-          </a:fillRef>
-          <a:effectRef idx="1">
-            <a:schemeClr val="accent1"/>
-          </a:effectRef>
-          <a:fontRef idx="minor">
-            <a:schemeClr val="tx1"/>
-          </a:fontRef>
-        </p:style>
-      </p:cxnSp>
-      <p:sp>
-        <p:nvSpPr>
-          <p:cNvPr id="48" name="TextBox 47">
-            <a:extLst>
-              <a:ext uri="{FF2B5EF4-FFF2-40B4-BE49-F238E27FC236}">
-                <a16:creationId xmlns:a16="http://schemas.microsoft.com/office/drawing/2014/main" id="{3A1F650E-CC9C-79CA-9513-96315AB7B22C}"/>
-              </a:ext>
-            </a:extLst>
-          </p:cNvPr>
-          <p:cNvSpPr txBox="1"/>
-          <p:nvPr/>
-        </p:nvSpPr>
-        <p:spPr>
-          <a:xfrm>
-            <a:off x="9352305" y="2750519"/>
-            <a:ext cx="1700779" cy="369332"/>
-          </a:xfrm>
-          <a:prstGeom prst="rect">
-            <a:avLst/>
-          </a:prstGeom>
-          <a:noFill/>
-        </p:spPr>
-        <p:txBody>
-          <a:bodyPr wrap="square" rtlCol="0">
-            <a:spAutoFit/>
-          </a:bodyPr>
-          <a:lstStyle/>
-          <a:p>
-            <a:pPr algn="ctr"/>
-            <a:r>
-              <a:rPr lang="en-GB" dirty="0" err="1"/>
-              <a:t>OnCandyEaten</a:t>
-            </a:r>
-            <a:endParaRPr lang="en-GB" dirty="0"/>
-          </a:p>
-        </p:txBody>
-      </p:sp>
-      <p:sp>
-        <p:nvSpPr>
-          <p:cNvPr id="49" name="TextBox 48">
-            <a:extLst>
-              <a:ext uri="{FF2B5EF4-FFF2-40B4-BE49-F238E27FC236}">
-                <a16:creationId xmlns:a16="http://schemas.microsoft.com/office/drawing/2014/main" id="{E4ADD8A5-D7FF-0D97-4233-0CEE379F77B4}"/>
-              </a:ext>
-            </a:extLst>
-          </p:cNvPr>
-          <p:cNvSpPr txBox="1"/>
-          <p:nvPr/>
-        </p:nvSpPr>
-        <p:spPr>
-          <a:xfrm rot="1910503">
-            <a:off x="7748487" y="876516"/>
-            <a:ext cx="2786654" cy="307777"/>
-          </a:xfrm>
-          <a:prstGeom prst="rect">
-            <a:avLst/>
-          </a:prstGeom>
-          <a:noFill/>
-        </p:spPr>
-        <p:txBody>
-          <a:bodyPr wrap="square" rtlCol="0">
-            <a:spAutoFit/>
-          </a:bodyPr>
-          <a:lstStyle/>
-          <a:p>
-            <a:pPr algn="ctr"/>
-            <a:r>
-              <a:rPr lang="en-GB" sz="1400" dirty="0" err="1"/>
-              <a:t>OnPuzzleGameRuleComplete</a:t>
-            </a:r>
-            <a:endParaRPr lang="en-GB" sz="1400" dirty="0"/>
-          </a:p>
-        </p:txBody>
-      </p:sp>
-      <p:cxnSp>
-        <p:nvCxnSpPr>
-          <p:cNvPr id="50" name="Straight Arrow Connector 49">
-            <a:extLst>
-              <a:ext uri="{FF2B5EF4-FFF2-40B4-BE49-F238E27FC236}">
-                <a16:creationId xmlns:a16="http://schemas.microsoft.com/office/drawing/2014/main" id="{28331C21-B765-E591-79A4-9C50C0B0E23B}"/>
-              </a:ext>
-            </a:extLst>
-          </p:cNvPr>
-          <p:cNvCxnSpPr>
-            <a:cxnSpLocks/>
-            <a:endCxn id="4" idx="3"/>
-          </p:cNvCxnSpPr>
-          <p:nvPr/>
-        </p:nvCxnSpPr>
-        <p:spPr>
-          <a:xfrm flipH="1" flipV="1">
-            <a:off x="8043672" y="566928"/>
-            <a:ext cx="1895856" cy="1158240"/>
+            <a:off x="4724400" y="2456688"/>
+            <a:ext cx="0" cy="755904"/>
           </a:xfrm>
           <a:prstGeom prst="straightConnector1">
             <a:avLst/>
@@ -4808,23 +4718,21 @@
       </p:cxnSp>
       <p:cxnSp>
         <p:nvCxnSpPr>
-          <p:cNvPr id="3" name="Straight Arrow Connector 2">
-            <a:extLst>
-              <a:ext uri="{FF2B5EF4-FFF2-40B4-BE49-F238E27FC236}">
-                <a16:creationId xmlns:a16="http://schemas.microsoft.com/office/drawing/2014/main" id="{BFD7ACDF-5DB5-09A9-8BBA-3C1281CEAEDB}"/>
+          <p:cNvPr id="27" name="Straight Arrow Connector 26">
+            <a:extLst>
+              <a:ext uri="{FF2B5EF4-FFF2-40B4-BE49-F238E27FC236}">
+                <a16:creationId xmlns:a16="http://schemas.microsoft.com/office/drawing/2014/main" id="{6621537C-CA93-BDD8-ADE1-C3C6CBA66E28}"/>
               </a:ext>
             </a:extLst>
           </p:cNvPr>
           <p:cNvCxnSpPr>
             <a:cxnSpLocks/>
-            <a:stCxn id="6" idx="0"/>
-            <a:endCxn id="5" idx="2"/>
           </p:cNvCxnSpPr>
           <p:nvPr/>
         </p:nvCxnSpPr>
         <p:spPr>
           <a:xfrm flipV="1">
-            <a:off x="7193280" y="2529840"/>
+            <a:off x="4724400" y="4017264"/>
             <a:ext cx="0" cy="755904"/>
           </a:xfrm>
           <a:prstGeom prst="straightConnector1">
@@ -4851,69 +4759,24 @@
       </p:cxnSp>
       <p:sp>
         <p:nvSpPr>
-          <p:cNvPr id="13" name="TextBox 12">
-            <a:extLst>
-              <a:ext uri="{FF2B5EF4-FFF2-40B4-BE49-F238E27FC236}">
-                <a16:creationId xmlns:a16="http://schemas.microsoft.com/office/drawing/2014/main" id="{1CDD183D-8B6E-5705-2E26-00A459B452A1}"/>
-              </a:ext>
-            </a:extLst>
-          </p:cNvPr>
-          <p:cNvSpPr txBox="1"/>
+          <p:cNvPr id="2" name="Rectangle 1">
+            <a:extLst>
+              <a:ext uri="{FF2B5EF4-FFF2-40B4-BE49-F238E27FC236}">
+                <a16:creationId xmlns:a16="http://schemas.microsoft.com/office/drawing/2014/main" id="{BC31A055-53AC-BA02-6975-DC7D26E58BEE}"/>
+              </a:ext>
+            </a:extLst>
+          </p:cNvPr>
+          <p:cNvSpPr/>
           <p:nvPr/>
         </p:nvSpPr>
         <p:spPr>
           <a:xfrm>
-            <a:off x="5612979" y="2723126"/>
-            <a:ext cx="1545257" cy="369332"/>
+            <a:off x="10125468" y="280649"/>
+            <a:ext cx="1700784" cy="804672"/>
           </a:xfrm>
           <a:prstGeom prst="rect">
             <a:avLst/>
           </a:prstGeom>
-          <a:noFill/>
-        </p:spPr>
-        <p:txBody>
-          <a:bodyPr wrap="square" rtlCol="0">
-            <a:spAutoFit/>
-          </a:bodyPr>
-          <a:lstStyle/>
-          <a:p>
-            <a:pPr algn="ctr"/>
-            <a:r>
-              <a:rPr lang="en-GB" dirty="0" err="1"/>
-              <a:t>OnGuyDeath</a:t>
-            </a:r>
-            <a:endParaRPr lang="en-GB" dirty="0"/>
-          </a:p>
-        </p:txBody>
-      </p:sp>
-      <p:sp>
-        <p:nvSpPr>
-          <p:cNvPr id="21" name="Rectangle 20">
-            <a:extLst>
-              <a:ext uri="{FF2B5EF4-FFF2-40B4-BE49-F238E27FC236}">
-                <a16:creationId xmlns:a16="http://schemas.microsoft.com/office/drawing/2014/main" id="{2BCF8354-A5BE-0C9E-E29A-AA01AF6231F4}"/>
-              </a:ext>
-            </a:extLst>
-          </p:cNvPr>
-          <p:cNvSpPr/>
-          <p:nvPr/>
-        </p:nvSpPr>
-        <p:spPr>
-          <a:xfrm>
-            <a:off x="434518" y="367024"/>
-            <a:ext cx="2953511" cy="804672"/>
-          </a:xfrm>
-          <a:prstGeom prst="rect">
-            <a:avLst/>
-          </a:prstGeom>
-          <a:solidFill>
-            <a:schemeClr val="accent2">
-              <a:lumMod val="75000"/>
-            </a:schemeClr>
-          </a:solidFill>
-          <a:ln>
-            <a:noFill/>
-          </a:ln>
         </p:spPr>
         <p:style>
           <a:lnRef idx="2">
@@ -4937,19 +4800,18 @@
           <a:p>
             <a:pPr algn="ctr"/>
             <a:r>
-              <a:rPr lang="en-GB" dirty="0" err="1"/>
-              <a:t>GameRule_Target</a:t>
-            </a:r>
-            <a:endParaRPr lang="en-GB" dirty="0"/>
-          </a:p>
-        </p:txBody>
-      </p:sp>
-      <p:sp>
-        <p:nvSpPr>
-          <p:cNvPr id="31" name="Rectangle 30">
-            <a:extLst>
-              <a:ext uri="{FF2B5EF4-FFF2-40B4-BE49-F238E27FC236}">
-                <a16:creationId xmlns:a16="http://schemas.microsoft.com/office/drawing/2014/main" id="{9C7ACE6A-2A96-33BD-0D16-B83142DA368F}"/>
+              <a:rPr lang="en-GB" dirty="0"/>
+              <a:t>Game Instance</a:t>
+            </a:r>
+          </a:p>
+        </p:txBody>
+      </p:sp>
+      <p:sp>
+        <p:nvSpPr>
+          <p:cNvPr id="3" name="Rectangle 2">
+            <a:extLst>
+              <a:ext uri="{FF2B5EF4-FFF2-40B4-BE49-F238E27FC236}">
+                <a16:creationId xmlns:a16="http://schemas.microsoft.com/office/drawing/2014/main" id="{36D48390-E117-5146-9D07-870CB5571E2C}"/>
               </a:ext>
             </a:extLst>
           </p:cNvPr>
@@ -4958,20 +4820,12 @@
         </p:nvSpPr>
         <p:spPr>
           <a:xfrm>
-            <a:off x="434517" y="2935224"/>
-            <a:ext cx="2953511" cy="804672"/>
+            <a:off x="9168385" y="1597230"/>
+            <a:ext cx="1700784" cy="804672"/>
           </a:xfrm>
           <a:prstGeom prst="rect">
             <a:avLst/>
           </a:prstGeom>
-          <a:solidFill>
-            <a:schemeClr val="accent2">
-              <a:lumMod val="75000"/>
-            </a:schemeClr>
-          </a:solidFill>
-          <a:ln>
-            <a:noFill/>
-          </a:ln>
         </p:spPr>
         <p:style>
           <a:lnRef idx="2">
@@ -4996,31 +4850,80 @@
             <a:pPr algn="ctr"/>
             <a:r>
               <a:rPr lang="en-GB" dirty="0"/>
-              <a:t>Target</a:t>
+              <a:t>End Level Manager</a:t>
+            </a:r>
+          </a:p>
+        </p:txBody>
+      </p:sp>
+      <p:sp>
+        <p:nvSpPr>
+          <p:cNvPr id="7" name="Rectangle 6">
+            <a:extLst>
+              <a:ext uri="{FF2B5EF4-FFF2-40B4-BE49-F238E27FC236}">
+                <a16:creationId xmlns:a16="http://schemas.microsoft.com/office/drawing/2014/main" id="{01F2F757-40D1-5B5A-65A5-145B8B7EE96D}"/>
+              </a:ext>
+            </a:extLst>
+          </p:cNvPr>
+          <p:cNvSpPr/>
+          <p:nvPr/>
+        </p:nvSpPr>
+        <p:spPr>
+          <a:xfrm>
+            <a:off x="9168385" y="3212592"/>
+            <a:ext cx="1700784" cy="804672"/>
+          </a:xfrm>
+          <a:prstGeom prst="rect">
+            <a:avLst/>
+          </a:prstGeom>
+        </p:spPr>
+        <p:style>
+          <a:lnRef idx="2">
+            <a:schemeClr val="accent1">
+              <a:shade val="15000"/>
+            </a:schemeClr>
+          </a:lnRef>
+          <a:fillRef idx="1">
+            <a:schemeClr val="accent1"/>
+          </a:fillRef>
+          <a:effectRef idx="0">
+            <a:schemeClr val="accent1"/>
+          </a:effectRef>
+          <a:fontRef idx="minor">
+            <a:schemeClr val="lt1"/>
+          </a:fontRef>
+        </p:style>
+        <p:txBody>
+          <a:bodyPr rtlCol="0" anchor="ctr"/>
+          <a:lstStyle/>
+          <a:p>
+            <a:pPr algn="ctr"/>
+            <a:r>
+              <a:rPr lang="en-GB" dirty="0"/>
+              <a:t>End Levels</a:t>
             </a:r>
           </a:p>
         </p:txBody>
       </p:sp>
       <p:cxnSp>
         <p:nvCxnSpPr>
-          <p:cNvPr id="32" name="Straight Arrow Connector 31">
-            <a:extLst>
-              <a:ext uri="{FF2B5EF4-FFF2-40B4-BE49-F238E27FC236}">
-                <a16:creationId xmlns:a16="http://schemas.microsoft.com/office/drawing/2014/main" id="{66849A8A-F5CA-8D7D-B3FC-DD78C3F87CD0}"/>
+          <p:cNvPr id="8" name="Straight Arrow Connector 7">
+            <a:extLst>
+              <a:ext uri="{FF2B5EF4-FFF2-40B4-BE49-F238E27FC236}">
+                <a16:creationId xmlns:a16="http://schemas.microsoft.com/office/drawing/2014/main" id="{6101BDF7-0B3C-E76E-22BF-94CB96C5A0B0}"/>
               </a:ext>
             </a:extLst>
           </p:cNvPr>
           <p:cNvCxnSpPr>
             <a:cxnSpLocks/>
-            <a:stCxn id="31" idx="0"/>
-            <a:endCxn id="21" idx="2"/>
+            <a:stCxn id="7" idx="0"/>
+            <a:endCxn id="3" idx="2"/>
           </p:cNvCxnSpPr>
           <p:nvPr/>
         </p:nvCxnSpPr>
         <p:spPr>
           <a:xfrm flipV="1">
-            <a:off x="1911273" y="1171696"/>
-            <a:ext cx="1" cy="1763528"/>
+            <a:off x="10018777" y="2401902"/>
+            <a:ext cx="0" cy="810690"/>
           </a:xfrm>
           <a:prstGeom prst="straightConnector1">
             <a:avLst/>
@@ -5046,23 +4949,24 @@
       </p:cxnSp>
       <p:cxnSp>
         <p:nvCxnSpPr>
-          <p:cNvPr id="36" name="Straight Arrow Connector 35">
-            <a:extLst>
-              <a:ext uri="{FF2B5EF4-FFF2-40B4-BE49-F238E27FC236}">
-                <a16:creationId xmlns:a16="http://schemas.microsoft.com/office/drawing/2014/main" id="{52516B45-B711-3D3C-13F5-D8DFE096DABE}"/>
+          <p:cNvPr id="11" name="Straight Arrow Connector 10">
+            <a:extLst>
+              <a:ext uri="{FF2B5EF4-FFF2-40B4-BE49-F238E27FC236}">
+                <a16:creationId xmlns:a16="http://schemas.microsoft.com/office/drawing/2014/main" id="{60024B8E-843F-A8E2-7B1E-68EF6217A234}"/>
               </a:ext>
             </a:extLst>
           </p:cNvPr>
           <p:cNvCxnSpPr>
             <a:cxnSpLocks/>
-            <a:stCxn id="21" idx="3"/>
+            <a:stCxn id="3" idx="0"/>
+            <a:endCxn id="4" idx="3"/>
           </p:cNvCxnSpPr>
           <p:nvPr/>
         </p:nvCxnSpPr>
         <p:spPr>
-          <a:xfrm flipV="1">
-            <a:off x="3388029" y="424778"/>
-            <a:ext cx="2905846" cy="344582"/>
+          <a:xfrm flipH="1" flipV="1">
+            <a:off x="9168385" y="682985"/>
+            <a:ext cx="850392" cy="914245"/>
           </a:xfrm>
           <a:prstGeom prst="straightConnector1">
             <a:avLst/>
@@ -5086,358 +4990,26 @@
           </a:fontRef>
         </p:style>
       </p:cxnSp>
-      <p:sp>
-        <p:nvSpPr>
-          <p:cNvPr id="41" name="TextBox 40">
-            <a:extLst>
-              <a:ext uri="{FF2B5EF4-FFF2-40B4-BE49-F238E27FC236}">
-                <a16:creationId xmlns:a16="http://schemas.microsoft.com/office/drawing/2014/main" id="{8CFC487C-747A-058D-2DD1-5866D8EEC387}"/>
-              </a:ext>
-            </a:extLst>
-          </p:cNvPr>
-          <p:cNvSpPr txBox="1"/>
-          <p:nvPr/>
-        </p:nvSpPr>
-        <p:spPr>
-          <a:xfrm rot="21215828">
-            <a:off x="3411836" y="301302"/>
-            <a:ext cx="2786654" cy="307777"/>
-          </a:xfrm>
-          <a:prstGeom prst="rect">
-            <a:avLst/>
-          </a:prstGeom>
-          <a:noFill/>
-        </p:spPr>
-        <p:txBody>
-          <a:bodyPr wrap="square" rtlCol="0">
-            <a:spAutoFit/>
-          </a:bodyPr>
-          <a:lstStyle/>
-          <a:p>
-            <a:pPr algn="ctr"/>
-            <a:r>
-              <a:rPr lang="en-GB" sz="1400" dirty="0" err="1"/>
-              <a:t>OnPuzzleGameRuleComplete</a:t>
-            </a:r>
-            <a:endParaRPr lang="en-GB" sz="1400" dirty="0"/>
-          </a:p>
-        </p:txBody>
-      </p:sp>
-      <p:sp>
-        <p:nvSpPr>
-          <p:cNvPr id="42" name="TextBox 41">
-            <a:extLst>
-              <a:ext uri="{FF2B5EF4-FFF2-40B4-BE49-F238E27FC236}">
-                <a16:creationId xmlns:a16="http://schemas.microsoft.com/office/drawing/2014/main" id="{F99CBEF3-A835-30F3-6A1C-C7C4825F0D1A}"/>
-              </a:ext>
-            </a:extLst>
-          </p:cNvPr>
-          <p:cNvSpPr txBox="1"/>
-          <p:nvPr/>
-        </p:nvSpPr>
-        <p:spPr>
-          <a:xfrm rot="512940">
-            <a:off x="4110811" y="3416730"/>
-            <a:ext cx="1400556" cy="646331"/>
-          </a:xfrm>
-          <a:prstGeom prst="rect">
-            <a:avLst/>
-          </a:prstGeom>
-          <a:noFill/>
-        </p:spPr>
-        <p:txBody>
-          <a:bodyPr wrap="square" rtlCol="0">
-            <a:spAutoFit/>
-          </a:bodyPr>
-          <a:lstStyle/>
-          <a:p>
-            <a:pPr algn="ctr"/>
-            <a:r>
-              <a:rPr lang="en-GB" dirty="0"/>
-              <a:t>Damage()</a:t>
-            </a:r>
-          </a:p>
-          <a:p>
-            <a:pPr algn="ctr"/>
-            <a:r>
-              <a:rPr lang="en-GB" dirty="0"/>
-              <a:t>&lt;Interface&gt;</a:t>
-            </a:r>
-          </a:p>
-        </p:txBody>
-      </p:sp>
       <p:cxnSp>
         <p:nvCxnSpPr>
-          <p:cNvPr id="43" name="Straight Arrow Connector 42">
-            <a:extLst>
-              <a:ext uri="{FF2B5EF4-FFF2-40B4-BE49-F238E27FC236}">
-                <a16:creationId xmlns:a16="http://schemas.microsoft.com/office/drawing/2014/main" id="{174C9B75-D4A1-1F06-E7E6-CB0A258C8EDC}"/>
+          <p:cNvPr id="12" name="Straight Arrow Connector 11">
+            <a:extLst>
+              <a:ext uri="{FF2B5EF4-FFF2-40B4-BE49-F238E27FC236}">
+                <a16:creationId xmlns:a16="http://schemas.microsoft.com/office/drawing/2014/main" id="{BCE22924-543B-19CD-CB5D-F376234EB559}"/>
               </a:ext>
             </a:extLst>
           </p:cNvPr>
           <p:cNvCxnSpPr>
             <a:cxnSpLocks/>
+            <a:stCxn id="4" idx="1"/>
+            <a:endCxn id="5" idx="0"/>
           </p:cNvCxnSpPr>
           <p:nvPr/>
         </p:nvCxnSpPr>
         <p:spPr>
-          <a:xfrm flipH="1" flipV="1">
-            <a:off x="3346769" y="3538728"/>
-            <a:ext cx="3038839" cy="445163"/>
-          </a:xfrm>
-          <a:prstGeom prst="straightConnector1">
-            <a:avLst/>
-          </a:prstGeom>
-          <a:ln>
-            <a:tailEnd type="triangle"/>
-          </a:ln>
-        </p:spPr>
-        <p:style>
-          <a:lnRef idx="2">
-            <a:schemeClr val="accent1"/>
-          </a:lnRef>
-          <a:fillRef idx="0">
-            <a:schemeClr val="accent1"/>
-          </a:fillRef>
-          <a:effectRef idx="1">
-            <a:schemeClr val="accent1"/>
-          </a:effectRef>
-          <a:fontRef idx="minor">
-            <a:schemeClr val="tx1"/>
-          </a:fontRef>
-        </p:style>
-      </p:cxnSp>
-      <p:sp>
-        <p:nvSpPr>
-          <p:cNvPr id="47" name="TextBox 46">
-            <a:extLst>
-              <a:ext uri="{FF2B5EF4-FFF2-40B4-BE49-F238E27FC236}">
-                <a16:creationId xmlns:a16="http://schemas.microsoft.com/office/drawing/2014/main" id="{3DE8486A-1646-B4D5-E8EE-6092B0CEAB16}"/>
-              </a:ext>
-            </a:extLst>
-          </p:cNvPr>
-          <p:cNvSpPr txBox="1"/>
-          <p:nvPr/>
-        </p:nvSpPr>
-        <p:spPr>
-          <a:xfrm>
-            <a:off x="180015" y="1945886"/>
-            <a:ext cx="1731257" cy="369332"/>
-          </a:xfrm>
-          <a:prstGeom prst="rect">
-            <a:avLst/>
-          </a:prstGeom>
-          <a:noFill/>
-        </p:spPr>
-        <p:txBody>
-          <a:bodyPr wrap="square" rtlCol="0">
-            <a:spAutoFit/>
-          </a:bodyPr>
-          <a:lstStyle/>
-          <a:p>
-            <a:pPr algn="r"/>
-            <a:r>
-              <a:rPr lang="en-GB" dirty="0" err="1"/>
-              <a:t>OnTargetDefeat</a:t>
-            </a:r>
-            <a:endParaRPr lang="en-GB" dirty="0"/>
-          </a:p>
-        </p:txBody>
-      </p:sp>
-      <p:sp>
-        <p:nvSpPr>
-          <p:cNvPr id="75" name="Rectangle 74">
-            <a:extLst>
-              <a:ext uri="{FF2B5EF4-FFF2-40B4-BE49-F238E27FC236}">
-                <a16:creationId xmlns:a16="http://schemas.microsoft.com/office/drawing/2014/main" id="{3DE25C81-1E94-8104-0E20-98F4EDD92F14}"/>
-              </a:ext>
-            </a:extLst>
-          </p:cNvPr>
-          <p:cNvSpPr/>
-          <p:nvPr/>
-        </p:nvSpPr>
-        <p:spPr>
-          <a:xfrm>
-            <a:off x="10155497" y="222684"/>
-            <a:ext cx="1956504" cy="804672"/>
-          </a:xfrm>
-          <a:prstGeom prst="rect">
-            <a:avLst/>
-          </a:prstGeom>
-          <a:solidFill>
-            <a:schemeClr val="accent6">
-              <a:lumMod val="40000"/>
-              <a:lumOff val="60000"/>
-            </a:schemeClr>
-          </a:solidFill>
-          <a:ln>
-            <a:noFill/>
-          </a:ln>
-        </p:spPr>
-        <p:style>
-          <a:lnRef idx="2">
-            <a:schemeClr val="accent1">
-              <a:shade val="15000"/>
-            </a:schemeClr>
-          </a:lnRef>
-          <a:fillRef idx="1">
-            <a:schemeClr val="accent1"/>
-          </a:fillRef>
-          <a:effectRef idx="0">
-            <a:schemeClr val="accent1"/>
-          </a:effectRef>
-          <a:fontRef idx="minor">
-            <a:schemeClr val="lt1"/>
-          </a:fontRef>
-        </p:style>
-        <p:txBody>
-          <a:bodyPr rtlCol="0" anchor="ctr"/>
-          <a:lstStyle/>
-          <a:p>
-            <a:pPr algn="ctr"/>
-            <a:r>
-              <a:rPr lang="en-GB" dirty="0" err="1"/>
-              <a:t>GameRule_Timer</a:t>
-            </a:r>
-            <a:endParaRPr lang="en-GB" dirty="0"/>
-          </a:p>
-        </p:txBody>
-      </p:sp>
-      <p:cxnSp>
-        <p:nvCxnSpPr>
-          <p:cNvPr id="76" name="Straight Arrow Connector 75">
-            <a:extLst>
-              <a:ext uri="{FF2B5EF4-FFF2-40B4-BE49-F238E27FC236}">
-                <a16:creationId xmlns:a16="http://schemas.microsoft.com/office/drawing/2014/main" id="{07BD1696-08BC-58A9-5172-D98B30166634}"/>
-              </a:ext>
-            </a:extLst>
-          </p:cNvPr>
-          <p:cNvCxnSpPr>
-            <a:cxnSpLocks/>
-            <a:stCxn id="75" idx="1"/>
-            <a:endCxn id="49" idx="1"/>
-          </p:cNvCxnSpPr>
-          <p:nvPr/>
-        </p:nvCxnSpPr>
-        <p:spPr>
-          <a:xfrm flipH="1" flipV="1">
-            <a:off x="7958170" y="295321"/>
-            <a:ext cx="2197327" cy="329699"/>
-          </a:xfrm>
-          <a:prstGeom prst="straightConnector1">
-            <a:avLst/>
-          </a:prstGeom>
-          <a:ln>
-            <a:tailEnd type="triangle"/>
-          </a:ln>
-        </p:spPr>
-        <p:style>
-          <a:lnRef idx="2">
-            <a:schemeClr val="accent1"/>
-          </a:lnRef>
-          <a:fillRef idx="0">
-            <a:schemeClr val="accent1"/>
-          </a:fillRef>
-          <a:effectRef idx="1">
-            <a:schemeClr val="accent1"/>
-          </a:effectRef>
-          <a:fontRef idx="minor">
-            <a:schemeClr val="tx1"/>
-          </a:fontRef>
-        </p:style>
-      </p:cxnSp>
-      <p:sp>
-        <p:nvSpPr>
-          <p:cNvPr id="80" name="TextBox 79">
-            <a:extLst>
-              <a:ext uri="{FF2B5EF4-FFF2-40B4-BE49-F238E27FC236}">
-                <a16:creationId xmlns:a16="http://schemas.microsoft.com/office/drawing/2014/main" id="{F99E04BB-153F-401B-EA11-714C64D1A4B4}"/>
-              </a:ext>
-            </a:extLst>
-          </p:cNvPr>
-          <p:cNvSpPr txBox="1"/>
-          <p:nvPr/>
-        </p:nvSpPr>
-        <p:spPr>
-          <a:xfrm rot="501255">
-            <a:off x="7706257" y="181753"/>
-            <a:ext cx="2786654" cy="307777"/>
-          </a:xfrm>
-          <a:prstGeom prst="rect">
-            <a:avLst/>
-          </a:prstGeom>
-          <a:noFill/>
-        </p:spPr>
-        <p:txBody>
-          <a:bodyPr wrap="square" rtlCol="0">
-            <a:spAutoFit/>
-          </a:bodyPr>
-          <a:lstStyle/>
-          <a:p>
-            <a:pPr algn="ctr"/>
-            <a:r>
-              <a:rPr lang="en-GB" sz="1400" dirty="0" err="1"/>
-              <a:t>OnPuzzleGameRuleComplete</a:t>
-            </a:r>
-            <a:endParaRPr lang="en-GB" sz="1400" dirty="0"/>
-          </a:p>
-        </p:txBody>
-      </p:sp>
-      <p:sp>
-        <p:nvSpPr>
-          <p:cNvPr id="15" name="TextBox 14">
-            <a:extLst>
-              <a:ext uri="{FF2B5EF4-FFF2-40B4-BE49-F238E27FC236}">
-                <a16:creationId xmlns:a16="http://schemas.microsoft.com/office/drawing/2014/main" id="{3E0D3DEE-7471-886C-1F01-53939B42904A}"/>
-              </a:ext>
-            </a:extLst>
-          </p:cNvPr>
-          <p:cNvSpPr txBox="1"/>
-          <p:nvPr/>
-        </p:nvSpPr>
-        <p:spPr>
-          <a:xfrm>
-            <a:off x="5258077" y="1163319"/>
-            <a:ext cx="1900159" cy="369332"/>
-          </a:xfrm>
-          <a:prstGeom prst="rect">
-            <a:avLst/>
-          </a:prstGeom>
-          <a:noFill/>
-        </p:spPr>
-        <p:txBody>
-          <a:bodyPr wrap="square" rtlCol="0">
-            <a:spAutoFit/>
-          </a:bodyPr>
-          <a:lstStyle/>
-          <a:p>
-            <a:pPr algn="ctr"/>
-            <a:r>
-              <a:rPr lang="en-GB" dirty="0" err="1"/>
-              <a:t>OnRespawnAlert</a:t>
-            </a:r>
-            <a:endParaRPr lang="en-GB" dirty="0"/>
-          </a:p>
-        </p:txBody>
-      </p:sp>
-      <p:cxnSp>
-        <p:nvCxnSpPr>
-          <p:cNvPr id="18" name="Straight Arrow Connector 17">
-            <a:extLst>
-              <a:ext uri="{FF2B5EF4-FFF2-40B4-BE49-F238E27FC236}">
-                <a16:creationId xmlns:a16="http://schemas.microsoft.com/office/drawing/2014/main" id="{C120323D-18DD-7EAB-4CD0-2CC0241C8EFE}"/>
-              </a:ext>
-            </a:extLst>
-          </p:cNvPr>
-          <p:cNvCxnSpPr>
-            <a:cxnSpLocks/>
-          </p:cNvCxnSpPr>
-          <p:nvPr/>
-        </p:nvCxnSpPr>
-        <p:spPr>
-          <a:xfrm flipV="1">
-            <a:off x="7158236" y="969264"/>
-            <a:ext cx="0" cy="755904"/>
+          <a:xfrm flipH="1">
+            <a:off x="4166616" y="682985"/>
+            <a:ext cx="3300985" cy="969031"/>
           </a:xfrm>
           <a:prstGeom prst="straightConnector1">
             <a:avLst/>
@@ -5464,7 +5036,7 @@
     </p:spTree>
     <p:extLst>
       <p:ext uri="{BB962C8B-B14F-4D97-AF65-F5344CB8AC3E}">
-        <p14:creationId xmlns:p14="http://schemas.microsoft.com/office/powerpoint/2010/main" val="3877319224"/>
+        <p14:creationId xmlns:p14="http://schemas.microsoft.com/office/powerpoint/2010/main" val="1819057367"/>
       </p:ext>
     </p:extLst>
   </p:cSld>
@@ -5496,6 +5068,1198 @@
           <p:cNvPr id="4" name="Rectangle 3">
             <a:extLst>
               <a:ext uri="{FF2B5EF4-FFF2-40B4-BE49-F238E27FC236}">
+                <a16:creationId xmlns:a16="http://schemas.microsoft.com/office/drawing/2014/main" id="{5B596D2D-ED25-73E0-5C03-005459F73649}"/>
+              </a:ext>
+            </a:extLst>
+          </p:cNvPr>
+          <p:cNvSpPr/>
+          <p:nvPr/>
+        </p:nvSpPr>
+        <p:spPr>
+          <a:xfrm>
+            <a:off x="6342888" y="164592"/>
+            <a:ext cx="1700784" cy="804672"/>
+          </a:xfrm>
+          <a:prstGeom prst="rect">
+            <a:avLst/>
+          </a:prstGeom>
+        </p:spPr>
+        <p:style>
+          <a:lnRef idx="2">
+            <a:schemeClr val="accent1">
+              <a:shade val="15000"/>
+            </a:schemeClr>
+          </a:lnRef>
+          <a:fillRef idx="1">
+            <a:schemeClr val="accent1"/>
+          </a:fillRef>
+          <a:effectRef idx="0">
+            <a:schemeClr val="accent1"/>
+          </a:effectRef>
+          <a:fontRef idx="minor">
+            <a:schemeClr val="lt1"/>
+          </a:fontRef>
+        </p:style>
+        <p:txBody>
+          <a:bodyPr rtlCol="0" anchor="ctr"/>
+          <a:lstStyle/>
+          <a:p>
+            <a:pPr algn="ctr"/>
+            <a:r>
+              <a:rPr lang="en-GB" dirty="0" err="1"/>
+              <a:t>GameMode</a:t>
+            </a:r>
+            <a:endParaRPr lang="en-GB" dirty="0"/>
+          </a:p>
+        </p:txBody>
+      </p:sp>
+      <p:sp>
+        <p:nvSpPr>
+          <p:cNvPr id="5" name="Rectangle 4">
+            <a:extLst>
+              <a:ext uri="{FF2B5EF4-FFF2-40B4-BE49-F238E27FC236}">
+                <a16:creationId xmlns:a16="http://schemas.microsoft.com/office/drawing/2014/main" id="{50460C7B-9CD0-DDBD-D8A7-4DC5EFE1FF18}"/>
+              </a:ext>
+            </a:extLst>
+          </p:cNvPr>
+          <p:cNvSpPr/>
+          <p:nvPr/>
+        </p:nvSpPr>
+        <p:spPr>
+          <a:xfrm>
+            <a:off x="6342888" y="1725168"/>
+            <a:ext cx="1700784" cy="804672"/>
+          </a:xfrm>
+          <a:prstGeom prst="rect">
+            <a:avLst/>
+          </a:prstGeom>
+        </p:spPr>
+        <p:style>
+          <a:lnRef idx="2">
+            <a:schemeClr val="accent1">
+              <a:shade val="15000"/>
+            </a:schemeClr>
+          </a:lnRef>
+          <a:fillRef idx="1">
+            <a:schemeClr val="accent1"/>
+          </a:fillRef>
+          <a:effectRef idx="0">
+            <a:schemeClr val="accent1"/>
+          </a:effectRef>
+          <a:fontRef idx="minor">
+            <a:schemeClr val="lt1"/>
+          </a:fontRef>
+        </p:style>
+        <p:txBody>
+          <a:bodyPr rtlCol="0" anchor="ctr"/>
+          <a:lstStyle/>
+          <a:p>
+            <a:pPr algn="ctr"/>
+            <a:r>
+              <a:rPr lang="en-GB" dirty="0"/>
+              <a:t>Player Controller</a:t>
+            </a:r>
+          </a:p>
+        </p:txBody>
+      </p:sp>
+      <p:sp>
+        <p:nvSpPr>
+          <p:cNvPr id="6" name="Rectangle 5">
+            <a:extLst>
+              <a:ext uri="{FF2B5EF4-FFF2-40B4-BE49-F238E27FC236}">
+                <a16:creationId xmlns:a16="http://schemas.microsoft.com/office/drawing/2014/main" id="{B8DBD5DD-DF77-26C6-8745-5E2275F35289}"/>
+              </a:ext>
+            </a:extLst>
+          </p:cNvPr>
+          <p:cNvSpPr/>
+          <p:nvPr/>
+        </p:nvSpPr>
+        <p:spPr>
+          <a:xfrm>
+            <a:off x="6342888" y="3285744"/>
+            <a:ext cx="1700784" cy="804672"/>
+          </a:xfrm>
+          <a:prstGeom prst="rect">
+            <a:avLst/>
+          </a:prstGeom>
+        </p:spPr>
+        <p:style>
+          <a:lnRef idx="2">
+            <a:schemeClr val="accent1">
+              <a:shade val="15000"/>
+            </a:schemeClr>
+          </a:lnRef>
+          <a:fillRef idx="1">
+            <a:schemeClr val="accent1"/>
+          </a:fillRef>
+          <a:effectRef idx="0">
+            <a:schemeClr val="accent1"/>
+          </a:effectRef>
+          <a:fontRef idx="minor">
+            <a:schemeClr val="lt1"/>
+          </a:fontRef>
+        </p:style>
+        <p:txBody>
+          <a:bodyPr rtlCol="0" anchor="ctr"/>
+          <a:lstStyle/>
+          <a:p>
+            <a:pPr algn="ctr"/>
+            <a:r>
+              <a:rPr lang="en-GB" dirty="0"/>
+              <a:t>Guy(s)</a:t>
+            </a:r>
+          </a:p>
+        </p:txBody>
+      </p:sp>
+      <p:sp>
+        <p:nvSpPr>
+          <p:cNvPr id="7" name="Rectangle 6">
+            <a:extLst>
+              <a:ext uri="{FF2B5EF4-FFF2-40B4-BE49-F238E27FC236}">
+                <a16:creationId xmlns:a16="http://schemas.microsoft.com/office/drawing/2014/main" id="{CAF67295-59EC-0F62-C39C-26E590DA10A0}"/>
+              </a:ext>
+            </a:extLst>
+          </p:cNvPr>
+          <p:cNvSpPr/>
+          <p:nvPr/>
+        </p:nvSpPr>
+        <p:spPr>
+          <a:xfrm>
+            <a:off x="9260382" y="3285744"/>
+            <a:ext cx="1700784" cy="804672"/>
+          </a:xfrm>
+          <a:prstGeom prst="rect">
+            <a:avLst/>
+          </a:prstGeom>
+          <a:solidFill>
+            <a:schemeClr val="accent5">
+              <a:lumMod val="40000"/>
+              <a:lumOff val="60000"/>
+            </a:schemeClr>
+          </a:solidFill>
+          <a:ln>
+            <a:noFill/>
+          </a:ln>
+        </p:spPr>
+        <p:style>
+          <a:lnRef idx="2">
+            <a:schemeClr val="accent1">
+              <a:shade val="15000"/>
+            </a:schemeClr>
+          </a:lnRef>
+          <a:fillRef idx="1">
+            <a:schemeClr val="accent1"/>
+          </a:fillRef>
+          <a:effectRef idx="0">
+            <a:schemeClr val="accent1"/>
+          </a:effectRef>
+          <a:fontRef idx="minor">
+            <a:schemeClr val="lt1"/>
+          </a:fontRef>
+        </p:style>
+        <p:txBody>
+          <a:bodyPr rtlCol="0" anchor="ctr"/>
+          <a:lstStyle/>
+          <a:p>
+            <a:pPr algn="ctr"/>
+            <a:r>
+              <a:rPr lang="en-GB" dirty="0"/>
+              <a:t>Candy</a:t>
+            </a:r>
+          </a:p>
+        </p:txBody>
+      </p:sp>
+      <p:sp>
+        <p:nvSpPr>
+          <p:cNvPr id="8" name="Rectangle 7">
+            <a:extLst>
+              <a:ext uri="{FF2B5EF4-FFF2-40B4-BE49-F238E27FC236}">
+                <a16:creationId xmlns:a16="http://schemas.microsoft.com/office/drawing/2014/main" id="{5E820504-C2EC-BA18-B846-9FC190BF5EA5}"/>
+              </a:ext>
+            </a:extLst>
+          </p:cNvPr>
+          <p:cNvSpPr/>
+          <p:nvPr/>
+        </p:nvSpPr>
+        <p:spPr>
+          <a:xfrm>
+            <a:off x="8468868" y="1728216"/>
+            <a:ext cx="2356104" cy="804672"/>
+          </a:xfrm>
+          <a:prstGeom prst="rect">
+            <a:avLst/>
+          </a:prstGeom>
+          <a:solidFill>
+            <a:schemeClr val="accent5">
+              <a:lumMod val="40000"/>
+              <a:lumOff val="60000"/>
+            </a:schemeClr>
+          </a:solidFill>
+          <a:ln>
+            <a:noFill/>
+          </a:ln>
+        </p:spPr>
+        <p:style>
+          <a:lnRef idx="2">
+            <a:schemeClr val="accent1">
+              <a:shade val="15000"/>
+            </a:schemeClr>
+          </a:lnRef>
+          <a:fillRef idx="1">
+            <a:schemeClr val="accent1"/>
+          </a:fillRef>
+          <a:effectRef idx="0">
+            <a:schemeClr val="accent1"/>
+          </a:effectRef>
+          <a:fontRef idx="minor">
+            <a:schemeClr val="lt1"/>
+          </a:fontRef>
+        </p:style>
+        <p:txBody>
+          <a:bodyPr rtlCol="0" anchor="ctr"/>
+          <a:lstStyle/>
+          <a:p>
+            <a:pPr algn="ctr"/>
+            <a:r>
+              <a:rPr lang="en-GB" dirty="0" err="1"/>
+              <a:t>GameRule_Candy</a:t>
+            </a:r>
+            <a:endParaRPr lang="en-GB" dirty="0"/>
+          </a:p>
+        </p:txBody>
+      </p:sp>
+      <p:cxnSp>
+        <p:nvCxnSpPr>
+          <p:cNvPr id="16" name="Straight Arrow Connector 15">
+            <a:extLst>
+              <a:ext uri="{FF2B5EF4-FFF2-40B4-BE49-F238E27FC236}">
+                <a16:creationId xmlns:a16="http://schemas.microsoft.com/office/drawing/2014/main" id="{7031BFE6-19BD-0B88-3E58-1DFE689C96B3}"/>
+              </a:ext>
+            </a:extLst>
+          </p:cNvPr>
+          <p:cNvCxnSpPr>
+            <a:stCxn id="6" idx="3"/>
+            <a:endCxn id="7" idx="1"/>
+          </p:cNvCxnSpPr>
+          <p:nvPr/>
+        </p:nvCxnSpPr>
+        <p:spPr>
+          <a:xfrm>
+            <a:off x="8043672" y="3688080"/>
+            <a:ext cx="1216710" cy="0"/>
+          </a:xfrm>
+          <a:prstGeom prst="straightConnector1">
+            <a:avLst/>
+          </a:prstGeom>
+          <a:ln>
+            <a:tailEnd type="triangle"/>
+          </a:ln>
+        </p:spPr>
+        <p:style>
+          <a:lnRef idx="2">
+            <a:schemeClr val="accent1"/>
+          </a:lnRef>
+          <a:fillRef idx="0">
+            <a:schemeClr val="accent1"/>
+          </a:fillRef>
+          <a:effectRef idx="1">
+            <a:schemeClr val="accent1"/>
+          </a:effectRef>
+          <a:fontRef idx="minor">
+            <a:schemeClr val="tx1"/>
+          </a:fontRef>
+        </p:style>
+      </p:cxnSp>
+      <p:sp>
+        <p:nvSpPr>
+          <p:cNvPr id="17" name="TextBox 16">
+            <a:extLst>
+              <a:ext uri="{FF2B5EF4-FFF2-40B4-BE49-F238E27FC236}">
+                <a16:creationId xmlns:a16="http://schemas.microsoft.com/office/drawing/2014/main" id="{FA6EB0A9-DA92-B382-AABA-CCD98D615934}"/>
+              </a:ext>
+            </a:extLst>
+          </p:cNvPr>
+          <p:cNvSpPr txBox="1"/>
+          <p:nvPr/>
+        </p:nvSpPr>
+        <p:spPr>
+          <a:xfrm>
+            <a:off x="7951749" y="3349752"/>
+            <a:ext cx="1400556" cy="646331"/>
+          </a:xfrm>
+          <a:prstGeom prst="rect">
+            <a:avLst/>
+          </a:prstGeom>
+          <a:noFill/>
+        </p:spPr>
+        <p:txBody>
+          <a:bodyPr wrap="square" rtlCol="0">
+            <a:spAutoFit/>
+          </a:bodyPr>
+          <a:lstStyle/>
+          <a:p>
+            <a:pPr algn="ctr"/>
+            <a:r>
+              <a:rPr lang="en-GB" dirty="0"/>
+              <a:t>Eat()</a:t>
+            </a:r>
+          </a:p>
+          <a:p>
+            <a:pPr algn="ctr"/>
+            <a:r>
+              <a:rPr lang="en-GB" dirty="0"/>
+              <a:t>&lt;Interface&gt;</a:t>
+            </a:r>
+          </a:p>
+        </p:txBody>
+      </p:sp>
+      <p:cxnSp>
+        <p:nvCxnSpPr>
+          <p:cNvPr id="45" name="Straight Arrow Connector 44">
+            <a:extLst>
+              <a:ext uri="{FF2B5EF4-FFF2-40B4-BE49-F238E27FC236}">
+                <a16:creationId xmlns:a16="http://schemas.microsoft.com/office/drawing/2014/main" id="{FCB6D5FB-65C5-2CF2-3164-F59D3C41B65A}"/>
+              </a:ext>
+            </a:extLst>
+          </p:cNvPr>
+          <p:cNvCxnSpPr>
+            <a:cxnSpLocks/>
+          </p:cNvCxnSpPr>
+          <p:nvPr/>
+        </p:nvCxnSpPr>
+        <p:spPr>
+          <a:xfrm flipV="1">
+            <a:off x="9401075" y="2584626"/>
+            <a:ext cx="0" cy="701118"/>
+          </a:xfrm>
+          <a:prstGeom prst="straightConnector1">
+            <a:avLst/>
+          </a:prstGeom>
+          <a:ln>
+            <a:tailEnd type="triangle"/>
+          </a:ln>
+        </p:spPr>
+        <p:style>
+          <a:lnRef idx="2">
+            <a:schemeClr val="accent1"/>
+          </a:lnRef>
+          <a:fillRef idx="0">
+            <a:schemeClr val="accent1"/>
+          </a:fillRef>
+          <a:effectRef idx="1">
+            <a:schemeClr val="accent1"/>
+          </a:effectRef>
+          <a:fontRef idx="minor">
+            <a:schemeClr val="tx1"/>
+          </a:fontRef>
+        </p:style>
+      </p:cxnSp>
+      <p:sp>
+        <p:nvSpPr>
+          <p:cNvPr id="48" name="TextBox 47">
+            <a:extLst>
+              <a:ext uri="{FF2B5EF4-FFF2-40B4-BE49-F238E27FC236}">
+                <a16:creationId xmlns:a16="http://schemas.microsoft.com/office/drawing/2014/main" id="{3A1F650E-CC9C-79CA-9513-96315AB7B22C}"/>
+              </a:ext>
+            </a:extLst>
+          </p:cNvPr>
+          <p:cNvSpPr txBox="1"/>
+          <p:nvPr/>
+        </p:nvSpPr>
+        <p:spPr>
+          <a:xfrm>
+            <a:off x="9352305" y="2750519"/>
+            <a:ext cx="1700779" cy="369332"/>
+          </a:xfrm>
+          <a:prstGeom prst="rect">
+            <a:avLst/>
+          </a:prstGeom>
+          <a:noFill/>
+        </p:spPr>
+        <p:txBody>
+          <a:bodyPr wrap="square" rtlCol="0">
+            <a:spAutoFit/>
+          </a:bodyPr>
+          <a:lstStyle/>
+          <a:p>
+            <a:pPr algn="ctr"/>
+            <a:r>
+              <a:rPr lang="en-GB" dirty="0" err="1"/>
+              <a:t>OnCandyEaten</a:t>
+            </a:r>
+            <a:endParaRPr lang="en-GB" dirty="0"/>
+          </a:p>
+        </p:txBody>
+      </p:sp>
+      <p:sp>
+        <p:nvSpPr>
+          <p:cNvPr id="49" name="TextBox 48">
+            <a:extLst>
+              <a:ext uri="{FF2B5EF4-FFF2-40B4-BE49-F238E27FC236}">
+                <a16:creationId xmlns:a16="http://schemas.microsoft.com/office/drawing/2014/main" id="{E4ADD8A5-D7FF-0D97-4233-0CEE379F77B4}"/>
+              </a:ext>
+            </a:extLst>
+          </p:cNvPr>
+          <p:cNvSpPr txBox="1"/>
+          <p:nvPr/>
+        </p:nvSpPr>
+        <p:spPr>
+          <a:xfrm rot="1910503">
+            <a:off x="7748487" y="876516"/>
+            <a:ext cx="2786654" cy="307777"/>
+          </a:xfrm>
+          <a:prstGeom prst="rect">
+            <a:avLst/>
+          </a:prstGeom>
+          <a:noFill/>
+        </p:spPr>
+        <p:txBody>
+          <a:bodyPr wrap="square" rtlCol="0">
+            <a:spAutoFit/>
+          </a:bodyPr>
+          <a:lstStyle/>
+          <a:p>
+            <a:pPr algn="ctr"/>
+            <a:r>
+              <a:rPr lang="en-GB" sz="1400" dirty="0" err="1"/>
+              <a:t>OnPuzzleGameRuleComplete</a:t>
+            </a:r>
+            <a:endParaRPr lang="en-GB" sz="1400" dirty="0"/>
+          </a:p>
+        </p:txBody>
+      </p:sp>
+      <p:cxnSp>
+        <p:nvCxnSpPr>
+          <p:cNvPr id="50" name="Straight Arrow Connector 49">
+            <a:extLst>
+              <a:ext uri="{FF2B5EF4-FFF2-40B4-BE49-F238E27FC236}">
+                <a16:creationId xmlns:a16="http://schemas.microsoft.com/office/drawing/2014/main" id="{28331C21-B765-E591-79A4-9C50C0B0E23B}"/>
+              </a:ext>
+            </a:extLst>
+          </p:cNvPr>
+          <p:cNvCxnSpPr>
+            <a:cxnSpLocks/>
+            <a:endCxn id="4" idx="3"/>
+          </p:cNvCxnSpPr>
+          <p:nvPr/>
+        </p:nvCxnSpPr>
+        <p:spPr>
+          <a:xfrm flipH="1" flipV="1">
+            <a:off x="8043672" y="566928"/>
+            <a:ext cx="1895856" cy="1158240"/>
+          </a:xfrm>
+          <a:prstGeom prst="straightConnector1">
+            <a:avLst/>
+          </a:prstGeom>
+          <a:ln>
+            <a:tailEnd type="triangle"/>
+          </a:ln>
+        </p:spPr>
+        <p:style>
+          <a:lnRef idx="2">
+            <a:schemeClr val="accent1"/>
+          </a:lnRef>
+          <a:fillRef idx="0">
+            <a:schemeClr val="accent1"/>
+          </a:fillRef>
+          <a:effectRef idx="1">
+            <a:schemeClr val="accent1"/>
+          </a:effectRef>
+          <a:fontRef idx="minor">
+            <a:schemeClr val="tx1"/>
+          </a:fontRef>
+        </p:style>
+      </p:cxnSp>
+      <p:cxnSp>
+        <p:nvCxnSpPr>
+          <p:cNvPr id="3" name="Straight Arrow Connector 2">
+            <a:extLst>
+              <a:ext uri="{FF2B5EF4-FFF2-40B4-BE49-F238E27FC236}">
+                <a16:creationId xmlns:a16="http://schemas.microsoft.com/office/drawing/2014/main" id="{BFD7ACDF-5DB5-09A9-8BBA-3C1281CEAEDB}"/>
+              </a:ext>
+            </a:extLst>
+          </p:cNvPr>
+          <p:cNvCxnSpPr>
+            <a:cxnSpLocks/>
+            <a:stCxn id="6" idx="0"/>
+            <a:endCxn id="5" idx="2"/>
+          </p:cNvCxnSpPr>
+          <p:nvPr/>
+        </p:nvCxnSpPr>
+        <p:spPr>
+          <a:xfrm flipV="1">
+            <a:off x="7193280" y="2529840"/>
+            <a:ext cx="0" cy="755904"/>
+          </a:xfrm>
+          <a:prstGeom prst="straightConnector1">
+            <a:avLst/>
+          </a:prstGeom>
+          <a:ln>
+            <a:tailEnd type="triangle"/>
+          </a:ln>
+        </p:spPr>
+        <p:style>
+          <a:lnRef idx="2">
+            <a:schemeClr val="accent1"/>
+          </a:lnRef>
+          <a:fillRef idx="0">
+            <a:schemeClr val="accent1"/>
+          </a:fillRef>
+          <a:effectRef idx="1">
+            <a:schemeClr val="accent1"/>
+          </a:effectRef>
+          <a:fontRef idx="minor">
+            <a:schemeClr val="tx1"/>
+          </a:fontRef>
+        </p:style>
+      </p:cxnSp>
+      <p:sp>
+        <p:nvSpPr>
+          <p:cNvPr id="13" name="TextBox 12">
+            <a:extLst>
+              <a:ext uri="{FF2B5EF4-FFF2-40B4-BE49-F238E27FC236}">
+                <a16:creationId xmlns:a16="http://schemas.microsoft.com/office/drawing/2014/main" id="{1CDD183D-8B6E-5705-2E26-00A459B452A1}"/>
+              </a:ext>
+            </a:extLst>
+          </p:cNvPr>
+          <p:cNvSpPr txBox="1"/>
+          <p:nvPr/>
+        </p:nvSpPr>
+        <p:spPr>
+          <a:xfrm>
+            <a:off x="5612979" y="2723126"/>
+            <a:ext cx="1545257" cy="369332"/>
+          </a:xfrm>
+          <a:prstGeom prst="rect">
+            <a:avLst/>
+          </a:prstGeom>
+          <a:noFill/>
+        </p:spPr>
+        <p:txBody>
+          <a:bodyPr wrap="square" rtlCol="0">
+            <a:spAutoFit/>
+          </a:bodyPr>
+          <a:lstStyle/>
+          <a:p>
+            <a:pPr algn="ctr"/>
+            <a:r>
+              <a:rPr lang="en-GB" dirty="0" err="1"/>
+              <a:t>OnGuyDeath</a:t>
+            </a:r>
+            <a:endParaRPr lang="en-GB" dirty="0"/>
+          </a:p>
+        </p:txBody>
+      </p:sp>
+      <p:sp>
+        <p:nvSpPr>
+          <p:cNvPr id="21" name="Rectangle 20">
+            <a:extLst>
+              <a:ext uri="{FF2B5EF4-FFF2-40B4-BE49-F238E27FC236}">
+                <a16:creationId xmlns:a16="http://schemas.microsoft.com/office/drawing/2014/main" id="{2BCF8354-A5BE-0C9E-E29A-AA01AF6231F4}"/>
+              </a:ext>
+            </a:extLst>
+          </p:cNvPr>
+          <p:cNvSpPr/>
+          <p:nvPr/>
+        </p:nvSpPr>
+        <p:spPr>
+          <a:xfrm>
+            <a:off x="434518" y="367024"/>
+            <a:ext cx="2953511" cy="804672"/>
+          </a:xfrm>
+          <a:prstGeom prst="rect">
+            <a:avLst/>
+          </a:prstGeom>
+          <a:solidFill>
+            <a:schemeClr val="accent2">
+              <a:lumMod val="75000"/>
+            </a:schemeClr>
+          </a:solidFill>
+          <a:ln>
+            <a:noFill/>
+          </a:ln>
+        </p:spPr>
+        <p:style>
+          <a:lnRef idx="2">
+            <a:schemeClr val="accent1">
+              <a:shade val="15000"/>
+            </a:schemeClr>
+          </a:lnRef>
+          <a:fillRef idx="1">
+            <a:schemeClr val="accent1"/>
+          </a:fillRef>
+          <a:effectRef idx="0">
+            <a:schemeClr val="accent1"/>
+          </a:effectRef>
+          <a:fontRef idx="minor">
+            <a:schemeClr val="lt1"/>
+          </a:fontRef>
+        </p:style>
+        <p:txBody>
+          <a:bodyPr rtlCol="0" anchor="ctr"/>
+          <a:lstStyle/>
+          <a:p>
+            <a:pPr algn="ctr"/>
+            <a:r>
+              <a:rPr lang="en-GB" dirty="0" err="1"/>
+              <a:t>GameRule_Target</a:t>
+            </a:r>
+            <a:endParaRPr lang="en-GB" dirty="0"/>
+          </a:p>
+        </p:txBody>
+      </p:sp>
+      <p:sp>
+        <p:nvSpPr>
+          <p:cNvPr id="31" name="Rectangle 30">
+            <a:extLst>
+              <a:ext uri="{FF2B5EF4-FFF2-40B4-BE49-F238E27FC236}">
+                <a16:creationId xmlns:a16="http://schemas.microsoft.com/office/drawing/2014/main" id="{9C7ACE6A-2A96-33BD-0D16-B83142DA368F}"/>
+              </a:ext>
+            </a:extLst>
+          </p:cNvPr>
+          <p:cNvSpPr/>
+          <p:nvPr/>
+        </p:nvSpPr>
+        <p:spPr>
+          <a:xfrm>
+            <a:off x="434517" y="2935224"/>
+            <a:ext cx="2953511" cy="804672"/>
+          </a:xfrm>
+          <a:prstGeom prst="rect">
+            <a:avLst/>
+          </a:prstGeom>
+          <a:solidFill>
+            <a:schemeClr val="accent2">
+              <a:lumMod val="75000"/>
+            </a:schemeClr>
+          </a:solidFill>
+          <a:ln>
+            <a:noFill/>
+          </a:ln>
+        </p:spPr>
+        <p:style>
+          <a:lnRef idx="2">
+            <a:schemeClr val="accent1">
+              <a:shade val="15000"/>
+            </a:schemeClr>
+          </a:lnRef>
+          <a:fillRef idx="1">
+            <a:schemeClr val="accent1"/>
+          </a:fillRef>
+          <a:effectRef idx="0">
+            <a:schemeClr val="accent1"/>
+          </a:effectRef>
+          <a:fontRef idx="minor">
+            <a:schemeClr val="lt1"/>
+          </a:fontRef>
+        </p:style>
+        <p:txBody>
+          <a:bodyPr rtlCol="0" anchor="ctr"/>
+          <a:lstStyle/>
+          <a:p>
+            <a:pPr algn="ctr"/>
+            <a:r>
+              <a:rPr lang="en-GB" dirty="0"/>
+              <a:t>Target</a:t>
+            </a:r>
+          </a:p>
+        </p:txBody>
+      </p:sp>
+      <p:cxnSp>
+        <p:nvCxnSpPr>
+          <p:cNvPr id="32" name="Straight Arrow Connector 31">
+            <a:extLst>
+              <a:ext uri="{FF2B5EF4-FFF2-40B4-BE49-F238E27FC236}">
+                <a16:creationId xmlns:a16="http://schemas.microsoft.com/office/drawing/2014/main" id="{66849A8A-F5CA-8D7D-B3FC-DD78C3F87CD0}"/>
+              </a:ext>
+            </a:extLst>
+          </p:cNvPr>
+          <p:cNvCxnSpPr>
+            <a:cxnSpLocks/>
+            <a:stCxn id="31" idx="0"/>
+            <a:endCxn id="21" idx="2"/>
+          </p:cNvCxnSpPr>
+          <p:nvPr/>
+        </p:nvCxnSpPr>
+        <p:spPr>
+          <a:xfrm flipV="1">
+            <a:off x="1911273" y="1171696"/>
+            <a:ext cx="1" cy="1763528"/>
+          </a:xfrm>
+          <a:prstGeom prst="straightConnector1">
+            <a:avLst/>
+          </a:prstGeom>
+          <a:ln>
+            <a:tailEnd type="triangle"/>
+          </a:ln>
+        </p:spPr>
+        <p:style>
+          <a:lnRef idx="2">
+            <a:schemeClr val="accent1"/>
+          </a:lnRef>
+          <a:fillRef idx="0">
+            <a:schemeClr val="accent1"/>
+          </a:fillRef>
+          <a:effectRef idx="1">
+            <a:schemeClr val="accent1"/>
+          </a:effectRef>
+          <a:fontRef idx="minor">
+            <a:schemeClr val="tx1"/>
+          </a:fontRef>
+        </p:style>
+      </p:cxnSp>
+      <p:cxnSp>
+        <p:nvCxnSpPr>
+          <p:cNvPr id="36" name="Straight Arrow Connector 35">
+            <a:extLst>
+              <a:ext uri="{FF2B5EF4-FFF2-40B4-BE49-F238E27FC236}">
+                <a16:creationId xmlns:a16="http://schemas.microsoft.com/office/drawing/2014/main" id="{52516B45-B711-3D3C-13F5-D8DFE096DABE}"/>
+              </a:ext>
+            </a:extLst>
+          </p:cNvPr>
+          <p:cNvCxnSpPr>
+            <a:cxnSpLocks/>
+            <a:stCxn id="21" idx="3"/>
+          </p:cNvCxnSpPr>
+          <p:nvPr/>
+        </p:nvCxnSpPr>
+        <p:spPr>
+          <a:xfrm flipV="1">
+            <a:off x="3388029" y="424778"/>
+            <a:ext cx="2905846" cy="344582"/>
+          </a:xfrm>
+          <a:prstGeom prst="straightConnector1">
+            <a:avLst/>
+          </a:prstGeom>
+          <a:ln>
+            <a:tailEnd type="triangle"/>
+          </a:ln>
+        </p:spPr>
+        <p:style>
+          <a:lnRef idx="2">
+            <a:schemeClr val="accent1"/>
+          </a:lnRef>
+          <a:fillRef idx="0">
+            <a:schemeClr val="accent1"/>
+          </a:fillRef>
+          <a:effectRef idx="1">
+            <a:schemeClr val="accent1"/>
+          </a:effectRef>
+          <a:fontRef idx="minor">
+            <a:schemeClr val="tx1"/>
+          </a:fontRef>
+        </p:style>
+      </p:cxnSp>
+      <p:sp>
+        <p:nvSpPr>
+          <p:cNvPr id="41" name="TextBox 40">
+            <a:extLst>
+              <a:ext uri="{FF2B5EF4-FFF2-40B4-BE49-F238E27FC236}">
+                <a16:creationId xmlns:a16="http://schemas.microsoft.com/office/drawing/2014/main" id="{8CFC487C-747A-058D-2DD1-5866D8EEC387}"/>
+              </a:ext>
+            </a:extLst>
+          </p:cNvPr>
+          <p:cNvSpPr txBox="1"/>
+          <p:nvPr/>
+        </p:nvSpPr>
+        <p:spPr>
+          <a:xfrm rot="21215828">
+            <a:off x="3411836" y="301302"/>
+            <a:ext cx="2786654" cy="307777"/>
+          </a:xfrm>
+          <a:prstGeom prst="rect">
+            <a:avLst/>
+          </a:prstGeom>
+          <a:noFill/>
+        </p:spPr>
+        <p:txBody>
+          <a:bodyPr wrap="square" rtlCol="0">
+            <a:spAutoFit/>
+          </a:bodyPr>
+          <a:lstStyle/>
+          <a:p>
+            <a:pPr algn="ctr"/>
+            <a:r>
+              <a:rPr lang="en-GB" sz="1400" dirty="0" err="1"/>
+              <a:t>OnPuzzleGameRuleComplete</a:t>
+            </a:r>
+            <a:endParaRPr lang="en-GB" sz="1400" dirty="0"/>
+          </a:p>
+        </p:txBody>
+      </p:sp>
+      <p:sp>
+        <p:nvSpPr>
+          <p:cNvPr id="42" name="TextBox 41">
+            <a:extLst>
+              <a:ext uri="{FF2B5EF4-FFF2-40B4-BE49-F238E27FC236}">
+                <a16:creationId xmlns:a16="http://schemas.microsoft.com/office/drawing/2014/main" id="{F99CBEF3-A835-30F3-6A1C-C7C4825F0D1A}"/>
+              </a:ext>
+            </a:extLst>
+          </p:cNvPr>
+          <p:cNvSpPr txBox="1"/>
+          <p:nvPr/>
+        </p:nvSpPr>
+        <p:spPr>
+          <a:xfrm rot="512940">
+            <a:off x="4110811" y="3416730"/>
+            <a:ext cx="1400556" cy="646331"/>
+          </a:xfrm>
+          <a:prstGeom prst="rect">
+            <a:avLst/>
+          </a:prstGeom>
+          <a:noFill/>
+        </p:spPr>
+        <p:txBody>
+          <a:bodyPr wrap="square" rtlCol="0">
+            <a:spAutoFit/>
+          </a:bodyPr>
+          <a:lstStyle/>
+          <a:p>
+            <a:pPr algn="ctr"/>
+            <a:r>
+              <a:rPr lang="en-GB" dirty="0"/>
+              <a:t>Damage()</a:t>
+            </a:r>
+          </a:p>
+          <a:p>
+            <a:pPr algn="ctr"/>
+            <a:r>
+              <a:rPr lang="en-GB" dirty="0"/>
+              <a:t>&lt;Interface&gt;</a:t>
+            </a:r>
+          </a:p>
+        </p:txBody>
+      </p:sp>
+      <p:cxnSp>
+        <p:nvCxnSpPr>
+          <p:cNvPr id="43" name="Straight Arrow Connector 42">
+            <a:extLst>
+              <a:ext uri="{FF2B5EF4-FFF2-40B4-BE49-F238E27FC236}">
+                <a16:creationId xmlns:a16="http://schemas.microsoft.com/office/drawing/2014/main" id="{174C9B75-D4A1-1F06-E7E6-CB0A258C8EDC}"/>
+              </a:ext>
+            </a:extLst>
+          </p:cNvPr>
+          <p:cNvCxnSpPr>
+            <a:cxnSpLocks/>
+          </p:cNvCxnSpPr>
+          <p:nvPr/>
+        </p:nvCxnSpPr>
+        <p:spPr>
+          <a:xfrm flipH="1" flipV="1">
+            <a:off x="3346769" y="3538728"/>
+            <a:ext cx="3038839" cy="445163"/>
+          </a:xfrm>
+          <a:prstGeom prst="straightConnector1">
+            <a:avLst/>
+          </a:prstGeom>
+          <a:ln>
+            <a:tailEnd type="triangle"/>
+          </a:ln>
+        </p:spPr>
+        <p:style>
+          <a:lnRef idx="2">
+            <a:schemeClr val="accent1"/>
+          </a:lnRef>
+          <a:fillRef idx="0">
+            <a:schemeClr val="accent1"/>
+          </a:fillRef>
+          <a:effectRef idx="1">
+            <a:schemeClr val="accent1"/>
+          </a:effectRef>
+          <a:fontRef idx="minor">
+            <a:schemeClr val="tx1"/>
+          </a:fontRef>
+        </p:style>
+      </p:cxnSp>
+      <p:sp>
+        <p:nvSpPr>
+          <p:cNvPr id="47" name="TextBox 46">
+            <a:extLst>
+              <a:ext uri="{FF2B5EF4-FFF2-40B4-BE49-F238E27FC236}">
+                <a16:creationId xmlns:a16="http://schemas.microsoft.com/office/drawing/2014/main" id="{3DE8486A-1646-B4D5-E8EE-6092B0CEAB16}"/>
+              </a:ext>
+            </a:extLst>
+          </p:cNvPr>
+          <p:cNvSpPr txBox="1"/>
+          <p:nvPr/>
+        </p:nvSpPr>
+        <p:spPr>
+          <a:xfrm>
+            <a:off x="180015" y="1945886"/>
+            <a:ext cx="1731257" cy="369332"/>
+          </a:xfrm>
+          <a:prstGeom prst="rect">
+            <a:avLst/>
+          </a:prstGeom>
+          <a:noFill/>
+        </p:spPr>
+        <p:txBody>
+          <a:bodyPr wrap="square" rtlCol="0">
+            <a:spAutoFit/>
+          </a:bodyPr>
+          <a:lstStyle/>
+          <a:p>
+            <a:pPr algn="r"/>
+            <a:r>
+              <a:rPr lang="en-GB" dirty="0" err="1"/>
+              <a:t>OnTargetDefeat</a:t>
+            </a:r>
+            <a:endParaRPr lang="en-GB" dirty="0"/>
+          </a:p>
+        </p:txBody>
+      </p:sp>
+      <p:sp>
+        <p:nvSpPr>
+          <p:cNvPr id="75" name="Rectangle 74">
+            <a:extLst>
+              <a:ext uri="{FF2B5EF4-FFF2-40B4-BE49-F238E27FC236}">
+                <a16:creationId xmlns:a16="http://schemas.microsoft.com/office/drawing/2014/main" id="{3DE25C81-1E94-8104-0E20-98F4EDD92F14}"/>
+              </a:ext>
+            </a:extLst>
+          </p:cNvPr>
+          <p:cNvSpPr/>
+          <p:nvPr/>
+        </p:nvSpPr>
+        <p:spPr>
+          <a:xfrm>
+            <a:off x="10155497" y="222684"/>
+            <a:ext cx="1956504" cy="804672"/>
+          </a:xfrm>
+          <a:prstGeom prst="rect">
+            <a:avLst/>
+          </a:prstGeom>
+          <a:solidFill>
+            <a:schemeClr val="accent6">
+              <a:lumMod val="40000"/>
+              <a:lumOff val="60000"/>
+            </a:schemeClr>
+          </a:solidFill>
+          <a:ln>
+            <a:noFill/>
+          </a:ln>
+        </p:spPr>
+        <p:style>
+          <a:lnRef idx="2">
+            <a:schemeClr val="accent1">
+              <a:shade val="15000"/>
+            </a:schemeClr>
+          </a:lnRef>
+          <a:fillRef idx="1">
+            <a:schemeClr val="accent1"/>
+          </a:fillRef>
+          <a:effectRef idx="0">
+            <a:schemeClr val="accent1"/>
+          </a:effectRef>
+          <a:fontRef idx="minor">
+            <a:schemeClr val="lt1"/>
+          </a:fontRef>
+        </p:style>
+        <p:txBody>
+          <a:bodyPr rtlCol="0" anchor="ctr"/>
+          <a:lstStyle/>
+          <a:p>
+            <a:pPr algn="ctr"/>
+            <a:r>
+              <a:rPr lang="en-GB" dirty="0" err="1"/>
+              <a:t>GameRule_Timer</a:t>
+            </a:r>
+            <a:endParaRPr lang="en-GB" dirty="0"/>
+          </a:p>
+        </p:txBody>
+      </p:sp>
+      <p:cxnSp>
+        <p:nvCxnSpPr>
+          <p:cNvPr id="76" name="Straight Arrow Connector 75">
+            <a:extLst>
+              <a:ext uri="{FF2B5EF4-FFF2-40B4-BE49-F238E27FC236}">
+                <a16:creationId xmlns:a16="http://schemas.microsoft.com/office/drawing/2014/main" id="{07BD1696-08BC-58A9-5172-D98B30166634}"/>
+              </a:ext>
+            </a:extLst>
+          </p:cNvPr>
+          <p:cNvCxnSpPr>
+            <a:cxnSpLocks/>
+            <a:stCxn id="75" idx="1"/>
+            <a:endCxn id="49" idx="1"/>
+          </p:cNvCxnSpPr>
+          <p:nvPr/>
+        </p:nvCxnSpPr>
+        <p:spPr>
+          <a:xfrm flipH="1" flipV="1">
+            <a:off x="7958170" y="295321"/>
+            <a:ext cx="2197327" cy="329699"/>
+          </a:xfrm>
+          <a:prstGeom prst="straightConnector1">
+            <a:avLst/>
+          </a:prstGeom>
+          <a:ln>
+            <a:tailEnd type="triangle"/>
+          </a:ln>
+        </p:spPr>
+        <p:style>
+          <a:lnRef idx="2">
+            <a:schemeClr val="accent1"/>
+          </a:lnRef>
+          <a:fillRef idx="0">
+            <a:schemeClr val="accent1"/>
+          </a:fillRef>
+          <a:effectRef idx="1">
+            <a:schemeClr val="accent1"/>
+          </a:effectRef>
+          <a:fontRef idx="minor">
+            <a:schemeClr val="tx1"/>
+          </a:fontRef>
+        </p:style>
+      </p:cxnSp>
+      <p:sp>
+        <p:nvSpPr>
+          <p:cNvPr id="80" name="TextBox 79">
+            <a:extLst>
+              <a:ext uri="{FF2B5EF4-FFF2-40B4-BE49-F238E27FC236}">
+                <a16:creationId xmlns:a16="http://schemas.microsoft.com/office/drawing/2014/main" id="{F99E04BB-153F-401B-EA11-714C64D1A4B4}"/>
+              </a:ext>
+            </a:extLst>
+          </p:cNvPr>
+          <p:cNvSpPr txBox="1"/>
+          <p:nvPr/>
+        </p:nvSpPr>
+        <p:spPr>
+          <a:xfrm rot="501255">
+            <a:off x="7706257" y="181753"/>
+            <a:ext cx="2786654" cy="307777"/>
+          </a:xfrm>
+          <a:prstGeom prst="rect">
+            <a:avLst/>
+          </a:prstGeom>
+          <a:noFill/>
+        </p:spPr>
+        <p:txBody>
+          <a:bodyPr wrap="square" rtlCol="0">
+            <a:spAutoFit/>
+          </a:bodyPr>
+          <a:lstStyle/>
+          <a:p>
+            <a:pPr algn="ctr"/>
+            <a:r>
+              <a:rPr lang="en-GB" sz="1400" dirty="0" err="1"/>
+              <a:t>OnPuzzleGameRuleComplete</a:t>
+            </a:r>
+            <a:endParaRPr lang="en-GB" sz="1400" dirty="0"/>
+          </a:p>
+        </p:txBody>
+      </p:sp>
+      <p:sp>
+        <p:nvSpPr>
+          <p:cNvPr id="15" name="TextBox 14">
+            <a:extLst>
+              <a:ext uri="{FF2B5EF4-FFF2-40B4-BE49-F238E27FC236}">
+                <a16:creationId xmlns:a16="http://schemas.microsoft.com/office/drawing/2014/main" id="{3E0D3DEE-7471-886C-1F01-53939B42904A}"/>
+              </a:ext>
+            </a:extLst>
+          </p:cNvPr>
+          <p:cNvSpPr txBox="1"/>
+          <p:nvPr/>
+        </p:nvSpPr>
+        <p:spPr>
+          <a:xfrm>
+            <a:off x="5258077" y="1163319"/>
+            <a:ext cx="1900159" cy="369332"/>
+          </a:xfrm>
+          <a:prstGeom prst="rect">
+            <a:avLst/>
+          </a:prstGeom>
+          <a:noFill/>
+        </p:spPr>
+        <p:txBody>
+          <a:bodyPr wrap="square" rtlCol="0">
+            <a:spAutoFit/>
+          </a:bodyPr>
+          <a:lstStyle/>
+          <a:p>
+            <a:pPr algn="ctr"/>
+            <a:r>
+              <a:rPr lang="en-GB" dirty="0" err="1"/>
+              <a:t>OnRespawnAlert</a:t>
+            </a:r>
+            <a:endParaRPr lang="en-GB" dirty="0"/>
+          </a:p>
+        </p:txBody>
+      </p:sp>
+      <p:cxnSp>
+        <p:nvCxnSpPr>
+          <p:cNvPr id="18" name="Straight Arrow Connector 17">
+            <a:extLst>
+              <a:ext uri="{FF2B5EF4-FFF2-40B4-BE49-F238E27FC236}">
+                <a16:creationId xmlns:a16="http://schemas.microsoft.com/office/drawing/2014/main" id="{C120323D-18DD-7EAB-4CD0-2CC0241C8EFE}"/>
+              </a:ext>
+            </a:extLst>
+          </p:cNvPr>
+          <p:cNvCxnSpPr>
+            <a:cxnSpLocks/>
+          </p:cNvCxnSpPr>
+          <p:nvPr/>
+        </p:nvCxnSpPr>
+        <p:spPr>
+          <a:xfrm flipV="1">
+            <a:off x="7158236" y="969264"/>
+            <a:ext cx="0" cy="755904"/>
+          </a:xfrm>
+          <a:prstGeom prst="straightConnector1">
+            <a:avLst/>
+          </a:prstGeom>
+          <a:ln>
+            <a:tailEnd type="triangle"/>
+          </a:ln>
+        </p:spPr>
+        <p:style>
+          <a:lnRef idx="2">
+            <a:schemeClr val="accent1"/>
+          </a:lnRef>
+          <a:fillRef idx="0">
+            <a:schemeClr val="accent1"/>
+          </a:fillRef>
+          <a:effectRef idx="1">
+            <a:schemeClr val="accent1"/>
+          </a:effectRef>
+          <a:fontRef idx="minor">
+            <a:schemeClr val="tx1"/>
+          </a:fontRef>
+        </p:style>
+      </p:cxnSp>
+    </p:spTree>
+    <p:extLst>
+      <p:ext uri="{BB962C8B-B14F-4D97-AF65-F5344CB8AC3E}">
+        <p14:creationId xmlns:p14="http://schemas.microsoft.com/office/powerpoint/2010/main" val="3877319224"/>
+      </p:ext>
+    </p:extLst>
+  </p:cSld>
+  <p:clrMapOvr>
+    <a:masterClrMapping/>
+  </p:clrMapOvr>
+</p:sld>
+</file>
+
+<file path=ppt/slides/slide4.xml><?xml version="1.0" encoding="utf-8"?>
+<p:sld xmlns:a="http://schemas.openxmlformats.org/drawingml/2006/main" xmlns:r="http://schemas.openxmlformats.org/officeDocument/2006/relationships" xmlns:p="http://schemas.openxmlformats.org/presentationml/2006/main">
+  <p:cSld>
+    <p:spTree>
+      <p:nvGrpSpPr>
+        <p:cNvPr id="1" name=""/>
+        <p:cNvGrpSpPr/>
+        <p:nvPr/>
+      </p:nvGrpSpPr>
+      <p:grpSpPr>
+        <a:xfrm>
+          <a:off x="0" y="0"/>
+          <a:ext cx="0" cy="0"/>
+          <a:chOff x="0" y="0"/>
+          <a:chExt cx="0" cy="0"/>
+        </a:xfrm>
+      </p:grpSpPr>
+      <p:sp>
+        <p:nvSpPr>
+          <p:cNvPr id="4" name="Rectangle 3">
+            <a:extLst>
+              <a:ext uri="{FF2B5EF4-FFF2-40B4-BE49-F238E27FC236}">
                 <a16:creationId xmlns:a16="http://schemas.microsoft.com/office/drawing/2014/main" id="{9AADFF85-11AE-4836-060F-25660E2333EA}"/>
               </a:ext>
             </a:extLst>
@@ -6309,7 +7073,7 @@
 </p:sld>
 </file>
 
-<file path=ppt/slides/slide4.xml><?xml version="1.0" encoding="utf-8"?>
+<file path=ppt/slides/slide5.xml><?xml version="1.0" encoding="utf-8"?>
 <p:sld xmlns:a="http://schemas.openxmlformats.org/drawingml/2006/main" xmlns:r="http://schemas.openxmlformats.org/officeDocument/2006/relationships" xmlns:p="http://schemas.openxmlformats.org/presentationml/2006/main">
   <p:cSld>
     <p:spTree>

--- a/Presentation1.pptx
+++ b/Presentation1.pptx
@@ -263,7 +263,7 @@
           <a:p>
             <a:fld id="{A3BD12BA-AA1F-4F86-A3C7-6A440B6A9EEF}" type="datetimeFigureOut">
               <a:rPr lang="en-GB" smtClean="0"/>
-              <a:t>15/11/2024</a:t>
+              <a:t>16/11/2024</a:t>
             </a:fld>
             <a:endParaRPr lang="en-GB"/>
           </a:p>
@@ -461,7 +461,7 @@
           <a:p>
             <a:fld id="{A3BD12BA-AA1F-4F86-A3C7-6A440B6A9EEF}" type="datetimeFigureOut">
               <a:rPr lang="en-GB" smtClean="0"/>
-              <a:t>15/11/2024</a:t>
+              <a:t>16/11/2024</a:t>
             </a:fld>
             <a:endParaRPr lang="en-GB"/>
           </a:p>
@@ -669,7 +669,7 @@
           <a:p>
             <a:fld id="{A3BD12BA-AA1F-4F86-A3C7-6A440B6A9EEF}" type="datetimeFigureOut">
               <a:rPr lang="en-GB" smtClean="0"/>
-              <a:t>15/11/2024</a:t>
+              <a:t>16/11/2024</a:t>
             </a:fld>
             <a:endParaRPr lang="en-GB"/>
           </a:p>
@@ -867,7 +867,7 @@
           <a:p>
             <a:fld id="{A3BD12BA-AA1F-4F86-A3C7-6A440B6A9EEF}" type="datetimeFigureOut">
               <a:rPr lang="en-GB" smtClean="0"/>
-              <a:t>15/11/2024</a:t>
+              <a:t>16/11/2024</a:t>
             </a:fld>
             <a:endParaRPr lang="en-GB"/>
           </a:p>
@@ -1142,7 +1142,7 @@
           <a:p>
             <a:fld id="{A3BD12BA-AA1F-4F86-A3C7-6A440B6A9EEF}" type="datetimeFigureOut">
               <a:rPr lang="en-GB" smtClean="0"/>
-              <a:t>15/11/2024</a:t>
+              <a:t>16/11/2024</a:t>
             </a:fld>
             <a:endParaRPr lang="en-GB"/>
           </a:p>
@@ -1407,7 +1407,7 @@
           <a:p>
             <a:fld id="{A3BD12BA-AA1F-4F86-A3C7-6A440B6A9EEF}" type="datetimeFigureOut">
               <a:rPr lang="en-GB" smtClean="0"/>
-              <a:t>15/11/2024</a:t>
+              <a:t>16/11/2024</a:t>
             </a:fld>
             <a:endParaRPr lang="en-GB"/>
           </a:p>
@@ -1819,7 +1819,7 @@
           <a:p>
             <a:fld id="{A3BD12BA-AA1F-4F86-A3C7-6A440B6A9EEF}" type="datetimeFigureOut">
               <a:rPr lang="en-GB" smtClean="0"/>
-              <a:t>15/11/2024</a:t>
+              <a:t>16/11/2024</a:t>
             </a:fld>
             <a:endParaRPr lang="en-GB"/>
           </a:p>
@@ -1960,7 +1960,7 @@
           <a:p>
             <a:fld id="{A3BD12BA-AA1F-4F86-A3C7-6A440B6A9EEF}" type="datetimeFigureOut">
               <a:rPr lang="en-GB" smtClean="0"/>
-              <a:t>15/11/2024</a:t>
+              <a:t>16/11/2024</a:t>
             </a:fld>
             <a:endParaRPr lang="en-GB"/>
           </a:p>
@@ -2073,7 +2073,7 @@
           <a:p>
             <a:fld id="{A3BD12BA-AA1F-4F86-A3C7-6A440B6A9EEF}" type="datetimeFigureOut">
               <a:rPr lang="en-GB" smtClean="0"/>
-              <a:t>15/11/2024</a:t>
+              <a:t>16/11/2024</a:t>
             </a:fld>
             <a:endParaRPr lang="en-GB"/>
           </a:p>
@@ -2384,7 +2384,7 @@
           <a:p>
             <a:fld id="{A3BD12BA-AA1F-4F86-A3C7-6A440B6A9EEF}" type="datetimeFigureOut">
               <a:rPr lang="en-GB" smtClean="0"/>
-              <a:t>15/11/2024</a:t>
+              <a:t>16/11/2024</a:t>
             </a:fld>
             <a:endParaRPr lang="en-GB"/>
           </a:p>
@@ -2672,7 +2672,7 @@
           <a:p>
             <a:fld id="{A3BD12BA-AA1F-4F86-A3C7-6A440B6A9EEF}" type="datetimeFigureOut">
               <a:rPr lang="en-GB" smtClean="0"/>
-              <a:t>15/11/2024</a:t>
+              <a:t>16/11/2024</a:t>
             </a:fld>
             <a:endParaRPr lang="en-GB"/>
           </a:p>
@@ -2913,7 +2913,7 @@
           <a:p>
             <a:fld id="{A3BD12BA-AA1F-4F86-A3C7-6A440B6A9EEF}" type="datetimeFigureOut">
               <a:rPr lang="en-GB" smtClean="0"/>
-              <a:t>15/11/2024</a:t>
+              <a:t>16/11/2024</a:t>
             </a:fld>
             <a:endParaRPr lang="en-GB"/>
           </a:p>
@@ -4603,8 +4603,8 @@
         </p:nvSpPr>
         <p:spPr>
           <a:xfrm rot="19967641">
-            <a:off x="374777" y="947404"/>
-            <a:ext cx="2659300" cy="1754326"/>
+            <a:off x="374777" y="1085903"/>
+            <a:ext cx="2659300" cy="1477328"/>
           </a:xfrm>
           <a:prstGeom prst="rect">
             <a:avLst/>
@@ -4639,7 +4639,7 @@
           <a:p>
             <a:r>
               <a:rPr lang="en-GB" dirty="0" err="1"/>
-              <a:t>UpdateLevelFinish</a:t>
+              <a:t>UpdateCandyCount</a:t>
             </a:r>
             <a:r>
               <a:rPr lang="en-GB" dirty="0"/>
@@ -4649,7 +4649,7 @@
           <a:p>
             <a:r>
               <a:rPr lang="en-GB" dirty="0" err="1"/>
-              <a:t>UpdateCandyCount</a:t>
+              <a:t>UpdatePumpkinCount</a:t>
             </a:r>
             <a:r>
               <a:rPr lang="en-GB" dirty="0"/>
@@ -4659,19 +4659,12 @@
           <a:p>
             <a:r>
               <a:rPr lang="en-GB" dirty="0" err="1"/>
-              <a:t>UpdatePumpkinCount</a:t>
+              <a:t>UpdatePlayerLives</a:t>
             </a:r>
             <a:r>
               <a:rPr lang="en-GB" dirty="0"/>
               <a:t>()</a:t>
             </a:r>
-          </a:p>
-          <a:p>
-            <a:r>
-              <a:rPr lang="en-GB" dirty="0" err="1"/>
-              <a:t>UpdatePlayerLives</a:t>
-            </a:r>
-            <a:endParaRPr lang="en-GB" dirty="0"/>
           </a:p>
         </p:txBody>
       </p:sp>

--- a/Presentation1.pptx
+++ b/Presentation1.pptx
@@ -4602,8 +4602,8 @@
           <p:nvPr/>
         </p:nvSpPr>
         <p:spPr>
-          <a:xfrm rot="19967641">
-            <a:off x="374777" y="1085903"/>
+          <a:xfrm rot="19929610">
+            <a:off x="556358" y="1151239"/>
             <a:ext cx="2659300" cy="1477328"/>
           </a:xfrm>
           <a:prstGeom prst="rect">
@@ -4764,7 +4764,7 @@
         </p:nvSpPr>
         <p:spPr>
           <a:xfrm>
-            <a:off x="10125468" y="280649"/>
+            <a:off x="3361471" y="110092"/>
             <a:ext cx="1700784" cy="804672"/>
           </a:xfrm>
           <a:prstGeom prst="rect">

--- a/Presentation1.pptx
+++ b/Presentation1.pptx
@@ -6,10 +6,11 @@
   </p:sldMasterIdLst>
   <p:sldIdLst>
     <p:sldId id="257" r:id="rId2"/>
-    <p:sldId id="261" r:id="rId3"/>
-    <p:sldId id="258" r:id="rId4"/>
-    <p:sldId id="259" r:id="rId5"/>
-    <p:sldId id="260" r:id="rId6"/>
+    <p:sldId id="262" r:id="rId3"/>
+    <p:sldId id="261" r:id="rId4"/>
+    <p:sldId id="258" r:id="rId5"/>
+    <p:sldId id="259" r:id="rId6"/>
+    <p:sldId id="260" r:id="rId7"/>
   </p:sldIdLst>
   <p:sldSz cx="12192000" cy="6858000"/>
   <p:notesSz cx="6858000" cy="9144000"/>
@@ -263,7 +264,7 @@
           <a:p>
             <a:fld id="{A3BD12BA-AA1F-4F86-A3C7-6A440B6A9EEF}" type="datetimeFigureOut">
               <a:rPr lang="en-GB" smtClean="0"/>
-              <a:t>16/11/2024</a:t>
+              <a:t>17/11/2024</a:t>
             </a:fld>
             <a:endParaRPr lang="en-GB"/>
           </a:p>
@@ -461,7 +462,7 @@
           <a:p>
             <a:fld id="{A3BD12BA-AA1F-4F86-A3C7-6A440B6A9EEF}" type="datetimeFigureOut">
               <a:rPr lang="en-GB" smtClean="0"/>
-              <a:t>16/11/2024</a:t>
+              <a:t>17/11/2024</a:t>
             </a:fld>
             <a:endParaRPr lang="en-GB"/>
           </a:p>
@@ -669,7 +670,7 @@
           <a:p>
             <a:fld id="{A3BD12BA-AA1F-4F86-A3C7-6A440B6A9EEF}" type="datetimeFigureOut">
               <a:rPr lang="en-GB" smtClean="0"/>
-              <a:t>16/11/2024</a:t>
+              <a:t>17/11/2024</a:t>
             </a:fld>
             <a:endParaRPr lang="en-GB"/>
           </a:p>
@@ -867,7 +868,7 @@
           <a:p>
             <a:fld id="{A3BD12BA-AA1F-4F86-A3C7-6A440B6A9EEF}" type="datetimeFigureOut">
               <a:rPr lang="en-GB" smtClean="0"/>
-              <a:t>16/11/2024</a:t>
+              <a:t>17/11/2024</a:t>
             </a:fld>
             <a:endParaRPr lang="en-GB"/>
           </a:p>
@@ -1142,7 +1143,7 @@
           <a:p>
             <a:fld id="{A3BD12BA-AA1F-4F86-A3C7-6A440B6A9EEF}" type="datetimeFigureOut">
               <a:rPr lang="en-GB" smtClean="0"/>
-              <a:t>16/11/2024</a:t>
+              <a:t>17/11/2024</a:t>
             </a:fld>
             <a:endParaRPr lang="en-GB"/>
           </a:p>
@@ -1407,7 +1408,7 @@
           <a:p>
             <a:fld id="{A3BD12BA-AA1F-4F86-A3C7-6A440B6A9EEF}" type="datetimeFigureOut">
               <a:rPr lang="en-GB" smtClean="0"/>
-              <a:t>16/11/2024</a:t>
+              <a:t>17/11/2024</a:t>
             </a:fld>
             <a:endParaRPr lang="en-GB"/>
           </a:p>
@@ -1819,7 +1820,7 @@
           <a:p>
             <a:fld id="{A3BD12BA-AA1F-4F86-A3C7-6A440B6A9EEF}" type="datetimeFigureOut">
               <a:rPr lang="en-GB" smtClean="0"/>
-              <a:t>16/11/2024</a:t>
+              <a:t>17/11/2024</a:t>
             </a:fld>
             <a:endParaRPr lang="en-GB"/>
           </a:p>
@@ -1960,7 +1961,7 @@
           <a:p>
             <a:fld id="{A3BD12BA-AA1F-4F86-A3C7-6A440B6A9EEF}" type="datetimeFigureOut">
               <a:rPr lang="en-GB" smtClean="0"/>
-              <a:t>16/11/2024</a:t>
+              <a:t>17/11/2024</a:t>
             </a:fld>
             <a:endParaRPr lang="en-GB"/>
           </a:p>
@@ -2073,7 +2074,7 @@
           <a:p>
             <a:fld id="{A3BD12BA-AA1F-4F86-A3C7-6A440B6A9EEF}" type="datetimeFigureOut">
               <a:rPr lang="en-GB" smtClean="0"/>
-              <a:t>16/11/2024</a:t>
+              <a:t>17/11/2024</a:t>
             </a:fld>
             <a:endParaRPr lang="en-GB"/>
           </a:p>
@@ -2384,7 +2385,7 @@
           <a:p>
             <a:fld id="{A3BD12BA-AA1F-4F86-A3C7-6A440B6A9EEF}" type="datetimeFigureOut">
               <a:rPr lang="en-GB" smtClean="0"/>
-              <a:t>16/11/2024</a:t>
+              <a:t>17/11/2024</a:t>
             </a:fld>
             <a:endParaRPr lang="en-GB"/>
           </a:p>
@@ -2672,7 +2673,7 @@
           <a:p>
             <a:fld id="{A3BD12BA-AA1F-4F86-A3C7-6A440B6A9EEF}" type="datetimeFigureOut">
               <a:rPr lang="en-GB" smtClean="0"/>
-              <a:t>16/11/2024</a:t>
+              <a:t>17/11/2024</a:t>
             </a:fld>
             <a:endParaRPr lang="en-GB"/>
           </a:p>
@@ -2913,7 +2914,7 @@
           <a:p>
             <a:fld id="{A3BD12BA-AA1F-4F86-A3C7-6A440B6A9EEF}" type="datetimeFigureOut">
               <a:rPr lang="en-GB" smtClean="0"/>
-              <a:t>16/11/2024</a:t>
+              <a:t>17/11/2024</a:t>
             </a:fld>
             <a:endParaRPr lang="en-GB"/>
           </a:p>
@@ -4302,309 +4303,20 @@
       </p:grpSpPr>
       <p:sp>
         <p:nvSpPr>
-          <p:cNvPr id="4" name="Rectangle 3">
-            <a:extLst>
-              <a:ext uri="{FF2B5EF4-FFF2-40B4-BE49-F238E27FC236}">
-                <a16:creationId xmlns:a16="http://schemas.microsoft.com/office/drawing/2014/main" id="{5B596D2D-ED25-73E0-5C03-005459F73649}"/>
-              </a:ext>
-            </a:extLst>
-          </p:cNvPr>
-          <p:cNvSpPr/>
+          <p:cNvPr id="4" name="TextBox 3">
+            <a:extLst>
+              <a:ext uri="{FF2B5EF4-FFF2-40B4-BE49-F238E27FC236}">
+                <a16:creationId xmlns:a16="http://schemas.microsoft.com/office/drawing/2014/main" id="{A1F981B5-BC1A-7072-E483-4E8C9C8A795A}"/>
+              </a:ext>
+            </a:extLst>
+          </p:cNvPr>
+          <p:cNvSpPr txBox="1"/>
           <p:nvPr/>
         </p:nvSpPr>
         <p:spPr>
           <a:xfrm>
-            <a:off x="7467601" y="280649"/>
-            <a:ext cx="1700784" cy="804672"/>
-          </a:xfrm>
-          <a:prstGeom prst="rect">
-            <a:avLst/>
-          </a:prstGeom>
-        </p:spPr>
-        <p:style>
-          <a:lnRef idx="2">
-            <a:schemeClr val="accent1">
-              <a:shade val="15000"/>
-            </a:schemeClr>
-          </a:lnRef>
-          <a:fillRef idx="1">
-            <a:schemeClr val="accent1"/>
-          </a:fillRef>
-          <a:effectRef idx="0">
-            <a:schemeClr val="accent1"/>
-          </a:effectRef>
-          <a:fontRef idx="minor">
-            <a:schemeClr val="lt1"/>
-          </a:fontRef>
-        </p:style>
-        <p:txBody>
-          <a:bodyPr rtlCol="0" anchor="ctr"/>
-          <a:lstStyle/>
-          <a:p>
-            <a:pPr algn="ctr"/>
-            <a:r>
-              <a:rPr lang="en-GB" dirty="0" err="1"/>
-              <a:t>GameMode</a:t>
-            </a:r>
-            <a:endParaRPr lang="en-GB" dirty="0"/>
-          </a:p>
-        </p:txBody>
-      </p:sp>
-      <p:sp>
-        <p:nvSpPr>
-          <p:cNvPr id="5" name="Rectangle 4">
-            <a:extLst>
-              <a:ext uri="{FF2B5EF4-FFF2-40B4-BE49-F238E27FC236}">
-                <a16:creationId xmlns:a16="http://schemas.microsoft.com/office/drawing/2014/main" id="{50460C7B-9CD0-DDBD-D8A7-4DC5EFE1FF18}"/>
-              </a:ext>
-            </a:extLst>
-          </p:cNvPr>
-          <p:cNvSpPr/>
-          <p:nvPr/>
-        </p:nvSpPr>
-        <p:spPr>
-          <a:xfrm>
-            <a:off x="3316224" y="1652016"/>
-            <a:ext cx="1700784" cy="804672"/>
-          </a:xfrm>
-          <a:prstGeom prst="rect">
-            <a:avLst/>
-          </a:prstGeom>
-        </p:spPr>
-        <p:style>
-          <a:lnRef idx="2">
-            <a:schemeClr val="accent1">
-              <a:shade val="15000"/>
-            </a:schemeClr>
-          </a:lnRef>
-          <a:fillRef idx="1">
-            <a:schemeClr val="accent1"/>
-          </a:fillRef>
-          <a:effectRef idx="0">
-            <a:schemeClr val="accent1"/>
-          </a:effectRef>
-          <a:fontRef idx="minor">
-            <a:schemeClr val="lt1"/>
-          </a:fontRef>
-        </p:style>
-        <p:txBody>
-          <a:bodyPr rtlCol="0" anchor="ctr"/>
-          <a:lstStyle/>
-          <a:p>
-            <a:pPr algn="ctr"/>
-            <a:r>
-              <a:rPr lang="en-GB" dirty="0"/>
-              <a:t>Player Controller</a:t>
-            </a:r>
-          </a:p>
-        </p:txBody>
-      </p:sp>
-      <p:sp>
-        <p:nvSpPr>
-          <p:cNvPr id="6" name="Rectangle 5">
-            <a:extLst>
-              <a:ext uri="{FF2B5EF4-FFF2-40B4-BE49-F238E27FC236}">
-                <a16:creationId xmlns:a16="http://schemas.microsoft.com/office/drawing/2014/main" id="{B8DBD5DD-DF77-26C6-8745-5E2275F35289}"/>
-              </a:ext>
-            </a:extLst>
-          </p:cNvPr>
-          <p:cNvSpPr/>
-          <p:nvPr/>
-        </p:nvSpPr>
-        <p:spPr>
-          <a:xfrm>
-            <a:off x="3316224" y="3212592"/>
-            <a:ext cx="1700784" cy="804672"/>
-          </a:xfrm>
-          <a:prstGeom prst="rect">
-            <a:avLst/>
-          </a:prstGeom>
-        </p:spPr>
-        <p:style>
-          <a:lnRef idx="2">
-            <a:schemeClr val="accent1">
-              <a:shade val="15000"/>
-            </a:schemeClr>
-          </a:lnRef>
-          <a:fillRef idx="1">
-            <a:schemeClr val="accent1"/>
-          </a:fillRef>
-          <a:effectRef idx="0">
-            <a:schemeClr val="accent1"/>
-          </a:effectRef>
-          <a:fontRef idx="minor">
-            <a:schemeClr val="lt1"/>
-          </a:fontRef>
-        </p:style>
-        <p:txBody>
-          <a:bodyPr rtlCol="0" anchor="ctr"/>
-          <a:lstStyle/>
-          <a:p>
-            <a:pPr algn="ctr"/>
-            <a:r>
-              <a:rPr lang="en-GB" dirty="0"/>
-              <a:t>Guy(s)</a:t>
-            </a:r>
-          </a:p>
-        </p:txBody>
-      </p:sp>
-      <p:sp>
-        <p:nvSpPr>
-          <p:cNvPr id="9" name="Rectangle 8">
-            <a:extLst>
-              <a:ext uri="{FF2B5EF4-FFF2-40B4-BE49-F238E27FC236}">
-                <a16:creationId xmlns:a16="http://schemas.microsoft.com/office/drawing/2014/main" id="{028A9C63-FFE1-C976-8AE1-FA9731762D69}"/>
-              </a:ext>
-            </a:extLst>
-          </p:cNvPr>
-          <p:cNvSpPr/>
-          <p:nvPr/>
-        </p:nvSpPr>
-        <p:spPr>
-          <a:xfrm>
-            <a:off x="129521" y="3267378"/>
-            <a:ext cx="1700784" cy="804672"/>
-          </a:xfrm>
-          <a:prstGeom prst="rect">
-            <a:avLst/>
-          </a:prstGeom>
-        </p:spPr>
-        <p:style>
-          <a:lnRef idx="2">
-            <a:schemeClr val="accent1">
-              <a:shade val="15000"/>
-            </a:schemeClr>
-          </a:lnRef>
-          <a:fillRef idx="1">
-            <a:schemeClr val="accent1"/>
-          </a:fillRef>
-          <a:effectRef idx="0">
-            <a:schemeClr val="accent1"/>
-          </a:effectRef>
-          <a:fontRef idx="minor">
-            <a:schemeClr val="lt1"/>
-          </a:fontRef>
-        </p:style>
-        <p:txBody>
-          <a:bodyPr rtlCol="0" anchor="ctr"/>
-          <a:lstStyle/>
-          <a:p>
-            <a:pPr algn="ctr"/>
-            <a:r>
-              <a:rPr lang="en-GB" dirty="0"/>
-              <a:t>HUD</a:t>
-            </a:r>
-          </a:p>
-        </p:txBody>
-      </p:sp>
-      <p:sp>
-        <p:nvSpPr>
-          <p:cNvPr id="10" name="Rectangle 9">
-            <a:extLst>
-              <a:ext uri="{FF2B5EF4-FFF2-40B4-BE49-F238E27FC236}">
-                <a16:creationId xmlns:a16="http://schemas.microsoft.com/office/drawing/2014/main" id="{A1757625-17BE-D57E-C037-02A3F332B2B5}"/>
-              </a:ext>
-            </a:extLst>
-          </p:cNvPr>
-          <p:cNvSpPr/>
-          <p:nvPr/>
-        </p:nvSpPr>
-        <p:spPr>
-          <a:xfrm>
-            <a:off x="3316224" y="4773168"/>
-            <a:ext cx="1700784" cy="804672"/>
-          </a:xfrm>
-          <a:prstGeom prst="rect">
-            <a:avLst/>
-          </a:prstGeom>
-        </p:spPr>
-        <p:style>
-          <a:lnRef idx="2">
-            <a:schemeClr val="accent1">
-              <a:shade val="15000"/>
-            </a:schemeClr>
-          </a:lnRef>
-          <a:fillRef idx="1">
-            <a:schemeClr val="accent1"/>
-          </a:fillRef>
-          <a:effectRef idx="0">
-            <a:schemeClr val="accent1"/>
-          </a:effectRef>
-          <a:fontRef idx="minor">
-            <a:schemeClr val="lt1"/>
-          </a:fontRef>
-        </p:style>
-        <p:txBody>
-          <a:bodyPr rtlCol="0" anchor="ctr"/>
-          <a:lstStyle/>
-          <a:p>
-            <a:pPr algn="ctr"/>
-            <a:r>
-              <a:rPr lang="en-GB" dirty="0"/>
-              <a:t>Health Component</a:t>
-            </a:r>
-          </a:p>
-        </p:txBody>
-      </p:sp>
-      <p:cxnSp>
-        <p:nvCxnSpPr>
-          <p:cNvPr id="19" name="Straight Arrow Connector 18">
-            <a:extLst>
-              <a:ext uri="{FF2B5EF4-FFF2-40B4-BE49-F238E27FC236}">
-                <a16:creationId xmlns:a16="http://schemas.microsoft.com/office/drawing/2014/main" id="{F686F6DD-2715-4324-B6AA-F85AEE585899}"/>
-              </a:ext>
-            </a:extLst>
-          </p:cNvPr>
-          <p:cNvCxnSpPr>
-            <a:cxnSpLocks/>
-            <a:stCxn id="5" idx="1"/>
-            <a:endCxn id="9" idx="0"/>
-          </p:cNvCxnSpPr>
-          <p:nvPr/>
-        </p:nvCxnSpPr>
-        <p:spPr>
-          <a:xfrm flipH="1">
-            <a:off x="979913" y="2054352"/>
-            <a:ext cx="2336311" cy="1213026"/>
-          </a:xfrm>
-          <a:prstGeom prst="straightConnector1">
-            <a:avLst/>
-          </a:prstGeom>
-          <a:ln>
-            <a:tailEnd type="triangle"/>
-          </a:ln>
-        </p:spPr>
-        <p:style>
-          <a:lnRef idx="2">
-            <a:schemeClr val="accent1"/>
-          </a:lnRef>
-          <a:fillRef idx="0">
-            <a:schemeClr val="accent1"/>
-          </a:fillRef>
-          <a:effectRef idx="1">
-            <a:schemeClr val="accent1"/>
-          </a:effectRef>
-          <a:fontRef idx="minor">
-            <a:schemeClr val="tx1"/>
-          </a:fontRef>
-        </p:style>
-      </p:cxnSp>
-      <p:sp>
-        <p:nvSpPr>
-          <p:cNvPr id="23" name="TextBox 22">
-            <a:extLst>
-              <a:ext uri="{FF2B5EF4-FFF2-40B4-BE49-F238E27FC236}">
-                <a16:creationId xmlns:a16="http://schemas.microsoft.com/office/drawing/2014/main" id="{41804DE1-42D2-79C5-050A-C4E80C1090BC}"/>
-              </a:ext>
-            </a:extLst>
-          </p:cNvPr>
-          <p:cNvSpPr txBox="1"/>
-          <p:nvPr/>
-        </p:nvSpPr>
-        <p:spPr>
-          <a:xfrm rot="19929610">
-            <a:off x="556358" y="1151239"/>
-            <a:ext cx="2659300" cy="1477328"/>
+            <a:off x="603504" y="960120"/>
+            <a:ext cx="1545336" cy="369332"/>
           </a:xfrm>
           <a:prstGeom prst="rect">
             <a:avLst/>
@@ -4618,418 +4330,98 @@
           <a:lstStyle/>
           <a:p>
             <a:r>
+              <a:rPr lang="en-GB" b="1" dirty="0"/>
+              <a:t>Tools</a:t>
+            </a:r>
+          </a:p>
+        </p:txBody>
+      </p:sp>
+      <p:sp>
+        <p:nvSpPr>
+          <p:cNvPr id="5" name="TextBox 4">
+            <a:extLst>
+              <a:ext uri="{FF2B5EF4-FFF2-40B4-BE49-F238E27FC236}">
+                <a16:creationId xmlns:a16="http://schemas.microsoft.com/office/drawing/2014/main" id="{68899B2B-F662-9A52-A28E-0779706AAE13}"/>
+              </a:ext>
+            </a:extLst>
+          </p:cNvPr>
+          <p:cNvSpPr txBox="1"/>
+          <p:nvPr/>
+        </p:nvSpPr>
+        <p:spPr>
+          <a:xfrm>
+            <a:off x="4636008" y="749808"/>
+            <a:ext cx="4224528" cy="2308324"/>
+          </a:xfrm>
+          <a:prstGeom prst="rect">
+            <a:avLst/>
+          </a:prstGeom>
+          <a:noFill/>
+          <a:ln>
+            <a:solidFill>
+              <a:schemeClr val="accent1"/>
+            </a:solidFill>
+          </a:ln>
+        </p:spPr>
+        <p:txBody>
+          <a:bodyPr wrap="square" rtlCol="0">
+            <a:spAutoFit/>
+          </a:bodyPr>
+          <a:lstStyle/>
+          <a:p>
+            <a:r>
+              <a:rPr lang="en-GB" dirty="0"/>
+              <a:t>A: Valid Level?</a:t>
+            </a:r>
+          </a:p>
+          <a:p>
+            <a:endParaRPr lang="en-GB" dirty="0"/>
+          </a:p>
+          <a:p>
+            <a:r>
+              <a:rPr lang="en-GB" dirty="0"/>
+              <a:t>-Check Buttons</a:t>
+            </a:r>
+          </a:p>
+          <a:p>
+            <a:r>
+              <a:rPr lang="en-GB" dirty="0"/>
+              <a:t>-Check Level Pieces</a:t>
+            </a:r>
+          </a:p>
+          <a:p>
+            <a:endParaRPr lang="en-GB" dirty="0"/>
+          </a:p>
+          <a:p>
+            <a:r>
+              <a:rPr lang="en-GB"/>
+              <a:t>Optional</a:t>
+            </a:r>
+            <a:endParaRPr lang="en-GB" dirty="0"/>
+          </a:p>
+          <a:p>
+            <a:r>
+              <a:rPr lang="en-GB" dirty="0"/>
+              <a:t>-Check Spawns, End Levels &amp; Class(GM)</a:t>
+            </a:r>
+          </a:p>
+          <a:p>
+            <a:r>
+              <a:rPr lang="en-GB" dirty="0"/>
+              <a:t>-Check </a:t>
+            </a:r>
+            <a:r>
               <a:rPr lang="en-GB" dirty="0" err="1"/>
-              <a:t>UpdateHealth</a:t>
-            </a:r>
-            <a:r>
-              <a:rPr lang="en-GB" dirty="0"/>
-              <a:t>()</a:t>
-            </a:r>
-          </a:p>
-          <a:p>
-            <a:r>
-              <a:rPr lang="en-GB" dirty="0" err="1"/>
-              <a:t>UpdateLevel</a:t>
-            </a:r>
-            <a:r>
-              <a:rPr lang="en-GB" dirty="0"/>
-              <a:t>()</a:t>
-            </a:r>
-          </a:p>
-          <a:p>
-            <a:r>
-              <a:rPr lang="en-GB" dirty="0" err="1"/>
-              <a:t>UpdateCandyCount</a:t>
-            </a:r>
-            <a:r>
-              <a:rPr lang="en-GB" dirty="0"/>
-              <a:t>()</a:t>
-            </a:r>
-          </a:p>
-          <a:p>
-            <a:r>
-              <a:rPr lang="en-GB" dirty="0" err="1"/>
-              <a:t>UpdatePumpkinCount</a:t>
-            </a:r>
-            <a:r>
-              <a:rPr lang="en-GB" dirty="0"/>
-              <a:t>()</a:t>
-            </a:r>
-          </a:p>
-          <a:p>
-            <a:r>
-              <a:rPr lang="en-GB" dirty="0" err="1"/>
-              <a:t>UpdatePlayerLives</a:t>
-            </a:r>
-            <a:r>
-              <a:rPr lang="en-GB" dirty="0"/>
-              <a:t>()</a:t>
-            </a:r>
-          </a:p>
-        </p:txBody>
-      </p:sp>
-      <p:cxnSp>
-        <p:nvCxnSpPr>
-          <p:cNvPr id="25" name="Straight Arrow Connector 24">
-            <a:extLst>
-              <a:ext uri="{FF2B5EF4-FFF2-40B4-BE49-F238E27FC236}">
-                <a16:creationId xmlns:a16="http://schemas.microsoft.com/office/drawing/2014/main" id="{F095727A-2AF6-1CE7-4521-C9D23AA8FE48}"/>
-              </a:ext>
-            </a:extLst>
-          </p:cNvPr>
-          <p:cNvCxnSpPr>
-            <a:cxnSpLocks/>
-          </p:cNvCxnSpPr>
-          <p:nvPr/>
-        </p:nvCxnSpPr>
-        <p:spPr>
-          <a:xfrm flipV="1">
-            <a:off x="4724400" y="2456688"/>
-            <a:ext cx="0" cy="755904"/>
-          </a:xfrm>
-          <a:prstGeom prst="straightConnector1">
-            <a:avLst/>
-          </a:prstGeom>
-          <a:ln>
-            <a:tailEnd type="triangle"/>
-          </a:ln>
-        </p:spPr>
-        <p:style>
-          <a:lnRef idx="2">
-            <a:schemeClr val="accent1"/>
-          </a:lnRef>
-          <a:fillRef idx="0">
-            <a:schemeClr val="accent1"/>
-          </a:fillRef>
-          <a:effectRef idx="1">
-            <a:schemeClr val="accent1"/>
-          </a:effectRef>
-          <a:fontRef idx="minor">
-            <a:schemeClr val="tx1"/>
-          </a:fontRef>
-        </p:style>
-      </p:cxnSp>
-      <p:cxnSp>
-        <p:nvCxnSpPr>
-          <p:cNvPr id="27" name="Straight Arrow Connector 26">
-            <a:extLst>
-              <a:ext uri="{FF2B5EF4-FFF2-40B4-BE49-F238E27FC236}">
-                <a16:creationId xmlns:a16="http://schemas.microsoft.com/office/drawing/2014/main" id="{6621537C-CA93-BDD8-ADE1-C3C6CBA66E28}"/>
-              </a:ext>
-            </a:extLst>
-          </p:cNvPr>
-          <p:cNvCxnSpPr>
-            <a:cxnSpLocks/>
-          </p:cNvCxnSpPr>
-          <p:nvPr/>
-        </p:nvCxnSpPr>
-        <p:spPr>
-          <a:xfrm flipV="1">
-            <a:off x="4724400" y="4017264"/>
-            <a:ext cx="0" cy="755904"/>
-          </a:xfrm>
-          <a:prstGeom prst="straightConnector1">
-            <a:avLst/>
-          </a:prstGeom>
-          <a:ln>
-            <a:tailEnd type="triangle"/>
-          </a:ln>
-        </p:spPr>
-        <p:style>
-          <a:lnRef idx="2">
-            <a:schemeClr val="accent1"/>
-          </a:lnRef>
-          <a:fillRef idx="0">
-            <a:schemeClr val="accent1"/>
-          </a:fillRef>
-          <a:effectRef idx="1">
-            <a:schemeClr val="accent1"/>
-          </a:effectRef>
-          <a:fontRef idx="minor">
-            <a:schemeClr val="tx1"/>
-          </a:fontRef>
-        </p:style>
-      </p:cxnSp>
-      <p:sp>
-        <p:nvSpPr>
-          <p:cNvPr id="2" name="Rectangle 1">
-            <a:extLst>
-              <a:ext uri="{FF2B5EF4-FFF2-40B4-BE49-F238E27FC236}">
-                <a16:creationId xmlns:a16="http://schemas.microsoft.com/office/drawing/2014/main" id="{BC31A055-53AC-BA02-6975-DC7D26E58BEE}"/>
-              </a:ext>
-            </a:extLst>
-          </p:cNvPr>
-          <p:cNvSpPr/>
-          <p:nvPr/>
-        </p:nvSpPr>
-        <p:spPr>
-          <a:xfrm>
-            <a:off x="3361471" y="110092"/>
-            <a:ext cx="1700784" cy="804672"/>
-          </a:xfrm>
-          <a:prstGeom prst="rect">
-            <a:avLst/>
-          </a:prstGeom>
-        </p:spPr>
-        <p:style>
-          <a:lnRef idx="2">
-            <a:schemeClr val="accent1">
-              <a:shade val="15000"/>
-            </a:schemeClr>
-          </a:lnRef>
-          <a:fillRef idx="1">
-            <a:schemeClr val="accent1"/>
-          </a:fillRef>
-          <a:effectRef idx="0">
-            <a:schemeClr val="accent1"/>
-          </a:effectRef>
-          <a:fontRef idx="minor">
-            <a:schemeClr val="lt1"/>
-          </a:fontRef>
-        </p:style>
-        <p:txBody>
-          <a:bodyPr rtlCol="0" anchor="ctr"/>
-          <a:lstStyle/>
-          <a:p>
-            <a:pPr algn="ctr"/>
-            <a:r>
-              <a:rPr lang="en-GB" dirty="0"/>
-              <a:t>Game Instance</a:t>
-            </a:r>
-          </a:p>
-        </p:txBody>
-      </p:sp>
-      <p:sp>
-        <p:nvSpPr>
-          <p:cNvPr id="3" name="Rectangle 2">
-            <a:extLst>
-              <a:ext uri="{FF2B5EF4-FFF2-40B4-BE49-F238E27FC236}">
-                <a16:creationId xmlns:a16="http://schemas.microsoft.com/office/drawing/2014/main" id="{36D48390-E117-5146-9D07-870CB5571E2C}"/>
-              </a:ext>
-            </a:extLst>
-          </p:cNvPr>
-          <p:cNvSpPr/>
-          <p:nvPr/>
-        </p:nvSpPr>
-        <p:spPr>
-          <a:xfrm>
-            <a:off x="9168385" y="1597230"/>
-            <a:ext cx="1700784" cy="804672"/>
-          </a:xfrm>
-          <a:prstGeom prst="rect">
-            <a:avLst/>
-          </a:prstGeom>
-        </p:spPr>
-        <p:style>
-          <a:lnRef idx="2">
-            <a:schemeClr val="accent1">
-              <a:shade val="15000"/>
-            </a:schemeClr>
-          </a:lnRef>
-          <a:fillRef idx="1">
-            <a:schemeClr val="accent1"/>
-          </a:fillRef>
-          <a:effectRef idx="0">
-            <a:schemeClr val="accent1"/>
-          </a:effectRef>
-          <a:fontRef idx="minor">
-            <a:schemeClr val="lt1"/>
-          </a:fontRef>
-        </p:style>
-        <p:txBody>
-          <a:bodyPr rtlCol="0" anchor="ctr"/>
-          <a:lstStyle/>
-          <a:p>
-            <a:pPr algn="ctr"/>
-            <a:r>
-              <a:rPr lang="en-GB" dirty="0"/>
-              <a:t>End Level Manager</a:t>
-            </a:r>
-          </a:p>
-        </p:txBody>
-      </p:sp>
-      <p:sp>
-        <p:nvSpPr>
-          <p:cNvPr id="7" name="Rectangle 6">
-            <a:extLst>
-              <a:ext uri="{FF2B5EF4-FFF2-40B4-BE49-F238E27FC236}">
-                <a16:creationId xmlns:a16="http://schemas.microsoft.com/office/drawing/2014/main" id="{01F2F757-40D1-5B5A-65A5-145B8B7EE96D}"/>
-              </a:ext>
-            </a:extLst>
-          </p:cNvPr>
-          <p:cNvSpPr/>
-          <p:nvPr/>
-        </p:nvSpPr>
-        <p:spPr>
-          <a:xfrm>
-            <a:off x="9168385" y="3212592"/>
-            <a:ext cx="1700784" cy="804672"/>
-          </a:xfrm>
-          <a:prstGeom prst="rect">
-            <a:avLst/>
-          </a:prstGeom>
-        </p:spPr>
-        <p:style>
-          <a:lnRef idx="2">
-            <a:schemeClr val="accent1">
-              <a:shade val="15000"/>
-            </a:schemeClr>
-          </a:lnRef>
-          <a:fillRef idx="1">
-            <a:schemeClr val="accent1"/>
-          </a:fillRef>
-          <a:effectRef idx="0">
-            <a:schemeClr val="accent1"/>
-          </a:effectRef>
-          <a:fontRef idx="minor">
-            <a:schemeClr val="lt1"/>
-          </a:fontRef>
-        </p:style>
-        <p:txBody>
-          <a:bodyPr rtlCol="0" anchor="ctr"/>
-          <a:lstStyle/>
-          <a:p>
-            <a:pPr algn="ctr"/>
-            <a:r>
-              <a:rPr lang="en-GB" dirty="0"/>
-              <a:t>End Levels</a:t>
-            </a:r>
-          </a:p>
-        </p:txBody>
-      </p:sp>
-      <p:cxnSp>
-        <p:nvCxnSpPr>
-          <p:cNvPr id="8" name="Straight Arrow Connector 7">
-            <a:extLst>
-              <a:ext uri="{FF2B5EF4-FFF2-40B4-BE49-F238E27FC236}">
-                <a16:creationId xmlns:a16="http://schemas.microsoft.com/office/drawing/2014/main" id="{6101BDF7-0B3C-E76E-22BF-94CB96C5A0B0}"/>
-              </a:ext>
-            </a:extLst>
-          </p:cNvPr>
-          <p:cNvCxnSpPr>
-            <a:cxnSpLocks/>
-            <a:stCxn id="7" idx="0"/>
-            <a:endCxn id="3" idx="2"/>
-          </p:cNvCxnSpPr>
-          <p:nvPr/>
-        </p:nvCxnSpPr>
-        <p:spPr>
-          <a:xfrm flipV="1">
-            <a:off x="10018777" y="2401902"/>
-            <a:ext cx="0" cy="810690"/>
-          </a:xfrm>
-          <a:prstGeom prst="straightConnector1">
-            <a:avLst/>
-          </a:prstGeom>
-          <a:ln>
-            <a:tailEnd type="triangle"/>
-          </a:ln>
-        </p:spPr>
-        <p:style>
-          <a:lnRef idx="2">
-            <a:schemeClr val="accent1"/>
-          </a:lnRef>
-          <a:fillRef idx="0">
-            <a:schemeClr val="accent1"/>
-          </a:fillRef>
-          <a:effectRef idx="1">
-            <a:schemeClr val="accent1"/>
-          </a:effectRef>
-          <a:fontRef idx="minor">
-            <a:schemeClr val="tx1"/>
-          </a:fontRef>
-        </p:style>
-      </p:cxnSp>
-      <p:cxnSp>
-        <p:nvCxnSpPr>
-          <p:cNvPr id="11" name="Straight Arrow Connector 10">
-            <a:extLst>
-              <a:ext uri="{FF2B5EF4-FFF2-40B4-BE49-F238E27FC236}">
-                <a16:creationId xmlns:a16="http://schemas.microsoft.com/office/drawing/2014/main" id="{60024B8E-843F-A8E2-7B1E-68EF6217A234}"/>
-              </a:ext>
-            </a:extLst>
-          </p:cNvPr>
-          <p:cNvCxnSpPr>
-            <a:cxnSpLocks/>
-            <a:stCxn id="3" idx="0"/>
-            <a:endCxn id="4" idx="3"/>
-          </p:cNvCxnSpPr>
-          <p:nvPr/>
-        </p:nvCxnSpPr>
-        <p:spPr>
-          <a:xfrm flipH="1" flipV="1">
-            <a:off x="9168385" y="682985"/>
-            <a:ext cx="850392" cy="914245"/>
-          </a:xfrm>
-          <a:prstGeom prst="straightConnector1">
-            <a:avLst/>
-          </a:prstGeom>
-          <a:ln>
-            <a:tailEnd type="triangle"/>
-          </a:ln>
-        </p:spPr>
-        <p:style>
-          <a:lnRef idx="2">
-            <a:schemeClr val="accent1"/>
-          </a:lnRef>
-          <a:fillRef idx="0">
-            <a:schemeClr val="accent1"/>
-          </a:fillRef>
-          <a:effectRef idx="1">
-            <a:schemeClr val="accent1"/>
-          </a:effectRef>
-          <a:fontRef idx="minor">
-            <a:schemeClr val="tx1"/>
-          </a:fontRef>
-        </p:style>
-      </p:cxnSp>
-      <p:cxnSp>
-        <p:nvCxnSpPr>
-          <p:cNvPr id="12" name="Straight Arrow Connector 11">
-            <a:extLst>
-              <a:ext uri="{FF2B5EF4-FFF2-40B4-BE49-F238E27FC236}">
-                <a16:creationId xmlns:a16="http://schemas.microsoft.com/office/drawing/2014/main" id="{BCE22924-543B-19CD-CB5D-F376234EB559}"/>
-              </a:ext>
-            </a:extLst>
-          </p:cNvPr>
-          <p:cNvCxnSpPr>
-            <a:cxnSpLocks/>
-            <a:stCxn id="4" idx="1"/>
-            <a:endCxn id="5" idx="0"/>
-          </p:cNvCxnSpPr>
-          <p:nvPr/>
-        </p:nvCxnSpPr>
-        <p:spPr>
-          <a:xfrm flipH="1">
-            <a:off x="4166616" y="682985"/>
-            <a:ext cx="3300985" cy="969031"/>
-          </a:xfrm>
-          <a:prstGeom prst="straightConnector1">
-            <a:avLst/>
-          </a:prstGeom>
-          <a:ln>
-            <a:tailEnd type="triangle"/>
-          </a:ln>
-        </p:spPr>
-        <p:style>
-          <a:lnRef idx="2">
-            <a:schemeClr val="accent1"/>
-          </a:lnRef>
-          <a:fillRef idx="0">
-            <a:schemeClr val="accent1"/>
-          </a:fillRef>
-          <a:effectRef idx="1">
-            <a:schemeClr val="accent1"/>
-          </a:effectRef>
-          <a:fontRef idx="minor">
-            <a:schemeClr val="tx1"/>
-          </a:fontRef>
-        </p:style>
-      </p:cxnSp>
+              <a:t>GameRules</a:t>
+            </a:r>
+            <a:endParaRPr lang="en-GB" dirty="0"/>
+          </a:p>
+        </p:txBody>
+      </p:sp>
     </p:spTree>
     <p:extLst>
       <p:ext uri="{BB962C8B-B14F-4D97-AF65-F5344CB8AC3E}">
-        <p14:creationId xmlns:p14="http://schemas.microsoft.com/office/powerpoint/2010/main" val="1819057367"/>
+        <p14:creationId xmlns:p14="http://schemas.microsoft.com/office/powerpoint/2010/main" val="4101951209"/>
       </p:ext>
     </p:extLst>
   </p:cSld>
@@ -5070,7 +4462,7 @@
         </p:nvSpPr>
         <p:spPr>
           <a:xfrm>
-            <a:off x="6342888" y="164592"/>
+            <a:off x="7467601" y="280649"/>
             <a:ext cx="1700784" cy="804672"/>
           </a:xfrm>
           <a:prstGeom prst="rect">
@@ -5120,7 +4512,7 @@
         </p:nvSpPr>
         <p:spPr>
           <a:xfrm>
-            <a:off x="6342888" y="1725168"/>
+            <a:off x="3316224" y="1652016"/>
             <a:ext cx="1700784" cy="804672"/>
           </a:xfrm>
           <a:prstGeom prst="rect">
@@ -5169,7 +4561,7 @@
         </p:nvSpPr>
         <p:spPr>
           <a:xfrm>
-            <a:off x="6342888" y="3285744"/>
+            <a:off x="3316224" y="3212592"/>
             <a:ext cx="1700784" cy="804672"/>
           </a:xfrm>
           <a:prstGeom prst="rect">
@@ -5206,10 +4598,10 @@
       </p:sp>
       <p:sp>
         <p:nvSpPr>
-          <p:cNvPr id="7" name="Rectangle 6">
-            <a:extLst>
-              <a:ext uri="{FF2B5EF4-FFF2-40B4-BE49-F238E27FC236}">
-                <a16:creationId xmlns:a16="http://schemas.microsoft.com/office/drawing/2014/main" id="{CAF67295-59EC-0F62-C39C-26E590DA10A0}"/>
+          <p:cNvPr id="9" name="Rectangle 8">
+            <a:extLst>
+              <a:ext uri="{FF2B5EF4-FFF2-40B4-BE49-F238E27FC236}">
+                <a16:creationId xmlns:a16="http://schemas.microsoft.com/office/drawing/2014/main" id="{028A9C63-FFE1-C976-8AE1-FA9731762D69}"/>
               </a:ext>
             </a:extLst>
           </p:cNvPr>
@@ -5218,21 +4610,12 @@
         </p:nvSpPr>
         <p:spPr>
           <a:xfrm>
-            <a:off x="9260382" y="3285744"/>
+            <a:off x="129521" y="3267378"/>
             <a:ext cx="1700784" cy="804672"/>
           </a:xfrm>
           <a:prstGeom prst="rect">
             <a:avLst/>
           </a:prstGeom>
-          <a:solidFill>
-            <a:schemeClr val="accent5">
-              <a:lumMod val="40000"/>
-              <a:lumOff val="60000"/>
-            </a:schemeClr>
-          </a:solidFill>
-          <a:ln>
-            <a:noFill/>
-          </a:ln>
         </p:spPr>
         <p:style>
           <a:lnRef idx="2">
@@ -5257,17 +4640,17 @@
             <a:pPr algn="ctr"/>
             <a:r>
               <a:rPr lang="en-GB" dirty="0"/>
-              <a:t>Candy</a:t>
-            </a:r>
-          </a:p>
-        </p:txBody>
-      </p:sp>
-      <p:sp>
-        <p:nvSpPr>
-          <p:cNvPr id="8" name="Rectangle 7">
-            <a:extLst>
-              <a:ext uri="{FF2B5EF4-FFF2-40B4-BE49-F238E27FC236}">
-                <a16:creationId xmlns:a16="http://schemas.microsoft.com/office/drawing/2014/main" id="{5E820504-C2EC-BA18-B846-9FC190BF5EA5}"/>
+              <a:t>HUD</a:t>
+            </a:r>
+          </a:p>
+        </p:txBody>
+      </p:sp>
+      <p:sp>
+        <p:nvSpPr>
+          <p:cNvPr id="10" name="Rectangle 9">
+            <a:extLst>
+              <a:ext uri="{FF2B5EF4-FFF2-40B4-BE49-F238E27FC236}">
+                <a16:creationId xmlns:a16="http://schemas.microsoft.com/office/drawing/2014/main" id="{A1757625-17BE-D57E-C037-02A3F332B2B5}"/>
               </a:ext>
             </a:extLst>
           </p:cNvPr>
@@ -5276,21 +4659,12 @@
         </p:nvSpPr>
         <p:spPr>
           <a:xfrm>
-            <a:off x="8468868" y="1728216"/>
-            <a:ext cx="2356104" cy="804672"/>
+            <a:off x="3316224" y="4773168"/>
+            <a:ext cx="1700784" cy="804672"/>
           </a:xfrm>
           <a:prstGeom prst="rect">
             <a:avLst/>
           </a:prstGeom>
-          <a:solidFill>
-            <a:schemeClr val="accent5">
-              <a:lumMod val="40000"/>
-              <a:lumOff val="60000"/>
-            </a:schemeClr>
-          </a:solidFill>
-          <a:ln>
-            <a:noFill/>
-          </a:ln>
         </p:spPr>
         <p:style>
           <a:lnRef idx="2">
@@ -5314,32 +4688,32 @@
           <a:p>
             <a:pPr algn="ctr"/>
             <a:r>
-              <a:rPr lang="en-GB" dirty="0" err="1"/>
-              <a:t>GameRule_Candy</a:t>
-            </a:r>
-            <a:endParaRPr lang="en-GB" dirty="0"/>
+              <a:rPr lang="en-GB" dirty="0"/>
+              <a:t>Health Component</a:t>
+            </a:r>
           </a:p>
         </p:txBody>
       </p:sp>
       <p:cxnSp>
         <p:nvCxnSpPr>
-          <p:cNvPr id="16" name="Straight Arrow Connector 15">
-            <a:extLst>
-              <a:ext uri="{FF2B5EF4-FFF2-40B4-BE49-F238E27FC236}">
-                <a16:creationId xmlns:a16="http://schemas.microsoft.com/office/drawing/2014/main" id="{7031BFE6-19BD-0B88-3E58-1DFE689C96B3}"/>
+          <p:cNvPr id="19" name="Straight Arrow Connector 18">
+            <a:extLst>
+              <a:ext uri="{FF2B5EF4-FFF2-40B4-BE49-F238E27FC236}">
+                <a16:creationId xmlns:a16="http://schemas.microsoft.com/office/drawing/2014/main" id="{F686F6DD-2715-4324-B6AA-F85AEE585899}"/>
               </a:ext>
             </a:extLst>
           </p:cNvPr>
           <p:cNvCxnSpPr>
-            <a:stCxn id="6" idx="3"/>
-            <a:endCxn id="7" idx="1"/>
+            <a:cxnSpLocks/>
+            <a:stCxn id="5" idx="1"/>
+            <a:endCxn id="9" idx="0"/>
           </p:cNvCxnSpPr>
           <p:nvPr/>
         </p:nvCxnSpPr>
         <p:spPr>
-          <a:xfrm>
-            <a:off x="8043672" y="3688080"/>
-            <a:ext cx="1216710" cy="0"/>
+          <a:xfrm flipH="1">
+            <a:off x="979913" y="2054352"/>
+            <a:ext cx="2336311" cy="1213026"/>
           </a:xfrm>
           <a:prstGeom prst="straightConnector1">
             <a:avLst/>
@@ -5365,10 +4739,10 @@
       </p:cxnSp>
       <p:sp>
         <p:nvSpPr>
-          <p:cNvPr id="17" name="TextBox 16">
-            <a:extLst>
-              <a:ext uri="{FF2B5EF4-FFF2-40B4-BE49-F238E27FC236}">
-                <a16:creationId xmlns:a16="http://schemas.microsoft.com/office/drawing/2014/main" id="{FA6EB0A9-DA92-B382-AABA-CCD98D615934}"/>
+          <p:cNvPr id="23" name="TextBox 22">
+            <a:extLst>
+              <a:ext uri="{FF2B5EF4-FFF2-40B4-BE49-F238E27FC236}">
+                <a16:creationId xmlns:a16="http://schemas.microsoft.com/office/drawing/2014/main" id="{41804DE1-42D2-79C5-050A-C4E80C1090BC}"/>
               </a:ext>
             </a:extLst>
           </p:cNvPr>
@@ -5376,9 +4750,9 @@
           <p:nvPr/>
         </p:nvSpPr>
         <p:spPr>
-          <a:xfrm>
-            <a:off x="7951749" y="3349752"/>
-            <a:ext cx="1400556" cy="646331"/>
+          <a:xfrm rot="19929610">
+            <a:off x="556358" y="1151239"/>
+            <a:ext cx="2659300" cy="1477328"/>
           </a:xfrm>
           <a:prstGeom prst="rect">
             <a:avLst/>
@@ -5391,27 +4765,63 @@
           </a:bodyPr>
           <a:lstStyle/>
           <a:p>
-            <a:pPr algn="ctr"/>
+            <a:r>
+              <a:rPr lang="en-GB" dirty="0" err="1"/>
+              <a:t>UpdateHealth</a:t>
+            </a:r>
             <a:r>
               <a:rPr lang="en-GB" dirty="0"/>
-              <a:t>Eat()</a:t>
-            </a:r>
-          </a:p>
-          <a:p>
-            <a:pPr algn="ctr"/>
+              <a:t>()</a:t>
+            </a:r>
+          </a:p>
+          <a:p>
+            <a:r>
+              <a:rPr lang="en-GB" dirty="0" err="1"/>
+              <a:t>UpdateLevel</a:t>
+            </a:r>
             <a:r>
               <a:rPr lang="en-GB" dirty="0"/>
-              <a:t>&lt;Interface&gt;</a:t>
+              <a:t>()</a:t>
+            </a:r>
+          </a:p>
+          <a:p>
+            <a:r>
+              <a:rPr lang="en-GB" dirty="0" err="1"/>
+              <a:t>UpdateCandyCount</a:t>
+            </a:r>
+            <a:r>
+              <a:rPr lang="en-GB" dirty="0"/>
+              <a:t>()</a:t>
+            </a:r>
+          </a:p>
+          <a:p>
+            <a:r>
+              <a:rPr lang="en-GB" dirty="0" err="1"/>
+              <a:t>UpdatePumpkinCount</a:t>
+            </a:r>
+            <a:r>
+              <a:rPr lang="en-GB" dirty="0"/>
+              <a:t>()</a:t>
+            </a:r>
+          </a:p>
+          <a:p>
+            <a:r>
+              <a:rPr lang="en-GB" dirty="0" err="1"/>
+              <a:t>UpdatePlayerLives</a:t>
+            </a:r>
+            <a:r>
+              <a:rPr lang="en-GB" dirty="0"/>
+              <a:t>()</a:t>
             </a:r>
           </a:p>
         </p:txBody>
       </p:sp>
       <p:cxnSp>
         <p:nvCxnSpPr>
-          <p:cNvPr id="45" name="Straight Arrow Connector 44">
-            <a:extLst>
-              <a:ext uri="{FF2B5EF4-FFF2-40B4-BE49-F238E27FC236}">
-                <a16:creationId xmlns:a16="http://schemas.microsoft.com/office/drawing/2014/main" id="{FCB6D5FB-65C5-2CF2-3164-F59D3C41B65A}"/>
+          <p:cNvPr id="25" name="Straight Arrow Connector 24">
+            <a:extLst>
+              <a:ext uri="{FF2B5EF4-FFF2-40B4-BE49-F238E27FC236}">
+                <a16:creationId xmlns:a16="http://schemas.microsoft.com/office/drawing/2014/main" id="{F095727A-2AF6-1CE7-4521-C9D23AA8FE48}"/>
               </a:ext>
             </a:extLst>
           </p:cNvPr>
@@ -5422,124 +4832,8 @@
         </p:nvCxnSpPr>
         <p:spPr>
           <a:xfrm flipV="1">
-            <a:off x="9401075" y="2584626"/>
-            <a:ext cx="0" cy="701118"/>
-          </a:xfrm>
-          <a:prstGeom prst="straightConnector1">
-            <a:avLst/>
-          </a:prstGeom>
-          <a:ln>
-            <a:tailEnd type="triangle"/>
-          </a:ln>
-        </p:spPr>
-        <p:style>
-          <a:lnRef idx="2">
-            <a:schemeClr val="accent1"/>
-          </a:lnRef>
-          <a:fillRef idx="0">
-            <a:schemeClr val="accent1"/>
-          </a:fillRef>
-          <a:effectRef idx="1">
-            <a:schemeClr val="accent1"/>
-          </a:effectRef>
-          <a:fontRef idx="minor">
-            <a:schemeClr val="tx1"/>
-          </a:fontRef>
-        </p:style>
-      </p:cxnSp>
-      <p:sp>
-        <p:nvSpPr>
-          <p:cNvPr id="48" name="TextBox 47">
-            <a:extLst>
-              <a:ext uri="{FF2B5EF4-FFF2-40B4-BE49-F238E27FC236}">
-                <a16:creationId xmlns:a16="http://schemas.microsoft.com/office/drawing/2014/main" id="{3A1F650E-CC9C-79CA-9513-96315AB7B22C}"/>
-              </a:ext>
-            </a:extLst>
-          </p:cNvPr>
-          <p:cNvSpPr txBox="1"/>
-          <p:nvPr/>
-        </p:nvSpPr>
-        <p:spPr>
-          <a:xfrm>
-            <a:off x="9352305" y="2750519"/>
-            <a:ext cx="1700779" cy="369332"/>
-          </a:xfrm>
-          <a:prstGeom prst="rect">
-            <a:avLst/>
-          </a:prstGeom>
-          <a:noFill/>
-        </p:spPr>
-        <p:txBody>
-          <a:bodyPr wrap="square" rtlCol="0">
-            <a:spAutoFit/>
-          </a:bodyPr>
-          <a:lstStyle/>
-          <a:p>
-            <a:pPr algn="ctr"/>
-            <a:r>
-              <a:rPr lang="en-GB" dirty="0" err="1"/>
-              <a:t>OnCandyEaten</a:t>
-            </a:r>
-            <a:endParaRPr lang="en-GB" dirty="0"/>
-          </a:p>
-        </p:txBody>
-      </p:sp>
-      <p:sp>
-        <p:nvSpPr>
-          <p:cNvPr id="49" name="TextBox 48">
-            <a:extLst>
-              <a:ext uri="{FF2B5EF4-FFF2-40B4-BE49-F238E27FC236}">
-                <a16:creationId xmlns:a16="http://schemas.microsoft.com/office/drawing/2014/main" id="{E4ADD8A5-D7FF-0D97-4233-0CEE379F77B4}"/>
-              </a:ext>
-            </a:extLst>
-          </p:cNvPr>
-          <p:cNvSpPr txBox="1"/>
-          <p:nvPr/>
-        </p:nvSpPr>
-        <p:spPr>
-          <a:xfrm rot="1910503">
-            <a:off x="7748487" y="876516"/>
-            <a:ext cx="2786654" cy="307777"/>
-          </a:xfrm>
-          <a:prstGeom prst="rect">
-            <a:avLst/>
-          </a:prstGeom>
-          <a:noFill/>
-        </p:spPr>
-        <p:txBody>
-          <a:bodyPr wrap="square" rtlCol="0">
-            <a:spAutoFit/>
-          </a:bodyPr>
-          <a:lstStyle/>
-          <a:p>
-            <a:pPr algn="ctr"/>
-            <a:r>
-              <a:rPr lang="en-GB" sz="1400" dirty="0" err="1"/>
-              <a:t>OnPuzzleGameRuleComplete</a:t>
-            </a:r>
-            <a:endParaRPr lang="en-GB" sz="1400" dirty="0"/>
-          </a:p>
-        </p:txBody>
-      </p:sp>
-      <p:cxnSp>
-        <p:nvCxnSpPr>
-          <p:cNvPr id="50" name="Straight Arrow Connector 49">
-            <a:extLst>
-              <a:ext uri="{FF2B5EF4-FFF2-40B4-BE49-F238E27FC236}">
-                <a16:creationId xmlns:a16="http://schemas.microsoft.com/office/drawing/2014/main" id="{28331C21-B765-E591-79A4-9C50C0B0E23B}"/>
-              </a:ext>
-            </a:extLst>
-          </p:cNvPr>
-          <p:cNvCxnSpPr>
-            <a:cxnSpLocks/>
-            <a:endCxn id="4" idx="3"/>
-          </p:cNvCxnSpPr>
-          <p:nvPr/>
-        </p:nvCxnSpPr>
-        <p:spPr>
-          <a:xfrm flipH="1" flipV="1">
-            <a:off x="8043672" y="566928"/>
-            <a:ext cx="1895856" cy="1158240"/>
+            <a:off x="4724400" y="2456688"/>
+            <a:ext cx="0" cy="755904"/>
           </a:xfrm>
           <a:prstGeom prst="straightConnector1">
             <a:avLst/>
@@ -5565,23 +4859,21 @@
       </p:cxnSp>
       <p:cxnSp>
         <p:nvCxnSpPr>
-          <p:cNvPr id="3" name="Straight Arrow Connector 2">
-            <a:extLst>
-              <a:ext uri="{FF2B5EF4-FFF2-40B4-BE49-F238E27FC236}">
-                <a16:creationId xmlns:a16="http://schemas.microsoft.com/office/drawing/2014/main" id="{BFD7ACDF-5DB5-09A9-8BBA-3C1281CEAEDB}"/>
+          <p:cNvPr id="27" name="Straight Arrow Connector 26">
+            <a:extLst>
+              <a:ext uri="{FF2B5EF4-FFF2-40B4-BE49-F238E27FC236}">
+                <a16:creationId xmlns:a16="http://schemas.microsoft.com/office/drawing/2014/main" id="{6621537C-CA93-BDD8-ADE1-C3C6CBA66E28}"/>
               </a:ext>
             </a:extLst>
           </p:cNvPr>
           <p:cNvCxnSpPr>
             <a:cxnSpLocks/>
-            <a:stCxn id="6" idx="0"/>
-            <a:endCxn id="5" idx="2"/>
           </p:cNvCxnSpPr>
           <p:nvPr/>
         </p:nvCxnSpPr>
         <p:spPr>
           <a:xfrm flipV="1">
-            <a:off x="7193280" y="2529840"/>
+            <a:off x="4724400" y="4017264"/>
             <a:ext cx="0" cy="755904"/>
           </a:xfrm>
           <a:prstGeom prst="straightConnector1">
@@ -5608,69 +4900,24 @@
       </p:cxnSp>
       <p:sp>
         <p:nvSpPr>
-          <p:cNvPr id="13" name="TextBox 12">
-            <a:extLst>
-              <a:ext uri="{FF2B5EF4-FFF2-40B4-BE49-F238E27FC236}">
-                <a16:creationId xmlns:a16="http://schemas.microsoft.com/office/drawing/2014/main" id="{1CDD183D-8B6E-5705-2E26-00A459B452A1}"/>
-              </a:ext>
-            </a:extLst>
-          </p:cNvPr>
-          <p:cNvSpPr txBox="1"/>
+          <p:cNvPr id="2" name="Rectangle 1">
+            <a:extLst>
+              <a:ext uri="{FF2B5EF4-FFF2-40B4-BE49-F238E27FC236}">
+                <a16:creationId xmlns:a16="http://schemas.microsoft.com/office/drawing/2014/main" id="{BC31A055-53AC-BA02-6975-DC7D26E58BEE}"/>
+              </a:ext>
+            </a:extLst>
+          </p:cNvPr>
+          <p:cNvSpPr/>
           <p:nvPr/>
         </p:nvSpPr>
         <p:spPr>
           <a:xfrm>
-            <a:off x="5612979" y="2723126"/>
-            <a:ext cx="1545257" cy="369332"/>
+            <a:off x="3361471" y="110092"/>
+            <a:ext cx="1700784" cy="804672"/>
           </a:xfrm>
           <a:prstGeom prst="rect">
             <a:avLst/>
           </a:prstGeom>
-          <a:noFill/>
-        </p:spPr>
-        <p:txBody>
-          <a:bodyPr wrap="square" rtlCol="0">
-            <a:spAutoFit/>
-          </a:bodyPr>
-          <a:lstStyle/>
-          <a:p>
-            <a:pPr algn="ctr"/>
-            <a:r>
-              <a:rPr lang="en-GB" dirty="0" err="1"/>
-              <a:t>OnGuyDeath</a:t>
-            </a:r>
-            <a:endParaRPr lang="en-GB" dirty="0"/>
-          </a:p>
-        </p:txBody>
-      </p:sp>
-      <p:sp>
-        <p:nvSpPr>
-          <p:cNvPr id="21" name="Rectangle 20">
-            <a:extLst>
-              <a:ext uri="{FF2B5EF4-FFF2-40B4-BE49-F238E27FC236}">
-                <a16:creationId xmlns:a16="http://schemas.microsoft.com/office/drawing/2014/main" id="{2BCF8354-A5BE-0C9E-E29A-AA01AF6231F4}"/>
-              </a:ext>
-            </a:extLst>
-          </p:cNvPr>
-          <p:cNvSpPr/>
-          <p:nvPr/>
-        </p:nvSpPr>
-        <p:spPr>
-          <a:xfrm>
-            <a:off x="434518" y="367024"/>
-            <a:ext cx="2953511" cy="804672"/>
-          </a:xfrm>
-          <a:prstGeom prst="rect">
-            <a:avLst/>
-          </a:prstGeom>
-          <a:solidFill>
-            <a:schemeClr val="accent2">
-              <a:lumMod val="75000"/>
-            </a:schemeClr>
-          </a:solidFill>
-          <a:ln>
-            <a:noFill/>
-          </a:ln>
         </p:spPr>
         <p:style>
           <a:lnRef idx="2">
@@ -5694,19 +4941,18 @@
           <a:p>
             <a:pPr algn="ctr"/>
             <a:r>
-              <a:rPr lang="en-GB" dirty="0" err="1"/>
-              <a:t>GameRule_Target</a:t>
-            </a:r>
-            <a:endParaRPr lang="en-GB" dirty="0"/>
-          </a:p>
-        </p:txBody>
-      </p:sp>
-      <p:sp>
-        <p:nvSpPr>
-          <p:cNvPr id="31" name="Rectangle 30">
-            <a:extLst>
-              <a:ext uri="{FF2B5EF4-FFF2-40B4-BE49-F238E27FC236}">
-                <a16:creationId xmlns:a16="http://schemas.microsoft.com/office/drawing/2014/main" id="{9C7ACE6A-2A96-33BD-0D16-B83142DA368F}"/>
+              <a:rPr lang="en-GB" dirty="0"/>
+              <a:t>Game Instance</a:t>
+            </a:r>
+          </a:p>
+        </p:txBody>
+      </p:sp>
+      <p:sp>
+        <p:nvSpPr>
+          <p:cNvPr id="3" name="Rectangle 2">
+            <a:extLst>
+              <a:ext uri="{FF2B5EF4-FFF2-40B4-BE49-F238E27FC236}">
+                <a16:creationId xmlns:a16="http://schemas.microsoft.com/office/drawing/2014/main" id="{36D48390-E117-5146-9D07-870CB5571E2C}"/>
               </a:ext>
             </a:extLst>
           </p:cNvPr>
@@ -5715,20 +4961,12 @@
         </p:nvSpPr>
         <p:spPr>
           <a:xfrm>
-            <a:off x="434517" y="2935224"/>
-            <a:ext cx="2953511" cy="804672"/>
+            <a:off x="9168385" y="1597230"/>
+            <a:ext cx="1700784" cy="804672"/>
           </a:xfrm>
           <a:prstGeom prst="rect">
             <a:avLst/>
           </a:prstGeom>
-          <a:solidFill>
-            <a:schemeClr val="accent2">
-              <a:lumMod val="75000"/>
-            </a:schemeClr>
-          </a:solidFill>
-          <a:ln>
-            <a:noFill/>
-          </a:ln>
         </p:spPr>
         <p:style>
           <a:lnRef idx="2">
@@ -5753,31 +4991,80 @@
             <a:pPr algn="ctr"/>
             <a:r>
               <a:rPr lang="en-GB" dirty="0"/>
-              <a:t>Target</a:t>
+              <a:t>End Level Manager</a:t>
+            </a:r>
+          </a:p>
+        </p:txBody>
+      </p:sp>
+      <p:sp>
+        <p:nvSpPr>
+          <p:cNvPr id="7" name="Rectangle 6">
+            <a:extLst>
+              <a:ext uri="{FF2B5EF4-FFF2-40B4-BE49-F238E27FC236}">
+                <a16:creationId xmlns:a16="http://schemas.microsoft.com/office/drawing/2014/main" id="{01F2F757-40D1-5B5A-65A5-145B8B7EE96D}"/>
+              </a:ext>
+            </a:extLst>
+          </p:cNvPr>
+          <p:cNvSpPr/>
+          <p:nvPr/>
+        </p:nvSpPr>
+        <p:spPr>
+          <a:xfrm>
+            <a:off x="9168385" y="3212592"/>
+            <a:ext cx="1700784" cy="804672"/>
+          </a:xfrm>
+          <a:prstGeom prst="rect">
+            <a:avLst/>
+          </a:prstGeom>
+        </p:spPr>
+        <p:style>
+          <a:lnRef idx="2">
+            <a:schemeClr val="accent1">
+              <a:shade val="15000"/>
+            </a:schemeClr>
+          </a:lnRef>
+          <a:fillRef idx="1">
+            <a:schemeClr val="accent1"/>
+          </a:fillRef>
+          <a:effectRef idx="0">
+            <a:schemeClr val="accent1"/>
+          </a:effectRef>
+          <a:fontRef idx="minor">
+            <a:schemeClr val="lt1"/>
+          </a:fontRef>
+        </p:style>
+        <p:txBody>
+          <a:bodyPr rtlCol="0" anchor="ctr"/>
+          <a:lstStyle/>
+          <a:p>
+            <a:pPr algn="ctr"/>
+            <a:r>
+              <a:rPr lang="en-GB" dirty="0"/>
+              <a:t>End Levels</a:t>
             </a:r>
           </a:p>
         </p:txBody>
       </p:sp>
       <p:cxnSp>
         <p:nvCxnSpPr>
-          <p:cNvPr id="32" name="Straight Arrow Connector 31">
-            <a:extLst>
-              <a:ext uri="{FF2B5EF4-FFF2-40B4-BE49-F238E27FC236}">
-                <a16:creationId xmlns:a16="http://schemas.microsoft.com/office/drawing/2014/main" id="{66849A8A-F5CA-8D7D-B3FC-DD78C3F87CD0}"/>
+          <p:cNvPr id="8" name="Straight Arrow Connector 7">
+            <a:extLst>
+              <a:ext uri="{FF2B5EF4-FFF2-40B4-BE49-F238E27FC236}">
+                <a16:creationId xmlns:a16="http://schemas.microsoft.com/office/drawing/2014/main" id="{6101BDF7-0B3C-E76E-22BF-94CB96C5A0B0}"/>
               </a:ext>
             </a:extLst>
           </p:cNvPr>
           <p:cNvCxnSpPr>
             <a:cxnSpLocks/>
-            <a:stCxn id="31" idx="0"/>
-            <a:endCxn id="21" idx="2"/>
+            <a:stCxn id="7" idx="0"/>
+            <a:endCxn id="3" idx="2"/>
           </p:cNvCxnSpPr>
           <p:nvPr/>
         </p:nvCxnSpPr>
         <p:spPr>
           <a:xfrm flipV="1">
-            <a:off x="1911273" y="1171696"/>
-            <a:ext cx="1" cy="1763528"/>
+            <a:off x="10018777" y="2401902"/>
+            <a:ext cx="0" cy="810690"/>
           </a:xfrm>
           <a:prstGeom prst="straightConnector1">
             <a:avLst/>
@@ -5803,23 +5090,24 @@
       </p:cxnSp>
       <p:cxnSp>
         <p:nvCxnSpPr>
-          <p:cNvPr id="36" name="Straight Arrow Connector 35">
-            <a:extLst>
-              <a:ext uri="{FF2B5EF4-FFF2-40B4-BE49-F238E27FC236}">
-                <a16:creationId xmlns:a16="http://schemas.microsoft.com/office/drawing/2014/main" id="{52516B45-B711-3D3C-13F5-D8DFE096DABE}"/>
+          <p:cNvPr id="11" name="Straight Arrow Connector 10">
+            <a:extLst>
+              <a:ext uri="{FF2B5EF4-FFF2-40B4-BE49-F238E27FC236}">
+                <a16:creationId xmlns:a16="http://schemas.microsoft.com/office/drawing/2014/main" id="{60024B8E-843F-A8E2-7B1E-68EF6217A234}"/>
               </a:ext>
             </a:extLst>
           </p:cNvPr>
           <p:cNvCxnSpPr>
             <a:cxnSpLocks/>
-            <a:stCxn id="21" idx="3"/>
+            <a:stCxn id="3" idx="0"/>
+            <a:endCxn id="4" idx="3"/>
           </p:cNvCxnSpPr>
           <p:nvPr/>
         </p:nvCxnSpPr>
         <p:spPr>
-          <a:xfrm flipV="1">
-            <a:off x="3388029" y="424778"/>
-            <a:ext cx="2905846" cy="344582"/>
+          <a:xfrm flipH="1" flipV="1">
+            <a:off x="9168385" y="682985"/>
+            <a:ext cx="850392" cy="914245"/>
           </a:xfrm>
           <a:prstGeom prst="straightConnector1">
             <a:avLst/>
@@ -5843,358 +5131,26 @@
           </a:fontRef>
         </p:style>
       </p:cxnSp>
-      <p:sp>
-        <p:nvSpPr>
-          <p:cNvPr id="41" name="TextBox 40">
-            <a:extLst>
-              <a:ext uri="{FF2B5EF4-FFF2-40B4-BE49-F238E27FC236}">
-                <a16:creationId xmlns:a16="http://schemas.microsoft.com/office/drawing/2014/main" id="{8CFC487C-747A-058D-2DD1-5866D8EEC387}"/>
-              </a:ext>
-            </a:extLst>
-          </p:cNvPr>
-          <p:cNvSpPr txBox="1"/>
-          <p:nvPr/>
-        </p:nvSpPr>
-        <p:spPr>
-          <a:xfrm rot="21215828">
-            <a:off x="3411836" y="301302"/>
-            <a:ext cx="2786654" cy="307777"/>
-          </a:xfrm>
-          <a:prstGeom prst="rect">
-            <a:avLst/>
-          </a:prstGeom>
-          <a:noFill/>
-        </p:spPr>
-        <p:txBody>
-          <a:bodyPr wrap="square" rtlCol="0">
-            <a:spAutoFit/>
-          </a:bodyPr>
-          <a:lstStyle/>
-          <a:p>
-            <a:pPr algn="ctr"/>
-            <a:r>
-              <a:rPr lang="en-GB" sz="1400" dirty="0" err="1"/>
-              <a:t>OnPuzzleGameRuleComplete</a:t>
-            </a:r>
-            <a:endParaRPr lang="en-GB" sz="1400" dirty="0"/>
-          </a:p>
-        </p:txBody>
-      </p:sp>
-      <p:sp>
-        <p:nvSpPr>
-          <p:cNvPr id="42" name="TextBox 41">
-            <a:extLst>
-              <a:ext uri="{FF2B5EF4-FFF2-40B4-BE49-F238E27FC236}">
-                <a16:creationId xmlns:a16="http://schemas.microsoft.com/office/drawing/2014/main" id="{F99CBEF3-A835-30F3-6A1C-C7C4825F0D1A}"/>
-              </a:ext>
-            </a:extLst>
-          </p:cNvPr>
-          <p:cNvSpPr txBox="1"/>
-          <p:nvPr/>
-        </p:nvSpPr>
-        <p:spPr>
-          <a:xfrm rot="512940">
-            <a:off x="4110811" y="3416730"/>
-            <a:ext cx="1400556" cy="646331"/>
-          </a:xfrm>
-          <a:prstGeom prst="rect">
-            <a:avLst/>
-          </a:prstGeom>
-          <a:noFill/>
-        </p:spPr>
-        <p:txBody>
-          <a:bodyPr wrap="square" rtlCol="0">
-            <a:spAutoFit/>
-          </a:bodyPr>
-          <a:lstStyle/>
-          <a:p>
-            <a:pPr algn="ctr"/>
-            <a:r>
-              <a:rPr lang="en-GB" dirty="0"/>
-              <a:t>Damage()</a:t>
-            </a:r>
-          </a:p>
-          <a:p>
-            <a:pPr algn="ctr"/>
-            <a:r>
-              <a:rPr lang="en-GB" dirty="0"/>
-              <a:t>&lt;Interface&gt;</a:t>
-            </a:r>
-          </a:p>
-        </p:txBody>
-      </p:sp>
       <p:cxnSp>
         <p:nvCxnSpPr>
-          <p:cNvPr id="43" name="Straight Arrow Connector 42">
-            <a:extLst>
-              <a:ext uri="{FF2B5EF4-FFF2-40B4-BE49-F238E27FC236}">
-                <a16:creationId xmlns:a16="http://schemas.microsoft.com/office/drawing/2014/main" id="{174C9B75-D4A1-1F06-E7E6-CB0A258C8EDC}"/>
+          <p:cNvPr id="12" name="Straight Arrow Connector 11">
+            <a:extLst>
+              <a:ext uri="{FF2B5EF4-FFF2-40B4-BE49-F238E27FC236}">
+                <a16:creationId xmlns:a16="http://schemas.microsoft.com/office/drawing/2014/main" id="{BCE22924-543B-19CD-CB5D-F376234EB559}"/>
               </a:ext>
             </a:extLst>
           </p:cNvPr>
           <p:cNvCxnSpPr>
             <a:cxnSpLocks/>
+            <a:stCxn id="4" idx="1"/>
+            <a:endCxn id="5" idx="0"/>
           </p:cNvCxnSpPr>
           <p:nvPr/>
         </p:nvCxnSpPr>
         <p:spPr>
-          <a:xfrm flipH="1" flipV="1">
-            <a:off x="3346769" y="3538728"/>
-            <a:ext cx="3038839" cy="445163"/>
-          </a:xfrm>
-          <a:prstGeom prst="straightConnector1">
-            <a:avLst/>
-          </a:prstGeom>
-          <a:ln>
-            <a:tailEnd type="triangle"/>
-          </a:ln>
-        </p:spPr>
-        <p:style>
-          <a:lnRef idx="2">
-            <a:schemeClr val="accent1"/>
-          </a:lnRef>
-          <a:fillRef idx="0">
-            <a:schemeClr val="accent1"/>
-          </a:fillRef>
-          <a:effectRef idx="1">
-            <a:schemeClr val="accent1"/>
-          </a:effectRef>
-          <a:fontRef idx="minor">
-            <a:schemeClr val="tx1"/>
-          </a:fontRef>
-        </p:style>
-      </p:cxnSp>
-      <p:sp>
-        <p:nvSpPr>
-          <p:cNvPr id="47" name="TextBox 46">
-            <a:extLst>
-              <a:ext uri="{FF2B5EF4-FFF2-40B4-BE49-F238E27FC236}">
-                <a16:creationId xmlns:a16="http://schemas.microsoft.com/office/drawing/2014/main" id="{3DE8486A-1646-B4D5-E8EE-6092B0CEAB16}"/>
-              </a:ext>
-            </a:extLst>
-          </p:cNvPr>
-          <p:cNvSpPr txBox="1"/>
-          <p:nvPr/>
-        </p:nvSpPr>
-        <p:spPr>
-          <a:xfrm>
-            <a:off x="180015" y="1945886"/>
-            <a:ext cx="1731257" cy="369332"/>
-          </a:xfrm>
-          <a:prstGeom prst="rect">
-            <a:avLst/>
-          </a:prstGeom>
-          <a:noFill/>
-        </p:spPr>
-        <p:txBody>
-          <a:bodyPr wrap="square" rtlCol="0">
-            <a:spAutoFit/>
-          </a:bodyPr>
-          <a:lstStyle/>
-          <a:p>
-            <a:pPr algn="r"/>
-            <a:r>
-              <a:rPr lang="en-GB" dirty="0" err="1"/>
-              <a:t>OnTargetDefeat</a:t>
-            </a:r>
-            <a:endParaRPr lang="en-GB" dirty="0"/>
-          </a:p>
-        </p:txBody>
-      </p:sp>
-      <p:sp>
-        <p:nvSpPr>
-          <p:cNvPr id="75" name="Rectangle 74">
-            <a:extLst>
-              <a:ext uri="{FF2B5EF4-FFF2-40B4-BE49-F238E27FC236}">
-                <a16:creationId xmlns:a16="http://schemas.microsoft.com/office/drawing/2014/main" id="{3DE25C81-1E94-8104-0E20-98F4EDD92F14}"/>
-              </a:ext>
-            </a:extLst>
-          </p:cNvPr>
-          <p:cNvSpPr/>
-          <p:nvPr/>
-        </p:nvSpPr>
-        <p:spPr>
-          <a:xfrm>
-            <a:off x="10155497" y="222684"/>
-            <a:ext cx="1956504" cy="804672"/>
-          </a:xfrm>
-          <a:prstGeom prst="rect">
-            <a:avLst/>
-          </a:prstGeom>
-          <a:solidFill>
-            <a:schemeClr val="accent6">
-              <a:lumMod val="40000"/>
-              <a:lumOff val="60000"/>
-            </a:schemeClr>
-          </a:solidFill>
-          <a:ln>
-            <a:noFill/>
-          </a:ln>
-        </p:spPr>
-        <p:style>
-          <a:lnRef idx="2">
-            <a:schemeClr val="accent1">
-              <a:shade val="15000"/>
-            </a:schemeClr>
-          </a:lnRef>
-          <a:fillRef idx="1">
-            <a:schemeClr val="accent1"/>
-          </a:fillRef>
-          <a:effectRef idx="0">
-            <a:schemeClr val="accent1"/>
-          </a:effectRef>
-          <a:fontRef idx="minor">
-            <a:schemeClr val="lt1"/>
-          </a:fontRef>
-        </p:style>
-        <p:txBody>
-          <a:bodyPr rtlCol="0" anchor="ctr"/>
-          <a:lstStyle/>
-          <a:p>
-            <a:pPr algn="ctr"/>
-            <a:r>
-              <a:rPr lang="en-GB" dirty="0" err="1"/>
-              <a:t>GameRule_Timer</a:t>
-            </a:r>
-            <a:endParaRPr lang="en-GB" dirty="0"/>
-          </a:p>
-        </p:txBody>
-      </p:sp>
-      <p:cxnSp>
-        <p:nvCxnSpPr>
-          <p:cNvPr id="76" name="Straight Arrow Connector 75">
-            <a:extLst>
-              <a:ext uri="{FF2B5EF4-FFF2-40B4-BE49-F238E27FC236}">
-                <a16:creationId xmlns:a16="http://schemas.microsoft.com/office/drawing/2014/main" id="{07BD1696-08BC-58A9-5172-D98B30166634}"/>
-              </a:ext>
-            </a:extLst>
-          </p:cNvPr>
-          <p:cNvCxnSpPr>
-            <a:cxnSpLocks/>
-            <a:stCxn id="75" idx="1"/>
-            <a:endCxn id="49" idx="1"/>
-          </p:cNvCxnSpPr>
-          <p:nvPr/>
-        </p:nvCxnSpPr>
-        <p:spPr>
-          <a:xfrm flipH="1" flipV="1">
-            <a:off x="7958170" y="295321"/>
-            <a:ext cx="2197327" cy="329699"/>
-          </a:xfrm>
-          <a:prstGeom prst="straightConnector1">
-            <a:avLst/>
-          </a:prstGeom>
-          <a:ln>
-            <a:tailEnd type="triangle"/>
-          </a:ln>
-        </p:spPr>
-        <p:style>
-          <a:lnRef idx="2">
-            <a:schemeClr val="accent1"/>
-          </a:lnRef>
-          <a:fillRef idx="0">
-            <a:schemeClr val="accent1"/>
-          </a:fillRef>
-          <a:effectRef idx="1">
-            <a:schemeClr val="accent1"/>
-          </a:effectRef>
-          <a:fontRef idx="minor">
-            <a:schemeClr val="tx1"/>
-          </a:fontRef>
-        </p:style>
-      </p:cxnSp>
-      <p:sp>
-        <p:nvSpPr>
-          <p:cNvPr id="80" name="TextBox 79">
-            <a:extLst>
-              <a:ext uri="{FF2B5EF4-FFF2-40B4-BE49-F238E27FC236}">
-                <a16:creationId xmlns:a16="http://schemas.microsoft.com/office/drawing/2014/main" id="{F99E04BB-153F-401B-EA11-714C64D1A4B4}"/>
-              </a:ext>
-            </a:extLst>
-          </p:cNvPr>
-          <p:cNvSpPr txBox="1"/>
-          <p:nvPr/>
-        </p:nvSpPr>
-        <p:spPr>
-          <a:xfrm rot="501255">
-            <a:off x="7706257" y="181753"/>
-            <a:ext cx="2786654" cy="307777"/>
-          </a:xfrm>
-          <a:prstGeom prst="rect">
-            <a:avLst/>
-          </a:prstGeom>
-          <a:noFill/>
-        </p:spPr>
-        <p:txBody>
-          <a:bodyPr wrap="square" rtlCol="0">
-            <a:spAutoFit/>
-          </a:bodyPr>
-          <a:lstStyle/>
-          <a:p>
-            <a:pPr algn="ctr"/>
-            <a:r>
-              <a:rPr lang="en-GB" sz="1400" dirty="0" err="1"/>
-              <a:t>OnPuzzleGameRuleComplete</a:t>
-            </a:r>
-            <a:endParaRPr lang="en-GB" sz="1400" dirty="0"/>
-          </a:p>
-        </p:txBody>
-      </p:sp>
-      <p:sp>
-        <p:nvSpPr>
-          <p:cNvPr id="15" name="TextBox 14">
-            <a:extLst>
-              <a:ext uri="{FF2B5EF4-FFF2-40B4-BE49-F238E27FC236}">
-                <a16:creationId xmlns:a16="http://schemas.microsoft.com/office/drawing/2014/main" id="{3E0D3DEE-7471-886C-1F01-53939B42904A}"/>
-              </a:ext>
-            </a:extLst>
-          </p:cNvPr>
-          <p:cNvSpPr txBox="1"/>
-          <p:nvPr/>
-        </p:nvSpPr>
-        <p:spPr>
-          <a:xfrm>
-            <a:off x="5258077" y="1163319"/>
-            <a:ext cx="1900159" cy="369332"/>
-          </a:xfrm>
-          <a:prstGeom prst="rect">
-            <a:avLst/>
-          </a:prstGeom>
-          <a:noFill/>
-        </p:spPr>
-        <p:txBody>
-          <a:bodyPr wrap="square" rtlCol="0">
-            <a:spAutoFit/>
-          </a:bodyPr>
-          <a:lstStyle/>
-          <a:p>
-            <a:pPr algn="ctr"/>
-            <a:r>
-              <a:rPr lang="en-GB" dirty="0" err="1"/>
-              <a:t>OnRespawnAlert</a:t>
-            </a:r>
-            <a:endParaRPr lang="en-GB" dirty="0"/>
-          </a:p>
-        </p:txBody>
-      </p:sp>
-      <p:cxnSp>
-        <p:nvCxnSpPr>
-          <p:cNvPr id="18" name="Straight Arrow Connector 17">
-            <a:extLst>
-              <a:ext uri="{FF2B5EF4-FFF2-40B4-BE49-F238E27FC236}">
-                <a16:creationId xmlns:a16="http://schemas.microsoft.com/office/drawing/2014/main" id="{C120323D-18DD-7EAB-4CD0-2CC0241C8EFE}"/>
-              </a:ext>
-            </a:extLst>
-          </p:cNvPr>
-          <p:cNvCxnSpPr>
-            <a:cxnSpLocks/>
-          </p:cNvCxnSpPr>
-          <p:nvPr/>
-        </p:nvCxnSpPr>
-        <p:spPr>
-          <a:xfrm flipV="1">
-            <a:off x="7158236" y="969264"/>
-            <a:ext cx="0" cy="755904"/>
+          <a:xfrm flipH="1">
+            <a:off x="4166616" y="682985"/>
+            <a:ext cx="3300985" cy="969031"/>
           </a:xfrm>
           <a:prstGeom prst="straightConnector1">
             <a:avLst/>
@@ -6221,7 +5177,7 @@
     </p:spTree>
     <p:extLst>
       <p:ext uri="{BB962C8B-B14F-4D97-AF65-F5344CB8AC3E}">
-        <p14:creationId xmlns:p14="http://schemas.microsoft.com/office/powerpoint/2010/main" val="3877319224"/>
+        <p14:creationId xmlns:p14="http://schemas.microsoft.com/office/powerpoint/2010/main" val="1819057367"/>
       </p:ext>
     </p:extLst>
   </p:cSld>
@@ -6253,6 +5209,1198 @@
           <p:cNvPr id="4" name="Rectangle 3">
             <a:extLst>
               <a:ext uri="{FF2B5EF4-FFF2-40B4-BE49-F238E27FC236}">
+                <a16:creationId xmlns:a16="http://schemas.microsoft.com/office/drawing/2014/main" id="{5B596D2D-ED25-73E0-5C03-005459F73649}"/>
+              </a:ext>
+            </a:extLst>
+          </p:cNvPr>
+          <p:cNvSpPr/>
+          <p:nvPr/>
+        </p:nvSpPr>
+        <p:spPr>
+          <a:xfrm>
+            <a:off x="6342888" y="164592"/>
+            <a:ext cx="1700784" cy="804672"/>
+          </a:xfrm>
+          <a:prstGeom prst="rect">
+            <a:avLst/>
+          </a:prstGeom>
+        </p:spPr>
+        <p:style>
+          <a:lnRef idx="2">
+            <a:schemeClr val="accent1">
+              <a:shade val="15000"/>
+            </a:schemeClr>
+          </a:lnRef>
+          <a:fillRef idx="1">
+            <a:schemeClr val="accent1"/>
+          </a:fillRef>
+          <a:effectRef idx="0">
+            <a:schemeClr val="accent1"/>
+          </a:effectRef>
+          <a:fontRef idx="minor">
+            <a:schemeClr val="lt1"/>
+          </a:fontRef>
+        </p:style>
+        <p:txBody>
+          <a:bodyPr rtlCol="0" anchor="ctr"/>
+          <a:lstStyle/>
+          <a:p>
+            <a:pPr algn="ctr"/>
+            <a:r>
+              <a:rPr lang="en-GB" dirty="0" err="1"/>
+              <a:t>GameMode</a:t>
+            </a:r>
+            <a:endParaRPr lang="en-GB" dirty="0"/>
+          </a:p>
+        </p:txBody>
+      </p:sp>
+      <p:sp>
+        <p:nvSpPr>
+          <p:cNvPr id="5" name="Rectangle 4">
+            <a:extLst>
+              <a:ext uri="{FF2B5EF4-FFF2-40B4-BE49-F238E27FC236}">
+                <a16:creationId xmlns:a16="http://schemas.microsoft.com/office/drawing/2014/main" id="{50460C7B-9CD0-DDBD-D8A7-4DC5EFE1FF18}"/>
+              </a:ext>
+            </a:extLst>
+          </p:cNvPr>
+          <p:cNvSpPr/>
+          <p:nvPr/>
+        </p:nvSpPr>
+        <p:spPr>
+          <a:xfrm>
+            <a:off x="6342888" y="1725168"/>
+            <a:ext cx="1700784" cy="804672"/>
+          </a:xfrm>
+          <a:prstGeom prst="rect">
+            <a:avLst/>
+          </a:prstGeom>
+        </p:spPr>
+        <p:style>
+          <a:lnRef idx="2">
+            <a:schemeClr val="accent1">
+              <a:shade val="15000"/>
+            </a:schemeClr>
+          </a:lnRef>
+          <a:fillRef idx="1">
+            <a:schemeClr val="accent1"/>
+          </a:fillRef>
+          <a:effectRef idx="0">
+            <a:schemeClr val="accent1"/>
+          </a:effectRef>
+          <a:fontRef idx="minor">
+            <a:schemeClr val="lt1"/>
+          </a:fontRef>
+        </p:style>
+        <p:txBody>
+          <a:bodyPr rtlCol="0" anchor="ctr"/>
+          <a:lstStyle/>
+          <a:p>
+            <a:pPr algn="ctr"/>
+            <a:r>
+              <a:rPr lang="en-GB" dirty="0"/>
+              <a:t>Player Controller</a:t>
+            </a:r>
+          </a:p>
+        </p:txBody>
+      </p:sp>
+      <p:sp>
+        <p:nvSpPr>
+          <p:cNvPr id="6" name="Rectangle 5">
+            <a:extLst>
+              <a:ext uri="{FF2B5EF4-FFF2-40B4-BE49-F238E27FC236}">
+                <a16:creationId xmlns:a16="http://schemas.microsoft.com/office/drawing/2014/main" id="{B8DBD5DD-DF77-26C6-8745-5E2275F35289}"/>
+              </a:ext>
+            </a:extLst>
+          </p:cNvPr>
+          <p:cNvSpPr/>
+          <p:nvPr/>
+        </p:nvSpPr>
+        <p:spPr>
+          <a:xfrm>
+            <a:off x="6342888" y="3285744"/>
+            <a:ext cx="1700784" cy="804672"/>
+          </a:xfrm>
+          <a:prstGeom prst="rect">
+            <a:avLst/>
+          </a:prstGeom>
+        </p:spPr>
+        <p:style>
+          <a:lnRef idx="2">
+            <a:schemeClr val="accent1">
+              <a:shade val="15000"/>
+            </a:schemeClr>
+          </a:lnRef>
+          <a:fillRef idx="1">
+            <a:schemeClr val="accent1"/>
+          </a:fillRef>
+          <a:effectRef idx="0">
+            <a:schemeClr val="accent1"/>
+          </a:effectRef>
+          <a:fontRef idx="minor">
+            <a:schemeClr val="lt1"/>
+          </a:fontRef>
+        </p:style>
+        <p:txBody>
+          <a:bodyPr rtlCol="0" anchor="ctr"/>
+          <a:lstStyle/>
+          <a:p>
+            <a:pPr algn="ctr"/>
+            <a:r>
+              <a:rPr lang="en-GB" dirty="0"/>
+              <a:t>Guy(s)</a:t>
+            </a:r>
+          </a:p>
+        </p:txBody>
+      </p:sp>
+      <p:sp>
+        <p:nvSpPr>
+          <p:cNvPr id="7" name="Rectangle 6">
+            <a:extLst>
+              <a:ext uri="{FF2B5EF4-FFF2-40B4-BE49-F238E27FC236}">
+                <a16:creationId xmlns:a16="http://schemas.microsoft.com/office/drawing/2014/main" id="{CAF67295-59EC-0F62-C39C-26E590DA10A0}"/>
+              </a:ext>
+            </a:extLst>
+          </p:cNvPr>
+          <p:cNvSpPr/>
+          <p:nvPr/>
+        </p:nvSpPr>
+        <p:spPr>
+          <a:xfrm>
+            <a:off x="9260382" y="3285744"/>
+            <a:ext cx="1700784" cy="804672"/>
+          </a:xfrm>
+          <a:prstGeom prst="rect">
+            <a:avLst/>
+          </a:prstGeom>
+          <a:solidFill>
+            <a:schemeClr val="accent5">
+              <a:lumMod val="40000"/>
+              <a:lumOff val="60000"/>
+            </a:schemeClr>
+          </a:solidFill>
+          <a:ln>
+            <a:noFill/>
+          </a:ln>
+        </p:spPr>
+        <p:style>
+          <a:lnRef idx="2">
+            <a:schemeClr val="accent1">
+              <a:shade val="15000"/>
+            </a:schemeClr>
+          </a:lnRef>
+          <a:fillRef idx="1">
+            <a:schemeClr val="accent1"/>
+          </a:fillRef>
+          <a:effectRef idx="0">
+            <a:schemeClr val="accent1"/>
+          </a:effectRef>
+          <a:fontRef idx="minor">
+            <a:schemeClr val="lt1"/>
+          </a:fontRef>
+        </p:style>
+        <p:txBody>
+          <a:bodyPr rtlCol="0" anchor="ctr"/>
+          <a:lstStyle/>
+          <a:p>
+            <a:pPr algn="ctr"/>
+            <a:r>
+              <a:rPr lang="en-GB" dirty="0"/>
+              <a:t>Candy</a:t>
+            </a:r>
+          </a:p>
+        </p:txBody>
+      </p:sp>
+      <p:sp>
+        <p:nvSpPr>
+          <p:cNvPr id="8" name="Rectangle 7">
+            <a:extLst>
+              <a:ext uri="{FF2B5EF4-FFF2-40B4-BE49-F238E27FC236}">
+                <a16:creationId xmlns:a16="http://schemas.microsoft.com/office/drawing/2014/main" id="{5E820504-C2EC-BA18-B846-9FC190BF5EA5}"/>
+              </a:ext>
+            </a:extLst>
+          </p:cNvPr>
+          <p:cNvSpPr/>
+          <p:nvPr/>
+        </p:nvSpPr>
+        <p:spPr>
+          <a:xfrm>
+            <a:off x="8468868" y="1728216"/>
+            <a:ext cx="2356104" cy="804672"/>
+          </a:xfrm>
+          <a:prstGeom prst="rect">
+            <a:avLst/>
+          </a:prstGeom>
+          <a:solidFill>
+            <a:schemeClr val="accent5">
+              <a:lumMod val="40000"/>
+              <a:lumOff val="60000"/>
+            </a:schemeClr>
+          </a:solidFill>
+          <a:ln>
+            <a:noFill/>
+          </a:ln>
+        </p:spPr>
+        <p:style>
+          <a:lnRef idx="2">
+            <a:schemeClr val="accent1">
+              <a:shade val="15000"/>
+            </a:schemeClr>
+          </a:lnRef>
+          <a:fillRef idx="1">
+            <a:schemeClr val="accent1"/>
+          </a:fillRef>
+          <a:effectRef idx="0">
+            <a:schemeClr val="accent1"/>
+          </a:effectRef>
+          <a:fontRef idx="minor">
+            <a:schemeClr val="lt1"/>
+          </a:fontRef>
+        </p:style>
+        <p:txBody>
+          <a:bodyPr rtlCol="0" anchor="ctr"/>
+          <a:lstStyle/>
+          <a:p>
+            <a:pPr algn="ctr"/>
+            <a:r>
+              <a:rPr lang="en-GB" dirty="0" err="1"/>
+              <a:t>GameRule_Candy</a:t>
+            </a:r>
+            <a:endParaRPr lang="en-GB" dirty="0"/>
+          </a:p>
+        </p:txBody>
+      </p:sp>
+      <p:cxnSp>
+        <p:nvCxnSpPr>
+          <p:cNvPr id="16" name="Straight Arrow Connector 15">
+            <a:extLst>
+              <a:ext uri="{FF2B5EF4-FFF2-40B4-BE49-F238E27FC236}">
+                <a16:creationId xmlns:a16="http://schemas.microsoft.com/office/drawing/2014/main" id="{7031BFE6-19BD-0B88-3E58-1DFE689C96B3}"/>
+              </a:ext>
+            </a:extLst>
+          </p:cNvPr>
+          <p:cNvCxnSpPr>
+            <a:stCxn id="6" idx="3"/>
+            <a:endCxn id="7" idx="1"/>
+          </p:cNvCxnSpPr>
+          <p:nvPr/>
+        </p:nvCxnSpPr>
+        <p:spPr>
+          <a:xfrm>
+            <a:off x="8043672" y="3688080"/>
+            <a:ext cx="1216710" cy="0"/>
+          </a:xfrm>
+          <a:prstGeom prst="straightConnector1">
+            <a:avLst/>
+          </a:prstGeom>
+          <a:ln>
+            <a:tailEnd type="triangle"/>
+          </a:ln>
+        </p:spPr>
+        <p:style>
+          <a:lnRef idx="2">
+            <a:schemeClr val="accent1"/>
+          </a:lnRef>
+          <a:fillRef idx="0">
+            <a:schemeClr val="accent1"/>
+          </a:fillRef>
+          <a:effectRef idx="1">
+            <a:schemeClr val="accent1"/>
+          </a:effectRef>
+          <a:fontRef idx="minor">
+            <a:schemeClr val="tx1"/>
+          </a:fontRef>
+        </p:style>
+      </p:cxnSp>
+      <p:sp>
+        <p:nvSpPr>
+          <p:cNvPr id="17" name="TextBox 16">
+            <a:extLst>
+              <a:ext uri="{FF2B5EF4-FFF2-40B4-BE49-F238E27FC236}">
+                <a16:creationId xmlns:a16="http://schemas.microsoft.com/office/drawing/2014/main" id="{FA6EB0A9-DA92-B382-AABA-CCD98D615934}"/>
+              </a:ext>
+            </a:extLst>
+          </p:cNvPr>
+          <p:cNvSpPr txBox="1"/>
+          <p:nvPr/>
+        </p:nvSpPr>
+        <p:spPr>
+          <a:xfrm>
+            <a:off x="7951749" y="3349752"/>
+            <a:ext cx="1400556" cy="646331"/>
+          </a:xfrm>
+          <a:prstGeom prst="rect">
+            <a:avLst/>
+          </a:prstGeom>
+          <a:noFill/>
+        </p:spPr>
+        <p:txBody>
+          <a:bodyPr wrap="square" rtlCol="0">
+            <a:spAutoFit/>
+          </a:bodyPr>
+          <a:lstStyle/>
+          <a:p>
+            <a:pPr algn="ctr"/>
+            <a:r>
+              <a:rPr lang="en-GB" dirty="0"/>
+              <a:t>Eat()</a:t>
+            </a:r>
+          </a:p>
+          <a:p>
+            <a:pPr algn="ctr"/>
+            <a:r>
+              <a:rPr lang="en-GB" dirty="0"/>
+              <a:t>&lt;Interface&gt;</a:t>
+            </a:r>
+          </a:p>
+        </p:txBody>
+      </p:sp>
+      <p:cxnSp>
+        <p:nvCxnSpPr>
+          <p:cNvPr id="45" name="Straight Arrow Connector 44">
+            <a:extLst>
+              <a:ext uri="{FF2B5EF4-FFF2-40B4-BE49-F238E27FC236}">
+                <a16:creationId xmlns:a16="http://schemas.microsoft.com/office/drawing/2014/main" id="{FCB6D5FB-65C5-2CF2-3164-F59D3C41B65A}"/>
+              </a:ext>
+            </a:extLst>
+          </p:cNvPr>
+          <p:cNvCxnSpPr>
+            <a:cxnSpLocks/>
+          </p:cNvCxnSpPr>
+          <p:nvPr/>
+        </p:nvCxnSpPr>
+        <p:spPr>
+          <a:xfrm flipV="1">
+            <a:off x="9401075" y="2584626"/>
+            <a:ext cx="0" cy="701118"/>
+          </a:xfrm>
+          <a:prstGeom prst="straightConnector1">
+            <a:avLst/>
+          </a:prstGeom>
+          <a:ln>
+            <a:tailEnd type="triangle"/>
+          </a:ln>
+        </p:spPr>
+        <p:style>
+          <a:lnRef idx="2">
+            <a:schemeClr val="accent1"/>
+          </a:lnRef>
+          <a:fillRef idx="0">
+            <a:schemeClr val="accent1"/>
+          </a:fillRef>
+          <a:effectRef idx="1">
+            <a:schemeClr val="accent1"/>
+          </a:effectRef>
+          <a:fontRef idx="minor">
+            <a:schemeClr val="tx1"/>
+          </a:fontRef>
+        </p:style>
+      </p:cxnSp>
+      <p:sp>
+        <p:nvSpPr>
+          <p:cNvPr id="48" name="TextBox 47">
+            <a:extLst>
+              <a:ext uri="{FF2B5EF4-FFF2-40B4-BE49-F238E27FC236}">
+                <a16:creationId xmlns:a16="http://schemas.microsoft.com/office/drawing/2014/main" id="{3A1F650E-CC9C-79CA-9513-96315AB7B22C}"/>
+              </a:ext>
+            </a:extLst>
+          </p:cNvPr>
+          <p:cNvSpPr txBox="1"/>
+          <p:nvPr/>
+        </p:nvSpPr>
+        <p:spPr>
+          <a:xfrm>
+            <a:off x="9352305" y="2750519"/>
+            <a:ext cx="1700779" cy="369332"/>
+          </a:xfrm>
+          <a:prstGeom prst="rect">
+            <a:avLst/>
+          </a:prstGeom>
+          <a:noFill/>
+        </p:spPr>
+        <p:txBody>
+          <a:bodyPr wrap="square" rtlCol="0">
+            <a:spAutoFit/>
+          </a:bodyPr>
+          <a:lstStyle/>
+          <a:p>
+            <a:pPr algn="ctr"/>
+            <a:r>
+              <a:rPr lang="en-GB" dirty="0" err="1"/>
+              <a:t>OnCandyEaten</a:t>
+            </a:r>
+            <a:endParaRPr lang="en-GB" dirty="0"/>
+          </a:p>
+        </p:txBody>
+      </p:sp>
+      <p:sp>
+        <p:nvSpPr>
+          <p:cNvPr id="49" name="TextBox 48">
+            <a:extLst>
+              <a:ext uri="{FF2B5EF4-FFF2-40B4-BE49-F238E27FC236}">
+                <a16:creationId xmlns:a16="http://schemas.microsoft.com/office/drawing/2014/main" id="{E4ADD8A5-D7FF-0D97-4233-0CEE379F77B4}"/>
+              </a:ext>
+            </a:extLst>
+          </p:cNvPr>
+          <p:cNvSpPr txBox="1"/>
+          <p:nvPr/>
+        </p:nvSpPr>
+        <p:spPr>
+          <a:xfrm rot="1910503">
+            <a:off x="7748487" y="876516"/>
+            <a:ext cx="2786654" cy="307777"/>
+          </a:xfrm>
+          <a:prstGeom prst="rect">
+            <a:avLst/>
+          </a:prstGeom>
+          <a:noFill/>
+        </p:spPr>
+        <p:txBody>
+          <a:bodyPr wrap="square" rtlCol="0">
+            <a:spAutoFit/>
+          </a:bodyPr>
+          <a:lstStyle/>
+          <a:p>
+            <a:pPr algn="ctr"/>
+            <a:r>
+              <a:rPr lang="en-GB" sz="1400" dirty="0" err="1"/>
+              <a:t>OnPuzzleGameRuleComplete</a:t>
+            </a:r>
+            <a:endParaRPr lang="en-GB" sz="1400" dirty="0"/>
+          </a:p>
+        </p:txBody>
+      </p:sp>
+      <p:cxnSp>
+        <p:nvCxnSpPr>
+          <p:cNvPr id="50" name="Straight Arrow Connector 49">
+            <a:extLst>
+              <a:ext uri="{FF2B5EF4-FFF2-40B4-BE49-F238E27FC236}">
+                <a16:creationId xmlns:a16="http://schemas.microsoft.com/office/drawing/2014/main" id="{28331C21-B765-E591-79A4-9C50C0B0E23B}"/>
+              </a:ext>
+            </a:extLst>
+          </p:cNvPr>
+          <p:cNvCxnSpPr>
+            <a:cxnSpLocks/>
+            <a:endCxn id="4" idx="3"/>
+          </p:cNvCxnSpPr>
+          <p:nvPr/>
+        </p:nvCxnSpPr>
+        <p:spPr>
+          <a:xfrm flipH="1" flipV="1">
+            <a:off x="8043672" y="566928"/>
+            <a:ext cx="1895856" cy="1158240"/>
+          </a:xfrm>
+          <a:prstGeom prst="straightConnector1">
+            <a:avLst/>
+          </a:prstGeom>
+          <a:ln>
+            <a:tailEnd type="triangle"/>
+          </a:ln>
+        </p:spPr>
+        <p:style>
+          <a:lnRef idx="2">
+            <a:schemeClr val="accent1"/>
+          </a:lnRef>
+          <a:fillRef idx="0">
+            <a:schemeClr val="accent1"/>
+          </a:fillRef>
+          <a:effectRef idx="1">
+            <a:schemeClr val="accent1"/>
+          </a:effectRef>
+          <a:fontRef idx="minor">
+            <a:schemeClr val="tx1"/>
+          </a:fontRef>
+        </p:style>
+      </p:cxnSp>
+      <p:cxnSp>
+        <p:nvCxnSpPr>
+          <p:cNvPr id="3" name="Straight Arrow Connector 2">
+            <a:extLst>
+              <a:ext uri="{FF2B5EF4-FFF2-40B4-BE49-F238E27FC236}">
+                <a16:creationId xmlns:a16="http://schemas.microsoft.com/office/drawing/2014/main" id="{BFD7ACDF-5DB5-09A9-8BBA-3C1281CEAEDB}"/>
+              </a:ext>
+            </a:extLst>
+          </p:cNvPr>
+          <p:cNvCxnSpPr>
+            <a:cxnSpLocks/>
+            <a:stCxn id="6" idx="0"/>
+            <a:endCxn id="5" idx="2"/>
+          </p:cNvCxnSpPr>
+          <p:nvPr/>
+        </p:nvCxnSpPr>
+        <p:spPr>
+          <a:xfrm flipV="1">
+            <a:off x="7193280" y="2529840"/>
+            <a:ext cx="0" cy="755904"/>
+          </a:xfrm>
+          <a:prstGeom prst="straightConnector1">
+            <a:avLst/>
+          </a:prstGeom>
+          <a:ln>
+            <a:tailEnd type="triangle"/>
+          </a:ln>
+        </p:spPr>
+        <p:style>
+          <a:lnRef idx="2">
+            <a:schemeClr val="accent1"/>
+          </a:lnRef>
+          <a:fillRef idx="0">
+            <a:schemeClr val="accent1"/>
+          </a:fillRef>
+          <a:effectRef idx="1">
+            <a:schemeClr val="accent1"/>
+          </a:effectRef>
+          <a:fontRef idx="minor">
+            <a:schemeClr val="tx1"/>
+          </a:fontRef>
+        </p:style>
+      </p:cxnSp>
+      <p:sp>
+        <p:nvSpPr>
+          <p:cNvPr id="13" name="TextBox 12">
+            <a:extLst>
+              <a:ext uri="{FF2B5EF4-FFF2-40B4-BE49-F238E27FC236}">
+                <a16:creationId xmlns:a16="http://schemas.microsoft.com/office/drawing/2014/main" id="{1CDD183D-8B6E-5705-2E26-00A459B452A1}"/>
+              </a:ext>
+            </a:extLst>
+          </p:cNvPr>
+          <p:cNvSpPr txBox="1"/>
+          <p:nvPr/>
+        </p:nvSpPr>
+        <p:spPr>
+          <a:xfrm>
+            <a:off x="5612979" y="2723126"/>
+            <a:ext cx="1545257" cy="369332"/>
+          </a:xfrm>
+          <a:prstGeom prst="rect">
+            <a:avLst/>
+          </a:prstGeom>
+          <a:noFill/>
+        </p:spPr>
+        <p:txBody>
+          <a:bodyPr wrap="square" rtlCol="0">
+            <a:spAutoFit/>
+          </a:bodyPr>
+          <a:lstStyle/>
+          <a:p>
+            <a:pPr algn="ctr"/>
+            <a:r>
+              <a:rPr lang="en-GB" dirty="0" err="1"/>
+              <a:t>OnGuyDeath</a:t>
+            </a:r>
+            <a:endParaRPr lang="en-GB" dirty="0"/>
+          </a:p>
+        </p:txBody>
+      </p:sp>
+      <p:sp>
+        <p:nvSpPr>
+          <p:cNvPr id="21" name="Rectangle 20">
+            <a:extLst>
+              <a:ext uri="{FF2B5EF4-FFF2-40B4-BE49-F238E27FC236}">
+                <a16:creationId xmlns:a16="http://schemas.microsoft.com/office/drawing/2014/main" id="{2BCF8354-A5BE-0C9E-E29A-AA01AF6231F4}"/>
+              </a:ext>
+            </a:extLst>
+          </p:cNvPr>
+          <p:cNvSpPr/>
+          <p:nvPr/>
+        </p:nvSpPr>
+        <p:spPr>
+          <a:xfrm>
+            <a:off x="434518" y="367024"/>
+            <a:ext cx="2953511" cy="804672"/>
+          </a:xfrm>
+          <a:prstGeom prst="rect">
+            <a:avLst/>
+          </a:prstGeom>
+          <a:solidFill>
+            <a:schemeClr val="accent2">
+              <a:lumMod val="75000"/>
+            </a:schemeClr>
+          </a:solidFill>
+          <a:ln>
+            <a:noFill/>
+          </a:ln>
+        </p:spPr>
+        <p:style>
+          <a:lnRef idx="2">
+            <a:schemeClr val="accent1">
+              <a:shade val="15000"/>
+            </a:schemeClr>
+          </a:lnRef>
+          <a:fillRef idx="1">
+            <a:schemeClr val="accent1"/>
+          </a:fillRef>
+          <a:effectRef idx="0">
+            <a:schemeClr val="accent1"/>
+          </a:effectRef>
+          <a:fontRef idx="minor">
+            <a:schemeClr val="lt1"/>
+          </a:fontRef>
+        </p:style>
+        <p:txBody>
+          <a:bodyPr rtlCol="0" anchor="ctr"/>
+          <a:lstStyle/>
+          <a:p>
+            <a:pPr algn="ctr"/>
+            <a:r>
+              <a:rPr lang="en-GB" dirty="0" err="1"/>
+              <a:t>GameRule_Target</a:t>
+            </a:r>
+            <a:endParaRPr lang="en-GB" dirty="0"/>
+          </a:p>
+        </p:txBody>
+      </p:sp>
+      <p:sp>
+        <p:nvSpPr>
+          <p:cNvPr id="31" name="Rectangle 30">
+            <a:extLst>
+              <a:ext uri="{FF2B5EF4-FFF2-40B4-BE49-F238E27FC236}">
+                <a16:creationId xmlns:a16="http://schemas.microsoft.com/office/drawing/2014/main" id="{9C7ACE6A-2A96-33BD-0D16-B83142DA368F}"/>
+              </a:ext>
+            </a:extLst>
+          </p:cNvPr>
+          <p:cNvSpPr/>
+          <p:nvPr/>
+        </p:nvSpPr>
+        <p:spPr>
+          <a:xfrm>
+            <a:off x="434517" y="2935224"/>
+            <a:ext cx="2953511" cy="804672"/>
+          </a:xfrm>
+          <a:prstGeom prst="rect">
+            <a:avLst/>
+          </a:prstGeom>
+          <a:solidFill>
+            <a:schemeClr val="accent2">
+              <a:lumMod val="75000"/>
+            </a:schemeClr>
+          </a:solidFill>
+          <a:ln>
+            <a:noFill/>
+          </a:ln>
+        </p:spPr>
+        <p:style>
+          <a:lnRef idx="2">
+            <a:schemeClr val="accent1">
+              <a:shade val="15000"/>
+            </a:schemeClr>
+          </a:lnRef>
+          <a:fillRef idx="1">
+            <a:schemeClr val="accent1"/>
+          </a:fillRef>
+          <a:effectRef idx="0">
+            <a:schemeClr val="accent1"/>
+          </a:effectRef>
+          <a:fontRef idx="minor">
+            <a:schemeClr val="lt1"/>
+          </a:fontRef>
+        </p:style>
+        <p:txBody>
+          <a:bodyPr rtlCol="0" anchor="ctr"/>
+          <a:lstStyle/>
+          <a:p>
+            <a:pPr algn="ctr"/>
+            <a:r>
+              <a:rPr lang="en-GB" dirty="0"/>
+              <a:t>Target</a:t>
+            </a:r>
+          </a:p>
+        </p:txBody>
+      </p:sp>
+      <p:cxnSp>
+        <p:nvCxnSpPr>
+          <p:cNvPr id="32" name="Straight Arrow Connector 31">
+            <a:extLst>
+              <a:ext uri="{FF2B5EF4-FFF2-40B4-BE49-F238E27FC236}">
+                <a16:creationId xmlns:a16="http://schemas.microsoft.com/office/drawing/2014/main" id="{66849A8A-F5CA-8D7D-B3FC-DD78C3F87CD0}"/>
+              </a:ext>
+            </a:extLst>
+          </p:cNvPr>
+          <p:cNvCxnSpPr>
+            <a:cxnSpLocks/>
+            <a:stCxn id="31" idx="0"/>
+            <a:endCxn id="21" idx="2"/>
+          </p:cNvCxnSpPr>
+          <p:nvPr/>
+        </p:nvCxnSpPr>
+        <p:spPr>
+          <a:xfrm flipV="1">
+            <a:off x="1911273" y="1171696"/>
+            <a:ext cx="1" cy="1763528"/>
+          </a:xfrm>
+          <a:prstGeom prst="straightConnector1">
+            <a:avLst/>
+          </a:prstGeom>
+          <a:ln>
+            <a:tailEnd type="triangle"/>
+          </a:ln>
+        </p:spPr>
+        <p:style>
+          <a:lnRef idx="2">
+            <a:schemeClr val="accent1"/>
+          </a:lnRef>
+          <a:fillRef idx="0">
+            <a:schemeClr val="accent1"/>
+          </a:fillRef>
+          <a:effectRef idx="1">
+            <a:schemeClr val="accent1"/>
+          </a:effectRef>
+          <a:fontRef idx="minor">
+            <a:schemeClr val="tx1"/>
+          </a:fontRef>
+        </p:style>
+      </p:cxnSp>
+      <p:cxnSp>
+        <p:nvCxnSpPr>
+          <p:cNvPr id="36" name="Straight Arrow Connector 35">
+            <a:extLst>
+              <a:ext uri="{FF2B5EF4-FFF2-40B4-BE49-F238E27FC236}">
+                <a16:creationId xmlns:a16="http://schemas.microsoft.com/office/drawing/2014/main" id="{52516B45-B711-3D3C-13F5-D8DFE096DABE}"/>
+              </a:ext>
+            </a:extLst>
+          </p:cNvPr>
+          <p:cNvCxnSpPr>
+            <a:cxnSpLocks/>
+            <a:stCxn id="21" idx="3"/>
+          </p:cNvCxnSpPr>
+          <p:nvPr/>
+        </p:nvCxnSpPr>
+        <p:spPr>
+          <a:xfrm flipV="1">
+            <a:off x="3388029" y="424778"/>
+            <a:ext cx="2905846" cy="344582"/>
+          </a:xfrm>
+          <a:prstGeom prst="straightConnector1">
+            <a:avLst/>
+          </a:prstGeom>
+          <a:ln>
+            <a:tailEnd type="triangle"/>
+          </a:ln>
+        </p:spPr>
+        <p:style>
+          <a:lnRef idx="2">
+            <a:schemeClr val="accent1"/>
+          </a:lnRef>
+          <a:fillRef idx="0">
+            <a:schemeClr val="accent1"/>
+          </a:fillRef>
+          <a:effectRef idx="1">
+            <a:schemeClr val="accent1"/>
+          </a:effectRef>
+          <a:fontRef idx="minor">
+            <a:schemeClr val="tx1"/>
+          </a:fontRef>
+        </p:style>
+      </p:cxnSp>
+      <p:sp>
+        <p:nvSpPr>
+          <p:cNvPr id="41" name="TextBox 40">
+            <a:extLst>
+              <a:ext uri="{FF2B5EF4-FFF2-40B4-BE49-F238E27FC236}">
+                <a16:creationId xmlns:a16="http://schemas.microsoft.com/office/drawing/2014/main" id="{8CFC487C-747A-058D-2DD1-5866D8EEC387}"/>
+              </a:ext>
+            </a:extLst>
+          </p:cNvPr>
+          <p:cNvSpPr txBox="1"/>
+          <p:nvPr/>
+        </p:nvSpPr>
+        <p:spPr>
+          <a:xfrm rot="21215828">
+            <a:off x="3411836" y="301302"/>
+            <a:ext cx="2786654" cy="307777"/>
+          </a:xfrm>
+          <a:prstGeom prst="rect">
+            <a:avLst/>
+          </a:prstGeom>
+          <a:noFill/>
+        </p:spPr>
+        <p:txBody>
+          <a:bodyPr wrap="square" rtlCol="0">
+            <a:spAutoFit/>
+          </a:bodyPr>
+          <a:lstStyle/>
+          <a:p>
+            <a:pPr algn="ctr"/>
+            <a:r>
+              <a:rPr lang="en-GB" sz="1400" dirty="0" err="1"/>
+              <a:t>OnPuzzleGameRuleComplete</a:t>
+            </a:r>
+            <a:endParaRPr lang="en-GB" sz="1400" dirty="0"/>
+          </a:p>
+        </p:txBody>
+      </p:sp>
+      <p:sp>
+        <p:nvSpPr>
+          <p:cNvPr id="42" name="TextBox 41">
+            <a:extLst>
+              <a:ext uri="{FF2B5EF4-FFF2-40B4-BE49-F238E27FC236}">
+                <a16:creationId xmlns:a16="http://schemas.microsoft.com/office/drawing/2014/main" id="{F99CBEF3-A835-30F3-6A1C-C7C4825F0D1A}"/>
+              </a:ext>
+            </a:extLst>
+          </p:cNvPr>
+          <p:cNvSpPr txBox="1"/>
+          <p:nvPr/>
+        </p:nvSpPr>
+        <p:spPr>
+          <a:xfrm rot="512940">
+            <a:off x="4110811" y="3416730"/>
+            <a:ext cx="1400556" cy="646331"/>
+          </a:xfrm>
+          <a:prstGeom prst="rect">
+            <a:avLst/>
+          </a:prstGeom>
+          <a:noFill/>
+        </p:spPr>
+        <p:txBody>
+          <a:bodyPr wrap="square" rtlCol="0">
+            <a:spAutoFit/>
+          </a:bodyPr>
+          <a:lstStyle/>
+          <a:p>
+            <a:pPr algn="ctr"/>
+            <a:r>
+              <a:rPr lang="en-GB" dirty="0"/>
+              <a:t>Damage()</a:t>
+            </a:r>
+          </a:p>
+          <a:p>
+            <a:pPr algn="ctr"/>
+            <a:r>
+              <a:rPr lang="en-GB" dirty="0"/>
+              <a:t>&lt;Interface&gt;</a:t>
+            </a:r>
+          </a:p>
+        </p:txBody>
+      </p:sp>
+      <p:cxnSp>
+        <p:nvCxnSpPr>
+          <p:cNvPr id="43" name="Straight Arrow Connector 42">
+            <a:extLst>
+              <a:ext uri="{FF2B5EF4-FFF2-40B4-BE49-F238E27FC236}">
+                <a16:creationId xmlns:a16="http://schemas.microsoft.com/office/drawing/2014/main" id="{174C9B75-D4A1-1F06-E7E6-CB0A258C8EDC}"/>
+              </a:ext>
+            </a:extLst>
+          </p:cNvPr>
+          <p:cNvCxnSpPr>
+            <a:cxnSpLocks/>
+          </p:cNvCxnSpPr>
+          <p:nvPr/>
+        </p:nvCxnSpPr>
+        <p:spPr>
+          <a:xfrm flipH="1" flipV="1">
+            <a:off x="3346769" y="3538728"/>
+            <a:ext cx="3038839" cy="445163"/>
+          </a:xfrm>
+          <a:prstGeom prst="straightConnector1">
+            <a:avLst/>
+          </a:prstGeom>
+          <a:ln>
+            <a:tailEnd type="triangle"/>
+          </a:ln>
+        </p:spPr>
+        <p:style>
+          <a:lnRef idx="2">
+            <a:schemeClr val="accent1"/>
+          </a:lnRef>
+          <a:fillRef idx="0">
+            <a:schemeClr val="accent1"/>
+          </a:fillRef>
+          <a:effectRef idx="1">
+            <a:schemeClr val="accent1"/>
+          </a:effectRef>
+          <a:fontRef idx="minor">
+            <a:schemeClr val="tx1"/>
+          </a:fontRef>
+        </p:style>
+      </p:cxnSp>
+      <p:sp>
+        <p:nvSpPr>
+          <p:cNvPr id="47" name="TextBox 46">
+            <a:extLst>
+              <a:ext uri="{FF2B5EF4-FFF2-40B4-BE49-F238E27FC236}">
+                <a16:creationId xmlns:a16="http://schemas.microsoft.com/office/drawing/2014/main" id="{3DE8486A-1646-B4D5-E8EE-6092B0CEAB16}"/>
+              </a:ext>
+            </a:extLst>
+          </p:cNvPr>
+          <p:cNvSpPr txBox="1"/>
+          <p:nvPr/>
+        </p:nvSpPr>
+        <p:spPr>
+          <a:xfrm>
+            <a:off x="180015" y="1945886"/>
+            <a:ext cx="1731257" cy="369332"/>
+          </a:xfrm>
+          <a:prstGeom prst="rect">
+            <a:avLst/>
+          </a:prstGeom>
+          <a:noFill/>
+        </p:spPr>
+        <p:txBody>
+          <a:bodyPr wrap="square" rtlCol="0">
+            <a:spAutoFit/>
+          </a:bodyPr>
+          <a:lstStyle/>
+          <a:p>
+            <a:pPr algn="r"/>
+            <a:r>
+              <a:rPr lang="en-GB" dirty="0" err="1"/>
+              <a:t>OnTargetDefeat</a:t>
+            </a:r>
+            <a:endParaRPr lang="en-GB" dirty="0"/>
+          </a:p>
+        </p:txBody>
+      </p:sp>
+      <p:sp>
+        <p:nvSpPr>
+          <p:cNvPr id="75" name="Rectangle 74">
+            <a:extLst>
+              <a:ext uri="{FF2B5EF4-FFF2-40B4-BE49-F238E27FC236}">
+                <a16:creationId xmlns:a16="http://schemas.microsoft.com/office/drawing/2014/main" id="{3DE25C81-1E94-8104-0E20-98F4EDD92F14}"/>
+              </a:ext>
+            </a:extLst>
+          </p:cNvPr>
+          <p:cNvSpPr/>
+          <p:nvPr/>
+        </p:nvSpPr>
+        <p:spPr>
+          <a:xfrm>
+            <a:off x="10155497" y="222684"/>
+            <a:ext cx="1956504" cy="804672"/>
+          </a:xfrm>
+          <a:prstGeom prst="rect">
+            <a:avLst/>
+          </a:prstGeom>
+          <a:solidFill>
+            <a:schemeClr val="accent6">
+              <a:lumMod val="40000"/>
+              <a:lumOff val="60000"/>
+            </a:schemeClr>
+          </a:solidFill>
+          <a:ln>
+            <a:noFill/>
+          </a:ln>
+        </p:spPr>
+        <p:style>
+          <a:lnRef idx="2">
+            <a:schemeClr val="accent1">
+              <a:shade val="15000"/>
+            </a:schemeClr>
+          </a:lnRef>
+          <a:fillRef idx="1">
+            <a:schemeClr val="accent1"/>
+          </a:fillRef>
+          <a:effectRef idx="0">
+            <a:schemeClr val="accent1"/>
+          </a:effectRef>
+          <a:fontRef idx="minor">
+            <a:schemeClr val="lt1"/>
+          </a:fontRef>
+        </p:style>
+        <p:txBody>
+          <a:bodyPr rtlCol="0" anchor="ctr"/>
+          <a:lstStyle/>
+          <a:p>
+            <a:pPr algn="ctr"/>
+            <a:r>
+              <a:rPr lang="en-GB" dirty="0" err="1"/>
+              <a:t>GameRule_Timer</a:t>
+            </a:r>
+            <a:endParaRPr lang="en-GB" dirty="0"/>
+          </a:p>
+        </p:txBody>
+      </p:sp>
+      <p:cxnSp>
+        <p:nvCxnSpPr>
+          <p:cNvPr id="76" name="Straight Arrow Connector 75">
+            <a:extLst>
+              <a:ext uri="{FF2B5EF4-FFF2-40B4-BE49-F238E27FC236}">
+                <a16:creationId xmlns:a16="http://schemas.microsoft.com/office/drawing/2014/main" id="{07BD1696-08BC-58A9-5172-D98B30166634}"/>
+              </a:ext>
+            </a:extLst>
+          </p:cNvPr>
+          <p:cNvCxnSpPr>
+            <a:cxnSpLocks/>
+            <a:stCxn id="75" idx="1"/>
+            <a:endCxn id="49" idx="1"/>
+          </p:cNvCxnSpPr>
+          <p:nvPr/>
+        </p:nvCxnSpPr>
+        <p:spPr>
+          <a:xfrm flipH="1" flipV="1">
+            <a:off x="7958170" y="295321"/>
+            <a:ext cx="2197327" cy="329699"/>
+          </a:xfrm>
+          <a:prstGeom prst="straightConnector1">
+            <a:avLst/>
+          </a:prstGeom>
+          <a:ln>
+            <a:tailEnd type="triangle"/>
+          </a:ln>
+        </p:spPr>
+        <p:style>
+          <a:lnRef idx="2">
+            <a:schemeClr val="accent1"/>
+          </a:lnRef>
+          <a:fillRef idx="0">
+            <a:schemeClr val="accent1"/>
+          </a:fillRef>
+          <a:effectRef idx="1">
+            <a:schemeClr val="accent1"/>
+          </a:effectRef>
+          <a:fontRef idx="minor">
+            <a:schemeClr val="tx1"/>
+          </a:fontRef>
+        </p:style>
+      </p:cxnSp>
+      <p:sp>
+        <p:nvSpPr>
+          <p:cNvPr id="80" name="TextBox 79">
+            <a:extLst>
+              <a:ext uri="{FF2B5EF4-FFF2-40B4-BE49-F238E27FC236}">
+                <a16:creationId xmlns:a16="http://schemas.microsoft.com/office/drawing/2014/main" id="{F99E04BB-153F-401B-EA11-714C64D1A4B4}"/>
+              </a:ext>
+            </a:extLst>
+          </p:cNvPr>
+          <p:cNvSpPr txBox="1"/>
+          <p:nvPr/>
+        </p:nvSpPr>
+        <p:spPr>
+          <a:xfrm rot="501255">
+            <a:off x="7706257" y="181753"/>
+            <a:ext cx="2786654" cy="307777"/>
+          </a:xfrm>
+          <a:prstGeom prst="rect">
+            <a:avLst/>
+          </a:prstGeom>
+          <a:noFill/>
+        </p:spPr>
+        <p:txBody>
+          <a:bodyPr wrap="square" rtlCol="0">
+            <a:spAutoFit/>
+          </a:bodyPr>
+          <a:lstStyle/>
+          <a:p>
+            <a:pPr algn="ctr"/>
+            <a:r>
+              <a:rPr lang="en-GB" sz="1400" dirty="0" err="1"/>
+              <a:t>OnPuzzleGameRuleComplete</a:t>
+            </a:r>
+            <a:endParaRPr lang="en-GB" sz="1400" dirty="0"/>
+          </a:p>
+        </p:txBody>
+      </p:sp>
+      <p:sp>
+        <p:nvSpPr>
+          <p:cNvPr id="15" name="TextBox 14">
+            <a:extLst>
+              <a:ext uri="{FF2B5EF4-FFF2-40B4-BE49-F238E27FC236}">
+                <a16:creationId xmlns:a16="http://schemas.microsoft.com/office/drawing/2014/main" id="{3E0D3DEE-7471-886C-1F01-53939B42904A}"/>
+              </a:ext>
+            </a:extLst>
+          </p:cNvPr>
+          <p:cNvSpPr txBox="1"/>
+          <p:nvPr/>
+        </p:nvSpPr>
+        <p:spPr>
+          <a:xfrm>
+            <a:off x="5258077" y="1163319"/>
+            <a:ext cx="1900159" cy="369332"/>
+          </a:xfrm>
+          <a:prstGeom prst="rect">
+            <a:avLst/>
+          </a:prstGeom>
+          <a:noFill/>
+        </p:spPr>
+        <p:txBody>
+          <a:bodyPr wrap="square" rtlCol="0">
+            <a:spAutoFit/>
+          </a:bodyPr>
+          <a:lstStyle/>
+          <a:p>
+            <a:pPr algn="ctr"/>
+            <a:r>
+              <a:rPr lang="en-GB" dirty="0" err="1"/>
+              <a:t>OnRespawnAlert</a:t>
+            </a:r>
+            <a:endParaRPr lang="en-GB" dirty="0"/>
+          </a:p>
+        </p:txBody>
+      </p:sp>
+      <p:cxnSp>
+        <p:nvCxnSpPr>
+          <p:cNvPr id="18" name="Straight Arrow Connector 17">
+            <a:extLst>
+              <a:ext uri="{FF2B5EF4-FFF2-40B4-BE49-F238E27FC236}">
+                <a16:creationId xmlns:a16="http://schemas.microsoft.com/office/drawing/2014/main" id="{C120323D-18DD-7EAB-4CD0-2CC0241C8EFE}"/>
+              </a:ext>
+            </a:extLst>
+          </p:cNvPr>
+          <p:cNvCxnSpPr>
+            <a:cxnSpLocks/>
+          </p:cNvCxnSpPr>
+          <p:nvPr/>
+        </p:nvCxnSpPr>
+        <p:spPr>
+          <a:xfrm flipV="1">
+            <a:off x="7158236" y="969264"/>
+            <a:ext cx="0" cy="755904"/>
+          </a:xfrm>
+          <a:prstGeom prst="straightConnector1">
+            <a:avLst/>
+          </a:prstGeom>
+          <a:ln>
+            <a:tailEnd type="triangle"/>
+          </a:ln>
+        </p:spPr>
+        <p:style>
+          <a:lnRef idx="2">
+            <a:schemeClr val="accent1"/>
+          </a:lnRef>
+          <a:fillRef idx="0">
+            <a:schemeClr val="accent1"/>
+          </a:fillRef>
+          <a:effectRef idx="1">
+            <a:schemeClr val="accent1"/>
+          </a:effectRef>
+          <a:fontRef idx="minor">
+            <a:schemeClr val="tx1"/>
+          </a:fontRef>
+        </p:style>
+      </p:cxnSp>
+    </p:spTree>
+    <p:extLst>
+      <p:ext uri="{BB962C8B-B14F-4D97-AF65-F5344CB8AC3E}">
+        <p14:creationId xmlns:p14="http://schemas.microsoft.com/office/powerpoint/2010/main" val="3877319224"/>
+      </p:ext>
+    </p:extLst>
+  </p:cSld>
+  <p:clrMapOvr>
+    <a:masterClrMapping/>
+  </p:clrMapOvr>
+</p:sld>
+</file>
+
+<file path=ppt/slides/slide5.xml><?xml version="1.0" encoding="utf-8"?>
+<p:sld xmlns:a="http://schemas.openxmlformats.org/drawingml/2006/main" xmlns:r="http://schemas.openxmlformats.org/officeDocument/2006/relationships" xmlns:p="http://schemas.openxmlformats.org/presentationml/2006/main">
+  <p:cSld>
+    <p:spTree>
+      <p:nvGrpSpPr>
+        <p:cNvPr id="1" name=""/>
+        <p:cNvGrpSpPr/>
+        <p:nvPr/>
+      </p:nvGrpSpPr>
+      <p:grpSpPr>
+        <a:xfrm>
+          <a:off x="0" y="0"/>
+          <a:ext cx="0" cy="0"/>
+          <a:chOff x="0" y="0"/>
+          <a:chExt cx="0" cy="0"/>
+        </a:xfrm>
+      </p:grpSpPr>
+      <p:sp>
+        <p:nvSpPr>
+          <p:cNvPr id="4" name="Rectangle 3">
+            <a:extLst>
+              <a:ext uri="{FF2B5EF4-FFF2-40B4-BE49-F238E27FC236}">
                 <a16:creationId xmlns:a16="http://schemas.microsoft.com/office/drawing/2014/main" id="{9AADFF85-11AE-4836-060F-25660E2333EA}"/>
               </a:ext>
             </a:extLst>
@@ -7066,7 +7214,7 @@
 </p:sld>
 </file>
 
-<file path=ppt/slides/slide5.xml><?xml version="1.0" encoding="utf-8"?>
+<file path=ppt/slides/slide6.xml><?xml version="1.0" encoding="utf-8"?>
 <p:sld xmlns:a="http://schemas.openxmlformats.org/drawingml/2006/main" xmlns:r="http://schemas.openxmlformats.org/officeDocument/2006/relationships" xmlns:p="http://schemas.openxmlformats.org/presentationml/2006/main">
   <p:cSld>
     <p:spTree>

--- a/Presentation1.pptx
+++ b/Presentation1.pptx
@@ -7,10 +7,11 @@
   <p:sldIdLst>
     <p:sldId id="257" r:id="rId2"/>
     <p:sldId id="262" r:id="rId3"/>
-    <p:sldId id="261" r:id="rId4"/>
-    <p:sldId id="258" r:id="rId5"/>
-    <p:sldId id="259" r:id="rId6"/>
-    <p:sldId id="260" r:id="rId7"/>
+    <p:sldId id="263" r:id="rId4"/>
+    <p:sldId id="261" r:id="rId5"/>
+    <p:sldId id="258" r:id="rId6"/>
+    <p:sldId id="259" r:id="rId7"/>
+    <p:sldId id="260" r:id="rId8"/>
   </p:sldIdLst>
   <p:sldSz cx="12192000" cy="6858000"/>
   <p:notesSz cx="6858000" cy="9144000"/>
@@ -264,7 +265,7 @@
           <a:p>
             <a:fld id="{A3BD12BA-AA1F-4F86-A3C7-6A440B6A9EEF}" type="datetimeFigureOut">
               <a:rPr lang="en-GB" smtClean="0"/>
-              <a:t>17/11/2024</a:t>
+              <a:t>18/11/2024</a:t>
             </a:fld>
             <a:endParaRPr lang="en-GB"/>
           </a:p>
@@ -462,7 +463,7 @@
           <a:p>
             <a:fld id="{A3BD12BA-AA1F-4F86-A3C7-6A440B6A9EEF}" type="datetimeFigureOut">
               <a:rPr lang="en-GB" smtClean="0"/>
-              <a:t>17/11/2024</a:t>
+              <a:t>18/11/2024</a:t>
             </a:fld>
             <a:endParaRPr lang="en-GB"/>
           </a:p>
@@ -670,7 +671,7 @@
           <a:p>
             <a:fld id="{A3BD12BA-AA1F-4F86-A3C7-6A440B6A9EEF}" type="datetimeFigureOut">
               <a:rPr lang="en-GB" smtClean="0"/>
-              <a:t>17/11/2024</a:t>
+              <a:t>18/11/2024</a:t>
             </a:fld>
             <a:endParaRPr lang="en-GB"/>
           </a:p>
@@ -868,7 +869,7 @@
           <a:p>
             <a:fld id="{A3BD12BA-AA1F-4F86-A3C7-6A440B6A9EEF}" type="datetimeFigureOut">
               <a:rPr lang="en-GB" smtClean="0"/>
-              <a:t>17/11/2024</a:t>
+              <a:t>18/11/2024</a:t>
             </a:fld>
             <a:endParaRPr lang="en-GB"/>
           </a:p>
@@ -1143,7 +1144,7 @@
           <a:p>
             <a:fld id="{A3BD12BA-AA1F-4F86-A3C7-6A440B6A9EEF}" type="datetimeFigureOut">
               <a:rPr lang="en-GB" smtClean="0"/>
-              <a:t>17/11/2024</a:t>
+              <a:t>18/11/2024</a:t>
             </a:fld>
             <a:endParaRPr lang="en-GB"/>
           </a:p>
@@ -1408,7 +1409,7 @@
           <a:p>
             <a:fld id="{A3BD12BA-AA1F-4F86-A3C7-6A440B6A9EEF}" type="datetimeFigureOut">
               <a:rPr lang="en-GB" smtClean="0"/>
-              <a:t>17/11/2024</a:t>
+              <a:t>18/11/2024</a:t>
             </a:fld>
             <a:endParaRPr lang="en-GB"/>
           </a:p>
@@ -1820,7 +1821,7 @@
           <a:p>
             <a:fld id="{A3BD12BA-AA1F-4F86-A3C7-6A440B6A9EEF}" type="datetimeFigureOut">
               <a:rPr lang="en-GB" smtClean="0"/>
-              <a:t>17/11/2024</a:t>
+              <a:t>18/11/2024</a:t>
             </a:fld>
             <a:endParaRPr lang="en-GB"/>
           </a:p>
@@ -1961,7 +1962,7 @@
           <a:p>
             <a:fld id="{A3BD12BA-AA1F-4F86-A3C7-6A440B6A9EEF}" type="datetimeFigureOut">
               <a:rPr lang="en-GB" smtClean="0"/>
-              <a:t>17/11/2024</a:t>
+              <a:t>18/11/2024</a:t>
             </a:fld>
             <a:endParaRPr lang="en-GB"/>
           </a:p>
@@ -2074,7 +2075,7 @@
           <a:p>
             <a:fld id="{A3BD12BA-AA1F-4F86-A3C7-6A440B6A9EEF}" type="datetimeFigureOut">
               <a:rPr lang="en-GB" smtClean="0"/>
-              <a:t>17/11/2024</a:t>
+              <a:t>18/11/2024</a:t>
             </a:fld>
             <a:endParaRPr lang="en-GB"/>
           </a:p>
@@ -2385,7 +2386,7 @@
           <a:p>
             <a:fld id="{A3BD12BA-AA1F-4F86-A3C7-6A440B6A9EEF}" type="datetimeFigureOut">
               <a:rPr lang="en-GB" smtClean="0"/>
-              <a:t>17/11/2024</a:t>
+              <a:t>18/11/2024</a:t>
             </a:fld>
             <a:endParaRPr lang="en-GB"/>
           </a:p>
@@ -2673,7 +2674,7 @@
           <a:p>
             <a:fld id="{A3BD12BA-AA1F-4F86-A3C7-6A440B6A9EEF}" type="datetimeFigureOut">
               <a:rPr lang="en-GB" smtClean="0"/>
-              <a:t>17/11/2024</a:t>
+              <a:t>18/11/2024</a:t>
             </a:fld>
             <a:endParaRPr lang="en-GB"/>
           </a:p>
@@ -2914,7 +2915,7 @@
           <a:p>
             <a:fld id="{A3BD12BA-AA1F-4F86-A3C7-6A440B6A9EEF}" type="datetimeFigureOut">
               <a:rPr lang="en-GB" smtClean="0"/>
-              <a:t>17/11/2024</a:t>
+              <a:t>18/11/2024</a:t>
             </a:fld>
             <a:endParaRPr lang="en-GB"/>
           </a:p>
@@ -4453,7 +4454,7 @@
           <p:cNvPr id="4" name="Rectangle 3">
             <a:extLst>
               <a:ext uri="{FF2B5EF4-FFF2-40B4-BE49-F238E27FC236}">
-                <a16:creationId xmlns:a16="http://schemas.microsoft.com/office/drawing/2014/main" id="{5B596D2D-ED25-73E0-5C03-005459F73649}"/>
+                <a16:creationId xmlns:a16="http://schemas.microsoft.com/office/drawing/2014/main" id="{57D169EF-7FC2-E6A4-5E8C-78A9829B7DAA}"/>
               </a:ext>
             </a:extLst>
           </p:cNvPr>
@@ -4462,8 +4463,8 @@
         </p:nvSpPr>
         <p:spPr>
           <a:xfrm>
-            <a:off x="7467601" y="280649"/>
-            <a:ext cx="1700784" cy="804672"/>
+            <a:off x="4527042" y="457200"/>
+            <a:ext cx="1627632" cy="512064"/>
           </a:xfrm>
           <a:prstGeom prst="rect">
             <a:avLst/>
@@ -4491,10 +4492,9 @@
           <a:p>
             <a:pPr algn="ctr"/>
             <a:r>
-              <a:rPr lang="en-GB" dirty="0" err="1"/>
-              <a:t>GameMode</a:t>
-            </a:r>
-            <a:endParaRPr lang="en-GB" dirty="0"/>
+              <a:rPr lang="en-GB" dirty="0"/>
+              <a:t>Root</a:t>
+            </a:r>
           </a:p>
         </p:txBody>
       </p:sp>
@@ -4503,7 +4503,7 @@
           <p:cNvPr id="5" name="Rectangle 4">
             <a:extLst>
               <a:ext uri="{FF2B5EF4-FFF2-40B4-BE49-F238E27FC236}">
-                <a16:creationId xmlns:a16="http://schemas.microsoft.com/office/drawing/2014/main" id="{50460C7B-9CD0-DDBD-D8A7-4DC5EFE1FF18}"/>
+                <a16:creationId xmlns:a16="http://schemas.microsoft.com/office/drawing/2014/main" id="{139ABC25-CA3E-E2DA-45B4-6DBA34BF02BD}"/>
               </a:ext>
             </a:extLst>
           </p:cNvPr>
@@ -4512,8 +4512,8 @@
         </p:nvSpPr>
         <p:spPr>
           <a:xfrm>
-            <a:off x="3316224" y="1652016"/>
-            <a:ext cx="1700784" cy="804672"/>
+            <a:off x="4905756" y="1807464"/>
+            <a:ext cx="1892808" cy="512064"/>
           </a:xfrm>
           <a:prstGeom prst="rect">
             <a:avLst/>
@@ -4542,7 +4542,15 @@
             <a:pPr algn="ctr"/>
             <a:r>
               <a:rPr lang="en-GB" dirty="0"/>
-              <a:t>Player Controller</a:t>
+              <a:t>Selector (</a:t>
+            </a:r>
+            <a:r>
+              <a:rPr lang="en-GB" dirty="0" err="1"/>
+              <a:t>HasSeenPlayer</a:t>
+            </a:r>
+            <a:r>
+              <a:rPr lang="en-GB" dirty="0"/>
+              <a:t>)</a:t>
             </a:r>
           </a:p>
         </p:txBody>
@@ -4552,7 +4560,7 @@
           <p:cNvPr id="6" name="Rectangle 5">
             <a:extLst>
               <a:ext uri="{FF2B5EF4-FFF2-40B4-BE49-F238E27FC236}">
-                <a16:creationId xmlns:a16="http://schemas.microsoft.com/office/drawing/2014/main" id="{B8DBD5DD-DF77-26C6-8745-5E2275F35289}"/>
+                <a16:creationId xmlns:a16="http://schemas.microsoft.com/office/drawing/2014/main" id="{39F38668-147C-B6DA-CE64-AC7FD3DEE68E}"/>
               </a:ext>
             </a:extLst>
           </p:cNvPr>
@@ -4561,8 +4569,8 @@
         </p:nvSpPr>
         <p:spPr>
           <a:xfrm>
-            <a:off x="3316224" y="3212592"/>
-            <a:ext cx="1700784" cy="804672"/>
+            <a:off x="3012948" y="3084576"/>
+            <a:ext cx="1892808" cy="512064"/>
           </a:xfrm>
           <a:prstGeom prst="rect">
             <a:avLst/>
@@ -4591,17 +4599,94 @@
             <a:pPr algn="ctr"/>
             <a:r>
               <a:rPr lang="en-GB" dirty="0"/>
-              <a:t>Guy(s)</a:t>
-            </a:r>
-          </a:p>
-        </p:txBody>
-      </p:sp>
-      <p:sp>
-        <p:nvSpPr>
-          <p:cNvPr id="9" name="Rectangle 8">
-            <a:extLst>
-              <a:ext uri="{FF2B5EF4-FFF2-40B4-BE49-F238E27FC236}">
-                <a16:creationId xmlns:a16="http://schemas.microsoft.com/office/drawing/2014/main" id="{028A9C63-FFE1-C976-8AE1-FA9731762D69}"/>
+              <a:t>Patrol Between Points</a:t>
+            </a:r>
+          </a:p>
+        </p:txBody>
+      </p:sp>
+      <p:cxnSp>
+        <p:nvCxnSpPr>
+          <p:cNvPr id="8" name="Connector: Elbow 7">
+            <a:extLst>
+              <a:ext uri="{FF2B5EF4-FFF2-40B4-BE49-F238E27FC236}">
+                <a16:creationId xmlns:a16="http://schemas.microsoft.com/office/drawing/2014/main" id="{CD198526-78B8-1A0B-061B-EB8FE2219576}"/>
+              </a:ext>
+            </a:extLst>
+          </p:cNvPr>
+          <p:cNvCxnSpPr>
+            <a:stCxn id="5" idx="2"/>
+            <a:endCxn id="6" idx="0"/>
+          </p:cNvCxnSpPr>
+          <p:nvPr/>
+        </p:nvCxnSpPr>
+        <p:spPr>
+          <a:xfrm rot="5400000">
+            <a:off x="4523232" y="1755648"/>
+            <a:ext cx="765048" cy="1892808"/>
+          </a:xfrm>
+          <a:prstGeom prst="bentConnector3">
+            <a:avLst/>
+          </a:prstGeom>
+          <a:ln>
+            <a:tailEnd type="triangle"/>
+          </a:ln>
+        </p:spPr>
+        <p:style>
+          <a:lnRef idx="2">
+            <a:schemeClr val="accent1"/>
+          </a:lnRef>
+          <a:fillRef idx="0">
+            <a:schemeClr val="accent1"/>
+          </a:fillRef>
+          <a:effectRef idx="1">
+            <a:schemeClr val="accent1"/>
+          </a:effectRef>
+          <a:fontRef idx="minor">
+            <a:schemeClr val="tx1"/>
+          </a:fontRef>
+        </p:style>
+      </p:cxnSp>
+      <p:sp>
+        <p:nvSpPr>
+          <p:cNvPr id="9" name="TextBox 8">
+            <a:extLst>
+              <a:ext uri="{FF2B5EF4-FFF2-40B4-BE49-F238E27FC236}">
+                <a16:creationId xmlns:a16="http://schemas.microsoft.com/office/drawing/2014/main" id="{C3414627-6006-5916-0FAD-A0652ABCA9BA}"/>
+              </a:ext>
+            </a:extLst>
+          </p:cNvPr>
+          <p:cNvSpPr txBox="1"/>
+          <p:nvPr/>
+        </p:nvSpPr>
+        <p:spPr>
+          <a:xfrm>
+            <a:off x="4160520" y="2345912"/>
+            <a:ext cx="745236" cy="369332"/>
+          </a:xfrm>
+          <a:prstGeom prst="rect">
+            <a:avLst/>
+          </a:prstGeom>
+          <a:noFill/>
+        </p:spPr>
+        <p:txBody>
+          <a:bodyPr wrap="square" rtlCol="0">
+            <a:spAutoFit/>
+          </a:bodyPr>
+          <a:lstStyle/>
+          <a:p>
+            <a:r>
+              <a:rPr lang="en-GB" dirty="0"/>
+              <a:t>False</a:t>
+            </a:r>
+          </a:p>
+        </p:txBody>
+      </p:sp>
+      <p:sp>
+        <p:nvSpPr>
+          <p:cNvPr id="10" name="Rectangle 9">
+            <a:extLst>
+              <a:ext uri="{FF2B5EF4-FFF2-40B4-BE49-F238E27FC236}">
+                <a16:creationId xmlns:a16="http://schemas.microsoft.com/office/drawing/2014/main" id="{D5524F26-05FE-FF41-DF20-44F81C6B99BD}"/>
               </a:ext>
             </a:extLst>
           </p:cNvPr>
@@ -4610,8 +4695,8 @@
         </p:nvSpPr>
         <p:spPr>
           <a:xfrm>
-            <a:off x="129521" y="3267378"/>
-            <a:ext cx="1700784" cy="804672"/>
+            <a:off x="6192012" y="3084576"/>
+            <a:ext cx="1892808" cy="512064"/>
           </a:xfrm>
           <a:prstGeom prst="rect">
             <a:avLst/>
@@ -4640,17 +4725,105 @@
             <a:pPr algn="ctr"/>
             <a:r>
               <a:rPr lang="en-GB" dirty="0"/>
-              <a:t>HUD</a:t>
-            </a:r>
-          </a:p>
-        </p:txBody>
-      </p:sp>
-      <p:sp>
-        <p:nvSpPr>
-          <p:cNvPr id="10" name="Rectangle 9">
-            <a:extLst>
-              <a:ext uri="{FF2B5EF4-FFF2-40B4-BE49-F238E27FC236}">
-                <a16:creationId xmlns:a16="http://schemas.microsoft.com/office/drawing/2014/main" id="{A1757625-17BE-D57E-C037-02A3F332B2B5}"/>
+              <a:t>Selector (</a:t>
+            </a:r>
+            <a:r>
+              <a:rPr lang="en-GB" dirty="0" err="1"/>
+              <a:t>PlayerInRange</a:t>
+            </a:r>
+            <a:r>
+              <a:rPr lang="en-GB" dirty="0"/>
+              <a:t>)</a:t>
+            </a:r>
+          </a:p>
+        </p:txBody>
+      </p:sp>
+      <p:cxnSp>
+        <p:nvCxnSpPr>
+          <p:cNvPr id="11" name="Connector: Elbow 10">
+            <a:extLst>
+              <a:ext uri="{FF2B5EF4-FFF2-40B4-BE49-F238E27FC236}">
+                <a16:creationId xmlns:a16="http://schemas.microsoft.com/office/drawing/2014/main" id="{F4F43E81-2727-E69A-FAC1-30F7FDB93B47}"/>
+              </a:ext>
+            </a:extLst>
+          </p:cNvPr>
+          <p:cNvCxnSpPr>
+            <a:cxnSpLocks/>
+            <a:stCxn id="5" idx="2"/>
+            <a:endCxn id="10" idx="0"/>
+          </p:cNvCxnSpPr>
+          <p:nvPr/>
+        </p:nvCxnSpPr>
+        <p:spPr>
+          <a:xfrm rot="16200000" flipH="1">
+            <a:off x="6112764" y="2058924"/>
+            <a:ext cx="765048" cy="1286256"/>
+          </a:xfrm>
+          <a:prstGeom prst="bentConnector3">
+            <a:avLst>
+              <a:gd name="adj1" fmla="val 50000"/>
+            </a:avLst>
+          </a:prstGeom>
+          <a:ln>
+            <a:tailEnd type="triangle"/>
+          </a:ln>
+        </p:spPr>
+        <p:style>
+          <a:lnRef idx="2">
+            <a:schemeClr val="accent1"/>
+          </a:lnRef>
+          <a:fillRef idx="0">
+            <a:schemeClr val="accent1"/>
+          </a:fillRef>
+          <a:effectRef idx="1">
+            <a:schemeClr val="accent1"/>
+          </a:effectRef>
+          <a:fontRef idx="minor">
+            <a:schemeClr val="tx1"/>
+          </a:fontRef>
+        </p:style>
+      </p:cxnSp>
+      <p:sp>
+        <p:nvSpPr>
+          <p:cNvPr id="15" name="TextBox 14">
+            <a:extLst>
+              <a:ext uri="{FF2B5EF4-FFF2-40B4-BE49-F238E27FC236}">
+                <a16:creationId xmlns:a16="http://schemas.microsoft.com/office/drawing/2014/main" id="{47B11CF8-406E-731F-0498-3F5D545A4D8B}"/>
+              </a:ext>
+            </a:extLst>
+          </p:cNvPr>
+          <p:cNvSpPr txBox="1"/>
+          <p:nvPr/>
+        </p:nvSpPr>
+        <p:spPr>
+          <a:xfrm>
+            <a:off x="6293358" y="2345912"/>
+            <a:ext cx="745236" cy="369332"/>
+          </a:xfrm>
+          <a:prstGeom prst="rect">
+            <a:avLst/>
+          </a:prstGeom>
+          <a:noFill/>
+        </p:spPr>
+        <p:txBody>
+          <a:bodyPr wrap="square" rtlCol="0">
+            <a:spAutoFit/>
+          </a:bodyPr>
+          <a:lstStyle/>
+          <a:p>
+            <a:r>
+              <a:rPr lang="en-GB" dirty="0"/>
+              <a:t>True</a:t>
+            </a:r>
+          </a:p>
+        </p:txBody>
+      </p:sp>
+      <p:sp>
+        <p:nvSpPr>
+          <p:cNvPr id="16" name="Rectangle 15">
+            <a:extLst>
+              <a:ext uri="{FF2B5EF4-FFF2-40B4-BE49-F238E27FC236}">
+                <a16:creationId xmlns:a16="http://schemas.microsoft.com/office/drawing/2014/main" id="{27EA9A54-1CD6-D666-54F4-00D856E479DD}"/>
               </a:ext>
             </a:extLst>
           </p:cNvPr>
@@ -4659,8 +4832,8 @@
         </p:nvSpPr>
         <p:spPr>
           <a:xfrm>
-            <a:off x="3316224" y="4773168"/>
-            <a:ext cx="1700784" cy="804672"/>
+            <a:off x="9625584" y="4617720"/>
+            <a:ext cx="1892808" cy="512064"/>
           </a:xfrm>
           <a:prstGeom prst="rect">
             <a:avLst/>
@@ -4689,34 +4862,36 @@
             <a:pPr algn="ctr"/>
             <a:r>
               <a:rPr lang="en-GB" dirty="0"/>
-              <a:t>Health Component</a:t>
+              <a:t>Attack</a:t>
             </a:r>
           </a:p>
         </p:txBody>
       </p:sp>
       <p:cxnSp>
         <p:nvCxnSpPr>
-          <p:cNvPr id="19" name="Straight Arrow Connector 18">
-            <a:extLst>
-              <a:ext uri="{FF2B5EF4-FFF2-40B4-BE49-F238E27FC236}">
-                <a16:creationId xmlns:a16="http://schemas.microsoft.com/office/drawing/2014/main" id="{F686F6DD-2715-4324-B6AA-F85AEE585899}"/>
+          <p:cNvPr id="17" name="Connector: Elbow 16">
+            <a:extLst>
+              <a:ext uri="{FF2B5EF4-FFF2-40B4-BE49-F238E27FC236}">
+                <a16:creationId xmlns:a16="http://schemas.microsoft.com/office/drawing/2014/main" id="{0F96B47C-BCDD-333C-3324-FC78A594BAB2}"/>
               </a:ext>
             </a:extLst>
           </p:cNvPr>
           <p:cNvCxnSpPr>
             <a:cxnSpLocks/>
-            <a:stCxn id="5" idx="1"/>
-            <a:endCxn id="9" idx="0"/>
+            <a:stCxn id="10" idx="2"/>
+            <a:endCxn id="16" idx="0"/>
           </p:cNvCxnSpPr>
           <p:nvPr/>
         </p:nvCxnSpPr>
         <p:spPr>
-          <a:xfrm flipH="1">
-            <a:off x="979913" y="2054352"/>
-            <a:ext cx="2336311" cy="1213026"/>
-          </a:xfrm>
-          <a:prstGeom prst="straightConnector1">
-            <a:avLst/>
+          <a:xfrm rot="16200000" flipH="1">
+            <a:off x="8344662" y="2390394"/>
+            <a:ext cx="1021080" cy="3433572"/>
+          </a:xfrm>
+          <a:prstGeom prst="bentConnector3">
+            <a:avLst>
+              <a:gd name="adj1" fmla="val 50000"/>
+            </a:avLst>
           </a:prstGeom>
           <a:ln>
             <a:tailEnd type="triangle"/>
@@ -4739,171 +4914,10 @@
       </p:cxnSp>
       <p:sp>
         <p:nvSpPr>
-          <p:cNvPr id="23" name="TextBox 22">
-            <a:extLst>
-              <a:ext uri="{FF2B5EF4-FFF2-40B4-BE49-F238E27FC236}">
-                <a16:creationId xmlns:a16="http://schemas.microsoft.com/office/drawing/2014/main" id="{41804DE1-42D2-79C5-050A-C4E80C1090BC}"/>
-              </a:ext>
-            </a:extLst>
-          </p:cNvPr>
-          <p:cNvSpPr txBox="1"/>
-          <p:nvPr/>
-        </p:nvSpPr>
-        <p:spPr>
-          <a:xfrm rot="19929610">
-            <a:off x="556358" y="1151239"/>
-            <a:ext cx="2659300" cy="1477328"/>
-          </a:xfrm>
-          <a:prstGeom prst="rect">
-            <a:avLst/>
-          </a:prstGeom>
-          <a:noFill/>
-        </p:spPr>
-        <p:txBody>
-          <a:bodyPr wrap="square" rtlCol="0">
-            <a:spAutoFit/>
-          </a:bodyPr>
-          <a:lstStyle/>
-          <a:p>
-            <a:r>
-              <a:rPr lang="en-GB" dirty="0" err="1"/>
-              <a:t>UpdateHealth</a:t>
-            </a:r>
-            <a:r>
-              <a:rPr lang="en-GB" dirty="0"/>
-              <a:t>()</a:t>
-            </a:r>
-          </a:p>
-          <a:p>
-            <a:r>
-              <a:rPr lang="en-GB" dirty="0" err="1"/>
-              <a:t>UpdateLevel</a:t>
-            </a:r>
-            <a:r>
-              <a:rPr lang="en-GB" dirty="0"/>
-              <a:t>()</a:t>
-            </a:r>
-          </a:p>
-          <a:p>
-            <a:r>
-              <a:rPr lang="en-GB" dirty="0" err="1"/>
-              <a:t>UpdateCandyCount</a:t>
-            </a:r>
-            <a:r>
-              <a:rPr lang="en-GB" dirty="0"/>
-              <a:t>()</a:t>
-            </a:r>
-          </a:p>
-          <a:p>
-            <a:r>
-              <a:rPr lang="en-GB" dirty="0" err="1"/>
-              <a:t>UpdatePumpkinCount</a:t>
-            </a:r>
-            <a:r>
-              <a:rPr lang="en-GB" dirty="0"/>
-              <a:t>()</a:t>
-            </a:r>
-          </a:p>
-          <a:p>
-            <a:r>
-              <a:rPr lang="en-GB" dirty="0" err="1"/>
-              <a:t>UpdatePlayerLives</a:t>
-            </a:r>
-            <a:r>
-              <a:rPr lang="en-GB" dirty="0"/>
-              <a:t>()</a:t>
-            </a:r>
-          </a:p>
-        </p:txBody>
-      </p:sp>
-      <p:cxnSp>
-        <p:nvCxnSpPr>
-          <p:cNvPr id="25" name="Straight Arrow Connector 24">
-            <a:extLst>
-              <a:ext uri="{FF2B5EF4-FFF2-40B4-BE49-F238E27FC236}">
-                <a16:creationId xmlns:a16="http://schemas.microsoft.com/office/drawing/2014/main" id="{F095727A-2AF6-1CE7-4521-C9D23AA8FE48}"/>
-              </a:ext>
-            </a:extLst>
-          </p:cNvPr>
-          <p:cNvCxnSpPr>
-            <a:cxnSpLocks/>
-          </p:cNvCxnSpPr>
-          <p:nvPr/>
-        </p:nvCxnSpPr>
-        <p:spPr>
-          <a:xfrm flipV="1">
-            <a:off x="4724400" y="2456688"/>
-            <a:ext cx="0" cy="755904"/>
-          </a:xfrm>
-          <a:prstGeom prst="straightConnector1">
-            <a:avLst/>
-          </a:prstGeom>
-          <a:ln>
-            <a:tailEnd type="triangle"/>
-          </a:ln>
-        </p:spPr>
-        <p:style>
-          <a:lnRef idx="2">
-            <a:schemeClr val="accent1"/>
-          </a:lnRef>
-          <a:fillRef idx="0">
-            <a:schemeClr val="accent1"/>
-          </a:fillRef>
-          <a:effectRef idx="1">
-            <a:schemeClr val="accent1"/>
-          </a:effectRef>
-          <a:fontRef idx="minor">
-            <a:schemeClr val="tx1"/>
-          </a:fontRef>
-        </p:style>
-      </p:cxnSp>
-      <p:cxnSp>
-        <p:nvCxnSpPr>
-          <p:cNvPr id="27" name="Straight Arrow Connector 26">
-            <a:extLst>
-              <a:ext uri="{FF2B5EF4-FFF2-40B4-BE49-F238E27FC236}">
-                <a16:creationId xmlns:a16="http://schemas.microsoft.com/office/drawing/2014/main" id="{6621537C-CA93-BDD8-ADE1-C3C6CBA66E28}"/>
-              </a:ext>
-            </a:extLst>
-          </p:cNvPr>
-          <p:cNvCxnSpPr>
-            <a:cxnSpLocks/>
-          </p:cNvCxnSpPr>
-          <p:nvPr/>
-        </p:nvCxnSpPr>
-        <p:spPr>
-          <a:xfrm flipV="1">
-            <a:off x="4724400" y="4017264"/>
-            <a:ext cx="0" cy="755904"/>
-          </a:xfrm>
-          <a:prstGeom prst="straightConnector1">
-            <a:avLst/>
-          </a:prstGeom>
-          <a:ln>
-            <a:tailEnd type="triangle"/>
-          </a:ln>
-        </p:spPr>
-        <p:style>
-          <a:lnRef idx="2">
-            <a:schemeClr val="accent1"/>
-          </a:lnRef>
-          <a:fillRef idx="0">
-            <a:schemeClr val="accent1"/>
-          </a:fillRef>
-          <a:effectRef idx="1">
-            <a:schemeClr val="accent1"/>
-          </a:effectRef>
-          <a:fontRef idx="minor">
-            <a:schemeClr val="tx1"/>
-          </a:fontRef>
-        </p:style>
-      </p:cxnSp>
-      <p:sp>
-        <p:nvSpPr>
-          <p:cNvPr id="2" name="Rectangle 1">
-            <a:extLst>
-              <a:ext uri="{FF2B5EF4-FFF2-40B4-BE49-F238E27FC236}">
-                <a16:creationId xmlns:a16="http://schemas.microsoft.com/office/drawing/2014/main" id="{BC31A055-53AC-BA02-6975-DC7D26E58BEE}"/>
+          <p:cNvPr id="21" name="Rectangle 20">
+            <a:extLst>
+              <a:ext uri="{FF2B5EF4-FFF2-40B4-BE49-F238E27FC236}">
+                <a16:creationId xmlns:a16="http://schemas.microsoft.com/office/drawing/2014/main" id="{1E4D12E7-4569-4922-D49C-BAF49A8B90B5}"/>
               </a:ext>
             </a:extLst>
           </p:cNvPr>
@@ -4912,8 +4926,8 @@
         </p:nvSpPr>
         <p:spPr>
           <a:xfrm>
-            <a:off x="3361471" y="110092"/>
-            <a:ext cx="1700784" cy="804672"/>
+            <a:off x="5053585" y="4617720"/>
+            <a:ext cx="1892808" cy="512064"/>
           </a:xfrm>
           <a:prstGeom prst="rect">
             <a:avLst/>
@@ -4942,17 +4956,177 @@
             <a:pPr algn="ctr"/>
             <a:r>
               <a:rPr lang="en-GB" dirty="0"/>
-              <a:t>Game Instance</a:t>
-            </a:r>
-          </a:p>
-        </p:txBody>
-      </p:sp>
-      <p:sp>
-        <p:nvSpPr>
-          <p:cNvPr id="3" name="Rectangle 2">
-            <a:extLst>
-              <a:ext uri="{FF2B5EF4-FFF2-40B4-BE49-F238E27FC236}">
-                <a16:creationId xmlns:a16="http://schemas.microsoft.com/office/drawing/2014/main" id="{36D48390-E117-5146-9D07-870CB5571E2C}"/>
+              <a:t>Chase (Loop?)</a:t>
+            </a:r>
+          </a:p>
+        </p:txBody>
+      </p:sp>
+      <p:cxnSp>
+        <p:nvCxnSpPr>
+          <p:cNvPr id="22" name="Connector: Elbow 21">
+            <a:extLst>
+              <a:ext uri="{FF2B5EF4-FFF2-40B4-BE49-F238E27FC236}">
+                <a16:creationId xmlns:a16="http://schemas.microsoft.com/office/drawing/2014/main" id="{A36EBB32-EC61-A210-7436-1E7AF180FC6D}"/>
+              </a:ext>
+            </a:extLst>
+          </p:cNvPr>
+          <p:cNvCxnSpPr>
+            <a:cxnSpLocks/>
+            <a:stCxn id="10" idx="2"/>
+            <a:endCxn id="21" idx="0"/>
+          </p:cNvCxnSpPr>
+          <p:nvPr/>
+        </p:nvCxnSpPr>
+        <p:spPr>
+          <a:xfrm rot="5400000">
+            <a:off x="6058663" y="3537967"/>
+            <a:ext cx="1021080" cy="1138427"/>
+          </a:xfrm>
+          <a:prstGeom prst="bentConnector3">
+            <a:avLst>
+              <a:gd name="adj1" fmla="val 50000"/>
+            </a:avLst>
+          </a:prstGeom>
+          <a:ln>
+            <a:tailEnd type="triangle"/>
+          </a:ln>
+        </p:spPr>
+        <p:style>
+          <a:lnRef idx="2">
+            <a:schemeClr val="accent1"/>
+          </a:lnRef>
+          <a:fillRef idx="0">
+            <a:schemeClr val="accent1"/>
+          </a:fillRef>
+          <a:effectRef idx="1">
+            <a:schemeClr val="accent1"/>
+          </a:effectRef>
+          <a:fontRef idx="minor">
+            <a:schemeClr val="tx1"/>
+          </a:fontRef>
+        </p:style>
+      </p:cxnSp>
+      <p:sp>
+        <p:nvSpPr>
+          <p:cNvPr id="26" name="TextBox 25">
+            <a:extLst>
+              <a:ext uri="{FF2B5EF4-FFF2-40B4-BE49-F238E27FC236}">
+                <a16:creationId xmlns:a16="http://schemas.microsoft.com/office/drawing/2014/main" id="{69EC8695-09A7-A4BB-211E-7B0256968004}"/>
+              </a:ext>
+            </a:extLst>
+          </p:cNvPr>
+          <p:cNvSpPr txBox="1"/>
+          <p:nvPr/>
+        </p:nvSpPr>
+        <p:spPr>
+          <a:xfrm>
+            <a:off x="6020945" y="3781306"/>
+            <a:ext cx="745236" cy="369332"/>
+          </a:xfrm>
+          <a:prstGeom prst="rect">
+            <a:avLst/>
+          </a:prstGeom>
+          <a:noFill/>
+        </p:spPr>
+        <p:txBody>
+          <a:bodyPr wrap="square" rtlCol="0">
+            <a:spAutoFit/>
+          </a:bodyPr>
+          <a:lstStyle/>
+          <a:p>
+            <a:r>
+              <a:rPr lang="en-GB" dirty="0"/>
+              <a:t>False</a:t>
+            </a:r>
+          </a:p>
+        </p:txBody>
+      </p:sp>
+      <p:sp>
+        <p:nvSpPr>
+          <p:cNvPr id="27" name="TextBox 26">
+            <a:extLst>
+              <a:ext uri="{FF2B5EF4-FFF2-40B4-BE49-F238E27FC236}">
+                <a16:creationId xmlns:a16="http://schemas.microsoft.com/office/drawing/2014/main" id="{C1E5CE2D-42A3-8E17-65B1-5161EB509962}"/>
+              </a:ext>
+            </a:extLst>
+          </p:cNvPr>
+          <p:cNvSpPr txBox="1"/>
+          <p:nvPr/>
+        </p:nvSpPr>
+        <p:spPr>
+          <a:xfrm>
+            <a:off x="7478269" y="3777734"/>
+            <a:ext cx="745236" cy="369332"/>
+          </a:xfrm>
+          <a:prstGeom prst="rect">
+            <a:avLst/>
+          </a:prstGeom>
+          <a:noFill/>
+        </p:spPr>
+        <p:txBody>
+          <a:bodyPr wrap="square" rtlCol="0">
+            <a:spAutoFit/>
+          </a:bodyPr>
+          <a:lstStyle/>
+          <a:p>
+            <a:r>
+              <a:rPr lang="en-GB" dirty="0"/>
+              <a:t>True</a:t>
+            </a:r>
+          </a:p>
+        </p:txBody>
+      </p:sp>
+      <p:cxnSp>
+        <p:nvCxnSpPr>
+          <p:cNvPr id="28" name="Connector: Elbow 27">
+            <a:extLst>
+              <a:ext uri="{FF2B5EF4-FFF2-40B4-BE49-F238E27FC236}">
+                <a16:creationId xmlns:a16="http://schemas.microsoft.com/office/drawing/2014/main" id="{661DC220-7588-DFF0-BD3A-3018C643ABFF}"/>
+              </a:ext>
+            </a:extLst>
+          </p:cNvPr>
+          <p:cNvCxnSpPr>
+            <a:cxnSpLocks/>
+            <a:stCxn id="4" idx="2"/>
+            <a:endCxn id="5" idx="0"/>
+          </p:cNvCxnSpPr>
+          <p:nvPr/>
+        </p:nvCxnSpPr>
+        <p:spPr>
+          <a:xfrm rot="16200000" flipH="1">
+            <a:off x="5177409" y="1132713"/>
+            <a:ext cx="838200" cy="511302"/>
+          </a:xfrm>
+          <a:prstGeom prst="bentConnector3">
+            <a:avLst>
+              <a:gd name="adj1" fmla="val 50000"/>
+            </a:avLst>
+          </a:prstGeom>
+          <a:ln>
+            <a:tailEnd type="triangle"/>
+          </a:ln>
+        </p:spPr>
+        <p:style>
+          <a:lnRef idx="2">
+            <a:schemeClr val="accent1"/>
+          </a:lnRef>
+          <a:fillRef idx="0">
+            <a:schemeClr val="accent1"/>
+          </a:fillRef>
+          <a:effectRef idx="1">
+            <a:schemeClr val="accent1"/>
+          </a:effectRef>
+          <a:fontRef idx="minor">
+            <a:schemeClr val="tx1"/>
+          </a:fontRef>
+        </p:style>
+      </p:cxnSp>
+      <p:sp>
+        <p:nvSpPr>
+          <p:cNvPr id="35" name="Rectangle 34">
+            <a:extLst>
+              <a:ext uri="{FF2B5EF4-FFF2-40B4-BE49-F238E27FC236}">
+                <a16:creationId xmlns:a16="http://schemas.microsoft.com/office/drawing/2014/main" id="{1362F461-2B91-B11E-BF1E-59B1092B5F23}"/>
               </a:ext>
             </a:extLst>
           </p:cNvPr>
@@ -4961,8 +5135,8 @@
         </p:nvSpPr>
         <p:spPr>
           <a:xfrm>
-            <a:off x="9168385" y="1597230"/>
-            <a:ext cx="1700784" cy="804672"/>
+            <a:off x="7435596" y="4617720"/>
+            <a:ext cx="1892808" cy="512064"/>
           </a:xfrm>
           <a:prstGeom prst="rect">
             <a:avLst/>
@@ -4991,169 +5165,36 @@
             <a:pPr algn="ctr"/>
             <a:r>
               <a:rPr lang="en-GB" dirty="0"/>
-              <a:t>End Level Manager</a:t>
-            </a:r>
-          </a:p>
-        </p:txBody>
-      </p:sp>
-      <p:sp>
-        <p:nvSpPr>
-          <p:cNvPr id="7" name="Rectangle 6">
-            <a:extLst>
-              <a:ext uri="{FF2B5EF4-FFF2-40B4-BE49-F238E27FC236}">
-                <a16:creationId xmlns:a16="http://schemas.microsoft.com/office/drawing/2014/main" id="{01F2F757-40D1-5B5A-65A5-145B8B7EE96D}"/>
-              </a:ext>
-            </a:extLst>
-          </p:cNvPr>
-          <p:cNvSpPr/>
-          <p:nvPr/>
-        </p:nvSpPr>
-        <p:spPr>
-          <a:xfrm>
-            <a:off x="9168385" y="3212592"/>
-            <a:ext cx="1700784" cy="804672"/>
-          </a:xfrm>
-          <a:prstGeom prst="rect">
-            <a:avLst/>
-          </a:prstGeom>
-        </p:spPr>
-        <p:style>
-          <a:lnRef idx="2">
-            <a:schemeClr val="accent1">
-              <a:shade val="15000"/>
-            </a:schemeClr>
-          </a:lnRef>
-          <a:fillRef idx="1">
-            <a:schemeClr val="accent1"/>
-          </a:fillRef>
-          <a:effectRef idx="0">
-            <a:schemeClr val="accent1"/>
-          </a:effectRef>
-          <a:fontRef idx="minor">
-            <a:schemeClr val="lt1"/>
-          </a:fontRef>
-        </p:style>
-        <p:txBody>
-          <a:bodyPr rtlCol="0" anchor="ctr"/>
-          <a:lstStyle/>
-          <a:p>
-            <a:pPr algn="ctr"/>
-            <a:r>
-              <a:rPr lang="en-GB" dirty="0"/>
-              <a:t>End Levels</a:t>
+              <a:t>Wait</a:t>
             </a:r>
           </a:p>
         </p:txBody>
       </p:sp>
       <p:cxnSp>
         <p:nvCxnSpPr>
-          <p:cNvPr id="8" name="Straight Arrow Connector 7">
-            <a:extLst>
-              <a:ext uri="{FF2B5EF4-FFF2-40B4-BE49-F238E27FC236}">
-                <a16:creationId xmlns:a16="http://schemas.microsoft.com/office/drawing/2014/main" id="{6101BDF7-0B3C-E76E-22BF-94CB96C5A0B0}"/>
+          <p:cNvPr id="36" name="Connector: Elbow 35">
+            <a:extLst>
+              <a:ext uri="{FF2B5EF4-FFF2-40B4-BE49-F238E27FC236}">
+                <a16:creationId xmlns:a16="http://schemas.microsoft.com/office/drawing/2014/main" id="{AE5EFD4A-33D0-EFF7-7F57-9FBCD79C955C}"/>
               </a:ext>
             </a:extLst>
           </p:cNvPr>
           <p:cNvCxnSpPr>
             <a:cxnSpLocks/>
-            <a:stCxn id="7" idx="0"/>
-            <a:endCxn id="3" idx="2"/>
+            <a:stCxn id="10" idx="2"/>
+            <a:endCxn id="35" idx="0"/>
           </p:cNvCxnSpPr>
           <p:nvPr/>
         </p:nvCxnSpPr>
         <p:spPr>
-          <a:xfrm flipV="1">
-            <a:off x="10018777" y="2401902"/>
-            <a:ext cx="0" cy="810690"/>
-          </a:xfrm>
-          <a:prstGeom prst="straightConnector1">
-            <a:avLst/>
-          </a:prstGeom>
-          <a:ln>
-            <a:tailEnd type="triangle"/>
-          </a:ln>
-        </p:spPr>
-        <p:style>
-          <a:lnRef idx="2">
-            <a:schemeClr val="accent1"/>
-          </a:lnRef>
-          <a:fillRef idx="0">
-            <a:schemeClr val="accent1"/>
-          </a:fillRef>
-          <a:effectRef idx="1">
-            <a:schemeClr val="accent1"/>
-          </a:effectRef>
-          <a:fontRef idx="minor">
-            <a:schemeClr val="tx1"/>
-          </a:fontRef>
-        </p:style>
-      </p:cxnSp>
-      <p:cxnSp>
-        <p:nvCxnSpPr>
-          <p:cNvPr id="11" name="Straight Arrow Connector 10">
-            <a:extLst>
-              <a:ext uri="{FF2B5EF4-FFF2-40B4-BE49-F238E27FC236}">
-                <a16:creationId xmlns:a16="http://schemas.microsoft.com/office/drawing/2014/main" id="{60024B8E-843F-A8E2-7B1E-68EF6217A234}"/>
-              </a:ext>
-            </a:extLst>
-          </p:cNvPr>
-          <p:cNvCxnSpPr>
-            <a:cxnSpLocks/>
-            <a:stCxn id="3" idx="0"/>
-            <a:endCxn id="4" idx="3"/>
-          </p:cNvCxnSpPr>
-          <p:nvPr/>
-        </p:nvCxnSpPr>
-        <p:spPr>
-          <a:xfrm flipH="1" flipV="1">
-            <a:off x="9168385" y="682985"/>
-            <a:ext cx="850392" cy="914245"/>
-          </a:xfrm>
-          <a:prstGeom prst="straightConnector1">
-            <a:avLst/>
-          </a:prstGeom>
-          <a:ln>
-            <a:tailEnd type="triangle"/>
-          </a:ln>
-        </p:spPr>
-        <p:style>
-          <a:lnRef idx="2">
-            <a:schemeClr val="accent1"/>
-          </a:lnRef>
-          <a:fillRef idx="0">
-            <a:schemeClr val="accent1"/>
-          </a:fillRef>
-          <a:effectRef idx="1">
-            <a:schemeClr val="accent1"/>
-          </a:effectRef>
-          <a:fontRef idx="minor">
-            <a:schemeClr val="tx1"/>
-          </a:fontRef>
-        </p:style>
-      </p:cxnSp>
-      <p:cxnSp>
-        <p:nvCxnSpPr>
-          <p:cNvPr id="12" name="Straight Arrow Connector 11">
-            <a:extLst>
-              <a:ext uri="{FF2B5EF4-FFF2-40B4-BE49-F238E27FC236}">
-                <a16:creationId xmlns:a16="http://schemas.microsoft.com/office/drawing/2014/main" id="{BCE22924-543B-19CD-CB5D-F376234EB559}"/>
-              </a:ext>
-            </a:extLst>
-          </p:cNvPr>
-          <p:cNvCxnSpPr>
-            <a:cxnSpLocks/>
-            <a:stCxn id="4" idx="1"/>
-            <a:endCxn id="5" idx="0"/>
-          </p:cNvCxnSpPr>
-          <p:nvPr/>
-        </p:nvCxnSpPr>
-        <p:spPr>
-          <a:xfrm flipH="1">
-            <a:off x="4166616" y="682985"/>
-            <a:ext cx="3300985" cy="969031"/>
-          </a:xfrm>
-          <a:prstGeom prst="straightConnector1">
-            <a:avLst/>
+          <a:xfrm rot="16200000" flipH="1">
+            <a:off x="7249668" y="3485388"/>
+            <a:ext cx="1021080" cy="1243584"/>
+          </a:xfrm>
+          <a:prstGeom prst="bentConnector3">
+            <a:avLst>
+              <a:gd name="adj1" fmla="val 50000"/>
+            </a:avLst>
           </a:prstGeom>
           <a:ln>
             <a:tailEnd type="triangle"/>
@@ -5177,7 +5218,7 @@
     </p:spTree>
     <p:extLst>
       <p:ext uri="{BB962C8B-B14F-4D97-AF65-F5344CB8AC3E}">
-        <p14:creationId xmlns:p14="http://schemas.microsoft.com/office/powerpoint/2010/main" val="1819057367"/>
+        <p14:creationId xmlns:p14="http://schemas.microsoft.com/office/powerpoint/2010/main" val="3329398157"/>
       </p:ext>
     </p:extLst>
   </p:cSld>
@@ -5218,7 +5259,7 @@
         </p:nvSpPr>
         <p:spPr>
           <a:xfrm>
-            <a:off x="6342888" y="164592"/>
+            <a:off x="7467601" y="280649"/>
             <a:ext cx="1700784" cy="804672"/>
           </a:xfrm>
           <a:prstGeom prst="rect">
@@ -5268,7 +5309,7 @@
         </p:nvSpPr>
         <p:spPr>
           <a:xfrm>
-            <a:off x="6342888" y="1725168"/>
+            <a:off x="3316224" y="1652016"/>
             <a:ext cx="1700784" cy="804672"/>
           </a:xfrm>
           <a:prstGeom prst="rect">
@@ -5317,7 +5358,7 @@
         </p:nvSpPr>
         <p:spPr>
           <a:xfrm>
-            <a:off x="6342888" y="3285744"/>
+            <a:off x="3316224" y="3212592"/>
             <a:ext cx="1700784" cy="804672"/>
           </a:xfrm>
           <a:prstGeom prst="rect">
@@ -5354,10 +5395,10 @@
       </p:sp>
       <p:sp>
         <p:nvSpPr>
-          <p:cNvPr id="7" name="Rectangle 6">
-            <a:extLst>
-              <a:ext uri="{FF2B5EF4-FFF2-40B4-BE49-F238E27FC236}">
-                <a16:creationId xmlns:a16="http://schemas.microsoft.com/office/drawing/2014/main" id="{CAF67295-59EC-0F62-C39C-26E590DA10A0}"/>
+          <p:cNvPr id="9" name="Rectangle 8">
+            <a:extLst>
+              <a:ext uri="{FF2B5EF4-FFF2-40B4-BE49-F238E27FC236}">
+                <a16:creationId xmlns:a16="http://schemas.microsoft.com/office/drawing/2014/main" id="{028A9C63-FFE1-C976-8AE1-FA9731762D69}"/>
               </a:ext>
             </a:extLst>
           </p:cNvPr>
@@ -5366,21 +5407,12 @@
         </p:nvSpPr>
         <p:spPr>
           <a:xfrm>
-            <a:off x="9260382" y="3285744"/>
+            <a:off x="129521" y="3267378"/>
             <a:ext cx="1700784" cy="804672"/>
           </a:xfrm>
           <a:prstGeom prst="rect">
             <a:avLst/>
           </a:prstGeom>
-          <a:solidFill>
-            <a:schemeClr val="accent5">
-              <a:lumMod val="40000"/>
-              <a:lumOff val="60000"/>
-            </a:schemeClr>
-          </a:solidFill>
-          <a:ln>
-            <a:noFill/>
-          </a:ln>
         </p:spPr>
         <p:style>
           <a:lnRef idx="2">
@@ -5405,17 +5437,17 @@
             <a:pPr algn="ctr"/>
             <a:r>
               <a:rPr lang="en-GB" dirty="0"/>
-              <a:t>Candy</a:t>
-            </a:r>
-          </a:p>
-        </p:txBody>
-      </p:sp>
-      <p:sp>
-        <p:nvSpPr>
-          <p:cNvPr id="8" name="Rectangle 7">
-            <a:extLst>
-              <a:ext uri="{FF2B5EF4-FFF2-40B4-BE49-F238E27FC236}">
-                <a16:creationId xmlns:a16="http://schemas.microsoft.com/office/drawing/2014/main" id="{5E820504-C2EC-BA18-B846-9FC190BF5EA5}"/>
+              <a:t>HUD</a:t>
+            </a:r>
+          </a:p>
+        </p:txBody>
+      </p:sp>
+      <p:sp>
+        <p:nvSpPr>
+          <p:cNvPr id="10" name="Rectangle 9">
+            <a:extLst>
+              <a:ext uri="{FF2B5EF4-FFF2-40B4-BE49-F238E27FC236}">
+                <a16:creationId xmlns:a16="http://schemas.microsoft.com/office/drawing/2014/main" id="{A1757625-17BE-D57E-C037-02A3F332B2B5}"/>
               </a:ext>
             </a:extLst>
           </p:cNvPr>
@@ -5424,21 +5456,12 @@
         </p:nvSpPr>
         <p:spPr>
           <a:xfrm>
-            <a:off x="8468868" y="1728216"/>
-            <a:ext cx="2356104" cy="804672"/>
+            <a:off x="3316224" y="4773168"/>
+            <a:ext cx="1700784" cy="804672"/>
           </a:xfrm>
           <a:prstGeom prst="rect">
             <a:avLst/>
           </a:prstGeom>
-          <a:solidFill>
-            <a:schemeClr val="accent5">
-              <a:lumMod val="40000"/>
-              <a:lumOff val="60000"/>
-            </a:schemeClr>
-          </a:solidFill>
-          <a:ln>
-            <a:noFill/>
-          </a:ln>
         </p:spPr>
         <p:style>
           <a:lnRef idx="2">
@@ -5462,32 +5485,32 @@
           <a:p>
             <a:pPr algn="ctr"/>
             <a:r>
-              <a:rPr lang="en-GB" dirty="0" err="1"/>
-              <a:t>GameRule_Candy</a:t>
-            </a:r>
-            <a:endParaRPr lang="en-GB" dirty="0"/>
+              <a:rPr lang="en-GB" dirty="0"/>
+              <a:t>Health Component</a:t>
+            </a:r>
           </a:p>
         </p:txBody>
       </p:sp>
       <p:cxnSp>
         <p:nvCxnSpPr>
-          <p:cNvPr id="16" name="Straight Arrow Connector 15">
-            <a:extLst>
-              <a:ext uri="{FF2B5EF4-FFF2-40B4-BE49-F238E27FC236}">
-                <a16:creationId xmlns:a16="http://schemas.microsoft.com/office/drawing/2014/main" id="{7031BFE6-19BD-0B88-3E58-1DFE689C96B3}"/>
+          <p:cNvPr id="19" name="Straight Arrow Connector 18">
+            <a:extLst>
+              <a:ext uri="{FF2B5EF4-FFF2-40B4-BE49-F238E27FC236}">
+                <a16:creationId xmlns:a16="http://schemas.microsoft.com/office/drawing/2014/main" id="{F686F6DD-2715-4324-B6AA-F85AEE585899}"/>
               </a:ext>
             </a:extLst>
           </p:cNvPr>
           <p:cNvCxnSpPr>
-            <a:stCxn id="6" idx="3"/>
-            <a:endCxn id="7" idx="1"/>
+            <a:cxnSpLocks/>
+            <a:stCxn id="5" idx="1"/>
+            <a:endCxn id="9" idx="0"/>
           </p:cNvCxnSpPr>
           <p:nvPr/>
         </p:nvCxnSpPr>
         <p:spPr>
-          <a:xfrm>
-            <a:off x="8043672" y="3688080"/>
-            <a:ext cx="1216710" cy="0"/>
+          <a:xfrm flipH="1">
+            <a:off x="979913" y="2054352"/>
+            <a:ext cx="2336311" cy="1213026"/>
           </a:xfrm>
           <a:prstGeom prst="straightConnector1">
             <a:avLst/>
@@ -5513,10 +5536,10 @@
       </p:cxnSp>
       <p:sp>
         <p:nvSpPr>
-          <p:cNvPr id="17" name="TextBox 16">
-            <a:extLst>
-              <a:ext uri="{FF2B5EF4-FFF2-40B4-BE49-F238E27FC236}">
-                <a16:creationId xmlns:a16="http://schemas.microsoft.com/office/drawing/2014/main" id="{FA6EB0A9-DA92-B382-AABA-CCD98D615934}"/>
+          <p:cNvPr id="23" name="TextBox 22">
+            <a:extLst>
+              <a:ext uri="{FF2B5EF4-FFF2-40B4-BE49-F238E27FC236}">
+                <a16:creationId xmlns:a16="http://schemas.microsoft.com/office/drawing/2014/main" id="{41804DE1-42D2-79C5-050A-C4E80C1090BC}"/>
               </a:ext>
             </a:extLst>
           </p:cNvPr>
@@ -5524,9 +5547,9 @@
           <p:nvPr/>
         </p:nvSpPr>
         <p:spPr>
-          <a:xfrm>
-            <a:off x="7951749" y="3349752"/>
-            <a:ext cx="1400556" cy="646331"/>
+          <a:xfrm rot="19929610">
+            <a:off x="556358" y="1151239"/>
+            <a:ext cx="2659300" cy="1477328"/>
           </a:xfrm>
           <a:prstGeom prst="rect">
             <a:avLst/>
@@ -5539,27 +5562,63 @@
           </a:bodyPr>
           <a:lstStyle/>
           <a:p>
-            <a:pPr algn="ctr"/>
+            <a:r>
+              <a:rPr lang="en-GB" dirty="0" err="1"/>
+              <a:t>UpdateHealth</a:t>
+            </a:r>
             <a:r>
               <a:rPr lang="en-GB" dirty="0"/>
-              <a:t>Eat()</a:t>
-            </a:r>
-          </a:p>
-          <a:p>
-            <a:pPr algn="ctr"/>
+              <a:t>()</a:t>
+            </a:r>
+          </a:p>
+          <a:p>
+            <a:r>
+              <a:rPr lang="en-GB" dirty="0" err="1"/>
+              <a:t>UpdateLevel</a:t>
+            </a:r>
             <a:r>
               <a:rPr lang="en-GB" dirty="0"/>
-              <a:t>&lt;Interface&gt;</a:t>
+              <a:t>()</a:t>
+            </a:r>
+          </a:p>
+          <a:p>
+            <a:r>
+              <a:rPr lang="en-GB" dirty="0" err="1"/>
+              <a:t>UpdateCandyCount</a:t>
+            </a:r>
+            <a:r>
+              <a:rPr lang="en-GB" dirty="0"/>
+              <a:t>()</a:t>
+            </a:r>
+          </a:p>
+          <a:p>
+            <a:r>
+              <a:rPr lang="en-GB" dirty="0" err="1"/>
+              <a:t>UpdatePumpkinCount</a:t>
+            </a:r>
+            <a:r>
+              <a:rPr lang="en-GB" dirty="0"/>
+              <a:t>()</a:t>
+            </a:r>
+          </a:p>
+          <a:p>
+            <a:r>
+              <a:rPr lang="en-GB" dirty="0" err="1"/>
+              <a:t>UpdatePlayerLives</a:t>
+            </a:r>
+            <a:r>
+              <a:rPr lang="en-GB" dirty="0"/>
+              <a:t>()</a:t>
             </a:r>
           </a:p>
         </p:txBody>
       </p:sp>
       <p:cxnSp>
         <p:nvCxnSpPr>
-          <p:cNvPr id="45" name="Straight Arrow Connector 44">
-            <a:extLst>
-              <a:ext uri="{FF2B5EF4-FFF2-40B4-BE49-F238E27FC236}">
-                <a16:creationId xmlns:a16="http://schemas.microsoft.com/office/drawing/2014/main" id="{FCB6D5FB-65C5-2CF2-3164-F59D3C41B65A}"/>
+          <p:cNvPr id="25" name="Straight Arrow Connector 24">
+            <a:extLst>
+              <a:ext uri="{FF2B5EF4-FFF2-40B4-BE49-F238E27FC236}">
+                <a16:creationId xmlns:a16="http://schemas.microsoft.com/office/drawing/2014/main" id="{F095727A-2AF6-1CE7-4521-C9D23AA8FE48}"/>
               </a:ext>
             </a:extLst>
           </p:cNvPr>
@@ -5570,124 +5629,8 @@
         </p:nvCxnSpPr>
         <p:spPr>
           <a:xfrm flipV="1">
-            <a:off x="9401075" y="2584626"/>
-            <a:ext cx="0" cy="701118"/>
-          </a:xfrm>
-          <a:prstGeom prst="straightConnector1">
-            <a:avLst/>
-          </a:prstGeom>
-          <a:ln>
-            <a:tailEnd type="triangle"/>
-          </a:ln>
-        </p:spPr>
-        <p:style>
-          <a:lnRef idx="2">
-            <a:schemeClr val="accent1"/>
-          </a:lnRef>
-          <a:fillRef idx="0">
-            <a:schemeClr val="accent1"/>
-          </a:fillRef>
-          <a:effectRef idx="1">
-            <a:schemeClr val="accent1"/>
-          </a:effectRef>
-          <a:fontRef idx="minor">
-            <a:schemeClr val="tx1"/>
-          </a:fontRef>
-        </p:style>
-      </p:cxnSp>
-      <p:sp>
-        <p:nvSpPr>
-          <p:cNvPr id="48" name="TextBox 47">
-            <a:extLst>
-              <a:ext uri="{FF2B5EF4-FFF2-40B4-BE49-F238E27FC236}">
-                <a16:creationId xmlns:a16="http://schemas.microsoft.com/office/drawing/2014/main" id="{3A1F650E-CC9C-79CA-9513-96315AB7B22C}"/>
-              </a:ext>
-            </a:extLst>
-          </p:cNvPr>
-          <p:cNvSpPr txBox="1"/>
-          <p:nvPr/>
-        </p:nvSpPr>
-        <p:spPr>
-          <a:xfrm>
-            <a:off x="9352305" y="2750519"/>
-            <a:ext cx="1700779" cy="369332"/>
-          </a:xfrm>
-          <a:prstGeom prst="rect">
-            <a:avLst/>
-          </a:prstGeom>
-          <a:noFill/>
-        </p:spPr>
-        <p:txBody>
-          <a:bodyPr wrap="square" rtlCol="0">
-            <a:spAutoFit/>
-          </a:bodyPr>
-          <a:lstStyle/>
-          <a:p>
-            <a:pPr algn="ctr"/>
-            <a:r>
-              <a:rPr lang="en-GB" dirty="0" err="1"/>
-              <a:t>OnCandyEaten</a:t>
-            </a:r>
-            <a:endParaRPr lang="en-GB" dirty="0"/>
-          </a:p>
-        </p:txBody>
-      </p:sp>
-      <p:sp>
-        <p:nvSpPr>
-          <p:cNvPr id="49" name="TextBox 48">
-            <a:extLst>
-              <a:ext uri="{FF2B5EF4-FFF2-40B4-BE49-F238E27FC236}">
-                <a16:creationId xmlns:a16="http://schemas.microsoft.com/office/drawing/2014/main" id="{E4ADD8A5-D7FF-0D97-4233-0CEE379F77B4}"/>
-              </a:ext>
-            </a:extLst>
-          </p:cNvPr>
-          <p:cNvSpPr txBox="1"/>
-          <p:nvPr/>
-        </p:nvSpPr>
-        <p:spPr>
-          <a:xfrm rot="1910503">
-            <a:off x="7748487" y="876516"/>
-            <a:ext cx="2786654" cy="307777"/>
-          </a:xfrm>
-          <a:prstGeom prst="rect">
-            <a:avLst/>
-          </a:prstGeom>
-          <a:noFill/>
-        </p:spPr>
-        <p:txBody>
-          <a:bodyPr wrap="square" rtlCol="0">
-            <a:spAutoFit/>
-          </a:bodyPr>
-          <a:lstStyle/>
-          <a:p>
-            <a:pPr algn="ctr"/>
-            <a:r>
-              <a:rPr lang="en-GB" sz="1400" dirty="0" err="1"/>
-              <a:t>OnPuzzleGameRuleComplete</a:t>
-            </a:r>
-            <a:endParaRPr lang="en-GB" sz="1400" dirty="0"/>
-          </a:p>
-        </p:txBody>
-      </p:sp>
-      <p:cxnSp>
-        <p:nvCxnSpPr>
-          <p:cNvPr id="50" name="Straight Arrow Connector 49">
-            <a:extLst>
-              <a:ext uri="{FF2B5EF4-FFF2-40B4-BE49-F238E27FC236}">
-                <a16:creationId xmlns:a16="http://schemas.microsoft.com/office/drawing/2014/main" id="{28331C21-B765-E591-79A4-9C50C0B0E23B}"/>
-              </a:ext>
-            </a:extLst>
-          </p:cNvPr>
-          <p:cNvCxnSpPr>
-            <a:cxnSpLocks/>
-            <a:endCxn id="4" idx="3"/>
-          </p:cNvCxnSpPr>
-          <p:nvPr/>
-        </p:nvCxnSpPr>
-        <p:spPr>
-          <a:xfrm flipH="1" flipV="1">
-            <a:off x="8043672" y="566928"/>
-            <a:ext cx="1895856" cy="1158240"/>
+            <a:off x="4724400" y="2456688"/>
+            <a:ext cx="0" cy="755904"/>
           </a:xfrm>
           <a:prstGeom prst="straightConnector1">
             <a:avLst/>
@@ -5713,23 +5656,21 @@
       </p:cxnSp>
       <p:cxnSp>
         <p:nvCxnSpPr>
-          <p:cNvPr id="3" name="Straight Arrow Connector 2">
-            <a:extLst>
-              <a:ext uri="{FF2B5EF4-FFF2-40B4-BE49-F238E27FC236}">
-                <a16:creationId xmlns:a16="http://schemas.microsoft.com/office/drawing/2014/main" id="{BFD7ACDF-5DB5-09A9-8BBA-3C1281CEAEDB}"/>
+          <p:cNvPr id="27" name="Straight Arrow Connector 26">
+            <a:extLst>
+              <a:ext uri="{FF2B5EF4-FFF2-40B4-BE49-F238E27FC236}">
+                <a16:creationId xmlns:a16="http://schemas.microsoft.com/office/drawing/2014/main" id="{6621537C-CA93-BDD8-ADE1-C3C6CBA66E28}"/>
               </a:ext>
             </a:extLst>
           </p:cNvPr>
           <p:cNvCxnSpPr>
             <a:cxnSpLocks/>
-            <a:stCxn id="6" idx="0"/>
-            <a:endCxn id="5" idx="2"/>
           </p:cNvCxnSpPr>
           <p:nvPr/>
         </p:nvCxnSpPr>
         <p:spPr>
           <a:xfrm flipV="1">
-            <a:off x="7193280" y="2529840"/>
+            <a:off x="4724400" y="4017264"/>
             <a:ext cx="0" cy="755904"/>
           </a:xfrm>
           <a:prstGeom prst="straightConnector1">
@@ -5756,69 +5697,24 @@
       </p:cxnSp>
       <p:sp>
         <p:nvSpPr>
-          <p:cNvPr id="13" name="TextBox 12">
-            <a:extLst>
-              <a:ext uri="{FF2B5EF4-FFF2-40B4-BE49-F238E27FC236}">
-                <a16:creationId xmlns:a16="http://schemas.microsoft.com/office/drawing/2014/main" id="{1CDD183D-8B6E-5705-2E26-00A459B452A1}"/>
-              </a:ext>
-            </a:extLst>
-          </p:cNvPr>
-          <p:cNvSpPr txBox="1"/>
-          <p:nvPr/>
-        </p:nvSpPr>
-        <p:spPr>
-          <a:xfrm>
-            <a:off x="5612979" y="2723126"/>
-            <a:ext cx="1545257" cy="369332"/>
+          <p:cNvPr id="2" name="Rectangle 1">
+            <a:extLst>
+              <a:ext uri="{FF2B5EF4-FFF2-40B4-BE49-F238E27FC236}">
+                <a16:creationId xmlns:a16="http://schemas.microsoft.com/office/drawing/2014/main" id="{BC31A055-53AC-BA02-6975-DC7D26E58BEE}"/>
+              </a:ext>
+            </a:extLst>
+          </p:cNvPr>
+          <p:cNvSpPr/>
+          <p:nvPr/>
+        </p:nvSpPr>
+        <p:spPr>
+          <a:xfrm>
+            <a:off x="3361471" y="110092"/>
+            <a:ext cx="1700784" cy="804672"/>
           </a:xfrm>
           <a:prstGeom prst="rect">
             <a:avLst/>
           </a:prstGeom>
-          <a:noFill/>
-        </p:spPr>
-        <p:txBody>
-          <a:bodyPr wrap="square" rtlCol="0">
-            <a:spAutoFit/>
-          </a:bodyPr>
-          <a:lstStyle/>
-          <a:p>
-            <a:pPr algn="ctr"/>
-            <a:r>
-              <a:rPr lang="en-GB" dirty="0" err="1"/>
-              <a:t>OnGuyDeath</a:t>
-            </a:r>
-            <a:endParaRPr lang="en-GB" dirty="0"/>
-          </a:p>
-        </p:txBody>
-      </p:sp>
-      <p:sp>
-        <p:nvSpPr>
-          <p:cNvPr id="21" name="Rectangle 20">
-            <a:extLst>
-              <a:ext uri="{FF2B5EF4-FFF2-40B4-BE49-F238E27FC236}">
-                <a16:creationId xmlns:a16="http://schemas.microsoft.com/office/drawing/2014/main" id="{2BCF8354-A5BE-0C9E-E29A-AA01AF6231F4}"/>
-              </a:ext>
-            </a:extLst>
-          </p:cNvPr>
-          <p:cNvSpPr/>
-          <p:nvPr/>
-        </p:nvSpPr>
-        <p:spPr>
-          <a:xfrm>
-            <a:off x="434518" y="367024"/>
-            <a:ext cx="2953511" cy="804672"/>
-          </a:xfrm>
-          <a:prstGeom prst="rect">
-            <a:avLst/>
-          </a:prstGeom>
-          <a:solidFill>
-            <a:schemeClr val="accent2">
-              <a:lumMod val="75000"/>
-            </a:schemeClr>
-          </a:solidFill>
-          <a:ln>
-            <a:noFill/>
-          </a:ln>
         </p:spPr>
         <p:style>
           <a:lnRef idx="2">
@@ -5842,19 +5738,18 @@
           <a:p>
             <a:pPr algn="ctr"/>
             <a:r>
-              <a:rPr lang="en-GB" dirty="0" err="1"/>
-              <a:t>GameRule_Target</a:t>
-            </a:r>
-            <a:endParaRPr lang="en-GB" dirty="0"/>
-          </a:p>
-        </p:txBody>
-      </p:sp>
-      <p:sp>
-        <p:nvSpPr>
-          <p:cNvPr id="31" name="Rectangle 30">
-            <a:extLst>
-              <a:ext uri="{FF2B5EF4-FFF2-40B4-BE49-F238E27FC236}">
-                <a16:creationId xmlns:a16="http://schemas.microsoft.com/office/drawing/2014/main" id="{9C7ACE6A-2A96-33BD-0D16-B83142DA368F}"/>
+              <a:rPr lang="en-GB" dirty="0"/>
+              <a:t>Game Instance</a:t>
+            </a:r>
+          </a:p>
+        </p:txBody>
+      </p:sp>
+      <p:sp>
+        <p:nvSpPr>
+          <p:cNvPr id="3" name="Rectangle 2">
+            <a:extLst>
+              <a:ext uri="{FF2B5EF4-FFF2-40B4-BE49-F238E27FC236}">
+                <a16:creationId xmlns:a16="http://schemas.microsoft.com/office/drawing/2014/main" id="{36D48390-E117-5146-9D07-870CB5571E2C}"/>
               </a:ext>
             </a:extLst>
           </p:cNvPr>
@@ -5863,20 +5758,12 @@
         </p:nvSpPr>
         <p:spPr>
           <a:xfrm>
-            <a:off x="434517" y="2935224"/>
-            <a:ext cx="2953511" cy="804672"/>
+            <a:off x="9168385" y="1597230"/>
+            <a:ext cx="1700784" cy="804672"/>
           </a:xfrm>
           <a:prstGeom prst="rect">
             <a:avLst/>
           </a:prstGeom>
-          <a:solidFill>
-            <a:schemeClr val="accent2">
-              <a:lumMod val="75000"/>
-            </a:schemeClr>
-          </a:solidFill>
-          <a:ln>
-            <a:noFill/>
-          </a:ln>
         </p:spPr>
         <p:style>
           <a:lnRef idx="2">
@@ -5901,31 +5788,80 @@
             <a:pPr algn="ctr"/>
             <a:r>
               <a:rPr lang="en-GB" dirty="0"/>
-              <a:t>Target</a:t>
+              <a:t>End Level Manager</a:t>
+            </a:r>
+          </a:p>
+        </p:txBody>
+      </p:sp>
+      <p:sp>
+        <p:nvSpPr>
+          <p:cNvPr id="7" name="Rectangle 6">
+            <a:extLst>
+              <a:ext uri="{FF2B5EF4-FFF2-40B4-BE49-F238E27FC236}">
+                <a16:creationId xmlns:a16="http://schemas.microsoft.com/office/drawing/2014/main" id="{01F2F757-40D1-5B5A-65A5-145B8B7EE96D}"/>
+              </a:ext>
+            </a:extLst>
+          </p:cNvPr>
+          <p:cNvSpPr/>
+          <p:nvPr/>
+        </p:nvSpPr>
+        <p:spPr>
+          <a:xfrm>
+            <a:off x="9168385" y="3212592"/>
+            <a:ext cx="1700784" cy="804672"/>
+          </a:xfrm>
+          <a:prstGeom prst="rect">
+            <a:avLst/>
+          </a:prstGeom>
+        </p:spPr>
+        <p:style>
+          <a:lnRef idx="2">
+            <a:schemeClr val="accent1">
+              <a:shade val="15000"/>
+            </a:schemeClr>
+          </a:lnRef>
+          <a:fillRef idx="1">
+            <a:schemeClr val="accent1"/>
+          </a:fillRef>
+          <a:effectRef idx="0">
+            <a:schemeClr val="accent1"/>
+          </a:effectRef>
+          <a:fontRef idx="minor">
+            <a:schemeClr val="lt1"/>
+          </a:fontRef>
+        </p:style>
+        <p:txBody>
+          <a:bodyPr rtlCol="0" anchor="ctr"/>
+          <a:lstStyle/>
+          <a:p>
+            <a:pPr algn="ctr"/>
+            <a:r>
+              <a:rPr lang="en-GB" dirty="0"/>
+              <a:t>End Levels</a:t>
             </a:r>
           </a:p>
         </p:txBody>
       </p:sp>
       <p:cxnSp>
         <p:nvCxnSpPr>
-          <p:cNvPr id="32" name="Straight Arrow Connector 31">
-            <a:extLst>
-              <a:ext uri="{FF2B5EF4-FFF2-40B4-BE49-F238E27FC236}">
-                <a16:creationId xmlns:a16="http://schemas.microsoft.com/office/drawing/2014/main" id="{66849A8A-F5CA-8D7D-B3FC-DD78C3F87CD0}"/>
+          <p:cNvPr id="8" name="Straight Arrow Connector 7">
+            <a:extLst>
+              <a:ext uri="{FF2B5EF4-FFF2-40B4-BE49-F238E27FC236}">
+                <a16:creationId xmlns:a16="http://schemas.microsoft.com/office/drawing/2014/main" id="{6101BDF7-0B3C-E76E-22BF-94CB96C5A0B0}"/>
               </a:ext>
             </a:extLst>
           </p:cNvPr>
           <p:cNvCxnSpPr>
             <a:cxnSpLocks/>
-            <a:stCxn id="31" idx="0"/>
-            <a:endCxn id="21" idx="2"/>
+            <a:stCxn id="7" idx="0"/>
+            <a:endCxn id="3" idx="2"/>
           </p:cNvCxnSpPr>
           <p:nvPr/>
         </p:nvCxnSpPr>
         <p:spPr>
           <a:xfrm flipV="1">
-            <a:off x="1911273" y="1171696"/>
-            <a:ext cx="1" cy="1763528"/>
+            <a:off x="10018777" y="2401902"/>
+            <a:ext cx="0" cy="810690"/>
           </a:xfrm>
           <a:prstGeom prst="straightConnector1">
             <a:avLst/>
@@ -5951,23 +5887,24 @@
       </p:cxnSp>
       <p:cxnSp>
         <p:nvCxnSpPr>
-          <p:cNvPr id="36" name="Straight Arrow Connector 35">
-            <a:extLst>
-              <a:ext uri="{FF2B5EF4-FFF2-40B4-BE49-F238E27FC236}">
-                <a16:creationId xmlns:a16="http://schemas.microsoft.com/office/drawing/2014/main" id="{52516B45-B711-3D3C-13F5-D8DFE096DABE}"/>
+          <p:cNvPr id="11" name="Straight Arrow Connector 10">
+            <a:extLst>
+              <a:ext uri="{FF2B5EF4-FFF2-40B4-BE49-F238E27FC236}">
+                <a16:creationId xmlns:a16="http://schemas.microsoft.com/office/drawing/2014/main" id="{60024B8E-843F-A8E2-7B1E-68EF6217A234}"/>
               </a:ext>
             </a:extLst>
           </p:cNvPr>
           <p:cNvCxnSpPr>
             <a:cxnSpLocks/>
-            <a:stCxn id="21" idx="3"/>
+            <a:stCxn id="3" idx="0"/>
+            <a:endCxn id="4" idx="3"/>
           </p:cNvCxnSpPr>
           <p:nvPr/>
         </p:nvCxnSpPr>
         <p:spPr>
-          <a:xfrm flipV="1">
-            <a:off x="3388029" y="424778"/>
-            <a:ext cx="2905846" cy="344582"/>
+          <a:xfrm flipH="1" flipV="1">
+            <a:off x="9168385" y="682985"/>
+            <a:ext cx="850392" cy="914245"/>
           </a:xfrm>
           <a:prstGeom prst="straightConnector1">
             <a:avLst/>
@@ -5991,358 +5928,26 @@
           </a:fontRef>
         </p:style>
       </p:cxnSp>
-      <p:sp>
-        <p:nvSpPr>
-          <p:cNvPr id="41" name="TextBox 40">
-            <a:extLst>
-              <a:ext uri="{FF2B5EF4-FFF2-40B4-BE49-F238E27FC236}">
-                <a16:creationId xmlns:a16="http://schemas.microsoft.com/office/drawing/2014/main" id="{8CFC487C-747A-058D-2DD1-5866D8EEC387}"/>
-              </a:ext>
-            </a:extLst>
-          </p:cNvPr>
-          <p:cNvSpPr txBox="1"/>
-          <p:nvPr/>
-        </p:nvSpPr>
-        <p:spPr>
-          <a:xfrm rot="21215828">
-            <a:off x="3411836" y="301302"/>
-            <a:ext cx="2786654" cy="307777"/>
-          </a:xfrm>
-          <a:prstGeom prst="rect">
-            <a:avLst/>
-          </a:prstGeom>
-          <a:noFill/>
-        </p:spPr>
-        <p:txBody>
-          <a:bodyPr wrap="square" rtlCol="0">
-            <a:spAutoFit/>
-          </a:bodyPr>
-          <a:lstStyle/>
-          <a:p>
-            <a:pPr algn="ctr"/>
-            <a:r>
-              <a:rPr lang="en-GB" sz="1400" dirty="0" err="1"/>
-              <a:t>OnPuzzleGameRuleComplete</a:t>
-            </a:r>
-            <a:endParaRPr lang="en-GB" sz="1400" dirty="0"/>
-          </a:p>
-        </p:txBody>
-      </p:sp>
-      <p:sp>
-        <p:nvSpPr>
-          <p:cNvPr id="42" name="TextBox 41">
-            <a:extLst>
-              <a:ext uri="{FF2B5EF4-FFF2-40B4-BE49-F238E27FC236}">
-                <a16:creationId xmlns:a16="http://schemas.microsoft.com/office/drawing/2014/main" id="{F99CBEF3-A835-30F3-6A1C-C7C4825F0D1A}"/>
-              </a:ext>
-            </a:extLst>
-          </p:cNvPr>
-          <p:cNvSpPr txBox="1"/>
-          <p:nvPr/>
-        </p:nvSpPr>
-        <p:spPr>
-          <a:xfrm rot="512940">
-            <a:off x="4110811" y="3416730"/>
-            <a:ext cx="1400556" cy="646331"/>
-          </a:xfrm>
-          <a:prstGeom prst="rect">
-            <a:avLst/>
-          </a:prstGeom>
-          <a:noFill/>
-        </p:spPr>
-        <p:txBody>
-          <a:bodyPr wrap="square" rtlCol="0">
-            <a:spAutoFit/>
-          </a:bodyPr>
-          <a:lstStyle/>
-          <a:p>
-            <a:pPr algn="ctr"/>
-            <a:r>
-              <a:rPr lang="en-GB" dirty="0"/>
-              <a:t>Damage()</a:t>
-            </a:r>
-          </a:p>
-          <a:p>
-            <a:pPr algn="ctr"/>
-            <a:r>
-              <a:rPr lang="en-GB" dirty="0"/>
-              <a:t>&lt;Interface&gt;</a:t>
-            </a:r>
-          </a:p>
-        </p:txBody>
-      </p:sp>
       <p:cxnSp>
         <p:nvCxnSpPr>
-          <p:cNvPr id="43" name="Straight Arrow Connector 42">
-            <a:extLst>
-              <a:ext uri="{FF2B5EF4-FFF2-40B4-BE49-F238E27FC236}">
-                <a16:creationId xmlns:a16="http://schemas.microsoft.com/office/drawing/2014/main" id="{174C9B75-D4A1-1F06-E7E6-CB0A258C8EDC}"/>
+          <p:cNvPr id="12" name="Straight Arrow Connector 11">
+            <a:extLst>
+              <a:ext uri="{FF2B5EF4-FFF2-40B4-BE49-F238E27FC236}">
+                <a16:creationId xmlns:a16="http://schemas.microsoft.com/office/drawing/2014/main" id="{BCE22924-543B-19CD-CB5D-F376234EB559}"/>
               </a:ext>
             </a:extLst>
           </p:cNvPr>
           <p:cNvCxnSpPr>
             <a:cxnSpLocks/>
+            <a:stCxn id="4" idx="1"/>
+            <a:endCxn id="5" idx="0"/>
           </p:cNvCxnSpPr>
           <p:nvPr/>
         </p:nvCxnSpPr>
         <p:spPr>
-          <a:xfrm flipH="1" flipV="1">
-            <a:off x="3346769" y="3538728"/>
-            <a:ext cx="3038839" cy="445163"/>
-          </a:xfrm>
-          <a:prstGeom prst="straightConnector1">
-            <a:avLst/>
-          </a:prstGeom>
-          <a:ln>
-            <a:tailEnd type="triangle"/>
-          </a:ln>
-        </p:spPr>
-        <p:style>
-          <a:lnRef idx="2">
-            <a:schemeClr val="accent1"/>
-          </a:lnRef>
-          <a:fillRef idx="0">
-            <a:schemeClr val="accent1"/>
-          </a:fillRef>
-          <a:effectRef idx="1">
-            <a:schemeClr val="accent1"/>
-          </a:effectRef>
-          <a:fontRef idx="minor">
-            <a:schemeClr val="tx1"/>
-          </a:fontRef>
-        </p:style>
-      </p:cxnSp>
-      <p:sp>
-        <p:nvSpPr>
-          <p:cNvPr id="47" name="TextBox 46">
-            <a:extLst>
-              <a:ext uri="{FF2B5EF4-FFF2-40B4-BE49-F238E27FC236}">
-                <a16:creationId xmlns:a16="http://schemas.microsoft.com/office/drawing/2014/main" id="{3DE8486A-1646-B4D5-E8EE-6092B0CEAB16}"/>
-              </a:ext>
-            </a:extLst>
-          </p:cNvPr>
-          <p:cNvSpPr txBox="1"/>
-          <p:nvPr/>
-        </p:nvSpPr>
-        <p:spPr>
-          <a:xfrm>
-            <a:off x="180015" y="1945886"/>
-            <a:ext cx="1731257" cy="369332"/>
-          </a:xfrm>
-          <a:prstGeom prst="rect">
-            <a:avLst/>
-          </a:prstGeom>
-          <a:noFill/>
-        </p:spPr>
-        <p:txBody>
-          <a:bodyPr wrap="square" rtlCol="0">
-            <a:spAutoFit/>
-          </a:bodyPr>
-          <a:lstStyle/>
-          <a:p>
-            <a:pPr algn="r"/>
-            <a:r>
-              <a:rPr lang="en-GB" dirty="0" err="1"/>
-              <a:t>OnTargetDefeat</a:t>
-            </a:r>
-            <a:endParaRPr lang="en-GB" dirty="0"/>
-          </a:p>
-        </p:txBody>
-      </p:sp>
-      <p:sp>
-        <p:nvSpPr>
-          <p:cNvPr id="75" name="Rectangle 74">
-            <a:extLst>
-              <a:ext uri="{FF2B5EF4-FFF2-40B4-BE49-F238E27FC236}">
-                <a16:creationId xmlns:a16="http://schemas.microsoft.com/office/drawing/2014/main" id="{3DE25C81-1E94-8104-0E20-98F4EDD92F14}"/>
-              </a:ext>
-            </a:extLst>
-          </p:cNvPr>
-          <p:cNvSpPr/>
-          <p:nvPr/>
-        </p:nvSpPr>
-        <p:spPr>
-          <a:xfrm>
-            <a:off x="10155497" y="222684"/>
-            <a:ext cx="1956504" cy="804672"/>
-          </a:xfrm>
-          <a:prstGeom prst="rect">
-            <a:avLst/>
-          </a:prstGeom>
-          <a:solidFill>
-            <a:schemeClr val="accent6">
-              <a:lumMod val="40000"/>
-              <a:lumOff val="60000"/>
-            </a:schemeClr>
-          </a:solidFill>
-          <a:ln>
-            <a:noFill/>
-          </a:ln>
-        </p:spPr>
-        <p:style>
-          <a:lnRef idx="2">
-            <a:schemeClr val="accent1">
-              <a:shade val="15000"/>
-            </a:schemeClr>
-          </a:lnRef>
-          <a:fillRef idx="1">
-            <a:schemeClr val="accent1"/>
-          </a:fillRef>
-          <a:effectRef idx="0">
-            <a:schemeClr val="accent1"/>
-          </a:effectRef>
-          <a:fontRef idx="minor">
-            <a:schemeClr val="lt1"/>
-          </a:fontRef>
-        </p:style>
-        <p:txBody>
-          <a:bodyPr rtlCol="0" anchor="ctr"/>
-          <a:lstStyle/>
-          <a:p>
-            <a:pPr algn="ctr"/>
-            <a:r>
-              <a:rPr lang="en-GB" dirty="0" err="1"/>
-              <a:t>GameRule_Timer</a:t>
-            </a:r>
-            <a:endParaRPr lang="en-GB" dirty="0"/>
-          </a:p>
-        </p:txBody>
-      </p:sp>
-      <p:cxnSp>
-        <p:nvCxnSpPr>
-          <p:cNvPr id="76" name="Straight Arrow Connector 75">
-            <a:extLst>
-              <a:ext uri="{FF2B5EF4-FFF2-40B4-BE49-F238E27FC236}">
-                <a16:creationId xmlns:a16="http://schemas.microsoft.com/office/drawing/2014/main" id="{07BD1696-08BC-58A9-5172-D98B30166634}"/>
-              </a:ext>
-            </a:extLst>
-          </p:cNvPr>
-          <p:cNvCxnSpPr>
-            <a:cxnSpLocks/>
-            <a:stCxn id="75" idx="1"/>
-            <a:endCxn id="49" idx="1"/>
-          </p:cNvCxnSpPr>
-          <p:nvPr/>
-        </p:nvCxnSpPr>
-        <p:spPr>
-          <a:xfrm flipH="1" flipV="1">
-            <a:off x="7958170" y="295321"/>
-            <a:ext cx="2197327" cy="329699"/>
-          </a:xfrm>
-          <a:prstGeom prst="straightConnector1">
-            <a:avLst/>
-          </a:prstGeom>
-          <a:ln>
-            <a:tailEnd type="triangle"/>
-          </a:ln>
-        </p:spPr>
-        <p:style>
-          <a:lnRef idx="2">
-            <a:schemeClr val="accent1"/>
-          </a:lnRef>
-          <a:fillRef idx="0">
-            <a:schemeClr val="accent1"/>
-          </a:fillRef>
-          <a:effectRef idx="1">
-            <a:schemeClr val="accent1"/>
-          </a:effectRef>
-          <a:fontRef idx="minor">
-            <a:schemeClr val="tx1"/>
-          </a:fontRef>
-        </p:style>
-      </p:cxnSp>
-      <p:sp>
-        <p:nvSpPr>
-          <p:cNvPr id="80" name="TextBox 79">
-            <a:extLst>
-              <a:ext uri="{FF2B5EF4-FFF2-40B4-BE49-F238E27FC236}">
-                <a16:creationId xmlns:a16="http://schemas.microsoft.com/office/drawing/2014/main" id="{F99E04BB-153F-401B-EA11-714C64D1A4B4}"/>
-              </a:ext>
-            </a:extLst>
-          </p:cNvPr>
-          <p:cNvSpPr txBox="1"/>
-          <p:nvPr/>
-        </p:nvSpPr>
-        <p:spPr>
-          <a:xfrm rot="501255">
-            <a:off x="7706257" y="181753"/>
-            <a:ext cx="2786654" cy="307777"/>
-          </a:xfrm>
-          <a:prstGeom prst="rect">
-            <a:avLst/>
-          </a:prstGeom>
-          <a:noFill/>
-        </p:spPr>
-        <p:txBody>
-          <a:bodyPr wrap="square" rtlCol="0">
-            <a:spAutoFit/>
-          </a:bodyPr>
-          <a:lstStyle/>
-          <a:p>
-            <a:pPr algn="ctr"/>
-            <a:r>
-              <a:rPr lang="en-GB" sz="1400" dirty="0" err="1"/>
-              <a:t>OnPuzzleGameRuleComplete</a:t>
-            </a:r>
-            <a:endParaRPr lang="en-GB" sz="1400" dirty="0"/>
-          </a:p>
-        </p:txBody>
-      </p:sp>
-      <p:sp>
-        <p:nvSpPr>
-          <p:cNvPr id="15" name="TextBox 14">
-            <a:extLst>
-              <a:ext uri="{FF2B5EF4-FFF2-40B4-BE49-F238E27FC236}">
-                <a16:creationId xmlns:a16="http://schemas.microsoft.com/office/drawing/2014/main" id="{3E0D3DEE-7471-886C-1F01-53939B42904A}"/>
-              </a:ext>
-            </a:extLst>
-          </p:cNvPr>
-          <p:cNvSpPr txBox="1"/>
-          <p:nvPr/>
-        </p:nvSpPr>
-        <p:spPr>
-          <a:xfrm>
-            <a:off x="5258077" y="1163319"/>
-            <a:ext cx="1900159" cy="369332"/>
-          </a:xfrm>
-          <a:prstGeom prst="rect">
-            <a:avLst/>
-          </a:prstGeom>
-          <a:noFill/>
-        </p:spPr>
-        <p:txBody>
-          <a:bodyPr wrap="square" rtlCol="0">
-            <a:spAutoFit/>
-          </a:bodyPr>
-          <a:lstStyle/>
-          <a:p>
-            <a:pPr algn="ctr"/>
-            <a:r>
-              <a:rPr lang="en-GB" dirty="0" err="1"/>
-              <a:t>OnRespawnAlert</a:t>
-            </a:r>
-            <a:endParaRPr lang="en-GB" dirty="0"/>
-          </a:p>
-        </p:txBody>
-      </p:sp>
-      <p:cxnSp>
-        <p:nvCxnSpPr>
-          <p:cNvPr id="18" name="Straight Arrow Connector 17">
-            <a:extLst>
-              <a:ext uri="{FF2B5EF4-FFF2-40B4-BE49-F238E27FC236}">
-                <a16:creationId xmlns:a16="http://schemas.microsoft.com/office/drawing/2014/main" id="{C120323D-18DD-7EAB-4CD0-2CC0241C8EFE}"/>
-              </a:ext>
-            </a:extLst>
-          </p:cNvPr>
-          <p:cNvCxnSpPr>
-            <a:cxnSpLocks/>
-          </p:cNvCxnSpPr>
-          <p:nvPr/>
-        </p:nvCxnSpPr>
-        <p:spPr>
-          <a:xfrm flipV="1">
-            <a:off x="7158236" y="969264"/>
-            <a:ext cx="0" cy="755904"/>
+          <a:xfrm flipH="1">
+            <a:off x="4166616" y="682985"/>
+            <a:ext cx="3300985" cy="969031"/>
           </a:xfrm>
           <a:prstGeom prst="straightConnector1">
             <a:avLst/>
@@ -6369,7 +5974,7 @@
     </p:spTree>
     <p:extLst>
       <p:ext uri="{BB962C8B-B14F-4D97-AF65-F5344CB8AC3E}">
-        <p14:creationId xmlns:p14="http://schemas.microsoft.com/office/powerpoint/2010/main" val="3877319224"/>
+        <p14:creationId xmlns:p14="http://schemas.microsoft.com/office/powerpoint/2010/main" val="1819057367"/>
       </p:ext>
     </p:extLst>
   </p:cSld>
@@ -6401,6 +6006,1198 @@
           <p:cNvPr id="4" name="Rectangle 3">
             <a:extLst>
               <a:ext uri="{FF2B5EF4-FFF2-40B4-BE49-F238E27FC236}">
+                <a16:creationId xmlns:a16="http://schemas.microsoft.com/office/drawing/2014/main" id="{5B596D2D-ED25-73E0-5C03-005459F73649}"/>
+              </a:ext>
+            </a:extLst>
+          </p:cNvPr>
+          <p:cNvSpPr/>
+          <p:nvPr/>
+        </p:nvSpPr>
+        <p:spPr>
+          <a:xfrm>
+            <a:off x="6342888" y="164592"/>
+            <a:ext cx="1700784" cy="804672"/>
+          </a:xfrm>
+          <a:prstGeom prst="rect">
+            <a:avLst/>
+          </a:prstGeom>
+        </p:spPr>
+        <p:style>
+          <a:lnRef idx="2">
+            <a:schemeClr val="accent1">
+              <a:shade val="15000"/>
+            </a:schemeClr>
+          </a:lnRef>
+          <a:fillRef idx="1">
+            <a:schemeClr val="accent1"/>
+          </a:fillRef>
+          <a:effectRef idx="0">
+            <a:schemeClr val="accent1"/>
+          </a:effectRef>
+          <a:fontRef idx="minor">
+            <a:schemeClr val="lt1"/>
+          </a:fontRef>
+        </p:style>
+        <p:txBody>
+          <a:bodyPr rtlCol="0" anchor="ctr"/>
+          <a:lstStyle/>
+          <a:p>
+            <a:pPr algn="ctr"/>
+            <a:r>
+              <a:rPr lang="en-GB" dirty="0" err="1"/>
+              <a:t>GameMode</a:t>
+            </a:r>
+            <a:endParaRPr lang="en-GB" dirty="0"/>
+          </a:p>
+        </p:txBody>
+      </p:sp>
+      <p:sp>
+        <p:nvSpPr>
+          <p:cNvPr id="5" name="Rectangle 4">
+            <a:extLst>
+              <a:ext uri="{FF2B5EF4-FFF2-40B4-BE49-F238E27FC236}">
+                <a16:creationId xmlns:a16="http://schemas.microsoft.com/office/drawing/2014/main" id="{50460C7B-9CD0-DDBD-D8A7-4DC5EFE1FF18}"/>
+              </a:ext>
+            </a:extLst>
+          </p:cNvPr>
+          <p:cNvSpPr/>
+          <p:nvPr/>
+        </p:nvSpPr>
+        <p:spPr>
+          <a:xfrm>
+            <a:off x="6342888" y="1725168"/>
+            <a:ext cx="1700784" cy="804672"/>
+          </a:xfrm>
+          <a:prstGeom prst="rect">
+            <a:avLst/>
+          </a:prstGeom>
+        </p:spPr>
+        <p:style>
+          <a:lnRef idx="2">
+            <a:schemeClr val="accent1">
+              <a:shade val="15000"/>
+            </a:schemeClr>
+          </a:lnRef>
+          <a:fillRef idx="1">
+            <a:schemeClr val="accent1"/>
+          </a:fillRef>
+          <a:effectRef idx="0">
+            <a:schemeClr val="accent1"/>
+          </a:effectRef>
+          <a:fontRef idx="minor">
+            <a:schemeClr val="lt1"/>
+          </a:fontRef>
+        </p:style>
+        <p:txBody>
+          <a:bodyPr rtlCol="0" anchor="ctr"/>
+          <a:lstStyle/>
+          <a:p>
+            <a:pPr algn="ctr"/>
+            <a:r>
+              <a:rPr lang="en-GB" dirty="0"/>
+              <a:t>Player Controller</a:t>
+            </a:r>
+          </a:p>
+        </p:txBody>
+      </p:sp>
+      <p:sp>
+        <p:nvSpPr>
+          <p:cNvPr id="6" name="Rectangle 5">
+            <a:extLst>
+              <a:ext uri="{FF2B5EF4-FFF2-40B4-BE49-F238E27FC236}">
+                <a16:creationId xmlns:a16="http://schemas.microsoft.com/office/drawing/2014/main" id="{B8DBD5DD-DF77-26C6-8745-5E2275F35289}"/>
+              </a:ext>
+            </a:extLst>
+          </p:cNvPr>
+          <p:cNvSpPr/>
+          <p:nvPr/>
+        </p:nvSpPr>
+        <p:spPr>
+          <a:xfrm>
+            <a:off x="6342888" y="3285744"/>
+            <a:ext cx="1700784" cy="804672"/>
+          </a:xfrm>
+          <a:prstGeom prst="rect">
+            <a:avLst/>
+          </a:prstGeom>
+        </p:spPr>
+        <p:style>
+          <a:lnRef idx="2">
+            <a:schemeClr val="accent1">
+              <a:shade val="15000"/>
+            </a:schemeClr>
+          </a:lnRef>
+          <a:fillRef idx="1">
+            <a:schemeClr val="accent1"/>
+          </a:fillRef>
+          <a:effectRef idx="0">
+            <a:schemeClr val="accent1"/>
+          </a:effectRef>
+          <a:fontRef idx="minor">
+            <a:schemeClr val="lt1"/>
+          </a:fontRef>
+        </p:style>
+        <p:txBody>
+          <a:bodyPr rtlCol="0" anchor="ctr"/>
+          <a:lstStyle/>
+          <a:p>
+            <a:pPr algn="ctr"/>
+            <a:r>
+              <a:rPr lang="en-GB" dirty="0"/>
+              <a:t>Guy(s)</a:t>
+            </a:r>
+          </a:p>
+        </p:txBody>
+      </p:sp>
+      <p:sp>
+        <p:nvSpPr>
+          <p:cNvPr id="7" name="Rectangle 6">
+            <a:extLst>
+              <a:ext uri="{FF2B5EF4-FFF2-40B4-BE49-F238E27FC236}">
+                <a16:creationId xmlns:a16="http://schemas.microsoft.com/office/drawing/2014/main" id="{CAF67295-59EC-0F62-C39C-26E590DA10A0}"/>
+              </a:ext>
+            </a:extLst>
+          </p:cNvPr>
+          <p:cNvSpPr/>
+          <p:nvPr/>
+        </p:nvSpPr>
+        <p:spPr>
+          <a:xfrm>
+            <a:off x="9260382" y="3285744"/>
+            <a:ext cx="1700784" cy="804672"/>
+          </a:xfrm>
+          <a:prstGeom prst="rect">
+            <a:avLst/>
+          </a:prstGeom>
+          <a:solidFill>
+            <a:schemeClr val="accent5">
+              <a:lumMod val="40000"/>
+              <a:lumOff val="60000"/>
+            </a:schemeClr>
+          </a:solidFill>
+          <a:ln>
+            <a:noFill/>
+          </a:ln>
+        </p:spPr>
+        <p:style>
+          <a:lnRef idx="2">
+            <a:schemeClr val="accent1">
+              <a:shade val="15000"/>
+            </a:schemeClr>
+          </a:lnRef>
+          <a:fillRef idx="1">
+            <a:schemeClr val="accent1"/>
+          </a:fillRef>
+          <a:effectRef idx="0">
+            <a:schemeClr val="accent1"/>
+          </a:effectRef>
+          <a:fontRef idx="minor">
+            <a:schemeClr val="lt1"/>
+          </a:fontRef>
+        </p:style>
+        <p:txBody>
+          <a:bodyPr rtlCol="0" anchor="ctr"/>
+          <a:lstStyle/>
+          <a:p>
+            <a:pPr algn="ctr"/>
+            <a:r>
+              <a:rPr lang="en-GB" dirty="0"/>
+              <a:t>Candy</a:t>
+            </a:r>
+          </a:p>
+        </p:txBody>
+      </p:sp>
+      <p:sp>
+        <p:nvSpPr>
+          <p:cNvPr id="8" name="Rectangle 7">
+            <a:extLst>
+              <a:ext uri="{FF2B5EF4-FFF2-40B4-BE49-F238E27FC236}">
+                <a16:creationId xmlns:a16="http://schemas.microsoft.com/office/drawing/2014/main" id="{5E820504-C2EC-BA18-B846-9FC190BF5EA5}"/>
+              </a:ext>
+            </a:extLst>
+          </p:cNvPr>
+          <p:cNvSpPr/>
+          <p:nvPr/>
+        </p:nvSpPr>
+        <p:spPr>
+          <a:xfrm>
+            <a:off x="8468868" y="1728216"/>
+            <a:ext cx="2356104" cy="804672"/>
+          </a:xfrm>
+          <a:prstGeom prst="rect">
+            <a:avLst/>
+          </a:prstGeom>
+          <a:solidFill>
+            <a:schemeClr val="accent5">
+              <a:lumMod val="40000"/>
+              <a:lumOff val="60000"/>
+            </a:schemeClr>
+          </a:solidFill>
+          <a:ln>
+            <a:noFill/>
+          </a:ln>
+        </p:spPr>
+        <p:style>
+          <a:lnRef idx="2">
+            <a:schemeClr val="accent1">
+              <a:shade val="15000"/>
+            </a:schemeClr>
+          </a:lnRef>
+          <a:fillRef idx="1">
+            <a:schemeClr val="accent1"/>
+          </a:fillRef>
+          <a:effectRef idx="0">
+            <a:schemeClr val="accent1"/>
+          </a:effectRef>
+          <a:fontRef idx="minor">
+            <a:schemeClr val="lt1"/>
+          </a:fontRef>
+        </p:style>
+        <p:txBody>
+          <a:bodyPr rtlCol="0" anchor="ctr"/>
+          <a:lstStyle/>
+          <a:p>
+            <a:pPr algn="ctr"/>
+            <a:r>
+              <a:rPr lang="en-GB" dirty="0" err="1"/>
+              <a:t>GameRule_Candy</a:t>
+            </a:r>
+            <a:endParaRPr lang="en-GB" dirty="0"/>
+          </a:p>
+        </p:txBody>
+      </p:sp>
+      <p:cxnSp>
+        <p:nvCxnSpPr>
+          <p:cNvPr id="16" name="Straight Arrow Connector 15">
+            <a:extLst>
+              <a:ext uri="{FF2B5EF4-FFF2-40B4-BE49-F238E27FC236}">
+                <a16:creationId xmlns:a16="http://schemas.microsoft.com/office/drawing/2014/main" id="{7031BFE6-19BD-0B88-3E58-1DFE689C96B3}"/>
+              </a:ext>
+            </a:extLst>
+          </p:cNvPr>
+          <p:cNvCxnSpPr>
+            <a:stCxn id="6" idx="3"/>
+            <a:endCxn id="7" idx="1"/>
+          </p:cNvCxnSpPr>
+          <p:nvPr/>
+        </p:nvCxnSpPr>
+        <p:spPr>
+          <a:xfrm>
+            <a:off x="8043672" y="3688080"/>
+            <a:ext cx="1216710" cy="0"/>
+          </a:xfrm>
+          <a:prstGeom prst="straightConnector1">
+            <a:avLst/>
+          </a:prstGeom>
+          <a:ln>
+            <a:tailEnd type="triangle"/>
+          </a:ln>
+        </p:spPr>
+        <p:style>
+          <a:lnRef idx="2">
+            <a:schemeClr val="accent1"/>
+          </a:lnRef>
+          <a:fillRef idx="0">
+            <a:schemeClr val="accent1"/>
+          </a:fillRef>
+          <a:effectRef idx="1">
+            <a:schemeClr val="accent1"/>
+          </a:effectRef>
+          <a:fontRef idx="minor">
+            <a:schemeClr val="tx1"/>
+          </a:fontRef>
+        </p:style>
+      </p:cxnSp>
+      <p:sp>
+        <p:nvSpPr>
+          <p:cNvPr id="17" name="TextBox 16">
+            <a:extLst>
+              <a:ext uri="{FF2B5EF4-FFF2-40B4-BE49-F238E27FC236}">
+                <a16:creationId xmlns:a16="http://schemas.microsoft.com/office/drawing/2014/main" id="{FA6EB0A9-DA92-B382-AABA-CCD98D615934}"/>
+              </a:ext>
+            </a:extLst>
+          </p:cNvPr>
+          <p:cNvSpPr txBox="1"/>
+          <p:nvPr/>
+        </p:nvSpPr>
+        <p:spPr>
+          <a:xfrm>
+            <a:off x="7951749" y="3349752"/>
+            <a:ext cx="1400556" cy="646331"/>
+          </a:xfrm>
+          <a:prstGeom prst="rect">
+            <a:avLst/>
+          </a:prstGeom>
+          <a:noFill/>
+        </p:spPr>
+        <p:txBody>
+          <a:bodyPr wrap="square" rtlCol="0">
+            <a:spAutoFit/>
+          </a:bodyPr>
+          <a:lstStyle/>
+          <a:p>
+            <a:pPr algn="ctr"/>
+            <a:r>
+              <a:rPr lang="en-GB" dirty="0"/>
+              <a:t>Eat()</a:t>
+            </a:r>
+          </a:p>
+          <a:p>
+            <a:pPr algn="ctr"/>
+            <a:r>
+              <a:rPr lang="en-GB" dirty="0"/>
+              <a:t>&lt;Interface&gt;</a:t>
+            </a:r>
+          </a:p>
+        </p:txBody>
+      </p:sp>
+      <p:cxnSp>
+        <p:nvCxnSpPr>
+          <p:cNvPr id="45" name="Straight Arrow Connector 44">
+            <a:extLst>
+              <a:ext uri="{FF2B5EF4-FFF2-40B4-BE49-F238E27FC236}">
+                <a16:creationId xmlns:a16="http://schemas.microsoft.com/office/drawing/2014/main" id="{FCB6D5FB-65C5-2CF2-3164-F59D3C41B65A}"/>
+              </a:ext>
+            </a:extLst>
+          </p:cNvPr>
+          <p:cNvCxnSpPr>
+            <a:cxnSpLocks/>
+          </p:cNvCxnSpPr>
+          <p:nvPr/>
+        </p:nvCxnSpPr>
+        <p:spPr>
+          <a:xfrm flipV="1">
+            <a:off x="9401075" y="2584626"/>
+            <a:ext cx="0" cy="701118"/>
+          </a:xfrm>
+          <a:prstGeom prst="straightConnector1">
+            <a:avLst/>
+          </a:prstGeom>
+          <a:ln>
+            <a:tailEnd type="triangle"/>
+          </a:ln>
+        </p:spPr>
+        <p:style>
+          <a:lnRef idx="2">
+            <a:schemeClr val="accent1"/>
+          </a:lnRef>
+          <a:fillRef idx="0">
+            <a:schemeClr val="accent1"/>
+          </a:fillRef>
+          <a:effectRef idx="1">
+            <a:schemeClr val="accent1"/>
+          </a:effectRef>
+          <a:fontRef idx="minor">
+            <a:schemeClr val="tx1"/>
+          </a:fontRef>
+        </p:style>
+      </p:cxnSp>
+      <p:sp>
+        <p:nvSpPr>
+          <p:cNvPr id="48" name="TextBox 47">
+            <a:extLst>
+              <a:ext uri="{FF2B5EF4-FFF2-40B4-BE49-F238E27FC236}">
+                <a16:creationId xmlns:a16="http://schemas.microsoft.com/office/drawing/2014/main" id="{3A1F650E-CC9C-79CA-9513-96315AB7B22C}"/>
+              </a:ext>
+            </a:extLst>
+          </p:cNvPr>
+          <p:cNvSpPr txBox="1"/>
+          <p:nvPr/>
+        </p:nvSpPr>
+        <p:spPr>
+          <a:xfrm>
+            <a:off x="9352305" y="2750519"/>
+            <a:ext cx="1700779" cy="369332"/>
+          </a:xfrm>
+          <a:prstGeom prst="rect">
+            <a:avLst/>
+          </a:prstGeom>
+          <a:noFill/>
+        </p:spPr>
+        <p:txBody>
+          <a:bodyPr wrap="square" rtlCol="0">
+            <a:spAutoFit/>
+          </a:bodyPr>
+          <a:lstStyle/>
+          <a:p>
+            <a:pPr algn="ctr"/>
+            <a:r>
+              <a:rPr lang="en-GB" dirty="0" err="1"/>
+              <a:t>OnCandyEaten</a:t>
+            </a:r>
+            <a:endParaRPr lang="en-GB" dirty="0"/>
+          </a:p>
+        </p:txBody>
+      </p:sp>
+      <p:sp>
+        <p:nvSpPr>
+          <p:cNvPr id="49" name="TextBox 48">
+            <a:extLst>
+              <a:ext uri="{FF2B5EF4-FFF2-40B4-BE49-F238E27FC236}">
+                <a16:creationId xmlns:a16="http://schemas.microsoft.com/office/drawing/2014/main" id="{E4ADD8A5-D7FF-0D97-4233-0CEE379F77B4}"/>
+              </a:ext>
+            </a:extLst>
+          </p:cNvPr>
+          <p:cNvSpPr txBox="1"/>
+          <p:nvPr/>
+        </p:nvSpPr>
+        <p:spPr>
+          <a:xfrm rot="1910503">
+            <a:off x="7748487" y="876516"/>
+            <a:ext cx="2786654" cy="307777"/>
+          </a:xfrm>
+          <a:prstGeom prst="rect">
+            <a:avLst/>
+          </a:prstGeom>
+          <a:noFill/>
+        </p:spPr>
+        <p:txBody>
+          <a:bodyPr wrap="square" rtlCol="0">
+            <a:spAutoFit/>
+          </a:bodyPr>
+          <a:lstStyle/>
+          <a:p>
+            <a:pPr algn="ctr"/>
+            <a:r>
+              <a:rPr lang="en-GB" sz="1400" dirty="0" err="1"/>
+              <a:t>OnPuzzleGameRuleComplete</a:t>
+            </a:r>
+            <a:endParaRPr lang="en-GB" sz="1400" dirty="0"/>
+          </a:p>
+        </p:txBody>
+      </p:sp>
+      <p:cxnSp>
+        <p:nvCxnSpPr>
+          <p:cNvPr id="50" name="Straight Arrow Connector 49">
+            <a:extLst>
+              <a:ext uri="{FF2B5EF4-FFF2-40B4-BE49-F238E27FC236}">
+                <a16:creationId xmlns:a16="http://schemas.microsoft.com/office/drawing/2014/main" id="{28331C21-B765-E591-79A4-9C50C0B0E23B}"/>
+              </a:ext>
+            </a:extLst>
+          </p:cNvPr>
+          <p:cNvCxnSpPr>
+            <a:cxnSpLocks/>
+            <a:endCxn id="4" idx="3"/>
+          </p:cNvCxnSpPr>
+          <p:nvPr/>
+        </p:nvCxnSpPr>
+        <p:spPr>
+          <a:xfrm flipH="1" flipV="1">
+            <a:off x="8043672" y="566928"/>
+            <a:ext cx="1895856" cy="1158240"/>
+          </a:xfrm>
+          <a:prstGeom prst="straightConnector1">
+            <a:avLst/>
+          </a:prstGeom>
+          <a:ln>
+            <a:tailEnd type="triangle"/>
+          </a:ln>
+        </p:spPr>
+        <p:style>
+          <a:lnRef idx="2">
+            <a:schemeClr val="accent1"/>
+          </a:lnRef>
+          <a:fillRef idx="0">
+            <a:schemeClr val="accent1"/>
+          </a:fillRef>
+          <a:effectRef idx="1">
+            <a:schemeClr val="accent1"/>
+          </a:effectRef>
+          <a:fontRef idx="minor">
+            <a:schemeClr val="tx1"/>
+          </a:fontRef>
+        </p:style>
+      </p:cxnSp>
+      <p:cxnSp>
+        <p:nvCxnSpPr>
+          <p:cNvPr id="3" name="Straight Arrow Connector 2">
+            <a:extLst>
+              <a:ext uri="{FF2B5EF4-FFF2-40B4-BE49-F238E27FC236}">
+                <a16:creationId xmlns:a16="http://schemas.microsoft.com/office/drawing/2014/main" id="{BFD7ACDF-5DB5-09A9-8BBA-3C1281CEAEDB}"/>
+              </a:ext>
+            </a:extLst>
+          </p:cNvPr>
+          <p:cNvCxnSpPr>
+            <a:cxnSpLocks/>
+            <a:stCxn id="6" idx="0"/>
+            <a:endCxn id="5" idx="2"/>
+          </p:cNvCxnSpPr>
+          <p:nvPr/>
+        </p:nvCxnSpPr>
+        <p:spPr>
+          <a:xfrm flipV="1">
+            <a:off x="7193280" y="2529840"/>
+            <a:ext cx="0" cy="755904"/>
+          </a:xfrm>
+          <a:prstGeom prst="straightConnector1">
+            <a:avLst/>
+          </a:prstGeom>
+          <a:ln>
+            <a:tailEnd type="triangle"/>
+          </a:ln>
+        </p:spPr>
+        <p:style>
+          <a:lnRef idx="2">
+            <a:schemeClr val="accent1"/>
+          </a:lnRef>
+          <a:fillRef idx="0">
+            <a:schemeClr val="accent1"/>
+          </a:fillRef>
+          <a:effectRef idx="1">
+            <a:schemeClr val="accent1"/>
+          </a:effectRef>
+          <a:fontRef idx="minor">
+            <a:schemeClr val="tx1"/>
+          </a:fontRef>
+        </p:style>
+      </p:cxnSp>
+      <p:sp>
+        <p:nvSpPr>
+          <p:cNvPr id="13" name="TextBox 12">
+            <a:extLst>
+              <a:ext uri="{FF2B5EF4-FFF2-40B4-BE49-F238E27FC236}">
+                <a16:creationId xmlns:a16="http://schemas.microsoft.com/office/drawing/2014/main" id="{1CDD183D-8B6E-5705-2E26-00A459B452A1}"/>
+              </a:ext>
+            </a:extLst>
+          </p:cNvPr>
+          <p:cNvSpPr txBox="1"/>
+          <p:nvPr/>
+        </p:nvSpPr>
+        <p:spPr>
+          <a:xfrm>
+            <a:off x="5612979" y="2723126"/>
+            <a:ext cx="1545257" cy="369332"/>
+          </a:xfrm>
+          <a:prstGeom prst="rect">
+            <a:avLst/>
+          </a:prstGeom>
+          <a:noFill/>
+        </p:spPr>
+        <p:txBody>
+          <a:bodyPr wrap="square" rtlCol="0">
+            <a:spAutoFit/>
+          </a:bodyPr>
+          <a:lstStyle/>
+          <a:p>
+            <a:pPr algn="ctr"/>
+            <a:r>
+              <a:rPr lang="en-GB" dirty="0" err="1"/>
+              <a:t>OnGuyDeath</a:t>
+            </a:r>
+            <a:endParaRPr lang="en-GB" dirty="0"/>
+          </a:p>
+        </p:txBody>
+      </p:sp>
+      <p:sp>
+        <p:nvSpPr>
+          <p:cNvPr id="21" name="Rectangle 20">
+            <a:extLst>
+              <a:ext uri="{FF2B5EF4-FFF2-40B4-BE49-F238E27FC236}">
+                <a16:creationId xmlns:a16="http://schemas.microsoft.com/office/drawing/2014/main" id="{2BCF8354-A5BE-0C9E-E29A-AA01AF6231F4}"/>
+              </a:ext>
+            </a:extLst>
+          </p:cNvPr>
+          <p:cNvSpPr/>
+          <p:nvPr/>
+        </p:nvSpPr>
+        <p:spPr>
+          <a:xfrm>
+            <a:off x="434518" y="367024"/>
+            <a:ext cx="2953511" cy="804672"/>
+          </a:xfrm>
+          <a:prstGeom prst="rect">
+            <a:avLst/>
+          </a:prstGeom>
+          <a:solidFill>
+            <a:schemeClr val="accent2">
+              <a:lumMod val="75000"/>
+            </a:schemeClr>
+          </a:solidFill>
+          <a:ln>
+            <a:noFill/>
+          </a:ln>
+        </p:spPr>
+        <p:style>
+          <a:lnRef idx="2">
+            <a:schemeClr val="accent1">
+              <a:shade val="15000"/>
+            </a:schemeClr>
+          </a:lnRef>
+          <a:fillRef idx="1">
+            <a:schemeClr val="accent1"/>
+          </a:fillRef>
+          <a:effectRef idx="0">
+            <a:schemeClr val="accent1"/>
+          </a:effectRef>
+          <a:fontRef idx="minor">
+            <a:schemeClr val="lt1"/>
+          </a:fontRef>
+        </p:style>
+        <p:txBody>
+          <a:bodyPr rtlCol="0" anchor="ctr"/>
+          <a:lstStyle/>
+          <a:p>
+            <a:pPr algn="ctr"/>
+            <a:r>
+              <a:rPr lang="en-GB" dirty="0" err="1"/>
+              <a:t>GameRule_Target</a:t>
+            </a:r>
+            <a:endParaRPr lang="en-GB" dirty="0"/>
+          </a:p>
+        </p:txBody>
+      </p:sp>
+      <p:sp>
+        <p:nvSpPr>
+          <p:cNvPr id="31" name="Rectangle 30">
+            <a:extLst>
+              <a:ext uri="{FF2B5EF4-FFF2-40B4-BE49-F238E27FC236}">
+                <a16:creationId xmlns:a16="http://schemas.microsoft.com/office/drawing/2014/main" id="{9C7ACE6A-2A96-33BD-0D16-B83142DA368F}"/>
+              </a:ext>
+            </a:extLst>
+          </p:cNvPr>
+          <p:cNvSpPr/>
+          <p:nvPr/>
+        </p:nvSpPr>
+        <p:spPr>
+          <a:xfrm>
+            <a:off x="434517" y="2935224"/>
+            <a:ext cx="2953511" cy="804672"/>
+          </a:xfrm>
+          <a:prstGeom prst="rect">
+            <a:avLst/>
+          </a:prstGeom>
+          <a:solidFill>
+            <a:schemeClr val="accent2">
+              <a:lumMod val="75000"/>
+            </a:schemeClr>
+          </a:solidFill>
+          <a:ln>
+            <a:noFill/>
+          </a:ln>
+        </p:spPr>
+        <p:style>
+          <a:lnRef idx="2">
+            <a:schemeClr val="accent1">
+              <a:shade val="15000"/>
+            </a:schemeClr>
+          </a:lnRef>
+          <a:fillRef idx="1">
+            <a:schemeClr val="accent1"/>
+          </a:fillRef>
+          <a:effectRef idx="0">
+            <a:schemeClr val="accent1"/>
+          </a:effectRef>
+          <a:fontRef idx="minor">
+            <a:schemeClr val="lt1"/>
+          </a:fontRef>
+        </p:style>
+        <p:txBody>
+          <a:bodyPr rtlCol="0" anchor="ctr"/>
+          <a:lstStyle/>
+          <a:p>
+            <a:pPr algn="ctr"/>
+            <a:r>
+              <a:rPr lang="en-GB" dirty="0"/>
+              <a:t>Target</a:t>
+            </a:r>
+          </a:p>
+        </p:txBody>
+      </p:sp>
+      <p:cxnSp>
+        <p:nvCxnSpPr>
+          <p:cNvPr id="32" name="Straight Arrow Connector 31">
+            <a:extLst>
+              <a:ext uri="{FF2B5EF4-FFF2-40B4-BE49-F238E27FC236}">
+                <a16:creationId xmlns:a16="http://schemas.microsoft.com/office/drawing/2014/main" id="{66849A8A-F5CA-8D7D-B3FC-DD78C3F87CD0}"/>
+              </a:ext>
+            </a:extLst>
+          </p:cNvPr>
+          <p:cNvCxnSpPr>
+            <a:cxnSpLocks/>
+            <a:stCxn id="31" idx="0"/>
+            <a:endCxn id="21" idx="2"/>
+          </p:cNvCxnSpPr>
+          <p:nvPr/>
+        </p:nvCxnSpPr>
+        <p:spPr>
+          <a:xfrm flipV="1">
+            <a:off x="1911273" y="1171696"/>
+            <a:ext cx="1" cy="1763528"/>
+          </a:xfrm>
+          <a:prstGeom prst="straightConnector1">
+            <a:avLst/>
+          </a:prstGeom>
+          <a:ln>
+            <a:tailEnd type="triangle"/>
+          </a:ln>
+        </p:spPr>
+        <p:style>
+          <a:lnRef idx="2">
+            <a:schemeClr val="accent1"/>
+          </a:lnRef>
+          <a:fillRef idx="0">
+            <a:schemeClr val="accent1"/>
+          </a:fillRef>
+          <a:effectRef idx="1">
+            <a:schemeClr val="accent1"/>
+          </a:effectRef>
+          <a:fontRef idx="minor">
+            <a:schemeClr val="tx1"/>
+          </a:fontRef>
+        </p:style>
+      </p:cxnSp>
+      <p:cxnSp>
+        <p:nvCxnSpPr>
+          <p:cNvPr id="36" name="Straight Arrow Connector 35">
+            <a:extLst>
+              <a:ext uri="{FF2B5EF4-FFF2-40B4-BE49-F238E27FC236}">
+                <a16:creationId xmlns:a16="http://schemas.microsoft.com/office/drawing/2014/main" id="{52516B45-B711-3D3C-13F5-D8DFE096DABE}"/>
+              </a:ext>
+            </a:extLst>
+          </p:cNvPr>
+          <p:cNvCxnSpPr>
+            <a:cxnSpLocks/>
+            <a:stCxn id="21" idx="3"/>
+          </p:cNvCxnSpPr>
+          <p:nvPr/>
+        </p:nvCxnSpPr>
+        <p:spPr>
+          <a:xfrm flipV="1">
+            <a:off x="3388029" y="424778"/>
+            <a:ext cx="2905846" cy="344582"/>
+          </a:xfrm>
+          <a:prstGeom prst="straightConnector1">
+            <a:avLst/>
+          </a:prstGeom>
+          <a:ln>
+            <a:tailEnd type="triangle"/>
+          </a:ln>
+        </p:spPr>
+        <p:style>
+          <a:lnRef idx="2">
+            <a:schemeClr val="accent1"/>
+          </a:lnRef>
+          <a:fillRef idx="0">
+            <a:schemeClr val="accent1"/>
+          </a:fillRef>
+          <a:effectRef idx="1">
+            <a:schemeClr val="accent1"/>
+          </a:effectRef>
+          <a:fontRef idx="minor">
+            <a:schemeClr val="tx1"/>
+          </a:fontRef>
+        </p:style>
+      </p:cxnSp>
+      <p:sp>
+        <p:nvSpPr>
+          <p:cNvPr id="41" name="TextBox 40">
+            <a:extLst>
+              <a:ext uri="{FF2B5EF4-FFF2-40B4-BE49-F238E27FC236}">
+                <a16:creationId xmlns:a16="http://schemas.microsoft.com/office/drawing/2014/main" id="{8CFC487C-747A-058D-2DD1-5866D8EEC387}"/>
+              </a:ext>
+            </a:extLst>
+          </p:cNvPr>
+          <p:cNvSpPr txBox="1"/>
+          <p:nvPr/>
+        </p:nvSpPr>
+        <p:spPr>
+          <a:xfrm rot="21215828">
+            <a:off x="3411836" y="301302"/>
+            <a:ext cx="2786654" cy="307777"/>
+          </a:xfrm>
+          <a:prstGeom prst="rect">
+            <a:avLst/>
+          </a:prstGeom>
+          <a:noFill/>
+        </p:spPr>
+        <p:txBody>
+          <a:bodyPr wrap="square" rtlCol="0">
+            <a:spAutoFit/>
+          </a:bodyPr>
+          <a:lstStyle/>
+          <a:p>
+            <a:pPr algn="ctr"/>
+            <a:r>
+              <a:rPr lang="en-GB" sz="1400" dirty="0" err="1"/>
+              <a:t>OnPuzzleGameRuleComplete</a:t>
+            </a:r>
+            <a:endParaRPr lang="en-GB" sz="1400" dirty="0"/>
+          </a:p>
+        </p:txBody>
+      </p:sp>
+      <p:sp>
+        <p:nvSpPr>
+          <p:cNvPr id="42" name="TextBox 41">
+            <a:extLst>
+              <a:ext uri="{FF2B5EF4-FFF2-40B4-BE49-F238E27FC236}">
+                <a16:creationId xmlns:a16="http://schemas.microsoft.com/office/drawing/2014/main" id="{F99CBEF3-A835-30F3-6A1C-C7C4825F0D1A}"/>
+              </a:ext>
+            </a:extLst>
+          </p:cNvPr>
+          <p:cNvSpPr txBox="1"/>
+          <p:nvPr/>
+        </p:nvSpPr>
+        <p:spPr>
+          <a:xfrm rot="512940">
+            <a:off x="4110811" y="3416730"/>
+            <a:ext cx="1400556" cy="646331"/>
+          </a:xfrm>
+          <a:prstGeom prst="rect">
+            <a:avLst/>
+          </a:prstGeom>
+          <a:noFill/>
+        </p:spPr>
+        <p:txBody>
+          <a:bodyPr wrap="square" rtlCol="0">
+            <a:spAutoFit/>
+          </a:bodyPr>
+          <a:lstStyle/>
+          <a:p>
+            <a:pPr algn="ctr"/>
+            <a:r>
+              <a:rPr lang="en-GB" dirty="0"/>
+              <a:t>Damage()</a:t>
+            </a:r>
+          </a:p>
+          <a:p>
+            <a:pPr algn="ctr"/>
+            <a:r>
+              <a:rPr lang="en-GB" dirty="0"/>
+              <a:t>&lt;Interface&gt;</a:t>
+            </a:r>
+          </a:p>
+        </p:txBody>
+      </p:sp>
+      <p:cxnSp>
+        <p:nvCxnSpPr>
+          <p:cNvPr id="43" name="Straight Arrow Connector 42">
+            <a:extLst>
+              <a:ext uri="{FF2B5EF4-FFF2-40B4-BE49-F238E27FC236}">
+                <a16:creationId xmlns:a16="http://schemas.microsoft.com/office/drawing/2014/main" id="{174C9B75-D4A1-1F06-E7E6-CB0A258C8EDC}"/>
+              </a:ext>
+            </a:extLst>
+          </p:cNvPr>
+          <p:cNvCxnSpPr>
+            <a:cxnSpLocks/>
+          </p:cNvCxnSpPr>
+          <p:nvPr/>
+        </p:nvCxnSpPr>
+        <p:spPr>
+          <a:xfrm flipH="1" flipV="1">
+            <a:off x="3346769" y="3538728"/>
+            <a:ext cx="3038839" cy="445163"/>
+          </a:xfrm>
+          <a:prstGeom prst="straightConnector1">
+            <a:avLst/>
+          </a:prstGeom>
+          <a:ln>
+            <a:tailEnd type="triangle"/>
+          </a:ln>
+        </p:spPr>
+        <p:style>
+          <a:lnRef idx="2">
+            <a:schemeClr val="accent1"/>
+          </a:lnRef>
+          <a:fillRef idx="0">
+            <a:schemeClr val="accent1"/>
+          </a:fillRef>
+          <a:effectRef idx="1">
+            <a:schemeClr val="accent1"/>
+          </a:effectRef>
+          <a:fontRef idx="minor">
+            <a:schemeClr val="tx1"/>
+          </a:fontRef>
+        </p:style>
+      </p:cxnSp>
+      <p:sp>
+        <p:nvSpPr>
+          <p:cNvPr id="47" name="TextBox 46">
+            <a:extLst>
+              <a:ext uri="{FF2B5EF4-FFF2-40B4-BE49-F238E27FC236}">
+                <a16:creationId xmlns:a16="http://schemas.microsoft.com/office/drawing/2014/main" id="{3DE8486A-1646-B4D5-E8EE-6092B0CEAB16}"/>
+              </a:ext>
+            </a:extLst>
+          </p:cNvPr>
+          <p:cNvSpPr txBox="1"/>
+          <p:nvPr/>
+        </p:nvSpPr>
+        <p:spPr>
+          <a:xfrm>
+            <a:off x="180015" y="1945886"/>
+            <a:ext cx="1731257" cy="369332"/>
+          </a:xfrm>
+          <a:prstGeom prst="rect">
+            <a:avLst/>
+          </a:prstGeom>
+          <a:noFill/>
+        </p:spPr>
+        <p:txBody>
+          <a:bodyPr wrap="square" rtlCol="0">
+            <a:spAutoFit/>
+          </a:bodyPr>
+          <a:lstStyle/>
+          <a:p>
+            <a:pPr algn="r"/>
+            <a:r>
+              <a:rPr lang="en-GB" dirty="0" err="1"/>
+              <a:t>OnTargetDefeat</a:t>
+            </a:r>
+            <a:endParaRPr lang="en-GB" dirty="0"/>
+          </a:p>
+        </p:txBody>
+      </p:sp>
+      <p:sp>
+        <p:nvSpPr>
+          <p:cNvPr id="75" name="Rectangle 74">
+            <a:extLst>
+              <a:ext uri="{FF2B5EF4-FFF2-40B4-BE49-F238E27FC236}">
+                <a16:creationId xmlns:a16="http://schemas.microsoft.com/office/drawing/2014/main" id="{3DE25C81-1E94-8104-0E20-98F4EDD92F14}"/>
+              </a:ext>
+            </a:extLst>
+          </p:cNvPr>
+          <p:cNvSpPr/>
+          <p:nvPr/>
+        </p:nvSpPr>
+        <p:spPr>
+          <a:xfrm>
+            <a:off x="10155497" y="222684"/>
+            <a:ext cx="1956504" cy="804672"/>
+          </a:xfrm>
+          <a:prstGeom prst="rect">
+            <a:avLst/>
+          </a:prstGeom>
+          <a:solidFill>
+            <a:schemeClr val="accent6">
+              <a:lumMod val="40000"/>
+              <a:lumOff val="60000"/>
+            </a:schemeClr>
+          </a:solidFill>
+          <a:ln>
+            <a:noFill/>
+          </a:ln>
+        </p:spPr>
+        <p:style>
+          <a:lnRef idx="2">
+            <a:schemeClr val="accent1">
+              <a:shade val="15000"/>
+            </a:schemeClr>
+          </a:lnRef>
+          <a:fillRef idx="1">
+            <a:schemeClr val="accent1"/>
+          </a:fillRef>
+          <a:effectRef idx="0">
+            <a:schemeClr val="accent1"/>
+          </a:effectRef>
+          <a:fontRef idx="minor">
+            <a:schemeClr val="lt1"/>
+          </a:fontRef>
+        </p:style>
+        <p:txBody>
+          <a:bodyPr rtlCol="0" anchor="ctr"/>
+          <a:lstStyle/>
+          <a:p>
+            <a:pPr algn="ctr"/>
+            <a:r>
+              <a:rPr lang="en-GB" dirty="0" err="1"/>
+              <a:t>GameRule_Timer</a:t>
+            </a:r>
+            <a:endParaRPr lang="en-GB" dirty="0"/>
+          </a:p>
+        </p:txBody>
+      </p:sp>
+      <p:cxnSp>
+        <p:nvCxnSpPr>
+          <p:cNvPr id="76" name="Straight Arrow Connector 75">
+            <a:extLst>
+              <a:ext uri="{FF2B5EF4-FFF2-40B4-BE49-F238E27FC236}">
+                <a16:creationId xmlns:a16="http://schemas.microsoft.com/office/drawing/2014/main" id="{07BD1696-08BC-58A9-5172-D98B30166634}"/>
+              </a:ext>
+            </a:extLst>
+          </p:cNvPr>
+          <p:cNvCxnSpPr>
+            <a:cxnSpLocks/>
+            <a:stCxn id="75" idx="1"/>
+            <a:endCxn id="49" idx="1"/>
+          </p:cNvCxnSpPr>
+          <p:nvPr/>
+        </p:nvCxnSpPr>
+        <p:spPr>
+          <a:xfrm flipH="1" flipV="1">
+            <a:off x="7958170" y="295321"/>
+            <a:ext cx="2197327" cy="329699"/>
+          </a:xfrm>
+          <a:prstGeom prst="straightConnector1">
+            <a:avLst/>
+          </a:prstGeom>
+          <a:ln>
+            <a:tailEnd type="triangle"/>
+          </a:ln>
+        </p:spPr>
+        <p:style>
+          <a:lnRef idx="2">
+            <a:schemeClr val="accent1"/>
+          </a:lnRef>
+          <a:fillRef idx="0">
+            <a:schemeClr val="accent1"/>
+          </a:fillRef>
+          <a:effectRef idx="1">
+            <a:schemeClr val="accent1"/>
+          </a:effectRef>
+          <a:fontRef idx="minor">
+            <a:schemeClr val="tx1"/>
+          </a:fontRef>
+        </p:style>
+      </p:cxnSp>
+      <p:sp>
+        <p:nvSpPr>
+          <p:cNvPr id="80" name="TextBox 79">
+            <a:extLst>
+              <a:ext uri="{FF2B5EF4-FFF2-40B4-BE49-F238E27FC236}">
+                <a16:creationId xmlns:a16="http://schemas.microsoft.com/office/drawing/2014/main" id="{F99E04BB-153F-401B-EA11-714C64D1A4B4}"/>
+              </a:ext>
+            </a:extLst>
+          </p:cNvPr>
+          <p:cNvSpPr txBox="1"/>
+          <p:nvPr/>
+        </p:nvSpPr>
+        <p:spPr>
+          <a:xfrm rot="501255">
+            <a:off x="7706257" y="181753"/>
+            <a:ext cx="2786654" cy="307777"/>
+          </a:xfrm>
+          <a:prstGeom prst="rect">
+            <a:avLst/>
+          </a:prstGeom>
+          <a:noFill/>
+        </p:spPr>
+        <p:txBody>
+          <a:bodyPr wrap="square" rtlCol="0">
+            <a:spAutoFit/>
+          </a:bodyPr>
+          <a:lstStyle/>
+          <a:p>
+            <a:pPr algn="ctr"/>
+            <a:r>
+              <a:rPr lang="en-GB" sz="1400" dirty="0" err="1"/>
+              <a:t>OnPuzzleGameRuleComplete</a:t>
+            </a:r>
+            <a:endParaRPr lang="en-GB" sz="1400" dirty="0"/>
+          </a:p>
+        </p:txBody>
+      </p:sp>
+      <p:sp>
+        <p:nvSpPr>
+          <p:cNvPr id="15" name="TextBox 14">
+            <a:extLst>
+              <a:ext uri="{FF2B5EF4-FFF2-40B4-BE49-F238E27FC236}">
+                <a16:creationId xmlns:a16="http://schemas.microsoft.com/office/drawing/2014/main" id="{3E0D3DEE-7471-886C-1F01-53939B42904A}"/>
+              </a:ext>
+            </a:extLst>
+          </p:cNvPr>
+          <p:cNvSpPr txBox="1"/>
+          <p:nvPr/>
+        </p:nvSpPr>
+        <p:spPr>
+          <a:xfrm>
+            <a:off x="5258077" y="1163319"/>
+            <a:ext cx="1900159" cy="369332"/>
+          </a:xfrm>
+          <a:prstGeom prst="rect">
+            <a:avLst/>
+          </a:prstGeom>
+          <a:noFill/>
+        </p:spPr>
+        <p:txBody>
+          <a:bodyPr wrap="square" rtlCol="0">
+            <a:spAutoFit/>
+          </a:bodyPr>
+          <a:lstStyle/>
+          <a:p>
+            <a:pPr algn="ctr"/>
+            <a:r>
+              <a:rPr lang="en-GB" dirty="0" err="1"/>
+              <a:t>OnRespawnAlert</a:t>
+            </a:r>
+            <a:endParaRPr lang="en-GB" dirty="0"/>
+          </a:p>
+        </p:txBody>
+      </p:sp>
+      <p:cxnSp>
+        <p:nvCxnSpPr>
+          <p:cNvPr id="18" name="Straight Arrow Connector 17">
+            <a:extLst>
+              <a:ext uri="{FF2B5EF4-FFF2-40B4-BE49-F238E27FC236}">
+                <a16:creationId xmlns:a16="http://schemas.microsoft.com/office/drawing/2014/main" id="{C120323D-18DD-7EAB-4CD0-2CC0241C8EFE}"/>
+              </a:ext>
+            </a:extLst>
+          </p:cNvPr>
+          <p:cNvCxnSpPr>
+            <a:cxnSpLocks/>
+          </p:cNvCxnSpPr>
+          <p:nvPr/>
+        </p:nvCxnSpPr>
+        <p:spPr>
+          <a:xfrm flipV="1">
+            <a:off x="7158236" y="969264"/>
+            <a:ext cx="0" cy="755904"/>
+          </a:xfrm>
+          <a:prstGeom prst="straightConnector1">
+            <a:avLst/>
+          </a:prstGeom>
+          <a:ln>
+            <a:tailEnd type="triangle"/>
+          </a:ln>
+        </p:spPr>
+        <p:style>
+          <a:lnRef idx="2">
+            <a:schemeClr val="accent1"/>
+          </a:lnRef>
+          <a:fillRef idx="0">
+            <a:schemeClr val="accent1"/>
+          </a:fillRef>
+          <a:effectRef idx="1">
+            <a:schemeClr val="accent1"/>
+          </a:effectRef>
+          <a:fontRef idx="minor">
+            <a:schemeClr val="tx1"/>
+          </a:fontRef>
+        </p:style>
+      </p:cxnSp>
+    </p:spTree>
+    <p:extLst>
+      <p:ext uri="{BB962C8B-B14F-4D97-AF65-F5344CB8AC3E}">
+        <p14:creationId xmlns:p14="http://schemas.microsoft.com/office/powerpoint/2010/main" val="3877319224"/>
+      </p:ext>
+    </p:extLst>
+  </p:cSld>
+  <p:clrMapOvr>
+    <a:masterClrMapping/>
+  </p:clrMapOvr>
+</p:sld>
+</file>
+
+<file path=ppt/slides/slide6.xml><?xml version="1.0" encoding="utf-8"?>
+<p:sld xmlns:a="http://schemas.openxmlformats.org/drawingml/2006/main" xmlns:r="http://schemas.openxmlformats.org/officeDocument/2006/relationships" xmlns:p="http://schemas.openxmlformats.org/presentationml/2006/main">
+  <p:cSld>
+    <p:spTree>
+      <p:nvGrpSpPr>
+        <p:cNvPr id="1" name=""/>
+        <p:cNvGrpSpPr/>
+        <p:nvPr/>
+      </p:nvGrpSpPr>
+      <p:grpSpPr>
+        <a:xfrm>
+          <a:off x="0" y="0"/>
+          <a:ext cx="0" cy="0"/>
+          <a:chOff x="0" y="0"/>
+          <a:chExt cx="0" cy="0"/>
+        </a:xfrm>
+      </p:grpSpPr>
+      <p:sp>
+        <p:nvSpPr>
+          <p:cNvPr id="4" name="Rectangle 3">
+            <a:extLst>
+              <a:ext uri="{FF2B5EF4-FFF2-40B4-BE49-F238E27FC236}">
                 <a16:creationId xmlns:a16="http://schemas.microsoft.com/office/drawing/2014/main" id="{9AADFF85-11AE-4836-060F-25660E2333EA}"/>
               </a:ext>
             </a:extLst>
@@ -7214,7 +8011,7 @@
 </p:sld>
 </file>
 
-<file path=ppt/slides/slide6.xml><?xml version="1.0" encoding="utf-8"?>
+<file path=ppt/slides/slide7.xml><?xml version="1.0" encoding="utf-8"?>
 <p:sld xmlns:a="http://schemas.openxmlformats.org/drawingml/2006/main" xmlns:r="http://schemas.openxmlformats.org/officeDocument/2006/relationships" xmlns:p="http://schemas.openxmlformats.org/presentationml/2006/main">
   <p:cSld>
     <p:spTree>
